--- a/非受控文档/05-陈子卿/PRD2018-G11-项目计划PPT.pptx
+++ b/非受控文档/05-陈子卿/PRD2018-G11-项目计划PPT.pptx
@@ -5,42 +5,42 @@
     <p:sldMasterId id="2147483648" r:id="rId1"/>
   </p:sldMasterIdLst>
   <p:notesMasterIdLst>
-    <p:notesMasterId r:id="rId4"/>
+    <p:notesMasterId r:id="rId30"/>
   </p:notesMasterIdLst>
   <p:handoutMasterIdLst>
-    <p:handoutMasterId r:id="rId32"/>
+    <p:handoutMasterId r:id="rId31"/>
   </p:handoutMasterIdLst>
   <p:sldIdLst>
-    <p:sldId id="370" r:id="rId3"/>
-    <p:sldId id="411" r:id="rId5"/>
-    <p:sldId id="418" r:id="rId6"/>
-    <p:sldId id="419" r:id="rId7"/>
-    <p:sldId id="420" r:id="rId8"/>
-    <p:sldId id="439" r:id="rId9"/>
-    <p:sldId id="450" r:id="rId10"/>
-    <p:sldId id="437" r:id="rId11"/>
-    <p:sldId id="456" r:id="rId12"/>
-    <p:sldId id="458" r:id="rId13"/>
-    <p:sldId id="457" r:id="rId14"/>
-    <p:sldId id="459" r:id="rId15"/>
-    <p:sldId id="460" r:id="rId16"/>
-    <p:sldId id="461" r:id="rId17"/>
-    <p:sldId id="462" r:id="rId18"/>
-    <p:sldId id="463" r:id="rId19"/>
-    <p:sldId id="464" r:id="rId20"/>
-    <p:sldId id="465" r:id="rId21"/>
-    <p:sldId id="471" r:id="rId22"/>
-    <p:sldId id="472" r:id="rId23"/>
-    <p:sldId id="473" r:id="rId24"/>
-    <p:sldId id="474" r:id="rId25"/>
-    <p:sldId id="475" r:id="rId26"/>
-    <p:sldId id="476" r:id="rId27"/>
-    <p:sldId id="466" r:id="rId28"/>
-    <p:sldId id="455" r:id="rId29"/>
-    <p:sldId id="451" r:id="rId30"/>
-    <p:sldId id="436" r:id="rId31"/>
+    <p:sldId id="370" r:id="rId2"/>
+    <p:sldId id="411" r:id="rId3"/>
+    <p:sldId id="418" r:id="rId4"/>
+    <p:sldId id="419" r:id="rId5"/>
+    <p:sldId id="420" r:id="rId6"/>
+    <p:sldId id="439" r:id="rId7"/>
+    <p:sldId id="450" r:id="rId8"/>
+    <p:sldId id="437" r:id="rId9"/>
+    <p:sldId id="456" r:id="rId10"/>
+    <p:sldId id="458" r:id="rId11"/>
+    <p:sldId id="457" r:id="rId12"/>
+    <p:sldId id="459" r:id="rId13"/>
+    <p:sldId id="460" r:id="rId14"/>
+    <p:sldId id="461" r:id="rId15"/>
+    <p:sldId id="462" r:id="rId16"/>
+    <p:sldId id="463" r:id="rId17"/>
+    <p:sldId id="464" r:id="rId18"/>
+    <p:sldId id="465" r:id="rId19"/>
+    <p:sldId id="471" r:id="rId20"/>
+    <p:sldId id="472" r:id="rId21"/>
+    <p:sldId id="473" r:id="rId22"/>
+    <p:sldId id="474" r:id="rId23"/>
+    <p:sldId id="475" r:id="rId24"/>
+    <p:sldId id="476" r:id="rId25"/>
+    <p:sldId id="466" r:id="rId26"/>
+    <p:sldId id="455" r:id="rId27"/>
+    <p:sldId id="451" r:id="rId28"/>
+    <p:sldId id="436" r:id="rId29"/>
   </p:sldIdLst>
-  <p:sldSz cx="12190095" cy="6859270"/>
+  <p:sldSz cx="12190413" cy="6859588"/>
   <p:notesSz cx="6858000" cy="9144000"/>
   <p:defaultTextStyle>
     <a:defPPr>
@@ -222,6 +222,7 @@
           <a:p>
             <a:fld id="{5D1C15E6-6BD2-4E4B-B1D4-218C26E1B228}" type="datetimeFigureOut">
               <a:rPr lang="zh-CN" altLang="en-US" smtClean="0"/>
+              <a:t>2018/10/28</a:t>
             </a:fld>
             <a:endParaRPr lang="zh-CN" altLang="en-US"/>
           </a:p>
@@ -287,12 +288,18 @@
           <a:p>
             <a:fld id="{E655EDCA-2189-4435-B38B-6F3C2C044356}" type="slidenum">
               <a:rPr lang="zh-CN" altLang="en-US" smtClean="0"/>
+              <a:t>‹#›</a:t>
             </a:fld>
             <a:endParaRPr lang="zh-CN" altLang="en-US"/>
           </a:p>
         </p:txBody>
       </p:sp>
     </p:spTree>
+    <p:extLst>
+      <p:ext uri="{BB962C8B-B14F-4D97-AF65-F5344CB8AC3E}">
+        <p14:creationId xmlns:p14="http://schemas.microsoft.com/office/powerpoint/2010/main" val="2832020787"/>
+      </p:ext>
+    </p:extLst>
   </p:cSld>
   <p:clrMap bg1="lt1" tx1="dk1" bg2="lt2" tx2="dk2" accent1="accent1" accent2="accent2" accent3="accent3" accent4="accent4" accent5="accent5" accent6="accent6" hlink="hlink" folHlink="folHlink"/>
 </p:handoutMaster>
@@ -380,6 +387,7 @@
           <a:p>
             <a:fld id="{0B17430C-5A66-4BD0-A971-34190B6C6019}" type="datetimeFigureOut">
               <a:rPr lang="zh-CN" altLang="en-US" smtClean="0"/>
+              <a:t>2018/10/28</a:t>
             </a:fld>
             <a:endParaRPr lang="zh-CN" altLang="en-US"/>
           </a:p>
@@ -446,7 +454,6 @@
               <a:rPr lang="zh-CN" altLang="en-US" smtClean="0"/>
               <a:t>单击此处编辑母版文本样式</a:t>
             </a:r>
-            <a:endParaRPr lang="zh-CN" altLang="en-US" smtClean="0"/>
           </a:p>
           <a:p>
             <a:pPr lvl="1"/>
@@ -454,7 +461,6 @@
               <a:rPr lang="zh-CN" altLang="en-US" smtClean="0"/>
               <a:t>第二级</a:t>
             </a:r>
-            <a:endParaRPr lang="zh-CN" altLang="en-US" smtClean="0"/>
           </a:p>
           <a:p>
             <a:pPr lvl="2"/>
@@ -462,7 +468,6 @@
               <a:rPr lang="zh-CN" altLang="en-US" smtClean="0"/>
               <a:t>第三级</a:t>
             </a:r>
-            <a:endParaRPr lang="zh-CN" altLang="en-US" smtClean="0"/>
           </a:p>
           <a:p>
             <a:pPr lvl="3"/>
@@ -470,7 +475,6 @@
               <a:rPr lang="zh-CN" altLang="en-US" smtClean="0"/>
               <a:t>第四级</a:t>
             </a:r>
-            <a:endParaRPr lang="zh-CN" altLang="en-US" smtClean="0"/>
           </a:p>
           <a:p>
             <a:pPr lvl="4"/>
@@ -542,12 +546,18 @@
           <a:p>
             <a:fld id="{74AC173A-3DA8-4893-B28A-1E15F55C330A}" type="slidenum">
               <a:rPr lang="zh-CN" altLang="en-US" smtClean="0"/>
+              <a:t>‹#›</a:t>
             </a:fld>
             <a:endParaRPr lang="zh-CN" altLang="en-US"/>
           </a:p>
         </p:txBody>
       </p:sp>
     </p:spTree>
+    <p:extLst>
+      <p:ext uri="{BB962C8B-B14F-4D97-AF65-F5344CB8AC3E}">
+        <p14:creationId xmlns:p14="http://schemas.microsoft.com/office/powerpoint/2010/main" val="1228874665"/>
+      </p:ext>
+    </p:extLst>
   </p:cSld>
   <p:clrMap bg1="lt1" tx1="dk1" bg2="lt2" tx2="dk2" accent1="accent1" accent2="accent2" accent3="accent3" accent4="accent4" accent5="accent5" accent6="accent6" hlink="hlink" folHlink="folHlink"/>
   <p:notesStyle>
@@ -710,6 +720,7 @@
           <a:p>
             <a:fld id="{74AC173A-3DA8-4893-B28A-1E15F55C330A}" type="slidenum">
               <a:rPr lang="zh-CN" altLang="en-US" smtClean="0"/>
+              <a:t>1</a:t>
             </a:fld>
             <a:endParaRPr lang="zh-CN" altLang="en-US"/>
           </a:p>
@@ -788,6 +799,7 @@
           <a:p>
             <a:fld id="{74AC173A-3DA8-4893-B28A-1E15F55C330A}" type="slidenum">
               <a:rPr lang="zh-CN" altLang="en-US" smtClean="0"/>
+              <a:t>2</a:t>
             </a:fld>
             <a:endParaRPr lang="zh-CN" altLang="en-US"/>
           </a:p>
@@ -866,6 +878,7 @@
           <a:p>
             <a:fld id="{74AC173A-3DA8-4893-B28A-1E15F55C330A}" type="slidenum">
               <a:rPr lang="zh-CN" altLang="en-US" smtClean="0"/>
+              <a:t>3</a:t>
             </a:fld>
             <a:endParaRPr lang="zh-CN" altLang="en-US"/>
           </a:p>
@@ -944,6 +957,7 @@
           <a:p>
             <a:fld id="{74AC173A-3DA8-4893-B28A-1E15F55C330A}" type="slidenum">
               <a:rPr lang="zh-CN" altLang="en-US" smtClean="0"/>
+              <a:t>4</a:t>
             </a:fld>
             <a:endParaRPr lang="zh-CN" altLang="en-US"/>
           </a:p>
@@ -1022,6 +1036,7 @@
           <a:p>
             <a:fld id="{74AC173A-3DA8-4893-B28A-1E15F55C330A}" type="slidenum">
               <a:rPr lang="zh-CN" altLang="en-US" smtClean="0"/>
+              <a:t>5</a:t>
             </a:fld>
             <a:endParaRPr lang="zh-CN" altLang="en-US"/>
           </a:p>
@@ -1100,6 +1115,7 @@
           <a:p>
             <a:fld id="{74AC173A-3DA8-4893-B28A-1E15F55C330A}" type="slidenum">
               <a:rPr lang="zh-CN" altLang="en-US" smtClean="0"/>
+              <a:t>26</a:t>
             </a:fld>
             <a:endParaRPr lang="zh-CN" altLang="en-US"/>
           </a:p>
@@ -1178,6 +1194,7 @@
           <a:p>
             <a:fld id="{74AC173A-3DA8-4893-B28A-1E15F55C330A}" type="slidenum">
               <a:rPr lang="zh-CN" altLang="en-US" smtClean="0"/>
+              <a:t>27</a:t>
             </a:fld>
             <a:endParaRPr lang="zh-CN" altLang="en-US"/>
           </a:p>
@@ -1256,6 +1273,7 @@
           <a:p>
             <a:fld id="{74AC173A-3DA8-4893-B28A-1E15F55C330A}" type="slidenum">
               <a:rPr lang="zh-CN" altLang="en-US" smtClean="0"/>
+              <a:t>28</a:t>
             </a:fld>
             <a:endParaRPr lang="zh-CN" altLang="en-US"/>
           </a:p>
@@ -1467,6 +1485,7 @@
                 <a:latin typeface="微软雅黑" panose="020B0503020204020204" pitchFamily="34" charset="-122"/>
                 <a:ea typeface="微软雅黑" panose="020B0503020204020204" pitchFamily="34" charset="-122"/>
               </a:rPr>
+              <a:t>‹#›</a:t>
             </a:fld>
             <a:r>
               <a:rPr lang="zh-CN" altLang="en-US" sz="1800" dirty="0" smtClean="0">
@@ -2396,6 +2415,7 @@
           <a:p>
             <a:fld id="{530820CF-B880-4189-942D-D702A7CBA730}" type="datetimeFigureOut">
               <a:rPr lang="zh-CN" altLang="en-US" smtClean="0"/>
+              <a:t>2018/10/28</a:t>
             </a:fld>
             <a:endParaRPr lang="zh-CN" altLang="en-US"/>
           </a:p>
@@ -2453,6 +2473,7 @@
           <a:p>
             <a:fld id="{0C913308-F349-4B6D-A68A-DD1791B4A57B}" type="slidenum">
               <a:rPr lang="zh-CN" altLang="en-US" smtClean="0"/>
+              <a:t>‹#›</a:t>
             </a:fld>
             <a:endParaRPr lang="zh-CN" altLang="en-US"/>
           </a:p>
@@ -2511,6 +2532,7 @@
           <a:p>
             <a:fld id="{530820CF-B880-4189-942D-D702A7CBA730}" type="datetimeFigureOut">
               <a:rPr lang="zh-CN" altLang="en-US" smtClean="0"/>
+              <a:t>2018/10/28</a:t>
             </a:fld>
             <a:endParaRPr lang="zh-CN" altLang="en-US"/>
           </a:p>
@@ -2568,6 +2590,7 @@
           <a:p>
             <a:fld id="{0C913308-F349-4B6D-A68A-DD1791B4A57B}" type="slidenum">
               <a:rPr lang="zh-CN" altLang="en-US" smtClean="0"/>
+              <a:t>‹#›</a:t>
             </a:fld>
             <a:endParaRPr lang="zh-CN" altLang="en-US"/>
           </a:p>
@@ -3362,13 +3385,6 @@
               </a:rPr>
               <a:t>软件工程系列课程教学辅助网站</a:t>
             </a:r>
-            <a:endParaRPr lang="zh-CN" altLang="en-US" sz="5400" dirty="0" smtClean="0">
-              <a:solidFill>
-                <a:srgbClr val="38B1BF"/>
-              </a:solidFill>
-              <a:latin typeface="微软雅黑" panose="020B0503020204020204" pitchFamily="34" charset="-122"/>
-              <a:ea typeface="微软雅黑" panose="020B0503020204020204" pitchFamily="34" charset="-122"/>
-            </a:endParaRPr>
           </a:p>
           <a:p>
             <a:pPr algn="l"/>
@@ -3599,7 +3615,7 @@
                 <a:latin typeface="微软雅黑" panose="020B0503020204020204" pitchFamily="34" charset="-122"/>
                 <a:ea typeface="微软雅黑" panose="020B0503020204020204" pitchFamily="34" charset="-122"/>
               </a:rPr>
-              <a:t>24</a:t>
+              <a:t>31</a:t>
             </a:r>
             <a:r>
               <a:rPr lang="zh-CN" altLang="en-US" sz="1900" dirty="0" smtClean="0">
@@ -3671,16 +3687,16 @@
             <a:picLocks noChangeAspect="1"/>
           </p:cNvPicPr>
           <p:nvPr>
-            <a:audioFile r:link="rId1"/>
+            <a:audioFile r:link="rId2"/>
             <p:extLst>
               <p:ext uri="{DAA4B4D4-6D71-4841-9C94-3DE7FCFB9230}">
-                <p14:media xmlns:p14="http://schemas.microsoft.com/office/powerpoint/2010/main" r:embed="rId2"/>
+                <p14:media xmlns:p14="http://schemas.microsoft.com/office/powerpoint/2010/main" r:embed="rId1"/>
               </p:ext>
             </p:extLst>
           </p:nvPr>
         </p:nvPicPr>
         <p:blipFill>
-          <a:blip r:embed="rId3"/>
+          <a:blip r:embed="rId5"/>
           <a:stretch>
             <a:fillRect/>
           </a:stretch>
@@ -3728,14 +3744,6 @@
               </a:rPr>
               <a:t>浙江大学城市学院</a:t>
             </a:r>
-            <a:endParaRPr lang="zh-CN" altLang="en-US" kern="300" spc="2000">
-              <a:solidFill>
-                <a:schemeClr val="tx1"/>
-              </a:solidFill>
-              <a:uFillTx/>
-              <a:latin typeface="+中文标题" charset="0"/>
-              <a:ea typeface="+mj-ea"/>
-            </a:endParaRPr>
           </a:p>
         </p:txBody>
       </p:sp>
@@ -3744,13 +3752,13 @@
   <p:clrMapOvr>
     <a:masterClrMapping/>
   </p:clrMapOvr>
-  <mc:AlternateContent xmlns:mc="http://schemas.openxmlformats.org/markup-compatibility/2006">
-    <mc:Choice xmlns:p14="http://schemas.microsoft.com/office/powerpoint/2010/main" Requires="p14">
+  <mc:AlternateContent xmlns:mc="http://schemas.openxmlformats.org/markup-compatibility/2006" xmlns:p14="http://schemas.microsoft.com/office/powerpoint/2010/main">
+    <mc:Choice Requires="p14">
       <p:transition spd="slow" p14:dur="1600" advClick="0" advTm="0">
         <p:blinds dir="vert"/>
       </p:transition>
     </mc:Choice>
-    <mc:Fallback>
+    <mc:Fallback xmlns="">
       <p:transition spd="slow" advClick="0" advTm="0">
         <p:blinds dir="vert"/>
       </p:transition>
@@ -4734,13 +4742,6 @@
               </a:rPr>
               <a:t>人力资源管理计划</a:t>
             </a:r>
-            <a:endParaRPr lang="zh-CN" altLang="en-US" sz="2665" dirty="0">
-              <a:solidFill>
-                <a:srgbClr val="183A5D"/>
-              </a:solidFill>
-              <a:latin typeface="微软雅黑" panose="020B0503020204020204" pitchFamily="34" charset="-122"/>
-              <a:ea typeface="微软雅黑" panose="020B0503020204020204" pitchFamily="34" charset="-122"/>
-            </a:endParaRPr>
           </a:p>
         </p:txBody>
       </p:sp>
@@ -4778,7 +4779,6 @@
               <a:rPr lang="zh-CN" altLang="zh-CN" sz="2400" b="1" dirty="0"/>
               <a:t>）</a:t>
             </a:r>
-            <a:endParaRPr lang="zh-CN" altLang="zh-CN" sz="2400" b="1" dirty="0"/>
           </a:p>
         </p:txBody>
       </p:sp>
@@ -4791,7 +4791,7 @@
           <p:nvPr/>
         </p:nvPicPr>
         <p:blipFill>
-          <a:blip r:embed="rId1">
+          <a:blip r:embed="rId2">
             <a:extLst>
               <a:ext uri="{28A0092B-C50C-407E-A947-70E740481C1C}">
                 <a14:useLocalDpi xmlns:a14="http://schemas.microsoft.com/office/drawing/2010/main" val="0"/>
@@ -4963,7 +4963,6 @@
               <a:rPr lang="en-US" sz="2400" dirty="0"/>
               <a:t>4</a:t>
             </a:r>
-            <a:endParaRPr lang="en-US" sz="2400" dirty="0"/>
           </a:p>
         </p:txBody>
       </p:sp>
@@ -5045,7 +5044,6 @@
               <a:rPr lang="zh-CN" altLang="zh-CN" sz="2400" b="1" dirty="0"/>
               <a:t>干系人手册</a:t>
             </a:r>
-            <a:endParaRPr lang="zh-CN" altLang="zh-CN" sz="2400" b="1" dirty="0"/>
           </a:p>
         </p:txBody>
       </p:sp>
@@ -5053,7 +5051,13 @@
         <p:nvGraphicFramePr>
           <p:cNvPr id="9" name="表格 8"/>
           <p:cNvGraphicFramePr/>
-          <p:nvPr/>
+          <p:nvPr>
+            <p:extLst>
+              <p:ext uri="{D42A27DB-BD31-4B8C-83A1-F6EECF244321}">
+                <p14:modId xmlns:p14="http://schemas.microsoft.com/office/powerpoint/2010/main" val="2358593901"/>
+              </p:ext>
+            </p:extLst>
+          </p:nvPr>
         </p:nvGraphicFramePr>
         <p:xfrm>
           <a:off x="3218815" y="1604010"/>
@@ -5075,26 +5079,27 @@
                 <a:tc>
                   <a:txBody>
                     <a:bodyPr/>
+                    <a:lstStyle/>
                     <a:p>
                       <a:pPr indent="0">
                         <a:buNone/>
                       </a:pPr>
                       <a:r>
-                        <a:rPr lang="en-US" sz="1800" b="1">
+                        <a:rPr lang="en-US" sz="1800" b="1" dirty="0" err="1">
                           <a:latin typeface="宋体" panose="02010600030101010101" pitchFamily="2" charset="-122"/>
                           <a:ea typeface="宋体" panose="02010600030101010101" pitchFamily="2" charset="-122"/>
                           <a:cs typeface="宋体" panose="02010600030101010101" pitchFamily="2" charset="-122"/>
                         </a:rPr>
                         <a:t>积极干系人</a:t>
                       </a:r>
-                      <a:endParaRPr lang="en-US" altLang="en-US" sz="1800" b="1">
+                      <a:endParaRPr lang="en-US" altLang="en-US" sz="1800" b="1" dirty="0">
                         <a:latin typeface="宋体" panose="02010600030101010101" pitchFamily="2" charset="-122"/>
                         <a:ea typeface="宋体" panose="02010600030101010101" pitchFamily="2" charset="-122"/>
                         <a:cs typeface="宋体" panose="02010600030101010101" pitchFamily="2" charset="-122"/>
                       </a:endParaRPr>
                     </a:p>
                   </a:txBody>
-                  <a:tcPr marL="68580" marR="68580" marT="0" marB="0" vert="horz" anchor="ctr">
+                  <a:tcPr marL="68580" marR="68580" marT="0" marB="0" anchor="ctr">
                     <a:lnL w="12700" cap="flat" cmpd="sng">
                       <a:solidFill>
                         <a:srgbClr val="080000"/>
@@ -5141,6 +5146,7 @@
                 <a:tc>
                   <a:txBody>
                     <a:bodyPr/>
+                    <a:lstStyle/>
                     <a:p>
                       <a:pPr indent="0">
                         <a:buNone/>
@@ -5160,7 +5166,7 @@
                       </a:endParaRPr>
                     </a:p>
                   </a:txBody>
-                  <a:tcPr marL="68580" marR="68580" marT="0" marB="0" vert="horz" anchor="ctr">
+                  <a:tcPr marL="68580" marR="68580" marT="0" marB="0" anchor="ctr">
                     <a:lnL w="12700" cap="flat" cmpd="sng">
                       <a:solidFill>
                         <a:srgbClr val="080000"/>
@@ -5207,6 +5213,7 @@
                 <a:tc>
                   <a:txBody>
                     <a:bodyPr/>
+                    <a:lstStyle/>
                     <a:p>
                       <a:pPr indent="0">
                         <a:buNone/>
@@ -5226,7 +5233,7 @@
                       </a:endParaRPr>
                     </a:p>
                   </a:txBody>
-                  <a:tcPr marL="68580" marR="68580" marT="0" marB="0" vert="horz" anchor="ctr">
+                  <a:tcPr marL="68580" marR="68580" marT="0" marB="0" anchor="ctr">
                     <a:lnL w="12700" cap="flat" cmpd="sng">
                       <a:solidFill>
                         <a:srgbClr val="080000"/>
@@ -5273,6 +5280,7 @@
                 <a:tc>
                   <a:txBody>
                     <a:bodyPr/>
+                    <a:lstStyle/>
                     <a:p>
                       <a:pPr indent="0">
                         <a:buNone/>
@@ -5292,7 +5300,7 @@
                       </a:endParaRPr>
                     </a:p>
                   </a:txBody>
-                  <a:tcPr marL="68580" marR="68580" marT="0" marB="0" vert="horz" anchor="t">
+                  <a:tcPr marL="68580" marR="68580" marT="0" marB="0">
                     <a:lnL w="12700" cap="flat" cmpd="sng">
                       <a:solidFill>
                         <a:srgbClr val="080000"/>
@@ -5341,6 +5349,7 @@
                 <a:tc>
                   <a:txBody>
                     <a:bodyPr/>
+                    <a:lstStyle/>
                     <a:p>
                       <a:pPr indent="0">
                         <a:buNone/>
@@ -5360,7 +5369,7 @@
                       </a:endParaRPr>
                     </a:p>
                   </a:txBody>
-                  <a:tcPr marL="68580" marR="68580" marT="0" marB="0" vert="horz" anchor="ctr">
+                  <a:tcPr marL="68580" marR="68580" marT="0" marB="0" anchor="ctr">
                     <a:lnL w="12700" cap="flat" cmpd="sng">
                       <a:solidFill>
                         <a:srgbClr val="080000"/>
@@ -5407,6 +5416,7 @@
                 <a:tc>
                   <a:txBody>
                     <a:bodyPr/>
+                    <a:lstStyle/>
                     <a:p>
                       <a:pPr indent="0">
                         <a:buNone/>
@@ -5425,7 +5435,7 @@
                       </a:endParaRPr>
                     </a:p>
                   </a:txBody>
-                  <a:tcPr marL="68580" marR="68580" marT="0" marB="0" vert="horz" anchor="ctr">
+                  <a:tcPr marL="68580" marR="68580" marT="0" marB="0" anchor="ctr">
                     <a:lnL w="12700" cap="flat" cmpd="sng">
                       <a:solidFill>
                         <a:srgbClr val="080000"/>
@@ -5472,6 +5482,7 @@
                 <a:tc>
                   <a:txBody>
                     <a:bodyPr/>
+                    <a:lstStyle/>
                     <a:p>
                       <a:pPr indent="0">
                         <a:buNone/>
@@ -5490,7 +5501,7 @@
                       </a:endParaRPr>
                     </a:p>
                   </a:txBody>
-                  <a:tcPr marL="68580" marR="68580" marT="0" marB="0" vert="horz" anchor="ctr">
+                  <a:tcPr marL="68580" marR="68580" marT="0" marB="0" anchor="ctr">
                     <a:lnL w="12700" cap="flat" cmpd="sng">
                       <a:solidFill>
                         <a:srgbClr val="080000"/>
@@ -5535,6 +5546,7 @@
                 <a:tc>
                   <a:txBody>
                     <a:bodyPr/>
+                    <a:lstStyle/>
                     <a:p>
                       <a:pPr indent="0">
                         <a:buNone/>
@@ -5561,7 +5573,7 @@
                       </a:endParaRPr>
                     </a:p>
                   </a:txBody>
-                  <a:tcPr marL="68580" marR="68580" marT="0" marB="0" vert="horz" anchor="t">
+                  <a:tcPr marL="68580" marR="68580" marT="0" marB="0">
                     <a:lnL w="12700" cap="flat" cmpd="sng">
                       <a:solidFill>
                         <a:srgbClr val="080000"/>
@@ -5608,6 +5620,7 @@
                 <a:tc>
                   <a:txBody>
                     <a:bodyPr/>
+                    <a:lstStyle/>
                     <a:p>
                       <a:pPr indent="0">
                         <a:buNone/>
@@ -5627,7 +5640,7 @@
                       </a:endParaRPr>
                     </a:p>
                   </a:txBody>
-                  <a:tcPr marL="68580" marR="68580" marT="0" marB="0" vert="horz" anchor="ctr">
+                  <a:tcPr marL="68580" marR="68580" marT="0" marB="0" anchor="ctr">
                     <a:lnL w="12700" cap="flat" cmpd="sng">
                       <a:solidFill>
                         <a:srgbClr val="080000"/>
@@ -5674,6 +5687,7 @@
                 <a:tc>
                   <a:txBody>
                     <a:bodyPr/>
+                    <a:lstStyle/>
                     <a:p>
                       <a:pPr indent="0">
                         <a:buNone/>
@@ -5692,7 +5706,7 @@
                       </a:endParaRPr>
                     </a:p>
                   </a:txBody>
-                  <a:tcPr marL="68580" marR="68580" marT="0" marB="0" vert="horz" anchor="ctr">
+                  <a:tcPr marL="68580" marR="68580" marT="0" marB="0" anchor="ctr">
                     <a:lnL w="12700" cap="flat" cmpd="sng">
                       <a:solidFill>
                         <a:srgbClr val="080000"/>
@@ -5739,6 +5753,7 @@
                 <a:tc>
                   <a:txBody>
                     <a:bodyPr/>
+                    <a:lstStyle/>
                     <a:p>
                       <a:pPr indent="0">
                         <a:buNone/>
@@ -5757,7 +5772,7 @@
                       </a:endParaRPr>
                     </a:p>
                   </a:txBody>
-                  <a:tcPr marL="68580" marR="68580" marT="0" marB="0" vert="horz" anchor="t">
+                  <a:tcPr marL="68580" marR="68580" marT="0" marB="0">
                     <a:lnL w="12700" cap="flat" cmpd="sng">
                       <a:solidFill>
                         <a:srgbClr val="080000"/>
@@ -5802,6 +5817,7 @@
                 <a:tc>
                   <a:txBody>
                     <a:bodyPr/>
+                    <a:lstStyle/>
                     <a:p>
                       <a:pPr indent="0">
                         <a:buNone/>
@@ -5836,7 +5852,7 @@
                       </a:endParaRPr>
                     </a:p>
                   </a:txBody>
-                  <a:tcPr marL="68580" marR="68580" marT="0" marB="0" vert="horz" anchor="t">
+                  <a:tcPr marL="68580" marR="68580" marT="0" marB="0">
                     <a:lnL w="12700" cap="flat" cmpd="sng">
                       <a:solidFill>
                         <a:srgbClr val="080000"/>
@@ -5883,6 +5899,7 @@
                 <a:tc>
                   <a:txBody>
                     <a:bodyPr/>
+                    <a:lstStyle/>
                     <a:p>
                       <a:pPr indent="0">
                         <a:buNone/>
@@ -5902,7 +5919,7 @@
                       </a:endParaRPr>
                     </a:p>
                   </a:txBody>
-                  <a:tcPr marL="68580" marR="68580" marT="0" marB="0" vert="horz" anchor="ctr">
+                  <a:tcPr marL="68580" marR="68580" marT="0" marB="0" anchor="ctr">
                     <a:lnL w="12700" cap="flat" cmpd="sng">
                       <a:solidFill>
                         <a:srgbClr val="080000"/>
@@ -5949,6 +5966,7 @@
                 <a:tc>
                   <a:txBody>
                     <a:bodyPr/>
+                    <a:lstStyle/>
                     <a:p>
                       <a:pPr indent="0">
                         <a:buNone/>
@@ -5967,7 +5985,7 @@
                       </a:endParaRPr>
                     </a:p>
                   </a:txBody>
-                  <a:tcPr marL="68580" marR="68580" marT="0" marB="0" vert="horz" anchor="ctr">
+                  <a:tcPr marL="68580" marR="68580" marT="0" marB="0" anchor="ctr">
                     <a:lnL w="12700" cap="flat" cmpd="sng">
                       <a:solidFill>
                         <a:srgbClr val="080000"/>
@@ -6014,6 +6032,7 @@
                 <a:tc>
                   <a:txBody>
                     <a:bodyPr/>
+                    <a:lstStyle/>
                     <a:p>
                       <a:pPr indent="0">
                         <a:buNone/>
@@ -6047,7 +6066,7 @@
                       </a:endParaRPr>
                     </a:p>
                   </a:txBody>
-                  <a:tcPr marL="68580" marR="68580" marT="0" marB="0" vert="horz" anchor="ctr">
+                  <a:tcPr marL="68580" marR="68580" marT="0" marB="0" anchor="ctr">
                     <a:lnL w="12700" cap="flat" cmpd="sng">
                       <a:solidFill>
                         <a:srgbClr val="080000"/>
@@ -6092,6 +6111,7 @@
                 <a:tc>
                   <a:txBody>
                     <a:bodyPr/>
+                    <a:lstStyle/>
                     <a:p>
                       <a:pPr indent="0">
                         <a:buNone/>
@@ -6118,7 +6138,7 @@
                       </a:endParaRPr>
                     </a:p>
                   </a:txBody>
-                  <a:tcPr marL="68580" marR="68580" marT="0" marB="0" vert="horz" anchor="t">
+                  <a:tcPr marL="68580" marR="68580" marT="0" marB="0">
                     <a:lnL w="12700" cap="flat" cmpd="sng">
                       <a:solidFill>
                         <a:srgbClr val="080000"/>
@@ -6165,6 +6185,7 @@
                 <a:tc>
                   <a:txBody>
                     <a:bodyPr/>
+                    <a:lstStyle/>
                     <a:p>
                       <a:pPr indent="0">
                         <a:buNone/>
@@ -6184,7 +6205,7 @@
                       </a:endParaRPr>
                     </a:p>
                   </a:txBody>
-                  <a:tcPr marL="68580" marR="68580" marT="0" marB="0" vert="horz" anchor="ctr">
+                  <a:tcPr marL="68580" marR="68580" marT="0" marB="0" anchor="ctr">
                     <a:lnL w="12700" cap="flat" cmpd="sng">
                       <a:solidFill>
                         <a:srgbClr val="080000"/>
@@ -6231,6 +6252,7 @@
                 <a:tc>
                   <a:txBody>
                     <a:bodyPr/>
+                    <a:lstStyle/>
                     <a:p>
                       <a:pPr indent="0">
                         <a:buNone/>
@@ -6249,7 +6271,7 @@
                       </a:endParaRPr>
                     </a:p>
                   </a:txBody>
-                  <a:tcPr marL="68580" marR="68580" marT="0" marB="0" vert="horz" anchor="ctr">
+                  <a:tcPr marL="68580" marR="68580" marT="0" marB="0" anchor="ctr">
                     <a:lnL w="12700" cap="flat" cmpd="sng">
                       <a:solidFill>
                         <a:srgbClr val="080000"/>
@@ -6296,18 +6318,27 @@
                 <a:tc>
                   <a:txBody>
                     <a:bodyPr/>
+                    <a:lstStyle/>
                     <a:p>
                       <a:pPr indent="0">
                         <a:buNone/>
                       </a:pPr>
-                      <a:endParaRPr lang="en-US" altLang="en-US" sz="1800" b="0">
+                      <a:r>
+                        <a:rPr lang="en-US" altLang="en-US" sz="1800" b="0" dirty="0" smtClean="0">
+                          <a:latin typeface="Calibri" panose="020F0502020204030204" charset="0"/>
+                          <a:ea typeface="Calibri" panose="020F0502020204030204" charset="0"/>
+                          <a:cs typeface="Calibri" panose="020F0502020204030204" charset="0"/>
+                        </a:rPr>
+                        <a:t>31601390@stu.zucc.edu.cn</a:t>
+                      </a:r>
+                      <a:endParaRPr lang="en-US" altLang="en-US" sz="1800" b="0" dirty="0">
                         <a:latin typeface="Calibri" panose="020F0502020204030204" charset="0"/>
                         <a:ea typeface="Calibri" panose="020F0502020204030204" charset="0"/>
                         <a:cs typeface="Calibri" panose="020F0502020204030204" charset="0"/>
                       </a:endParaRPr>
                     </a:p>
                   </a:txBody>
-                  <a:tcPr marL="68580" marR="68580" marT="0" marB="0" vert="horz" anchor="ctr">
+                  <a:tcPr marL="68580" marR="68580" marT="0" marB="0" anchor="ctr">
                     <a:lnL w="12700" cap="flat" cmpd="sng">
                       <a:solidFill>
                         <a:srgbClr val="080000"/>
@@ -6352,6 +6383,7 @@
                 <a:tc>
                   <a:txBody>
                     <a:bodyPr/>
+                    <a:lstStyle/>
                     <a:p>
                       <a:pPr indent="0">
                         <a:buNone/>
@@ -6371,7 +6403,7 @@
                       </a:endParaRPr>
                     </a:p>
                   </a:txBody>
-                  <a:tcPr marL="68580" marR="68580" marT="0" marB="0" vert="horz" anchor="t">
+                  <a:tcPr marL="68580" marR="68580" marT="0" marB="0">
                     <a:lnL w="12700" cap="flat" cmpd="sng">
                       <a:solidFill>
                         <a:srgbClr val="080000"/>
@@ -6418,6 +6450,7 @@
                 <a:tc>
                   <a:txBody>
                     <a:bodyPr/>
+                    <a:lstStyle/>
                     <a:p>
                       <a:pPr indent="0">
                         <a:buNone/>
@@ -6437,7 +6470,7 @@
                       </a:endParaRPr>
                     </a:p>
                   </a:txBody>
-                  <a:tcPr marL="68580" marR="68580" marT="0" marB="0" vert="horz" anchor="ctr">
+                  <a:tcPr marL="68580" marR="68580" marT="0" marB="0" anchor="ctr">
                     <a:lnL w="12700" cap="flat" cmpd="sng">
                       <a:solidFill>
                         <a:srgbClr val="080000"/>
@@ -6484,6 +6517,7 @@
                 <a:tc>
                   <a:txBody>
                     <a:bodyPr/>
+                    <a:lstStyle/>
                     <a:p>
                       <a:pPr indent="0">
                         <a:buNone/>
@@ -6502,7 +6536,7 @@
                       </a:endParaRPr>
                     </a:p>
                   </a:txBody>
-                  <a:tcPr marL="68580" marR="68580" marT="0" marB="0" vert="horz" anchor="ctr">
+                  <a:tcPr marL="68580" marR="68580" marT="0" marB="0" anchor="ctr">
                     <a:lnL w="12700" cap="flat" cmpd="sng">
                       <a:solidFill>
                         <a:srgbClr val="080000"/>
@@ -6549,6 +6583,7 @@
                 <a:tc>
                   <a:txBody>
                     <a:bodyPr/>
+                    <a:lstStyle/>
                     <a:p>
                       <a:pPr indent="0">
                         <a:buNone/>
@@ -6575,7 +6610,7 @@
                       </a:endParaRPr>
                     </a:p>
                   </a:txBody>
-                  <a:tcPr marL="68580" marR="68580" marT="0" marB="0" vert="horz" anchor="ctr">
+                  <a:tcPr marL="68580" marR="68580" marT="0" marB="0" anchor="ctr">
                     <a:lnL w="12700" cap="flat" cmpd="sng">
                       <a:solidFill>
                         <a:srgbClr val="080000"/>
@@ -6620,6 +6655,7 @@
                 <a:tc>
                   <a:txBody>
                     <a:bodyPr/>
+                    <a:lstStyle/>
                     <a:p>
                       <a:pPr indent="0">
                         <a:buNone/>
@@ -6644,7 +6680,7 @@
                       </a:endParaRPr>
                     </a:p>
                   </a:txBody>
-                  <a:tcPr marL="68580" marR="68580" marT="0" marB="0" vert="horz" anchor="t">
+                  <a:tcPr marL="68580" marR="68580" marT="0" marB="0">
                     <a:lnL w="12700" cap="flat" cmpd="sng">
                       <a:solidFill>
                         <a:srgbClr val="080000"/>
@@ -6818,7 +6854,6 @@
               <a:rPr lang="en-US" sz="2400" dirty="0"/>
               <a:t>4</a:t>
             </a:r>
-            <a:endParaRPr lang="en-US" sz="2400" dirty="0"/>
           </a:p>
         </p:txBody>
       </p:sp>
@@ -6900,7 +6935,6 @@
               <a:rPr lang="zh-CN" altLang="zh-CN" sz="2400" b="1" dirty="0"/>
               <a:t>正式沟通计划</a:t>
             </a:r>
-            <a:endParaRPr lang="zh-CN" altLang="zh-CN" sz="2400" b="1" dirty="0"/>
           </a:p>
         </p:txBody>
       </p:sp>
@@ -6930,7 +6964,6 @@
               <a:rPr lang="zh-CN" altLang="zh-CN" sz="2400" b="1" dirty="0"/>
               <a:t>非正式沟通计划</a:t>
             </a:r>
-            <a:endParaRPr lang="zh-CN" altLang="zh-CN" sz="2400" b="1" dirty="0"/>
           </a:p>
         </p:txBody>
       </p:sp>
@@ -6942,7 +6975,7 @@
         </p:nvGraphicFramePr>
         <p:xfrm>
           <a:off x="2025650" y="1443355"/>
-          <a:ext cx="6988175" cy="2672715"/>
+          <a:ext cx="6988175" cy="2842260"/>
         </p:xfrm>
         <a:graphic>
           <a:graphicData uri="http://schemas.openxmlformats.org/drawingml/2006/table">
@@ -6962,6 +6995,7 @@
                 <a:tc>
                   <a:txBody>
                     <a:bodyPr/>
+                    <a:lstStyle/>
                     <a:p>
                       <a:pPr indent="0">
                         <a:buNone/>
@@ -6981,7 +7015,7 @@
                       </a:endParaRPr>
                     </a:p>
                   </a:txBody>
-                  <a:tcPr marL="68580" marR="68580" marT="0" marB="0" vert="horz" anchor="t">
+                  <a:tcPr marL="68580" marR="68580" marT="0" marB="0">
                     <a:lnL w="12700" cap="flat" cmpd="sng">
                       <a:solidFill>
                         <a:srgbClr val="080000"/>
@@ -7028,6 +7062,7 @@
                 <a:tc>
                   <a:txBody>
                     <a:bodyPr/>
+                    <a:lstStyle/>
                     <a:p>
                       <a:pPr indent="0">
                         <a:buNone/>
@@ -7047,7 +7082,7 @@
                       </a:endParaRPr>
                     </a:p>
                   </a:txBody>
-                  <a:tcPr marL="68580" marR="68580" marT="0" marB="0" vert="horz" anchor="t">
+                  <a:tcPr marL="68580" marR="68580" marT="0" marB="0">
                     <a:lnL w="12700" cap="flat" cmpd="sng">
                       <a:solidFill>
                         <a:srgbClr val="080000"/>
@@ -7094,6 +7129,7 @@
                 <a:tc>
                   <a:txBody>
                     <a:bodyPr/>
+                    <a:lstStyle/>
                     <a:p>
                       <a:pPr indent="0">
                         <a:buNone/>
@@ -7113,7 +7149,7 @@
                       </a:endParaRPr>
                     </a:p>
                   </a:txBody>
-                  <a:tcPr marL="68580" marR="68580" marT="0" marB="0" vert="horz" anchor="t">
+                  <a:tcPr marL="68580" marR="68580" marT="0" marB="0">
                     <a:lnL w="12700" cap="flat" cmpd="sng">
                       <a:solidFill>
                         <a:srgbClr val="080000"/>
@@ -7160,6 +7196,7 @@
                 <a:tc>
                   <a:txBody>
                     <a:bodyPr/>
+                    <a:lstStyle/>
                     <a:p>
                       <a:pPr indent="0">
                         <a:buNone/>
@@ -7179,7 +7216,7 @@
                       </a:endParaRPr>
                     </a:p>
                   </a:txBody>
-                  <a:tcPr marL="68580" marR="68580" marT="0" marB="0" vert="horz" anchor="t">
+                  <a:tcPr marL="68580" marR="68580" marT="0" marB="0">
                     <a:lnL w="12700" cap="flat" cmpd="sng">
                       <a:solidFill>
                         <a:srgbClr val="080000"/>
@@ -7226,6 +7263,7 @@
                 <a:tc>
                   <a:txBody>
                     <a:bodyPr/>
+                    <a:lstStyle/>
                     <a:p>
                       <a:pPr indent="0">
                         <a:buNone/>
@@ -7245,7 +7283,7 @@
                       </a:endParaRPr>
                     </a:p>
                   </a:txBody>
-                  <a:tcPr marL="68580" marR="68580" marT="0" marB="0" vert="horz" anchor="t">
+                  <a:tcPr marL="68580" marR="68580" marT="0" marB="0">
                     <a:lnL w="12700" cap="flat" cmpd="sng">
                       <a:solidFill>
                         <a:srgbClr val="080000"/>
@@ -7292,6 +7330,7 @@
                 <a:tc>
                   <a:txBody>
                     <a:bodyPr/>
+                    <a:lstStyle/>
                     <a:p>
                       <a:pPr indent="0">
                         <a:buNone/>
@@ -7311,7 +7350,7 @@
                       </a:endParaRPr>
                     </a:p>
                   </a:txBody>
-                  <a:tcPr marL="68580" marR="68580" marT="0" marB="0" vert="horz" anchor="t">
+                  <a:tcPr marL="68580" marR="68580" marT="0" marB="0">
                     <a:lnL w="12700" cap="flat" cmpd="sng">
                       <a:solidFill>
                         <a:srgbClr val="080000"/>
@@ -7360,6 +7399,7 @@
                 <a:tc>
                   <a:txBody>
                     <a:bodyPr/>
+                    <a:lstStyle/>
                     <a:p>
                       <a:pPr indent="0">
                         <a:buNone/>
@@ -7379,7 +7419,7 @@
                       </a:endParaRPr>
                     </a:p>
                   </a:txBody>
-                  <a:tcPr marL="68580" marR="68580" marT="0" marB="0" vert="horz" anchor="t">
+                  <a:tcPr marL="68580" marR="68580" marT="0" marB="0">
                     <a:lnL w="12700" cap="flat" cmpd="sng">
                       <a:solidFill>
                         <a:srgbClr val="080000"/>
@@ -7424,6 +7464,7 @@
                 <a:tc>
                   <a:txBody>
                     <a:bodyPr/>
+                    <a:lstStyle/>
                     <a:p>
                       <a:pPr indent="0">
                         <a:buNone/>
@@ -7443,7 +7484,7 @@
                       </a:endParaRPr>
                     </a:p>
                   </a:txBody>
-                  <a:tcPr marL="68580" marR="68580" marT="0" marB="0" vert="horz" anchor="t">
+                  <a:tcPr marL="68580" marR="68580" marT="0" marB="0">
                     <a:lnL w="12700" cap="flat" cmpd="sng">
                       <a:solidFill>
                         <a:srgbClr val="080000"/>
@@ -7488,6 +7529,7 @@
                 <a:tc>
                   <a:txBody>
                     <a:bodyPr/>
+                    <a:lstStyle/>
                     <a:p>
                       <a:pPr indent="0">
                         <a:buNone/>
@@ -7507,7 +7549,7 @@
                       </a:endParaRPr>
                     </a:p>
                   </a:txBody>
-                  <a:tcPr marL="68580" marR="68580" marT="0" marB="0" vert="horz" anchor="t">
+                  <a:tcPr marL="68580" marR="68580" marT="0" marB="0">
                     <a:lnL w="12700" cap="flat" cmpd="sng">
                       <a:solidFill>
                         <a:srgbClr val="080000"/>
@@ -7552,6 +7594,7 @@
                 <a:tc>
                   <a:txBody>
                     <a:bodyPr/>
+                    <a:lstStyle/>
                     <a:p>
                       <a:pPr indent="0">
                         <a:buNone/>
@@ -7571,7 +7614,7 @@
                       </a:endParaRPr>
                     </a:p>
                   </a:txBody>
-                  <a:tcPr marL="68580" marR="68580" marT="0" marB="0" vert="horz" anchor="t">
+                  <a:tcPr marL="68580" marR="68580" marT="0" marB="0">
                     <a:lnL w="12700" cap="flat" cmpd="sng">
                       <a:solidFill>
                         <a:srgbClr val="080000"/>
@@ -7616,6 +7659,7 @@
                 <a:tc>
                   <a:txBody>
                     <a:bodyPr/>
+                    <a:lstStyle/>
                     <a:p>
                       <a:pPr indent="0">
                         <a:buNone/>
@@ -7635,7 +7679,7 @@
                       </a:endParaRPr>
                     </a:p>
                   </a:txBody>
-                  <a:tcPr marL="68580" marR="68580" marT="0" marB="0" vert="horz" anchor="t">
+                  <a:tcPr marL="68580" marR="68580" marT="0" marB="0">
                     <a:lnL w="12700" cap="flat" cmpd="sng">
                       <a:solidFill>
                         <a:srgbClr val="080000"/>
@@ -7680,6 +7724,7 @@
                 <a:tc>
                   <a:txBody>
                     <a:bodyPr/>
+                    <a:lstStyle/>
                     <a:p>
                       <a:pPr indent="0">
                         <a:buNone/>
@@ -7714,7 +7759,7 @@
                       </a:endParaRPr>
                     </a:p>
                   </a:txBody>
-                  <a:tcPr marL="68580" marR="68580" marT="0" marB="0" vert="horz" anchor="t">
+                  <a:tcPr marL="68580" marR="68580" marT="0" marB="0">
                     <a:lnL w="12700" cap="flat" cmpd="sng">
                       <a:solidFill>
                         <a:srgbClr val="080000"/>
@@ -7761,6 +7806,7 @@
                 <a:tc>
                   <a:txBody>
                     <a:bodyPr/>
+                    <a:lstStyle/>
                     <a:p>
                       <a:pPr indent="0">
                         <a:buNone/>
@@ -7780,7 +7826,7 @@
                       </a:endParaRPr>
                     </a:p>
                   </a:txBody>
-                  <a:tcPr marL="68580" marR="68580" marT="0" marB="0" vert="horz" anchor="t">
+                  <a:tcPr marL="68580" marR="68580" marT="0" marB="0">
                     <a:lnL w="12700" cap="flat" cmpd="sng">
                       <a:solidFill>
                         <a:srgbClr val="080000"/>
@@ -7825,6 +7871,7 @@
                 <a:tc>
                   <a:txBody>
                     <a:bodyPr/>
+                    <a:lstStyle/>
                     <a:p>
                       <a:pPr indent="0">
                         <a:buNone/>
@@ -7844,7 +7891,7 @@
                       </a:endParaRPr>
                     </a:p>
                   </a:txBody>
-                  <a:tcPr marL="68580" marR="68580" marT="0" marB="0" vert="horz" anchor="t">
+                  <a:tcPr marL="68580" marR="68580" marT="0" marB="0">
                     <a:lnL w="12700" cap="flat" cmpd="sng">
                       <a:solidFill>
                         <a:srgbClr val="080000"/>
@@ -7889,6 +7936,7 @@
                 <a:tc>
                   <a:txBody>
                     <a:bodyPr/>
+                    <a:lstStyle/>
                     <a:p>
                       <a:pPr indent="0">
                         <a:buNone/>
@@ -7908,7 +7956,7 @@
                       </a:endParaRPr>
                     </a:p>
                   </a:txBody>
-                  <a:tcPr marL="68580" marR="68580" marT="0" marB="0" vert="horz" anchor="t">
+                  <a:tcPr marL="68580" marR="68580" marT="0" marB="0">
                     <a:lnL w="12700" cap="flat" cmpd="sng">
                       <a:solidFill>
                         <a:srgbClr val="080000"/>
@@ -7953,6 +8001,7 @@
                 <a:tc>
                   <a:txBody>
                     <a:bodyPr/>
+                    <a:lstStyle/>
                     <a:p>
                       <a:pPr indent="0">
                         <a:buNone/>
@@ -7972,7 +8021,7 @@
                       </a:endParaRPr>
                     </a:p>
                   </a:txBody>
-                  <a:tcPr marL="68580" marR="68580" marT="0" marB="0" vert="horz" anchor="t">
+                  <a:tcPr marL="68580" marR="68580" marT="0" marB="0">
                     <a:lnL w="12700" cap="flat" cmpd="sng">
                       <a:solidFill>
                         <a:srgbClr val="080000"/>
@@ -8017,6 +8066,7 @@
                 <a:tc>
                   <a:txBody>
                     <a:bodyPr/>
+                    <a:lstStyle/>
                     <a:p>
                       <a:pPr indent="0">
                         <a:buNone/>
@@ -8036,7 +8086,7 @@
                       </a:endParaRPr>
                     </a:p>
                   </a:txBody>
-                  <a:tcPr marL="68580" marR="68580" marT="0" marB="0" vert="horz" anchor="t">
+                  <a:tcPr marL="68580" marR="68580" marT="0" marB="0">
                     <a:lnL w="12700" cap="flat" cmpd="sng">
                       <a:solidFill>
                         <a:srgbClr val="080000"/>
@@ -8081,6 +8131,7 @@
                 <a:tc>
                   <a:txBody>
                     <a:bodyPr/>
+                    <a:lstStyle/>
                     <a:p>
                       <a:pPr indent="0">
                         <a:buNone/>
@@ -8100,7 +8151,7 @@
                       </a:endParaRPr>
                     </a:p>
                   </a:txBody>
-                  <a:tcPr marL="68580" marR="68580" marT="0" marB="0" vert="horz" anchor="t">
+                  <a:tcPr marL="68580" marR="68580" marT="0" marB="0">
                     <a:lnL w="12700" cap="flat" cmpd="sng">
                       <a:solidFill>
                         <a:srgbClr val="080000"/>
@@ -8147,6 +8198,7 @@
                 <a:tc>
                   <a:txBody>
                     <a:bodyPr/>
+                    <a:lstStyle/>
                     <a:p>
                       <a:pPr indent="0">
                         <a:buNone/>
@@ -8166,7 +8218,7 @@
                       </a:endParaRPr>
                     </a:p>
                   </a:txBody>
-                  <a:tcPr marL="68580" marR="68580" marT="0" marB="0" vert="horz" anchor="t">
+                  <a:tcPr marL="68580" marR="68580" marT="0" marB="0">
                     <a:lnL w="12700" cap="flat" cmpd="sng">
                       <a:solidFill>
                         <a:srgbClr val="080000"/>
@@ -8211,6 +8263,7 @@
                 <a:tc>
                   <a:txBody>
                     <a:bodyPr/>
+                    <a:lstStyle/>
                     <a:p>
                       <a:pPr indent="0">
                         <a:buNone/>
@@ -8230,7 +8283,7 @@
                       </a:endParaRPr>
                     </a:p>
                   </a:txBody>
-                  <a:tcPr marL="68580" marR="68580" marT="0" marB="0" vert="horz" anchor="t">
+                  <a:tcPr marL="68580" marR="68580" marT="0" marB="0">
                     <a:lnL w="12700" cap="flat" cmpd="sng">
                       <a:solidFill>
                         <a:srgbClr val="080000"/>
@@ -8275,6 +8328,7 @@
                 <a:tc>
                   <a:txBody>
                     <a:bodyPr/>
+                    <a:lstStyle/>
                     <a:p>
                       <a:pPr indent="0">
                         <a:buNone/>
@@ -8294,7 +8348,7 @@
                       </a:endParaRPr>
                     </a:p>
                   </a:txBody>
-                  <a:tcPr marL="68580" marR="68580" marT="0" marB="0" vert="horz" anchor="t">
+                  <a:tcPr marL="68580" marR="68580" marT="0" marB="0">
                     <a:lnL w="12700" cap="flat" cmpd="sng">
                       <a:solidFill>
                         <a:srgbClr val="080000"/>
@@ -8339,6 +8393,7 @@
                 <a:tc>
                   <a:txBody>
                     <a:bodyPr/>
+                    <a:lstStyle/>
                     <a:p>
                       <a:pPr indent="0">
                         <a:buNone/>
@@ -8358,7 +8413,7 @@
                       </a:endParaRPr>
                     </a:p>
                   </a:txBody>
-                  <a:tcPr marL="68580" marR="68580" marT="0" marB="0" vert="horz" anchor="t">
+                  <a:tcPr marL="68580" marR="68580" marT="0" marB="0">
                     <a:lnL w="12700" cap="flat" cmpd="sng">
                       <a:solidFill>
                         <a:srgbClr val="080000"/>
@@ -8403,6 +8458,7 @@
                 <a:tc>
                   <a:txBody>
                     <a:bodyPr/>
+                    <a:lstStyle/>
                     <a:p>
                       <a:pPr indent="0">
                         <a:buNone/>
@@ -8422,7 +8478,7 @@
                       </a:endParaRPr>
                     </a:p>
                   </a:txBody>
-                  <a:tcPr marL="68580" marR="68580" marT="0" marB="0" vert="horz" anchor="t">
+                  <a:tcPr marL="68580" marR="68580" marT="0" marB="0">
                     <a:lnL w="12700" cap="flat" cmpd="sng">
                       <a:solidFill>
                         <a:srgbClr val="080000"/>
@@ -8467,6 +8523,7 @@
                 <a:tc>
                   <a:txBody>
                     <a:bodyPr/>
+                    <a:lstStyle/>
                     <a:p>
                       <a:pPr indent="0">
                         <a:buNone/>
@@ -8501,7 +8558,7 @@
                       </a:endParaRPr>
                     </a:p>
                   </a:txBody>
-                  <a:tcPr marL="68580" marR="68580" marT="0" marB="0" vert="horz" anchor="t">
+                  <a:tcPr marL="68580" marR="68580" marT="0" marB="0">
                     <a:lnL w="12700" cap="flat" cmpd="sng">
                       <a:solidFill>
                         <a:srgbClr val="080000"/>
@@ -8576,6 +8633,7 @@
                 <a:tc>
                   <a:txBody>
                     <a:bodyPr/>
+                    <a:lstStyle/>
                     <a:p>
                       <a:pPr indent="0">
                         <a:buNone/>
@@ -8595,7 +8653,7 @@
                       </a:endParaRPr>
                     </a:p>
                   </a:txBody>
-                  <a:tcPr marL="68580" marR="68580" marT="0" marB="0" vert="horz" anchor="t">
+                  <a:tcPr marL="68580" marR="68580" marT="0" marB="0">
                     <a:lnL w="12700" cap="flat" cmpd="sng">
                       <a:solidFill>
                         <a:srgbClr val="080000"/>
@@ -8642,6 +8700,7 @@
                 <a:tc>
                   <a:txBody>
                     <a:bodyPr/>
+                    <a:lstStyle/>
                     <a:p>
                       <a:pPr indent="0">
                         <a:buNone/>
@@ -8661,7 +8720,7 @@
                       </a:endParaRPr>
                     </a:p>
                   </a:txBody>
-                  <a:tcPr marL="68580" marR="68580" marT="0" marB="0" vert="horz" anchor="t">
+                  <a:tcPr marL="68580" marR="68580" marT="0" marB="0">
                     <a:lnL w="12700" cap="flat" cmpd="sng">
                       <a:solidFill>
                         <a:srgbClr val="080000"/>
@@ -8708,6 +8767,7 @@
                 <a:tc>
                   <a:txBody>
                     <a:bodyPr/>
+                    <a:lstStyle/>
                     <a:p>
                       <a:pPr indent="0">
                         <a:buNone/>
@@ -8727,7 +8787,7 @@
                       </a:endParaRPr>
                     </a:p>
                   </a:txBody>
-                  <a:tcPr marL="68580" marR="68580" marT="0" marB="0" vert="horz" anchor="t">
+                  <a:tcPr marL="68580" marR="68580" marT="0" marB="0">
                     <a:lnL w="12700" cap="flat" cmpd="sng">
                       <a:solidFill>
                         <a:srgbClr val="080000"/>
@@ -8774,6 +8834,7 @@
                 <a:tc>
                   <a:txBody>
                     <a:bodyPr/>
+                    <a:lstStyle/>
                     <a:p>
                       <a:pPr indent="0">
                         <a:buNone/>
@@ -8793,7 +8854,7 @@
                       </a:endParaRPr>
                     </a:p>
                   </a:txBody>
-                  <a:tcPr marL="68580" marR="68580" marT="0" marB="0" vert="horz" anchor="t">
+                  <a:tcPr marL="68580" marR="68580" marT="0" marB="0">
                     <a:lnL w="12700" cap="flat" cmpd="sng">
                       <a:solidFill>
                         <a:srgbClr val="080000"/>
@@ -8840,6 +8901,7 @@
                 <a:tc>
                   <a:txBody>
                     <a:bodyPr/>
+                    <a:lstStyle/>
                     <a:p>
                       <a:pPr indent="0">
                         <a:buNone/>
@@ -8859,7 +8921,7 @@
                       </a:endParaRPr>
                     </a:p>
                   </a:txBody>
-                  <a:tcPr marL="68580" marR="68580" marT="0" marB="0" vert="horz" anchor="t">
+                  <a:tcPr marL="68580" marR="68580" marT="0" marB="0">
                     <a:lnL w="12700" cap="flat" cmpd="sng">
                       <a:solidFill>
                         <a:srgbClr val="080000"/>
@@ -8906,6 +8968,7 @@
                 <a:tc>
                   <a:txBody>
                     <a:bodyPr/>
+                    <a:lstStyle/>
                     <a:p>
                       <a:pPr indent="0">
                         <a:buNone/>
@@ -8925,7 +8988,7 @@
                       </a:endParaRPr>
                     </a:p>
                   </a:txBody>
-                  <a:tcPr marL="68580" marR="68580" marT="0" marB="0" vert="horz" anchor="t">
+                  <a:tcPr marL="68580" marR="68580" marT="0" marB="0">
                     <a:lnL w="12700" cap="flat" cmpd="sng">
                       <a:solidFill>
                         <a:srgbClr val="080000"/>
@@ -8974,6 +9037,7 @@
                 <a:tc>
                   <a:txBody>
                     <a:bodyPr/>
+                    <a:lstStyle/>
                     <a:p>
                       <a:pPr indent="0">
                         <a:buNone/>
@@ -8993,7 +9057,7 @@
                       </a:endParaRPr>
                     </a:p>
                   </a:txBody>
-                  <a:tcPr marL="68580" marR="68580" marT="0" marB="0" vert="horz" anchor="t">
+                  <a:tcPr marL="68580" marR="68580" marT="0" marB="0">
                     <a:lnL w="12700" cap="flat" cmpd="sng">
                       <a:solidFill>
                         <a:srgbClr val="080000"/>
@@ -9038,6 +9102,7 @@
                 <a:tc>
                   <a:txBody>
                     <a:bodyPr/>
+                    <a:lstStyle/>
                     <a:p>
                       <a:pPr indent="0">
                         <a:buNone/>
@@ -9057,7 +9122,7 @@
                       </a:endParaRPr>
                     </a:p>
                   </a:txBody>
-                  <a:tcPr marL="68580" marR="68580" marT="0" marB="0" vert="horz" anchor="t">
+                  <a:tcPr marL="68580" marR="68580" marT="0" marB="0">
                     <a:lnL w="12700" cap="flat" cmpd="sng">
                       <a:solidFill>
                         <a:srgbClr val="080000"/>
@@ -9102,6 +9167,7 @@
                 <a:tc>
                   <a:txBody>
                     <a:bodyPr/>
+                    <a:lstStyle/>
                     <a:p>
                       <a:pPr indent="0">
                         <a:buNone/>
@@ -9121,7 +9187,7 @@
                       </a:endParaRPr>
                     </a:p>
                   </a:txBody>
-                  <a:tcPr marL="68580" marR="68580" marT="0" marB="0" vert="horz" anchor="t">
+                  <a:tcPr marL="68580" marR="68580" marT="0" marB="0">
                     <a:lnL w="12700" cap="flat" cmpd="sng">
                       <a:solidFill>
                         <a:srgbClr val="080000"/>
@@ -9166,6 +9232,7 @@
                 <a:tc>
                   <a:txBody>
                     <a:bodyPr/>
+                    <a:lstStyle/>
                     <a:p>
                       <a:pPr indent="0">
                         <a:buNone/>
@@ -9185,7 +9252,7 @@
                       </a:endParaRPr>
                     </a:p>
                   </a:txBody>
-                  <a:tcPr marL="68580" marR="68580" marT="0" marB="0" vert="horz" anchor="t">
+                  <a:tcPr marL="68580" marR="68580" marT="0" marB="0">
                     <a:lnL w="12700" cap="flat" cmpd="sng">
                       <a:solidFill>
                         <a:srgbClr val="080000"/>
@@ -9230,6 +9297,7 @@
                 <a:tc>
                   <a:txBody>
                     <a:bodyPr/>
+                    <a:lstStyle/>
                     <a:p>
                       <a:pPr indent="0">
                         <a:buNone/>
@@ -9249,7 +9317,7 @@
                       </a:endParaRPr>
                     </a:p>
                   </a:txBody>
-                  <a:tcPr marL="68580" marR="68580" marT="0" marB="0" vert="horz" anchor="t">
+                  <a:tcPr marL="68580" marR="68580" marT="0" marB="0">
                     <a:lnL w="12700" cap="flat" cmpd="sng">
                       <a:solidFill>
                         <a:srgbClr val="080000"/>
@@ -9294,6 +9362,7 @@
                 <a:tc>
                   <a:txBody>
                     <a:bodyPr/>
+                    <a:lstStyle/>
                     <a:p>
                       <a:pPr indent="0">
                         <a:buNone/>
@@ -9313,7 +9382,7 @@
                       </a:endParaRPr>
                     </a:p>
                   </a:txBody>
-                  <a:tcPr marL="68580" marR="68580" marT="0" marB="0" vert="horz" anchor="t">
+                  <a:tcPr marL="68580" marR="68580" marT="0" marB="0">
                     <a:lnL w="12700" cap="flat" cmpd="sng">
                       <a:solidFill>
                         <a:srgbClr val="080000"/>
@@ -9360,6 +9429,7 @@
                 <a:tc>
                   <a:txBody>
                     <a:bodyPr/>
+                    <a:lstStyle/>
                     <a:p>
                       <a:pPr indent="0">
                         <a:buNone/>
@@ -9379,7 +9449,7 @@
                       </a:endParaRPr>
                     </a:p>
                   </a:txBody>
-                  <a:tcPr marL="68580" marR="68580" marT="0" marB="0" vert="horz" anchor="t">
+                  <a:tcPr marL="68580" marR="68580" marT="0" marB="0">
                     <a:lnL w="12700" cap="flat" cmpd="sng">
                       <a:solidFill>
                         <a:srgbClr val="080000"/>
@@ -9424,6 +9494,7 @@
                 <a:tc>
                   <a:txBody>
                     <a:bodyPr/>
+                    <a:lstStyle/>
                     <a:p>
                       <a:pPr indent="0">
                         <a:buNone/>
@@ -9443,7 +9514,7 @@
                       </a:endParaRPr>
                     </a:p>
                   </a:txBody>
-                  <a:tcPr marL="68580" marR="68580" marT="0" marB="0" vert="horz" anchor="t">
+                  <a:tcPr marL="68580" marR="68580" marT="0" marB="0">
                     <a:lnL w="12700" cap="flat" cmpd="sng">
                       <a:solidFill>
                         <a:srgbClr val="080000"/>
@@ -9488,6 +9559,7 @@
                 <a:tc>
                   <a:txBody>
                     <a:bodyPr/>
+                    <a:lstStyle/>
                     <a:p>
                       <a:pPr indent="0">
                         <a:buNone/>
@@ -9507,7 +9579,7 @@
                       </a:endParaRPr>
                     </a:p>
                   </a:txBody>
-                  <a:tcPr marL="68580" marR="68580" marT="0" marB="0" vert="horz" anchor="t">
+                  <a:tcPr marL="68580" marR="68580" marT="0" marB="0">
                     <a:lnL w="12700" cap="flat" cmpd="sng">
                       <a:solidFill>
                         <a:srgbClr val="080000"/>
@@ -9552,6 +9624,7 @@
                 <a:tc>
                   <a:txBody>
                     <a:bodyPr/>
+                    <a:lstStyle/>
                     <a:p>
                       <a:pPr indent="0">
                         <a:buNone/>
@@ -9571,7 +9644,7 @@
                       </a:endParaRPr>
                     </a:p>
                   </a:txBody>
-                  <a:tcPr marL="68580" marR="68580" marT="0" marB="0" vert="horz" anchor="t">
+                  <a:tcPr marL="68580" marR="68580" marT="0" marB="0">
                     <a:lnL w="12700" cap="flat" cmpd="sng">
                       <a:solidFill>
                         <a:srgbClr val="080000"/>
@@ -9616,6 +9689,7 @@
                 <a:tc>
                   <a:txBody>
                     <a:bodyPr/>
+                    <a:lstStyle/>
                     <a:p>
                       <a:pPr indent="0">
                         <a:buNone/>
@@ -9635,7 +9709,7 @@
                       </a:endParaRPr>
                     </a:p>
                   </a:txBody>
-                  <a:tcPr marL="68580" marR="68580" marT="0" marB="0" vert="horz" anchor="t">
+                  <a:tcPr marL="68580" marR="68580" marT="0" marB="0">
                     <a:lnL w="12700" cap="flat" cmpd="sng">
                       <a:solidFill>
                         <a:srgbClr val="080000"/>
@@ -9680,6 +9754,7 @@
                 <a:tc>
                   <a:txBody>
                     <a:bodyPr/>
+                    <a:lstStyle/>
                     <a:p>
                       <a:pPr indent="0">
                         <a:buNone/>
@@ -9699,7 +9774,7 @@
                       </a:endParaRPr>
                     </a:p>
                   </a:txBody>
-                  <a:tcPr marL="68580" marR="68580" marT="0" marB="0" vert="horz" anchor="t">
+                  <a:tcPr marL="68580" marR="68580" marT="0" marB="0">
                     <a:lnL w="12700" cap="flat" cmpd="sng">
                       <a:solidFill>
                         <a:srgbClr val="080000"/>
@@ -9746,6 +9821,7 @@
                 <a:tc>
                   <a:txBody>
                     <a:bodyPr/>
+                    <a:lstStyle/>
                     <a:p>
                       <a:pPr indent="0">
                         <a:buNone/>
@@ -9765,7 +9841,7 @@
                       </a:endParaRPr>
                     </a:p>
                   </a:txBody>
-                  <a:tcPr marL="68580" marR="68580" marT="0" marB="0" vert="horz" anchor="t">
+                  <a:tcPr marL="68580" marR="68580" marT="0" marB="0">
                     <a:lnL w="12700" cap="flat" cmpd="sng">
                       <a:solidFill>
                         <a:srgbClr val="080000"/>
@@ -9810,6 +9886,7 @@
                 <a:tc>
                   <a:txBody>
                     <a:bodyPr/>
+                    <a:lstStyle/>
                     <a:p>
                       <a:pPr indent="0">
                         <a:buNone/>
@@ -9829,7 +9906,7 @@
                       </a:endParaRPr>
                     </a:p>
                   </a:txBody>
-                  <a:tcPr marL="68580" marR="68580" marT="0" marB="0" vert="horz" anchor="t">
+                  <a:tcPr marL="68580" marR="68580" marT="0" marB="0">
                     <a:lnL w="12700" cap="flat" cmpd="sng">
                       <a:solidFill>
                         <a:srgbClr val="080000"/>
@@ -9874,6 +9951,7 @@
                 <a:tc>
                   <a:txBody>
                     <a:bodyPr/>
+                    <a:lstStyle/>
                     <a:p>
                       <a:pPr indent="0">
                         <a:buNone/>
@@ -9893,7 +9971,7 @@
                       </a:endParaRPr>
                     </a:p>
                   </a:txBody>
-                  <a:tcPr marL="68580" marR="68580" marT="0" marB="0" vert="horz" anchor="t">
+                  <a:tcPr marL="68580" marR="68580" marT="0" marB="0">
                     <a:lnL w="12700" cap="flat" cmpd="sng">
                       <a:solidFill>
                         <a:srgbClr val="080000"/>
@@ -9938,6 +10016,7 @@
                 <a:tc>
                   <a:txBody>
                     <a:bodyPr/>
+                    <a:lstStyle/>
                     <a:p>
                       <a:pPr indent="0">
                         <a:buNone/>
@@ -9964,7 +10043,7 @@
                       </a:endParaRPr>
                     </a:p>
                   </a:txBody>
-                  <a:tcPr marL="68580" marR="68580" marT="0" marB="0" vert="horz" anchor="t">
+                  <a:tcPr marL="68580" marR="68580" marT="0" marB="0">
                     <a:lnL w="12700" cap="flat" cmpd="sng">
                       <a:solidFill>
                         <a:srgbClr val="080000"/>
@@ -10009,6 +10088,7 @@
                 <a:tc>
                   <a:txBody>
                     <a:bodyPr/>
+                    <a:lstStyle/>
                     <a:p>
                       <a:pPr indent="0">
                         <a:buNone/>
@@ -10028,7 +10108,7 @@
                       </a:endParaRPr>
                     </a:p>
                   </a:txBody>
-                  <a:tcPr marL="68580" marR="68580" marT="0" marB="0" vert="horz" anchor="t">
+                  <a:tcPr marL="68580" marR="68580" marT="0" marB="0">
                     <a:lnL w="12700" cap="flat" cmpd="sng">
                       <a:solidFill>
                         <a:srgbClr val="080000"/>
@@ -10073,6 +10153,7 @@
                 <a:tc>
                   <a:txBody>
                     <a:bodyPr/>
+                    <a:lstStyle/>
                     <a:p>
                       <a:pPr indent="0">
                         <a:buNone/>
@@ -10107,7 +10188,7 @@
                       </a:endParaRPr>
                     </a:p>
                   </a:txBody>
-                  <a:tcPr marL="68580" marR="68580" marT="0" marB="0" vert="horz" anchor="t">
+                  <a:tcPr marL="68580" marR="68580" marT="0" marB="0">
                     <a:lnL w="12700" cap="flat" cmpd="sng">
                       <a:solidFill>
                         <a:srgbClr val="080000"/>
@@ -10281,7 +10362,6 @@
               <a:rPr lang="en-US" sz="2400" dirty="0"/>
               <a:t>5</a:t>
             </a:r>
-            <a:endParaRPr lang="en-US" sz="2400" dirty="0"/>
           </a:p>
         </p:txBody>
       </p:sp>
@@ -10713,7 +10793,6 @@
               <a:rPr lang="zh-CN" altLang="zh-CN" sz="2400" b="1" dirty="0"/>
               <a:t>项目风险类别定义</a:t>
             </a:r>
-            <a:endParaRPr lang="zh-CN" altLang="zh-CN" sz="2400" b="1" dirty="0"/>
           </a:p>
         </p:txBody>
       </p:sp>
@@ -10743,7 +10822,6 @@
               <a:rPr lang="zh-CN" altLang="zh-CN" sz="2400" b="1" dirty="0"/>
               <a:t>项目风险等级和影响定义</a:t>
             </a:r>
-            <a:endParaRPr lang="zh-CN" altLang="zh-CN" sz="2400" b="1" dirty="0"/>
           </a:p>
         </p:txBody>
       </p:sp>
@@ -11011,17 +11089,45 @@
                   <a:tcPr marL="68580" marR="68580" marT="0" marB="0" anchor="ctr"/>
                 </a:tc>
                 <a:tc rowSpan="3" hMerge="1">
+                  <a:txBody>
+                    <a:bodyPr/>
+                    <a:lstStyle/>
+                    <a:p>
+                      <a:endParaRPr lang="zh-CN"/>
+                    </a:p>
+                  </a:txBody>
                   <a:tcPr/>
                 </a:tc>
                 <a:tc rowSpan="3" hMerge="1">
+                  <a:txBody>
+                    <a:bodyPr/>
+                    <a:lstStyle/>
+                    <a:p>
+                      <a:endParaRPr lang="zh-CN"/>
+                    </a:p>
+                  </a:txBody>
                   <a:tcPr/>
                 </a:tc>
                 <a:tc rowSpan="3" hMerge="1">
+                  <a:txBody>
+                    <a:bodyPr/>
+                    <a:lstStyle/>
+                    <a:p>
+                      <a:endParaRPr lang="zh-CN"/>
+                    </a:p>
+                  </a:txBody>
                   <a:tcPr/>
                 </a:tc>
               </a:tr>
               <a:tr h="180975">
                 <a:tc vMerge="1">
+                  <a:txBody>
+                    <a:bodyPr/>
+                    <a:lstStyle/>
+                    <a:p>
+                      <a:endParaRPr lang="zh-CN"/>
+                    </a:p>
+                  </a:txBody>
                   <a:tcPr/>
                 </a:tc>
                 <a:tc>
@@ -11050,21 +11156,56 @@
                   </a:txBody>
                   <a:tcPr marL="68580" marR="68580" marT="0" marB="0" anchor="ctr"/>
                 </a:tc>
-                <a:tc vMerge="1" gridSpan="4">
+                <a:tc gridSpan="4" vMerge="1">
+                  <a:txBody>
+                    <a:bodyPr/>
+                    <a:lstStyle/>
+                    <a:p>
+                      <a:endParaRPr lang="zh-CN"/>
+                    </a:p>
+                  </a:txBody>
                   <a:tcPr/>
                 </a:tc>
-                <a:tc vMerge="1" hMerge="1">
+                <a:tc hMerge="1" vMerge="1">
+                  <a:txBody>
+                    <a:bodyPr/>
+                    <a:lstStyle/>
+                    <a:p>
+                      <a:endParaRPr lang="zh-CN"/>
+                    </a:p>
+                  </a:txBody>
                   <a:tcPr/>
                 </a:tc>
-                <a:tc vMerge="1" hMerge="1">
+                <a:tc hMerge="1" vMerge="1">
+                  <a:txBody>
+                    <a:bodyPr/>
+                    <a:lstStyle/>
+                    <a:p>
+                      <a:endParaRPr lang="zh-CN"/>
+                    </a:p>
+                  </a:txBody>
                   <a:tcPr/>
                 </a:tc>
-                <a:tc vMerge="1" hMerge="1">
+                <a:tc hMerge="1" vMerge="1">
+                  <a:txBody>
+                    <a:bodyPr/>
+                    <a:lstStyle/>
+                    <a:p>
+                      <a:endParaRPr lang="zh-CN"/>
+                    </a:p>
+                  </a:txBody>
                   <a:tcPr/>
                 </a:tc>
               </a:tr>
               <a:tr h="180975">
                 <a:tc vMerge="1">
+                  <a:txBody>
+                    <a:bodyPr/>
+                    <a:lstStyle/>
+                    <a:p>
+                      <a:endParaRPr lang="zh-CN"/>
+                    </a:p>
+                  </a:txBody>
                   <a:tcPr/>
                 </a:tc>
                 <a:tc>
@@ -11093,16 +11234,44 @@
                   </a:txBody>
                   <a:tcPr marL="68580" marR="68580" marT="0" marB="0" anchor="ctr"/>
                 </a:tc>
-                <a:tc vMerge="1" gridSpan="4">
+                <a:tc gridSpan="4" vMerge="1">
+                  <a:txBody>
+                    <a:bodyPr/>
+                    <a:lstStyle/>
+                    <a:p>
+                      <a:endParaRPr lang="zh-CN"/>
+                    </a:p>
+                  </a:txBody>
                   <a:tcPr/>
                 </a:tc>
-                <a:tc vMerge="1" hMerge="1">
+                <a:tc hMerge="1" vMerge="1">
+                  <a:txBody>
+                    <a:bodyPr/>
+                    <a:lstStyle/>
+                    <a:p>
+                      <a:endParaRPr lang="zh-CN"/>
+                    </a:p>
+                  </a:txBody>
                   <a:tcPr/>
                 </a:tc>
-                <a:tc vMerge="1" hMerge="1">
+                <a:tc hMerge="1" vMerge="1">
+                  <a:txBody>
+                    <a:bodyPr/>
+                    <a:lstStyle/>
+                    <a:p>
+                      <a:endParaRPr lang="zh-CN"/>
+                    </a:p>
+                  </a:txBody>
                   <a:tcPr/>
                 </a:tc>
-                <a:tc vMerge="1" hMerge="1">
+                <a:tc hMerge="1" vMerge="1">
+                  <a:txBody>
+                    <a:bodyPr/>
+                    <a:lstStyle/>
+                    <a:p>
+                      <a:endParaRPr lang="zh-CN"/>
+                    </a:p>
+                  </a:txBody>
                   <a:tcPr/>
                 </a:tc>
               </a:tr>
@@ -11284,6 +11453,13 @@
               </a:tr>
               <a:tr h="457200">
                 <a:tc vMerge="1">
+                  <a:txBody>
+                    <a:bodyPr/>
+                    <a:lstStyle/>
+                    <a:p>
+                      <a:endParaRPr lang="zh-CN"/>
+                    </a:p>
+                  </a:txBody>
                   <a:tcPr/>
                 </a:tc>
                 <a:tc>
@@ -11566,7 +11742,6 @@
               <a:rPr lang="en-US" sz="2400" dirty="0"/>
               <a:t>5</a:t>
             </a:r>
-            <a:endParaRPr lang="en-US" sz="2400" dirty="0"/>
           </a:p>
         </p:txBody>
       </p:sp>
@@ -11660,7 +11835,7 @@
           <p:nvPr/>
         </p:nvPicPr>
         <p:blipFill>
-          <a:blip r:embed="rId1"/>
+          <a:blip r:embed="rId2"/>
           <a:stretch>
             <a:fillRect/>
           </a:stretch>
@@ -11802,7 +11977,6 @@
               <a:rPr lang="en-US" sz="2400" dirty="0"/>
               <a:t>6</a:t>
             </a:r>
-            <a:endParaRPr lang="en-US" sz="2400" dirty="0"/>
           </a:p>
         </p:txBody>
       </p:sp>
@@ -11874,7 +12048,6 @@
               <a:rPr lang="zh-CN" altLang="zh-CN" sz="2400" b="1" dirty="0"/>
               <a:t>版本命名策略</a:t>
             </a:r>
-            <a:endParaRPr lang="zh-CN" altLang="zh-CN" sz="2400" b="1" dirty="0"/>
           </a:p>
         </p:txBody>
       </p:sp>
@@ -11904,7 +12077,6 @@
               <a:rPr lang="zh-CN" altLang="zh-CN" sz="2400" b="1" dirty="0"/>
               <a:t>版本格式</a:t>
             </a:r>
-            <a:endParaRPr lang="zh-CN" altLang="zh-CN" sz="2400" b="1" dirty="0"/>
           </a:p>
           <a:p>
             <a:r>
@@ -11935,7 +12107,6 @@
               <a:rPr lang="zh-CN" altLang="zh-CN" sz="2400" dirty="0"/>
               <a:t>修正版本号。</a:t>
             </a:r>
-            <a:endParaRPr lang="zh-CN" altLang="zh-CN" sz="2400" dirty="0"/>
           </a:p>
           <a:p>
             <a:r>
@@ -11961,7 +12132,6 @@
               <a:rPr lang="zh-CN" altLang="zh-CN" sz="2400" dirty="0"/>
               <a:t>。</a:t>
             </a:r>
-            <a:endParaRPr lang="zh-CN" altLang="zh-CN" sz="2400" dirty="0"/>
           </a:p>
         </p:txBody>
       </p:sp>
@@ -12019,21 +12189,18 @@
               <a:rPr lang="zh-CN" altLang="zh-CN" dirty="0"/>
               <a:t>当文件内容有了重大的变化或改进，主版本号加一。</a:t>
             </a:r>
-            <a:endParaRPr lang="zh-CN" altLang="zh-CN" dirty="0"/>
           </a:p>
           <a:p>
             <a:r>
               <a:rPr lang="zh-CN" altLang="zh-CN" dirty="0"/>
               <a:t>当文档的内容有了模块的增加、补充等，子版本号加一。</a:t>
             </a:r>
-            <a:endParaRPr lang="zh-CN" altLang="zh-CN" dirty="0"/>
           </a:p>
           <a:p>
             <a:r>
               <a:rPr lang="zh-CN" altLang="zh-CN" dirty="0"/>
               <a:t>当文档的内容有了小修改，如修正了纰漏等，修正版本号加一。</a:t>
             </a:r>
-            <a:endParaRPr lang="zh-CN" altLang="zh-CN" dirty="0"/>
           </a:p>
           <a:p>
             <a:r>
@@ -12171,7 +12338,6 @@
               <a:rPr lang="en-US" sz="2400" dirty="0"/>
               <a:t>6</a:t>
             </a:r>
-            <a:endParaRPr lang="en-US" sz="2400" dirty="0"/>
           </a:p>
         </p:txBody>
       </p:sp>
@@ -12247,7 +12413,6 @@
               <a:rPr lang="zh-CN" altLang="zh-CN" sz="2400" b="1" dirty="0"/>
               <a:t>规范</a:t>
             </a:r>
-            <a:endParaRPr lang="zh-CN" altLang="zh-CN" sz="2400" b="1" dirty="0"/>
           </a:p>
         </p:txBody>
       </p:sp>
@@ -12281,7 +12446,6 @@
               <a:rPr lang="zh-CN" altLang="zh-CN" sz="2400" b="1" dirty="0"/>
               <a:t>配置结构</a:t>
             </a:r>
-            <a:endParaRPr lang="zh-CN" altLang="zh-CN" sz="2400" b="1" dirty="0"/>
           </a:p>
           <a:p>
             <a:r>
@@ -12336,7 +12500,6 @@
               <a:rPr lang="zh-CN" altLang="zh-CN" sz="2400" b="1" dirty="0"/>
               <a:t>提交规范</a:t>
             </a:r>
-            <a:endParaRPr lang="zh-CN" altLang="zh-CN" sz="2400" b="1" dirty="0"/>
           </a:p>
         </p:txBody>
       </p:sp>
@@ -12394,7 +12557,6 @@
               <a:rPr lang="zh-CN" altLang="zh-CN" dirty="0"/>
               <a:t>，防止冲突。</a:t>
             </a:r>
-            <a:endParaRPr lang="zh-CN" altLang="zh-CN" dirty="0"/>
           </a:p>
           <a:p>
             <a:pPr lvl="0"/>
@@ -12418,7 +12580,6 @@
               <a:rPr lang="zh-CN" altLang="zh-CN" dirty="0"/>
               <a:t>主分支上</a:t>
             </a:r>
-            <a:endParaRPr lang="zh-CN" altLang="zh-CN" dirty="0"/>
           </a:p>
           <a:p>
             <a:pPr lvl="0"/>
@@ -12434,7 +12595,6 @@
               <a:rPr lang="zh-CN" altLang="zh-CN" dirty="0"/>
               <a:t>上传可行性分析报告</a:t>
             </a:r>
-            <a:endParaRPr lang="zh-CN" altLang="zh-CN" dirty="0"/>
           </a:p>
         </p:txBody>
       </p:sp>
@@ -12565,7 +12725,6 @@
               <a:rPr lang="en-US" sz="2400" dirty="0"/>
               <a:t>7</a:t>
             </a:r>
-            <a:endParaRPr lang="en-US" sz="2400" dirty="0"/>
           </a:p>
         </p:txBody>
       </p:sp>
@@ -12647,7 +12806,6 @@
               <a:rPr lang="zh-CN" altLang="zh-CN" sz="2400" b="1" dirty="0"/>
               <a:t>成本度量</a:t>
             </a:r>
-            <a:endParaRPr lang="zh-CN" altLang="zh-CN" sz="2400" b="1" dirty="0"/>
           </a:p>
         </p:txBody>
       </p:sp>
@@ -12677,7 +12835,6 @@
               <a:rPr lang="zh-CN" altLang="zh-CN" sz="2400" b="1" dirty="0"/>
               <a:t>计量单位</a:t>
             </a:r>
-            <a:endParaRPr lang="zh-CN" altLang="zh-CN" sz="2400" b="1" dirty="0"/>
           </a:p>
           <a:p>
             <a:pPr lvl="0"/>
@@ -12685,7 +12842,6 @@
               <a:rPr lang="zh-CN" altLang="zh-CN" sz="2400" dirty="0"/>
               <a:t>薪酬：元</a:t>
             </a:r>
-            <a:endParaRPr lang="zh-CN" altLang="zh-CN" sz="2400" dirty="0"/>
           </a:p>
           <a:p>
             <a:pPr lvl="0"/>
@@ -12701,7 +12857,6 @@
               <a:rPr lang="zh-CN" altLang="zh-CN" sz="2400" dirty="0"/>
               <a:t>小时</a:t>
             </a:r>
-            <a:endParaRPr lang="zh-CN" altLang="zh-CN" sz="2400" dirty="0"/>
           </a:p>
           <a:p>
             <a:pPr lvl="0"/>
@@ -12709,7 +12864,6 @@
               <a:rPr lang="zh-CN" altLang="zh-CN" sz="2400" dirty="0"/>
               <a:t>工时：时</a:t>
             </a:r>
-            <a:endParaRPr lang="zh-CN" altLang="zh-CN" sz="2400" dirty="0"/>
           </a:p>
           <a:p>
             <a:pPr lvl="0"/>
@@ -12717,7 +12871,6 @@
               <a:rPr lang="zh-CN" altLang="zh-CN" sz="2400" dirty="0"/>
               <a:t>费用：元</a:t>
             </a:r>
-            <a:endParaRPr lang="zh-CN" altLang="zh-CN" sz="2400" dirty="0"/>
           </a:p>
         </p:txBody>
       </p:sp>
@@ -12747,7 +12900,6 @@
               <a:rPr lang="zh-CN" altLang="zh-CN" sz="2400" b="1" dirty="0"/>
               <a:t>精确度</a:t>
             </a:r>
-            <a:endParaRPr lang="zh-CN" altLang="zh-CN" sz="2400" b="1" dirty="0"/>
           </a:p>
         </p:txBody>
       </p:sp>
@@ -12847,7 +12999,6 @@
               <a:rPr lang="zh-CN" altLang="zh-CN" sz="2400" b="1" dirty="0"/>
               <a:t>准确度</a:t>
             </a:r>
-            <a:endParaRPr lang="zh-CN" altLang="zh-CN" sz="2400" b="1" dirty="0"/>
           </a:p>
         </p:txBody>
       </p:sp>
@@ -13043,7 +13194,6 @@
               <a:rPr lang="en-US" sz="2400" dirty="0"/>
               <a:t>7</a:t>
             </a:r>
-            <a:endParaRPr lang="en-US" sz="2400" dirty="0"/>
           </a:p>
         </p:txBody>
       </p:sp>
@@ -13115,7 +13265,6 @@
               <a:rPr lang="zh-CN" altLang="zh-CN" sz="2400" b="1" dirty="0"/>
               <a:t>成本估计</a:t>
             </a:r>
-            <a:endParaRPr lang="zh-CN" altLang="zh-CN" sz="2400" b="1" dirty="0"/>
           </a:p>
         </p:txBody>
       </p:sp>
@@ -13838,7 +13987,6 @@
               <a:rPr lang="zh-CN" altLang="zh-CN" sz="2400" b="1" dirty="0"/>
               <a:t>预算</a:t>
             </a:r>
-            <a:endParaRPr lang="zh-CN" altLang="zh-CN" sz="2400" b="1" dirty="0"/>
           </a:p>
         </p:txBody>
       </p:sp>
@@ -13851,7 +13999,7 @@
           <p:nvPr/>
         </p:nvPicPr>
         <p:blipFill>
-          <a:blip r:embed="rId1"/>
+          <a:blip r:embed="rId2"/>
           <a:stretch>
             <a:fillRect/>
           </a:stretch>
@@ -13993,7 +14141,6 @@
               <a:rPr lang="en-US" sz="2400" dirty="0"/>
               <a:t>8</a:t>
             </a:r>
-            <a:endParaRPr lang="en-US" sz="2400" dirty="0"/>
           </a:p>
         </p:txBody>
       </p:sp>
@@ -14029,13 +14176,6 @@
               </a:rPr>
               <a:t>会议记录</a:t>
             </a:r>
-            <a:endParaRPr lang="zh-CN" sz="2665" dirty="0" smtClean="0">
-              <a:solidFill>
-                <a:srgbClr val="183A5D"/>
-              </a:solidFill>
-              <a:latin typeface="微软雅黑" panose="020B0503020204020204" pitchFamily="34" charset="-122"/>
-              <a:ea typeface="微软雅黑" panose="020B0503020204020204" pitchFamily="34" charset="-122"/>
-            </a:endParaRPr>
           </a:p>
         </p:txBody>
       </p:sp>
@@ -14048,7 +14188,7 @@
           <p:nvPr/>
         </p:nvPicPr>
         <p:blipFill>
-          <a:blip r:embed="rId1"/>
+          <a:blip r:embed="rId2"/>
           <a:stretch>
             <a:fillRect/>
           </a:stretch>
@@ -14411,11 +14551,6 @@
               </a:rPr>
               <a:t>3</a:t>
             </a:r>
-            <a:endParaRPr lang="en-US" altLang="zh-CN" sz="3600" dirty="0">
-              <a:latin typeface="+mj-lt"/>
-              <a:ea typeface="Arial Unicode MS" panose="020B0604020202020204" pitchFamily="34" charset="-122"/>
-              <a:cs typeface="Arial Unicode MS" panose="020B0604020202020204" pitchFamily="34" charset="-122"/>
-            </a:endParaRPr>
           </a:p>
         </p:txBody>
       </p:sp>
@@ -14632,13 +14767,6 @@
               </a:rPr>
               <a:t>目录</a:t>
             </a:r>
-            <a:endParaRPr lang="zh-CN" altLang="zh-CN" sz="3200" b="1" dirty="0">
-              <a:solidFill>
-                <a:schemeClr val="bg1"/>
-              </a:solidFill>
-              <a:latin typeface="微软雅黑" panose="020B0503020204020204" pitchFamily="34" charset="-122"/>
-              <a:ea typeface="微软雅黑" panose="020B0503020204020204" pitchFamily="34" charset="-122"/>
-            </a:endParaRPr>
           </a:p>
         </p:txBody>
       </p:sp>
@@ -14701,11 +14829,6 @@
               </a:rPr>
               <a:t>4</a:t>
             </a:r>
-            <a:endParaRPr lang="en-US" altLang="zh-CN" sz="3600" dirty="0">
-              <a:latin typeface="+mj-lt"/>
-              <a:ea typeface="Arial Unicode MS" panose="020B0604020202020204" pitchFamily="34" charset="-122"/>
-              <a:cs typeface="Arial Unicode MS" panose="020B0604020202020204" pitchFamily="34" charset="-122"/>
-            </a:endParaRPr>
           </a:p>
         </p:txBody>
       </p:sp>
@@ -15019,11 +15142,6 @@
               </a:rPr>
               <a:t>5</a:t>
             </a:r>
-            <a:endParaRPr lang="en-US" altLang="zh-CN" sz="3600" dirty="0">
-              <a:latin typeface="+mj-lt"/>
-              <a:ea typeface="Arial Unicode MS" panose="020B0604020202020204" pitchFamily="34" charset="-122"/>
-              <a:cs typeface="Arial Unicode MS" panose="020B0604020202020204" pitchFamily="34" charset="-122"/>
-            </a:endParaRPr>
           </a:p>
         </p:txBody>
       </p:sp>
@@ -15086,11 +15204,6 @@
               </a:rPr>
               <a:t>6</a:t>
             </a:r>
-            <a:endParaRPr lang="en-US" altLang="zh-CN" sz="3600" dirty="0">
-              <a:latin typeface="+mj-lt"/>
-              <a:ea typeface="Arial Unicode MS" panose="020B0604020202020204" pitchFamily="34" charset="-122"/>
-              <a:cs typeface="Arial Unicode MS" panose="020B0604020202020204" pitchFamily="34" charset="-122"/>
-            </a:endParaRPr>
           </a:p>
         </p:txBody>
       </p:sp>
@@ -15404,11 +15517,6 @@
               </a:rPr>
               <a:t>7</a:t>
             </a:r>
-            <a:endParaRPr lang="en-US" altLang="zh-CN" sz="3600" dirty="0">
-              <a:latin typeface="+mj-lt"/>
-              <a:ea typeface="Arial Unicode MS" panose="020B0604020202020204" pitchFamily="34" charset="-122"/>
-              <a:cs typeface="Arial Unicode MS" panose="020B0604020202020204" pitchFamily="34" charset="-122"/>
-            </a:endParaRPr>
           </a:p>
         </p:txBody>
       </p:sp>
@@ -15589,6 +15697,7 @@
         </p:style>
         <p:txBody>
           <a:bodyPr lIns="121960" tIns="60980" rIns="121960" bIns="60980" anchor="ctr"/>
+          <a:lstStyle/>
           <a:p>
             <a:pPr algn="ctr">
               <a:defRPr/>
@@ -15601,11 +15710,6 @@
               </a:rPr>
               <a:t>0</a:t>
             </a:r>
-            <a:endParaRPr lang="en-US" altLang="zh-CN" sz="3600" dirty="0">
-              <a:latin typeface="+mj-lt"/>
-              <a:ea typeface="Arial Unicode MS" panose="020B0604020202020204" pitchFamily="34" charset="-122"/>
-              <a:cs typeface="Arial Unicode MS" panose="020B0604020202020204" pitchFamily="34" charset="-122"/>
-            </a:endParaRPr>
           </a:p>
         </p:txBody>
       </p:sp>
@@ -15669,6 +15773,7 @@
           </p:style>
           <p:txBody>
             <a:bodyPr lIns="121960" tIns="60980" rIns="121960" bIns="60980" anchor="ctr"/>
+            <a:lstStyle/>
             <a:p>
               <a:pPr algn="ctr">
                 <a:defRPr/>
@@ -15700,6 +15805,7 @@
             <a:bodyPr wrap="square" lIns="121960" tIns="60980" rIns="121960" bIns="60980">
               <a:spAutoFit/>
             </a:bodyPr>
+            <a:lstStyle/>
             <a:p>
               <a:pPr>
                 <a:defRPr/>
@@ -15715,14 +15821,6 @@
                 </a:rPr>
                 <a:t>项目简介</a:t>
               </a:r>
-              <a:endParaRPr lang="zh-CN" altLang="zh-CN" sz="2000" b="1" kern="100" dirty="0">
-                <a:solidFill>
-                  <a:schemeClr val="bg1"/>
-                </a:solidFill>
-                <a:latin typeface="微软雅黑" panose="020B0503020204020204" pitchFamily="34" charset="-122"/>
-                <a:ea typeface="微软雅黑" panose="020B0503020204020204" pitchFamily="34" charset="-122"/>
-                <a:cs typeface="Times New Roman" panose="02020603050405020304" pitchFamily="18" charset="0"/>
-              </a:endParaRPr>
             </a:p>
           </p:txBody>
         </p:sp>
@@ -15773,6 +15871,7 @@
         </p:style>
         <p:txBody>
           <a:bodyPr lIns="121960" tIns="60980" rIns="121960" bIns="60980" anchor="ctr"/>
+          <a:lstStyle/>
           <a:p>
             <a:pPr algn="ctr">
               <a:defRPr/>
@@ -15785,11 +15884,6 @@
               </a:rPr>
               <a:t>8</a:t>
             </a:r>
-            <a:endParaRPr lang="en-US" altLang="zh-CN" sz="3600" dirty="0">
-              <a:latin typeface="+mj-lt"/>
-              <a:ea typeface="Arial Unicode MS" panose="020B0604020202020204" pitchFamily="34" charset="-122"/>
-              <a:cs typeface="Arial Unicode MS" panose="020B0604020202020204" pitchFamily="34" charset="-122"/>
-            </a:endParaRPr>
           </a:p>
         </p:txBody>
       </p:sp>
@@ -15853,6 +15947,7 @@
           </p:style>
           <p:txBody>
             <a:bodyPr lIns="121960" tIns="60980" rIns="121960" bIns="60980" anchor="ctr"/>
+            <a:lstStyle/>
             <a:p>
               <a:pPr algn="ctr">
                 <a:defRPr/>
@@ -15884,6 +15979,7 @@
             <a:bodyPr wrap="square" lIns="121960" tIns="60980" rIns="121960" bIns="60980">
               <a:spAutoFit/>
             </a:bodyPr>
+            <a:lstStyle/>
             <a:p>
               <a:pPr>
                 <a:defRPr/>
@@ -15899,14 +15995,6 @@
                 </a:rPr>
                 <a:t>会议记录</a:t>
               </a:r>
-              <a:endParaRPr lang="zh-CN" altLang="zh-CN" sz="2000" b="1" kern="100" dirty="0">
-                <a:solidFill>
-                  <a:schemeClr val="bg1"/>
-                </a:solidFill>
-                <a:latin typeface="微软雅黑" panose="020B0503020204020204" pitchFamily="34" charset="-122"/>
-                <a:ea typeface="微软雅黑" panose="020B0503020204020204" pitchFamily="34" charset="-122"/>
-                <a:cs typeface="Times New Roman" panose="02020603050405020304" pitchFamily="18" charset="0"/>
-              </a:endParaRPr>
             </a:p>
           </p:txBody>
         </p:sp>
@@ -15957,6 +16045,7 @@
         </p:style>
         <p:txBody>
           <a:bodyPr lIns="121960" tIns="60980" rIns="121960" bIns="60980" anchor="ctr"/>
+          <a:lstStyle/>
           <a:p>
             <a:pPr algn="ctr">
               <a:defRPr/>
@@ -15969,11 +16058,6 @@
               </a:rPr>
               <a:t>9</a:t>
             </a:r>
-            <a:endParaRPr lang="en-US" altLang="zh-CN" sz="3600" dirty="0">
-              <a:latin typeface="+mj-lt"/>
-              <a:ea typeface="Arial Unicode MS" panose="020B0604020202020204" pitchFamily="34" charset="-122"/>
-              <a:cs typeface="Arial Unicode MS" panose="020B0604020202020204" pitchFamily="34" charset="-122"/>
-            </a:endParaRPr>
           </a:p>
         </p:txBody>
       </p:sp>
@@ -16037,6 +16121,7 @@
           </p:style>
           <p:txBody>
             <a:bodyPr lIns="121960" tIns="60980" rIns="121960" bIns="60980" anchor="ctr"/>
+            <a:lstStyle/>
             <a:p>
               <a:pPr algn="ctr">
                 <a:defRPr/>
@@ -16068,6 +16153,7 @@
             <a:bodyPr wrap="square" lIns="121960" tIns="60980" rIns="121960" bIns="60980">
               <a:spAutoFit/>
             </a:bodyPr>
+            <a:lstStyle/>
             <a:p>
               <a:pPr>
                 <a:defRPr/>
@@ -16083,14 +16169,6 @@
                 </a:rPr>
                 <a:t>WBS</a:t>
               </a:r>
-              <a:endParaRPr lang="en-US" altLang="zh-CN" sz="2000" b="1" kern="100" dirty="0">
-                <a:solidFill>
-                  <a:schemeClr val="bg1"/>
-                </a:solidFill>
-                <a:latin typeface="微软雅黑" panose="020B0503020204020204" pitchFamily="34" charset="-122"/>
-                <a:ea typeface="微软雅黑" panose="020B0503020204020204" pitchFamily="34" charset="-122"/>
-                <a:cs typeface="Times New Roman" panose="02020603050405020304" pitchFamily="18" charset="0"/>
-              </a:endParaRPr>
             </a:p>
           </p:txBody>
         </p:sp>
@@ -16141,6 +16219,7 @@
         </p:style>
         <p:txBody>
           <a:bodyPr lIns="121960" tIns="60980" rIns="121960" bIns="60980" anchor="ctr"/>
+          <a:lstStyle/>
           <a:p>
             <a:pPr algn="ctr">
               <a:defRPr/>
@@ -16153,11 +16232,6 @@
               </a:rPr>
               <a:t>10</a:t>
             </a:r>
-            <a:endParaRPr lang="en-US" altLang="zh-CN" sz="3600" dirty="0">
-              <a:latin typeface="+mj-lt"/>
-              <a:ea typeface="Arial Unicode MS" panose="020B0604020202020204" pitchFamily="34" charset="-122"/>
-              <a:cs typeface="Arial Unicode MS" panose="020B0604020202020204" pitchFamily="34" charset="-122"/>
-            </a:endParaRPr>
           </a:p>
         </p:txBody>
       </p:sp>
@@ -16221,6 +16295,7 @@
           </p:style>
           <p:txBody>
             <a:bodyPr lIns="121960" tIns="60980" rIns="121960" bIns="60980" anchor="ctr"/>
+            <a:lstStyle/>
             <a:p>
               <a:pPr algn="ctr">
                 <a:defRPr/>
@@ -16252,6 +16327,7 @@
             <a:bodyPr wrap="square" lIns="121960" tIns="60980" rIns="121960" bIns="60980">
               <a:spAutoFit/>
             </a:bodyPr>
+            <a:lstStyle/>
             <a:p>
               <a:pPr>
                 <a:defRPr/>
@@ -16267,14 +16343,6 @@
                 </a:rPr>
                 <a:t>可行性分析报告</a:t>
               </a:r>
-              <a:endParaRPr lang="zh-CN" altLang="zh-CN" sz="2000" b="1" kern="100" dirty="0">
-                <a:solidFill>
-                  <a:schemeClr val="bg1"/>
-                </a:solidFill>
-                <a:latin typeface="微软雅黑" panose="020B0503020204020204" pitchFamily="34" charset="-122"/>
-                <a:ea typeface="微软雅黑" panose="020B0503020204020204" pitchFamily="34" charset="-122"/>
-                <a:cs typeface="Times New Roman" panose="02020603050405020304" pitchFamily="18" charset="0"/>
-              </a:endParaRPr>
             </a:p>
           </p:txBody>
         </p:sp>
@@ -16325,6 +16393,7 @@
         </p:style>
         <p:txBody>
           <a:bodyPr lIns="121960" tIns="60980" rIns="121960" bIns="60980" anchor="ctr"/>
+          <a:lstStyle/>
           <a:p>
             <a:pPr algn="ctr">
               <a:defRPr/>
@@ -16337,11 +16406,6 @@
               </a:rPr>
               <a:t>11</a:t>
             </a:r>
-            <a:endParaRPr lang="en-US" altLang="zh-CN" sz="3600" dirty="0">
-              <a:latin typeface="+mj-lt"/>
-              <a:ea typeface="Arial Unicode MS" panose="020B0604020202020204" pitchFamily="34" charset="-122"/>
-              <a:cs typeface="Arial Unicode MS" panose="020B0604020202020204" pitchFamily="34" charset="-122"/>
-            </a:endParaRPr>
           </a:p>
         </p:txBody>
       </p:sp>
@@ -16405,6 +16469,7 @@
           </p:style>
           <p:txBody>
             <a:bodyPr lIns="121960" tIns="60980" rIns="121960" bIns="60980" anchor="ctr"/>
+            <a:lstStyle/>
             <a:p>
               <a:pPr algn="ctr">
                 <a:defRPr/>
@@ -16436,6 +16501,7 @@
             <a:bodyPr wrap="square" lIns="121960" tIns="60980" rIns="121960" bIns="60980">
               <a:spAutoFit/>
             </a:bodyPr>
+            <a:lstStyle/>
             <a:p>
               <a:pPr>
                 <a:defRPr/>
@@ -16451,14 +16517,6 @@
                 </a:rPr>
                 <a:t>项目章程</a:t>
               </a:r>
-              <a:endParaRPr lang="zh-CN" altLang="zh-CN" sz="2000" b="1" kern="100" dirty="0">
-                <a:solidFill>
-                  <a:schemeClr val="bg1"/>
-                </a:solidFill>
-                <a:latin typeface="微软雅黑" panose="020B0503020204020204" pitchFamily="34" charset="-122"/>
-                <a:ea typeface="微软雅黑" panose="020B0503020204020204" pitchFamily="34" charset="-122"/>
-                <a:cs typeface="Times New Roman" panose="02020603050405020304" pitchFamily="18" charset="0"/>
-              </a:endParaRPr>
             </a:p>
           </p:txBody>
         </p:sp>
@@ -16468,13 +16526,13 @@
   <p:clrMapOvr>
     <a:masterClrMapping/>
   </p:clrMapOvr>
-  <mc:AlternateContent xmlns:mc="http://schemas.openxmlformats.org/markup-compatibility/2006">
-    <mc:Choice xmlns:p14="http://schemas.microsoft.com/office/powerpoint/2010/main" Requires="p14">
+  <mc:AlternateContent xmlns:mc="http://schemas.openxmlformats.org/markup-compatibility/2006" xmlns:p14="http://schemas.microsoft.com/office/powerpoint/2010/main">
+    <mc:Choice Requires="p14">
       <p:transition spd="slow" p14:dur="1200" advClick="0" advTm="0">
         <p14:prism/>
       </p:transition>
     </mc:Choice>
-    <mc:Fallback>
+    <mc:Fallback xmlns="">
       <p:transition spd="slow" advClick="0" advTm="0">
         <p:fade/>
       </p:transition>
@@ -18069,7 +18127,6 @@
               <a:rPr lang="en-US" sz="2400" dirty="0"/>
               <a:t>9</a:t>
             </a:r>
-            <a:endParaRPr lang="en-US" sz="2400" dirty="0"/>
           </a:p>
         </p:txBody>
       </p:sp>
@@ -18115,16 +18172,63 @@
               </a:rPr>
               <a:t>WBS</a:t>
             </a:r>
-            <a:endParaRPr lang="en-US" altLang="zh-CN" sz="2665" dirty="0" smtClean="0">
-              <a:solidFill>
-                <a:srgbClr val="183A5D"/>
-              </a:solidFill>
-              <a:latin typeface="微软雅黑" panose="020B0503020204020204" pitchFamily="34" charset="-122"/>
-              <a:ea typeface="微软雅黑" panose="020B0503020204020204" pitchFamily="34" charset="-122"/>
-            </a:endParaRPr>
           </a:p>
         </p:txBody>
       </p:sp>
+      <p:pic>
+        <p:nvPicPr>
+          <p:cNvPr id="1026" name="Picture 2"/>
+          <p:cNvPicPr>
+            <a:picLocks noChangeAspect="1" noChangeArrowheads="1"/>
+          </p:cNvPicPr>
+          <p:nvPr/>
+        </p:nvPicPr>
+        <p:blipFill>
+          <a:blip r:embed="rId2">
+            <a:extLst>
+              <a:ext uri="{28A0092B-C50C-407E-A947-70E740481C1C}">
+                <a14:useLocalDpi xmlns:a14="http://schemas.microsoft.com/office/drawing/2010/main" val="0"/>
+              </a:ext>
+            </a:extLst>
+          </a:blip>
+          <a:srcRect/>
+          <a:stretch>
+            <a:fillRect/>
+          </a:stretch>
+        </p:blipFill>
+        <p:spPr bwMode="auto">
+          <a:xfrm>
+            <a:off x="838622" y="909514"/>
+            <a:ext cx="10646014" cy="5772136"/>
+          </a:xfrm>
+          <a:prstGeom prst="rect">
+            <a:avLst/>
+          </a:prstGeom>
+          <a:noFill/>
+          <a:ln>
+            <a:noFill/>
+          </a:ln>
+          <a:extLst>
+            <a:ext uri="{909E8E84-426E-40DD-AFC4-6F175D3DCCD1}">
+              <a14:hiddenFill xmlns:a14="http://schemas.microsoft.com/office/drawing/2010/main">
+                <a:solidFill>
+                  <a:schemeClr val="accent1"/>
+                </a:solidFill>
+              </a14:hiddenFill>
+            </a:ext>
+            <a:ext uri="{91240B29-F687-4F45-9708-019B960494DF}">
+              <a14:hiddenLine xmlns:a14="http://schemas.microsoft.com/office/drawing/2010/main" w="9525">
+                <a:solidFill>
+                  <a:schemeClr val="tx1"/>
+                </a:solidFill>
+                <a:miter lim="800000"/>
+                <a:headEnd/>
+                <a:tailEnd/>
+              </a14:hiddenLine>
+            </a:ext>
+          </a:extLst>
+        </p:spPr>
+      </p:pic>
     </p:spTree>
   </p:cSld>
   <p:clrMapOvr>
@@ -18252,7 +18356,6 @@
               <a:rPr lang="en-US" sz="2400" dirty="0"/>
               <a:t>9</a:t>
             </a:r>
-            <a:endParaRPr lang="en-US" sz="2400" dirty="0"/>
           </a:p>
         </p:txBody>
       </p:sp>
@@ -18298,16 +18401,63 @@
               </a:rPr>
               <a:t>WBS</a:t>
             </a:r>
-            <a:endParaRPr lang="en-US" altLang="zh-CN" sz="2665" dirty="0" smtClean="0">
-              <a:solidFill>
-                <a:srgbClr val="183A5D"/>
-              </a:solidFill>
-              <a:latin typeface="微软雅黑" panose="020B0503020204020204" pitchFamily="34" charset="-122"/>
-              <a:ea typeface="微软雅黑" panose="020B0503020204020204" pitchFamily="34" charset="-122"/>
-            </a:endParaRPr>
           </a:p>
         </p:txBody>
       </p:sp>
+      <p:pic>
+        <p:nvPicPr>
+          <p:cNvPr id="2050" name="Picture 2"/>
+          <p:cNvPicPr>
+            <a:picLocks noChangeAspect="1" noChangeArrowheads="1"/>
+          </p:cNvPicPr>
+          <p:nvPr/>
+        </p:nvPicPr>
+        <p:blipFill>
+          <a:blip r:embed="rId2">
+            <a:extLst>
+              <a:ext uri="{28A0092B-C50C-407E-A947-70E740481C1C}">
+                <a14:useLocalDpi xmlns:a14="http://schemas.microsoft.com/office/drawing/2010/main" val="0"/>
+              </a:ext>
+            </a:extLst>
+          </a:blip>
+          <a:srcRect/>
+          <a:stretch>
+            <a:fillRect/>
+          </a:stretch>
+        </p:blipFill>
+        <p:spPr bwMode="auto">
+          <a:xfrm>
+            <a:off x="550590" y="765498"/>
+            <a:ext cx="11122885" cy="6030690"/>
+          </a:xfrm>
+          <a:prstGeom prst="rect">
+            <a:avLst/>
+          </a:prstGeom>
+          <a:noFill/>
+          <a:ln>
+            <a:noFill/>
+          </a:ln>
+          <a:extLst>
+            <a:ext uri="{909E8E84-426E-40DD-AFC4-6F175D3DCCD1}">
+              <a14:hiddenFill xmlns:a14="http://schemas.microsoft.com/office/drawing/2010/main">
+                <a:solidFill>
+                  <a:schemeClr val="accent1"/>
+                </a:solidFill>
+              </a14:hiddenFill>
+            </a:ext>
+            <a:ext uri="{91240B29-F687-4F45-9708-019B960494DF}">
+              <a14:hiddenLine xmlns:a14="http://schemas.microsoft.com/office/drawing/2010/main" w="9525">
+                <a:solidFill>
+                  <a:schemeClr val="tx1"/>
+                </a:solidFill>
+                <a:miter lim="800000"/>
+                <a:headEnd/>
+                <a:tailEnd/>
+              </a14:hiddenLine>
+            </a:ext>
+          </a:extLst>
+        </p:spPr>
+      </p:pic>
     </p:spTree>
   </p:cSld>
   <p:clrMapOvr>
@@ -18435,7 +18585,6 @@
               <a:rPr lang="en-US" sz="2400" dirty="0"/>
               <a:t>9</a:t>
             </a:r>
-            <a:endParaRPr lang="en-US" sz="2400" dirty="0"/>
           </a:p>
         </p:txBody>
       </p:sp>
@@ -18481,16 +18630,63 @@
               </a:rPr>
               <a:t>WBS-io</a:t>
             </a:r>
-            <a:endParaRPr lang="en-US" altLang="zh-CN" sz="2665" dirty="0" smtClean="0">
-              <a:solidFill>
-                <a:srgbClr val="183A5D"/>
-              </a:solidFill>
-              <a:latin typeface="微软雅黑" panose="020B0503020204020204" pitchFamily="34" charset="-122"/>
-              <a:ea typeface="微软雅黑" panose="020B0503020204020204" pitchFamily="34" charset="-122"/>
-            </a:endParaRPr>
           </a:p>
         </p:txBody>
       </p:sp>
+      <p:pic>
+        <p:nvPicPr>
+          <p:cNvPr id="3074" name="Picture 2"/>
+          <p:cNvPicPr>
+            <a:picLocks noChangeAspect="1" noChangeArrowheads="1"/>
+          </p:cNvPicPr>
+          <p:nvPr/>
+        </p:nvPicPr>
+        <p:blipFill>
+          <a:blip r:embed="rId2">
+            <a:extLst>
+              <a:ext uri="{28A0092B-C50C-407E-A947-70E740481C1C}">
+                <a14:useLocalDpi xmlns:a14="http://schemas.microsoft.com/office/drawing/2010/main" val="0"/>
+              </a:ext>
+            </a:extLst>
+          </a:blip>
+          <a:srcRect/>
+          <a:stretch>
+            <a:fillRect/>
+          </a:stretch>
+        </p:blipFill>
+        <p:spPr bwMode="auto">
+          <a:xfrm>
+            <a:off x="622598" y="909514"/>
+            <a:ext cx="10631487" cy="5764260"/>
+          </a:xfrm>
+          <a:prstGeom prst="rect">
+            <a:avLst/>
+          </a:prstGeom>
+          <a:noFill/>
+          <a:ln>
+            <a:noFill/>
+          </a:ln>
+          <a:extLst>
+            <a:ext uri="{909E8E84-426E-40DD-AFC4-6F175D3DCCD1}">
+              <a14:hiddenFill xmlns:a14="http://schemas.microsoft.com/office/drawing/2010/main">
+                <a:solidFill>
+                  <a:schemeClr val="accent1"/>
+                </a:solidFill>
+              </a14:hiddenFill>
+            </a:ext>
+            <a:ext uri="{91240B29-F687-4F45-9708-019B960494DF}">
+              <a14:hiddenLine xmlns:a14="http://schemas.microsoft.com/office/drawing/2010/main" w="9525">
+                <a:solidFill>
+                  <a:schemeClr val="tx1"/>
+                </a:solidFill>
+                <a:miter lim="800000"/>
+                <a:headEnd/>
+                <a:tailEnd/>
+              </a14:hiddenLine>
+            </a:ext>
+          </a:extLst>
+        </p:spPr>
+      </p:pic>
     </p:spTree>
   </p:cSld>
   <p:clrMapOvr>
@@ -18618,7 +18814,6 @@
               <a:rPr lang="en-US" sz="2400" dirty="0"/>
               <a:t>10</a:t>
             </a:r>
-            <a:endParaRPr lang="en-US" sz="2400" dirty="0"/>
           </a:p>
         </p:txBody>
       </p:sp>
@@ -18654,16 +18849,63 @@
               </a:rPr>
               <a:t>可行性分析报告</a:t>
             </a:r>
-            <a:endParaRPr lang="zh-CN" altLang="en-US" sz="2665" dirty="0" smtClean="0">
-              <a:solidFill>
-                <a:srgbClr val="183A5D"/>
-              </a:solidFill>
-              <a:latin typeface="微软雅黑" panose="020B0503020204020204" pitchFamily="34" charset="-122"/>
-              <a:ea typeface="微软雅黑" panose="020B0503020204020204" pitchFamily="34" charset="-122"/>
-            </a:endParaRPr>
           </a:p>
         </p:txBody>
       </p:sp>
+      <p:pic>
+        <p:nvPicPr>
+          <p:cNvPr id="4098" name="Picture 2"/>
+          <p:cNvPicPr>
+            <a:picLocks noChangeAspect="1" noChangeArrowheads="1"/>
+          </p:cNvPicPr>
+          <p:nvPr/>
+        </p:nvPicPr>
+        <p:blipFill>
+          <a:blip r:embed="rId2">
+            <a:extLst>
+              <a:ext uri="{28A0092B-C50C-407E-A947-70E740481C1C}">
+                <a14:useLocalDpi xmlns:a14="http://schemas.microsoft.com/office/drawing/2010/main" val="0"/>
+              </a:ext>
+            </a:extLst>
+          </a:blip>
+          <a:srcRect/>
+          <a:stretch>
+            <a:fillRect/>
+          </a:stretch>
+        </p:blipFill>
+        <p:spPr bwMode="auto">
+          <a:xfrm>
+            <a:off x="838622" y="837506"/>
+            <a:ext cx="10788901" cy="5799034"/>
+          </a:xfrm>
+          <a:prstGeom prst="rect">
+            <a:avLst/>
+          </a:prstGeom>
+          <a:noFill/>
+          <a:ln>
+            <a:noFill/>
+          </a:ln>
+          <a:extLst>
+            <a:ext uri="{909E8E84-426E-40DD-AFC4-6F175D3DCCD1}">
+              <a14:hiddenFill xmlns:a14="http://schemas.microsoft.com/office/drawing/2010/main">
+                <a:solidFill>
+                  <a:schemeClr val="accent1"/>
+                </a:solidFill>
+              </a14:hiddenFill>
+            </a:ext>
+            <a:ext uri="{91240B29-F687-4F45-9708-019B960494DF}">
+              <a14:hiddenLine xmlns:a14="http://schemas.microsoft.com/office/drawing/2010/main" w="9525">
+                <a:solidFill>
+                  <a:schemeClr val="tx1"/>
+                </a:solidFill>
+                <a:miter lim="800000"/>
+                <a:headEnd/>
+                <a:tailEnd/>
+              </a14:hiddenLine>
+            </a:ext>
+          </a:extLst>
+        </p:spPr>
+      </p:pic>
     </p:spTree>
   </p:cSld>
   <p:clrMapOvr>
@@ -18791,7 +19033,6 @@
               <a:rPr lang="en-US" sz="2400" dirty="0"/>
               <a:t>11</a:t>
             </a:r>
-            <a:endParaRPr lang="en-US" sz="2400" dirty="0"/>
           </a:p>
         </p:txBody>
       </p:sp>
@@ -18827,16 +19068,63 @@
               </a:rPr>
               <a:t>项目章程</a:t>
             </a:r>
-            <a:endParaRPr lang="zh-CN" altLang="en-US" sz="2665" dirty="0" smtClean="0">
-              <a:solidFill>
-                <a:srgbClr val="183A5D"/>
-              </a:solidFill>
-              <a:latin typeface="微软雅黑" panose="020B0503020204020204" pitchFamily="34" charset="-122"/>
-              <a:ea typeface="微软雅黑" panose="020B0503020204020204" pitchFamily="34" charset="-122"/>
-            </a:endParaRPr>
           </a:p>
         </p:txBody>
       </p:sp>
+      <p:pic>
+        <p:nvPicPr>
+          <p:cNvPr id="5122" name="Picture 2"/>
+          <p:cNvPicPr>
+            <a:picLocks noChangeAspect="1" noChangeArrowheads="1"/>
+          </p:cNvPicPr>
+          <p:nvPr/>
+        </p:nvPicPr>
+        <p:blipFill>
+          <a:blip r:embed="rId2">
+            <a:extLst>
+              <a:ext uri="{28A0092B-C50C-407E-A947-70E740481C1C}">
+                <a14:useLocalDpi xmlns:a14="http://schemas.microsoft.com/office/drawing/2010/main" val="0"/>
+              </a:ext>
+            </a:extLst>
+          </a:blip>
+          <a:srcRect/>
+          <a:stretch>
+            <a:fillRect/>
+          </a:stretch>
+        </p:blipFill>
+        <p:spPr bwMode="auto">
+          <a:xfrm>
+            <a:off x="622598" y="1053530"/>
+            <a:ext cx="10436322" cy="5609524"/>
+          </a:xfrm>
+          <a:prstGeom prst="rect">
+            <a:avLst/>
+          </a:prstGeom>
+          <a:noFill/>
+          <a:ln>
+            <a:noFill/>
+          </a:ln>
+          <a:extLst>
+            <a:ext uri="{909E8E84-426E-40DD-AFC4-6F175D3DCCD1}">
+              <a14:hiddenFill xmlns:a14="http://schemas.microsoft.com/office/drawing/2010/main">
+                <a:solidFill>
+                  <a:schemeClr val="accent1"/>
+                </a:solidFill>
+              </a14:hiddenFill>
+            </a:ext>
+            <a:ext uri="{91240B29-F687-4F45-9708-019B960494DF}">
+              <a14:hiddenLine xmlns:a14="http://schemas.microsoft.com/office/drawing/2010/main" w="9525">
+                <a:solidFill>
+                  <a:schemeClr val="tx1"/>
+                </a:solidFill>
+                <a:miter lim="800000"/>
+                <a:headEnd/>
+                <a:tailEnd/>
+              </a14:hiddenLine>
+            </a:ext>
+          </a:extLst>
+        </p:spPr>
+      </p:pic>
     </p:spTree>
   </p:cSld>
   <p:clrMapOvr>
@@ -19035,41 +19323,15 @@
             </a:pPr>
             <a:r>
               <a:rPr lang="en-US" altLang="zh-CN" dirty="0" smtClean="0">
-                <a:hlinkClick r:id="rId1" action="ppaction://hlinkfile"/>
+                <a:hlinkClick r:id="rId2" action="ppaction://hlinkfile"/>
               </a:rPr>
               <a:t>《PRD2018-G11-</a:t>
             </a:r>
             <a:r>
               <a:rPr lang="zh-CN" altLang="en-US" dirty="0" smtClean="0">
-                <a:hlinkClick r:id="rId1" action="ppaction://hlinkfile"/>
+                <a:hlinkClick r:id="rId2" action="ppaction://hlinkfile"/>
               </a:rPr>
               <a:t>可行性分析报告</a:t>
-            </a:r>
-            <a:r>
-              <a:rPr lang="en-US" altLang="zh-CN" dirty="0" smtClean="0">
-                <a:hlinkClick r:id="rId1" action="ppaction://hlinkfile"/>
-              </a:rPr>
-              <a:t>》</a:t>
-            </a:r>
-            <a:endParaRPr lang="en-US" altLang="zh-CN" dirty="0" smtClean="0"/>
-          </a:p>
-          <a:p>
-            <a:pPr>
-              <a:lnSpc>
-                <a:spcPct val="150000"/>
-              </a:lnSpc>
-            </a:pPr>
-            <a:r>
-              <a:rPr lang="en-US" altLang="zh-CN" dirty="0">
-                <a:hlinkClick r:id="rId2" action="ppaction://hlinkfile"/>
-              </a:rPr>
-              <a:t>《PRD2018-G11-</a:t>
-            </a:r>
-            <a:r>
-              <a:rPr lang="zh-CN" altLang="en-US" dirty="0">
-                <a:hlinkClick r:id="rId2" action="ppaction://hlinkfile"/>
-              </a:rPr>
-              <a:t>项目章程</a:t>
             </a:r>
             <a:r>
               <a:rPr lang="en-US" altLang="zh-CN" dirty="0" smtClean="0">
@@ -19095,7 +19357,7 @@
               <a:rPr lang="zh-CN" altLang="en-US" dirty="0">
                 <a:hlinkClick r:id="rId3" action="ppaction://hlinkfile"/>
               </a:rPr>
-              <a:t>需求工程项目计划</a:t>
+              <a:t>项目章程</a:t>
             </a:r>
             <a:r>
               <a:rPr lang="en-US" altLang="zh-CN" dirty="0" smtClean="0">
@@ -19121,7 +19383,7 @@
               <a:rPr lang="zh-CN" altLang="en-US" dirty="0">
                 <a:hlinkClick r:id="rId4" action="ppaction://hlinkfile"/>
               </a:rPr>
-              <a:t>会议记录</a:t>
+              <a:t>需求工程项目计划</a:t>
             </a:r>
             <a:r>
               <a:rPr lang="en-US" altLang="zh-CN" dirty="0" smtClean="0">
@@ -19147,13 +19409,7 @@
               <a:rPr lang="zh-CN" altLang="en-US" dirty="0">
                 <a:hlinkClick r:id="rId5" action="ppaction://hlinkfile"/>
               </a:rPr>
-              <a:t>项目总体计划</a:t>
-            </a:r>
-            <a:r>
-              <a:rPr lang="en-US" altLang="zh-CN" dirty="0">
-                <a:hlinkClick r:id="rId5" action="ppaction://hlinkfile"/>
-              </a:rPr>
-              <a:t>WBS</a:t>
+              <a:t>会议记录</a:t>
             </a:r>
             <a:r>
               <a:rPr lang="en-US" altLang="zh-CN" dirty="0" smtClean="0">
@@ -19179,51 +19435,13 @@
               <a:rPr lang="zh-CN" altLang="en-US" dirty="0">
                 <a:hlinkClick r:id="rId6" action="ppaction://hlinkfile"/>
               </a:rPr>
-              <a:t>需求工程项目计划</a:t>
+              <a:t>项目总体计划</a:t>
             </a:r>
             <a:r>
               <a:rPr lang="en-US" altLang="zh-CN" dirty="0">
                 <a:hlinkClick r:id="rId6" action="ppaction://hlinkfile"/>
               </a:rPr>
               <a:t>WBS</a:t>
-            </a:r>
-            <a:r>
-              <a:rPr lang="en-US" altLang="zh-CN" dirty="0" smtClean="0">
-                <a:hlinkClick r:id="rId6" action="ppaction://hlinkfile"/>
-              </a:rPr>
-              <a:t>》</a:t>
-            </a:r>
-            <a:endParaRPr lang="en-US" altLang="zh-CN" dirty="0" smtClean="0"/>
-          </a:p>
-          <a:p>
-            <a:pPr>
-              <a:lnSpc>
-                <a:spcPct val="150000"/>
-              </a:lnSpc>
-            </a:pPr>
-            <a:r>
-              <a:rPr lang="en-US" altLang="zh-CN" dirty="0">
-                <a:hlinkClick r:id="rId6" action="ppaction://hlinkfile"/>
-              </a:rPr>
-              <a:t>《PRD2018-G11-</a:t>
-            </a:r>
-            <a:r>
-              <a:rPr lang="zh-CN" altLang="en-US" dirty="0">
-                <a:hlinkClick r:id="rId6" action="ppaction://hlinkfile"/>
-              </a:rPr>
-              <a:t>需求工程项目计划</a:t>
-            </a:r>
-            <a:r>
-              <a:rPr lang="en-US" altLang="zh-CN" dirty="0">
-                <a:hlinkClick r:id="rId6" action="ppaction://hlinkfile"/>
-              </a:rPr>
-              <a:t>WBS-</a:t>
-            </a:r>
-            <a:r>
-              <a:rPr lang="en-US" altLang="zh-CN" dirty="0" err="1">
-                <a:hlinkClick r:id="rId6" action="ppaction://hlinkfile"/>
-              </a:rPr>
-              <a:t>io</a:t>
             </a:r>
             <a:r>
               <a:rPr lang="en-US" altLang="zh-CN" dirty="0" smtClean="0">
@@ -19249,7 +19467,51 @@
               <a:rPr lang="zh-CN" altLang="en-US" dirty="0">
                 <a:hlinkClick r:id="rId7" action="ppaction://hlinkfile"/>
               </a:rPr>
-              <a:t>需求工程计划甘特图</a:t>
+              <a:t>需求工程项目计划</a:t>
+            </a:r>
+            <a:r>
+              <a:rPr lang="en-US" altLang="zh-CN" dirty="0">
+                <a:hlinkClick r:id="rId7" action="ppaction://hlinkfile"/>
+              </a:rPr>
+              <a:t>WBS</a:t>
+            </a:r>
+            <a:r>
+              <a:rPr lang="en-US" altLang="zh-CN" dirty="0" smtClean="0">
+                <a:hlinkClick r:id="rId7" action="ppaction://hlinkfile"/>
+              </a:rPr>
+              <a:t>》</a:t>
+            </a:r>
+            <a:endParaRPr lang="en-US" altLang="zh-CN" dirty="0" smtClean="0"/>
+          </a:p>
+          <a:p>
+            <a:pPr>
+              <a:lnSpc>
+                <a:spcPct val="150000"/>
+              </a:lnSpc>
+            </a:pPr>
+            <a:r>
+              <a:rPr lang="en-US" altLang="zh-CN" dirty="0">
+                <a:hlinkClick r:id="rId7" action="ppaction://hlinkfile"/>
+              </a:rPr>
+              <a:t>《PRD2018-G11-</a:t>
+            </a:r>
+            <a:r>
+              <a:rPr lang="zh-CN" altLang="en-US" dirty="0">
+                <a:hlinkClick r:id="rId7" action="ppaction://hlinkfile"/>
+              </a:rPr>
+              <a:t>需求工程项目计划</a:t>
+            </a:r>
+            <a:r>
+              <a:rPr lang="en-US" altLang="zh-CN" dirty="0">
+                <a:hlinkClick r:id="rId7" action="ppaction://hlinkfile"/>
+              </a:rPr>
+              <a:t>WBS-</a:t>
+            </a:r>
+            <a:r>
+              <a:rPr lang="en-US" altLang="zh-CN" dirty="0" err="1">
+                <a:hlinkClick r:id="rId7" action="ppaction://hlinkfile"/>
+              </a:rPr>
+              <a:t>io</a:t>
             </a:r>
             <a:r>
               <a:rPr lang="en-US" altLang="zh-CN" dirty="0" smtClean="0">
@@ -19268,6 +19530,32 @@
             <a:r>
               <a:rPr lang="en-US" altLang="zh-CN" dirty="0">
                 <a:hlinkClick r:id="rId8" action="ppaction://hlinkfile"/>
+              </a:rPr>
+              <a:t>《PRD2018-G11-</a:t>
+            </a:r>
+            <a:r>
+              <a:rPr lang="zh-CN" altLang="en-US" dirty="0">
+                <a:hlinkClick r:id="rId8" action="ppaction://hlinkfile"/>
+              </a:rPr>
+              <a:t>需求工程计划甘特图</a:t>
+            </a:r>
+            <a:r>
+              <a:rPr lang="en-US" altLang="zh-CN" dirty="0" smtClean="0">
+                <a:hlinkClick r:id="rId8" action="ppaction://hlinkfile"/>
+              </a:rPr>
+              <a:t>》</a:t>
+            </a:r>
+            <a:endParaRPr lang="en-US" altLang="zh-CN" dirty="0" smtClean="0"/>
+          </a:p>
+          <a:p>
+            <a:pPr>
+              <a:lnSpc>
+                <a:spcPct val="150000"/>
+              </a:lnSpc>
+            </a:pPr>
+            <a:r>
+              <a:rPr lang="en-US" altLang="zh-CN" dirty="0">
+                <a:hlinkClick r:id="rId9" action="ppaction://hlinkfile"/>
               </a:rPr>
               <a:t>《PRD2018-G11-OBS-v1.0.0》</a:t>
             </a:r>
@@ -19479,11 +19767,6 @@
                         </a:rPr>
                         <a:t>》</a:t>
                       </a:r>
-                      <a:endParaRPr lang="en-US" altLang="zh-CN" sz="2400" b="0" dirty="0" smtClean="0">
-                        <a:solidFill>
-                          <a:schemeClr val="tx1"/>
-                        </a:solidFill>
-                      </a:endParaRPr>
                     </a:p>
                     <a:p>
                       <a:pPr algn="l">
@@ -19543,11 +19826,6 @@
                         </a:rPr>
                         <a:t>     </a:t>
                       </a:r>
-                      <a:endParaRPr lang="en-US" altLang="zh-CN" sz="2400" b="0" dirty="0" smtClean="0">
-                        <a:solidFill>
-                          <a:schemeClr val="tx1"/>
-                        </a:solidFill>
-                      </a:endParaRPr>
                     </a:p>
                     <a:p>
                       <a:pPr algn="l"/>
@@ -19641,11 +19919,6 @@
                         </a:rPr>
                         <a:t>》</a:t>
                       </a:r>
-                      <a:endParaRPr lang="en-US" altLang="zh-CN" dirty="0" smtClean="0">
-                        <a:solidFill>
-                          <a:schemeClr val="tx1"/>
-                        </a:solidFill>
-                      </a:endParaRPr>
                     </a:p>
                     <a:p>
                       <a:pPr algn="l">
@@ -19724,11 +19997,6 @@
                         </a:rPr>
                         <a:t>   Joy Beatty</a:t>
                       </a:r>
-                      <a:endParaRPr lang="en-US" altLang="zh-CN" baseline="0" dirty="0" smtClean="0">
-                        <a:solidFill>
-                          <a:schemeClr val="tx1"/>
-                        </a:solidFill>
-                      </a:endParaRPr>
                     </a:p>
                     <a:p>
                       <a:pPr algn="l">
@@ -19945,13 +20213,13 @@
   <p:clrMapOvr>
     <a:masterClrMapping/>
   </p:clrMapOvr>
-  <mc:AlternateContent xmlns:mc="http://schemas.openxmlformats.org/markup-compatibility/2006">
-    <mc:Choice xmlns:p14="http://schemas.microsoft.com/office/powerpoint/2010/main" Requires="p14">
+  <mc:AlternateContent xmlns:mc="http://schemas.openxmlformats.org/markup-compatibility/2006" xmlns:p14="http://schemas.microsoft.com/office/powerpoint/2010/main">
+    <mc:Choice Requires="p14">
       <p:transition spd="slow" p14:dur="1200" advClick="0" advTm="0">
         <p14:prism/>
       </p:transition>
     </mc:Choice>
-    <mc:Fallback>
+    <mc:Fallback xmlns="">
       <p:transition spd="slow" advClick="0" advTm="0">
         <p:fade/>
       </p:transition>
@@ -20329,13 +20597,6 @@
               </a:rPr>
               <a:t>分工及考评</a:t>
             </a:r>
-            <a:endParaRPr lang="zh-CN" sz="3200" b="1" dirty="0">
-              <a:solidFill>
-                <a:schemeClr val="bg1"/>
-              </a:solidFill>
-              <a:latin typeface="微软雅黑" panose="020B0503020204020204" pitchFamily="34" charset="-122"/>
-              <a:ea typeface="微软雅黑" panose="020B0503020204020204" pitchFamily="34" charset="-122"/>
-            </a:endParaRPr>
           </a:p>
         </p:txBody>
       </p:sp>
@@ -20442,7 +20703,6 @@
                         <a:rPr lang="zh-CN" altLang="en-US" dirty="0"/>
                         <a:t>需求工程项目计划书起草</a:t>
                       </a:r>
-                      <a:endParaRPr lang="zh-CN" altLang="en-US" dirty="0"/>
                     </a:p>
                   </a:txBody>
                   <a:tcPr/>
@@ -20494,7 +20754,6 @@
                         <a:rPr lang="zh-CN" altLang="en-US" dirty="0"/>
                         <a:t>管理，支持条件，</a:t>
                       </a:r>
-                      <a:endParaRPr lang="zh-CN" altLang="en-US" dirty="0"/>
                     </a:p>
                   </a:txBody>
                   <a:tcPr/>
@@ -20538,7 +20797,6 @@
                         <a:rPr lang="zh-CN" altLang="en-US"/>
                         <a:t>项目预算，成本管理，风险计划</a:t>
                       </a:r>
-                      <a:endParaRPr lang="zh-CN" altLang="en-US"/>
                     </a:p>
                   </a:txBody>
                   <a:tcPr/>
@@ -20552,7 +20810,6 @@
                         <a:rPr lang="en-US" altLang="zh-CN"/>
                         <a:t>9.4</a:t>
                       </a:r>
-                      <a:endParaRPr lang="en-US" altLang="zh-CN"/>
                     </a:p>
                   </a:txBody>
                   <a:tcPr/>
@@ -20586,7 +20843,6 @@
                         <a:rPr lang="zh-CN" altLang="en-US"/>
                         <a:t>，人力资源管理，沟通管理</a:t>
                       </a:r>
-                      <a:endParaRPr lang="zh-CN" altLang="en-US"/>
                     </a:p>
                   </a:txBody>
                   <a:tcPr/>
@@ -20646,7 +20902,6 @@
                         <a:rPr lang="zh-CN" altLang="en-US"/>
                         <a:t>的制作</a:t>
                       </a:r>
-                      <a:endParaRPr lang="zh-CN" altLang="en-US"/>
                     </a:p>
                   </a:txBody>
                   <a:tcPr/>
@@ -20660,7 +20915,6 @@
                         <a:rPr lang="en-US" altLang="zh-CN" dirty="0"/>
                         <a:t>9.5</a:t>
                       </a:r>
-                      <a:endParaRPr lang="en-US" altLang="zh-CN" dirty="0"/>
                     </a:p>
                   </a:txBody>
                   <a:tcPr/>
@@ -20675,13 +20929,13 @@
   <p:clrMapOvr>
     <a:masterClrMapping/>
   </p:clrMapOvr>
-  <mc:AlternateContent xmlns:mc="http://schemas.openxmlformats.org/markup-compatibility/2006">
-    <mc:Choice xmlns:p14="http://schemas.microsoft.com/office/powerpoint/2010/main" Requires="p14">
+  <mc:AlternateContent xmlns:mc="http://schemas.openxmlformats.org/markup-compatibility/2006" xmlns:p14="http://schemas.microsoft.com/office/powerpoint/2010/main">
+    <mc:Choice Requires="p14">
       <p:transition spd="slow" p14:dur="1200" advClick="0" advTm="0">
         <p14:prism/>
       </p:transition>
     </mc:Choice>
-    <mc:Fallback>
+    <mc:Fallback xmlns="">
       <p:transition spd="slow" advClick="0" advTm="0">
         <p:fade/>
       </p:transition>
@@ -21552,16 +21806,6 @@
               </a:rPr>
               <a:t>汇报结束 感谢观看</a:t>
             </a:r>
-            <a:endParaRPr lang="zh-CN" altLang="en-US" sz="3600" b="1" dirty="0">
-              <a:solidFill>
-                <a:schemeClr val="tx1">
-                  <a:lumMod val="75000"/>
-                  <a:lumOff val="25000"/>
-                </a:schemeClr>
-              </a:solidFill>
-              <a:latin typeface="微软雅黑" panose="020B0503020204020204" pitchFamily="34" charset="-122"/>
-              <a:ea typeface="微软雅黑" panose="020B0503020204020204" pitchFamily="34" charset="-122"/>
-            </a:endParaRPr>
           </a:p>
         </p:txBody>
       </p:sp>
@@ -21651,7 +21895,7 @@
                 <a:latin typeface="微软雅黑" panose="020B0503020204020204" pitchFamily="34" charset="-122"/>
                 <a:ea typeface="微软雅黑" panose="020B0503020204020204" pitchFamily="34" charset="-122"/>
               </a:rPr>
-              <a:t>24</a:t>
+              <a:t>31</a:t>
             </a:r>
             <a:r>
               <a:rPr lang="zh-CN" altLang="en-US" sz="1900" dirty="0" smtClean="0">
@@ -21723,16 +21967,16 @@
             <a:picLocks noChangeAspect="1"/>
           </p:cNvPicPr>
           <p:nvPr>
-            <a:audioFile r:link="rId1"/>
+            <a:audioFile r:link="rId2"/>
             <p:extLst>
               <p:ext uri="{DAA4B4D4-6D71-4841-9C94-3DE7FCFB9230}">
-                <p14:media xmlns:p14="http://schemas.microsoft.com/office/powerpoint/2010/main" r:embed="rId2"/>
+                <p14:media xmlns:p14="http://schemas.microsoft.com/office/powerpoint/2010/main" r:embed="rId1"/>
               </p:ext>
             </p:extLst>
           </p:nvPr>
         </p:nvPicPr>
         <p:blipFill>
-          <a:blip r:embed="rId3"/>
+          <a:blip r:embed="rId5"/>
           <a:stretch>
             <a:fillRect/>
           </a:stretch>
@@ -21780,14 +22024,6 @@
               </a:rPr>
               <a:t>浙江大学城市学院</a:t>
             </a:r>
-            <a:endParaRPr lang="zh-CN" altLang="en-US" kern="300" spc="2000">
-              <a:solidFill>
-                <a:schemeClr val="tx1"/>
-              </a:solidFill>
-              <a:uFillTx/>
-              <a:latin typeface="+中文标题" charset="0"/>
-              <a:ea typeface="+mj-ea"/>
-            </a:endParaRPr>
           </a:p>
         </p:txBody>
       </p:sp>
@@ -21796,13 +22032,13 @@
   <p:clrMapOvr>
     <a:masterClrMapping/>
   </p:clrMapOvr>
-  <mc:AlternateContent xmlns:mc="http://schemas.openxmlformats.org/markup-compatibility/2006">
-    <mc:Choice xmlns:p14="http://schemas.microsoft.com/office/powerpoint/2010/main" Requires="p14">
+  <mc:AlternateContent xmlns:mc="http://schemas.openxmlformats.org/markup-compatibility/2006" xmlns:p14="http://schemas.microsoft.com/office/powerpoint/2010/main">
+    <mc:Choice Requires="p14">
       <p:transition spd="slow" p14:dur="1600" advClick="0" advTm="0">
         <p:blinds dir="vert"/>
       </p:transition>
     </mc:Choice>
-    <mc:Fallback>
+    <mc:Fallback xmlns="">
       <p:transition spd="slow" advClick="0" advTm="0">
         <p:blinds dir="vert"/>
       </p:transition>
@@ -22967,10 +23203,6 @@
               </a:rPr>
               <a:t>软件工程教学辅助软件</a:t>
             </a:r>
-            <a:endParaRPr lang="zh-CN" altLang="en-US" sz="2000" dirty="0">
-              <a:latin typeface="微软雅黑" panose="020B0503020204020204" pitchFamily="34" charset="-122"/>
-              <a:ea typeface="微软雅黑" panose="020B0503020204020204" pitchFamily="34" charset="-122"/>
-            </a:endParaRPr>
           </a:p>
           <a:p>
             <a:pPr algn="just">
@@ -23020,13 +23252,6 @@
               </a:rPr>
               <a:t>项目简介</a:t>
             </a:r>
-            <a:endParaRPr lang="zh-CN" altLang="en-US" sz="3200" b="1" dirty="0">
-              <a:solidFill>
-                <a:schemeClr val="bg1"/>
-              </a:solidFill>
-              <a:latin typeface="微软雅黑" panose="020B0503020204020204" pitchFamily="34" charset="-122"/>
-              <a:ea typeface="微软雅黑" panose="020B0503020204020204" pitchFamily="34" charset="-122"/>
-            </a:endParaRPr>
           </a:p>
         </p:txBody>
       </p:sp>
@@ -23739,13 +23964,6 @@
               </a:rPr>
               <a:t>项目简介</a:t>
             </a:r>
-            <a:endParaRPr lang="zh-CN" altLang="en-US" sz="3200" b="1" dirty="0">
-              <a:solidFill>
-                <a:schemeClr val="bg1"/>
-              </a:solidFill>
-              <a:latin typeface="微软雅黑" panose="020B0503020204020204" pitchFamily="34" charset="-122"/>
-              <a:ea typeface="微软雅黑" panose="020B0503020204020204" pitchFamily="34" charset="-122"/>
-            </a:endParaRPr>
           </a:p>
         </p:txBody>
       </p:sp>
@@ -23939,12 +24157,6 @@
                         </a:rPr>
                         <a:t>杨枨</a:t>
                       </a:r>
-                      <a:endParaRPr lang="zh-CN" sz="1800" kern="100">
-                        <a:effectLst/>
-                        <a:latin typeface="+mn-ea"/>
-                        <a:ea typeface="+mn-ea"/>
-                        <a:cs typeface="Times New Roman" panose="02020603050405020304" pitchFamily="18" charset="0"/>
-                      </a:endParaRPr>
                     </a:p>
                   </a:txBody>
                   <a:tcPr marL="68580" marR="68580" marT="0" marB="0" anchor="ctr"/>
@@ -23968,12 +24180,6 @@
                         </a:rPr>
                         <a:t>13357102333</a:t>
                       </a:r>
-                      <a:endParaRPr lang="en-US" sz="1800" kern="100" dirty="0">
-                        <a:effectLst/>
-                        <a:latin typeface="+mn-ea"/>
-                        <a:ea typeface="+mn-ea"/>
-                        <a:cs typeface="Times New Roman" panose="02020603050405020304" pitchFamily="18" charset="0"/>
-                      </a:endParaRPr>
                     </a:p>
                   </a:txBody>
                   <a:tcPr marL="68580" marR="68580" marT="0" marB="0" anchor="ctr"/>
@@ -24000,15 +24206,6 @@
                         </a:rPr>
                         <a:t>yangc@zucc.edu.cn</a:t>
                       </a:r>
-                      <a:endParaRPr lang="en-US" sz="1800" u="none" strike="noStrike" kern="100" dirty="0">
-                        <a:solidFill>
-                          <a:srgbClr val="0563C1"/>
-                        </a:solidFill>
-                        <a:effectLst/>
-                        <a:latin typeface="+mn-ea"/>
-                        <a:ea typeface="+mn-ea"/>
-                        <a:cs typeface="Times New Roman" panose="02020603050405020304" pitchFamily="18" charset="0"/>
-                      </a:endParaRPr>
                     </a:p>
                   </a:txBody>
                   <a:tcPr marL="68580" marR="68580" marT="0" marB="0" anchor="ctr"/>
@@ -24215,7 +24412,6 @@
               <a:rPr lang="zh-CN" altLang="en-US"/>
               <a:t>项目提出者：</a:t>
             </a:r>
-            <a:endParaRPr lang="zh-CN" altLang="en-US"/>
           </a:p>
         </p:txBody>
       </p:sp>
@@ -24245,7 +24441,6 @@
               <a:rPr lang="zh-CN" altLang="en-US"/>
               <a:t>项目用户：</a:t>
             </a:r>
-            <a:endParaRPr lang="zh-CN" altLang="en-US"/>
           </a:p>
         </p:txBody>
       </p:sp>
@@ -24674,13 +24869,6 @@
               </a:rPr>
               <a:t>项目简介</a:t>
             </a:r>
-            <a:endParaRPr lang="zh-CN" altLang="en-US" sz="3200" b="1" dirty="0">
-              <a:solidFill>
-                <a:schemeClr val="bg1"/>
-              </a:solidFill>
-              <a:latin typeface="微软雅黑" panose="020B0503020204020204" pitchFamily="34" charset="-122"/>
-              <a:ea typeface="微软雅黑" panose="020B0503020204020204" pitchFamily="34" charset="-122"/>
-            </a:endParaRPr>
           </a:p>
         </p:txBody>
       </p:sp>
@@ -24721,18 +24909,6 @@
               </a:rPr>
               <a:t>开发团队：</a:t>
             </a:r>
-            <a:endParaRPr lang="zh-CN" altLang="en-US" sz="2800" b="1">
-              <a:solidFill>
-                <a:schemeClr val="tx1"/>
-              </a:solidFill>
-              <a:effectLst>
-                <a:outerShdw blurRad="38100" dist="19050" dir="2700000" algn="tl" rotWithShape="0">
-                  <a:schemeClr val="dk1">
-                    <a:alpha val="40000"/>
-                  </a:schemeClr>
-                </a:outerShdw>
-              </a:effectLst>
-            </a:endParaRPr>
           </a:p>
         </p:txBody>
       </p:sp>
@@ -25681,7 +25857,7 @@
           <p:nvPr/>
         </p:nvPicPr>
         <p:blipFill>
-          <a:blip r:embed="rId1">
+          <a:blip r:embed="rId2">
             <a:extLst>
               <a:ext uri="{28A0092B-C50C-407E-A947-70E740481C1C}">
                 <a14:useLocalDpi xmlns:a14="http://schemas.microsoft.com/office/drawing/2010/main" val="0"/>
@@ -25735,7 +25911,7 @@
           <p:nvPr/>
         </p:nvPicPr>
         <p:blipFill>
-          <a:blip r:embed="rId2">
+          <a:blip r:embed="rId3">
             <a:extLst>
               <a:ext uri="{28A0092B-C50C-407E-A947-70E740481C1C}">
                 <a14:useLocalDpi xmlns:a14="http://schemas.microsoft.com/office/drawing/2010/main" val="0"/>
@@ -25789,7 +25965,7 @@
           <p:nvPr/>
         </p:nvPicPr>
         <p:blipFill>
-          <a:blip r:embed="rId3">
+          <a:blip r:embed="rId4">
             <a:extLst>
               <a:ext uri="{28A0092B-C50C-407E-A947-70E740481C1C}">
                 <a14:useLocalDpi xmlns:a14="http://schemas.microsoft.com/office/drawing/2010/main" val="0"/>
@@ -25961,7 +26137,6 @@
               <a:rPr lang="en-US" sz="2400" dirty="0"/>
               <a:t>2</a:t>
             </a:r>
-            <a:endParaRPr lang="en-US" sz="2400" dirty="0"/>
           </a:p>
         </p:txBody>
       </p:sp>
@@ -26034,7 +26209,6 @@
               <a:rPr lang="zh-CN" altLang="zh-CN" sz="2400" dirty="0"/>
               <a:t>小组成员每人一台开发主机</a:t>
             </a:r>
-            <a:endParaRPr lang="zh-CN" altLang="zh-CN" sz="2400" dirty="0"/>
           </a:p>
           <a:p>
             <a:pPr lvl="0"/>
@@ -26042,7 +26216,6 @@
               <a:rPr lang="zh-CN" altLang="zh-CN" sz="2400" dirty="0"/>
               <a:t>阿里云服务器</a:t>
             </a:r>
-            <a:endParaRPr lang="zh-CN" altLang="zh-CN" sz="2400" dirty="0"/>
           </a:p>
           <a:p>
             <a:pPr lvl="0"/>
@@ -26054,7 +26227,6 @@
               <a:rPr lang="zh-CN" altLang="zh-CN" sz="2400" dirty="0"/>
               <a:t>办公全家桶</a:t>
             </a:r>
-            <a:endParaRPr lang="zh-CN" altLang="zh-CN" sz="2400" dirty="0"/>
           </a:p>
           <a:p>
             <a:pPr lvl="0"/>
@@ -26158,7 +26330,6 @@
               <a:rPr lang="en-US" altLang="zh-CN" sz="2400" dirty="0" smtClean="0"/>
               <a:t>Bugzilla</a:t>
             </a:r>
-            <a:endParaRPr lang="en-US" altLang="zh-CN" sz="2400" dirty="0" smtClean="0"/>
           </a:p>
           <a:p>
             <a:pPr lvl="0"/>
@@ -26174,7 +26345,6 @@
               <a:rPr lang="en-US" altLang="zh-CN" sz="2400" dirty="0" smtClean="0"/>
               <a:t>RSA</a:t>
             </a:r>
-            <a:endParaRPr lang="en-US" altLang="zh-CN" sz="2400" dirty="0" smtClean="0"/>
           </a:p>
           <a:p>
             <a:pPr lvl="0"/>
@@ -26373,13 +26543,6 @@
               </a:rPr>
               <a:t>人力资源管理计划</a:t>
             </a:r>
-            <a:endParaRPr lang="zh-CN" altLang="en-US" sz="2665" dirty="0">
-              <a:solidFill>
-                <a:srgbClr val="183A5D"/>
-              </a:solidFill>
-              <a:latin typeface="微软雅黑" panose="020B0503020204020204" pitchFamily="34" charset="-122"/>
-              <a:ea typeface="微软雅黑" panose="020B0503020204020204" pitchFamily="34" charset="-122"/>
-            </a:endParaRPr>
           </a:p>
         </p:txBody>
       </p:sp>
@@ -27247,7 +27410,6 @@
               <a:rPr lang="zh-CN" altLang="zh-CN" sz="1600" dirty="0"/>
               <a:t>负责项目管理工作，安排项目资源，对项目的规模、进度、工作量、质量、费用、风险、缺陷等进行控制，保证项目按计划运行，实现课程下达的项目目标</a:t>
             </a:r>
-            <a:endParaRPr lang="zh-CN" altLang="zh-CN" sz="1600" dirty="0"/>
           </a:p>
         </p:txBody>
       </p:sp>
@@ -27276,14 +27438,12 @@
               <a:rPr lang="zh-CN" altLang="zh-CN" sz="1400" dirty="0"/>
               <a:t>本职概述：</a:t>
             </a:r>
-            <a:endParaRPr lang="zh-CN" altLang="zh-CN" sz="1400" dirty="0"/>
           </a:p>
           <a:p>
             <a:r>
               <a:rPr lang="zh-CN" altLang="zh-CN" sz="1400" dirty="0"/>
               <a:t>负责会议记录和录音</a:t>
             </a:r>
-            <a:endParaRPr lang="zh-CN" altLang="zh-CN" sz="1400" dirty="0"/>
           </a:p>
         </p:txBody>
       </p:sp>
@@ -27297,7 +27457,7 @@
         </p:nvGraphicFramePr>
         <p:xfrm>
           <a:off x="1630445" y="5706140"/>
-          <a:ext cx="5267960" cy="1280160"/>
+          <a:ext cx="5267960" cy="640080"/>
         </p:xfrm>
         <a:graphic>
           <a:graphicData uri="http://schemas.openxmlformats.org/drawingml/2006/table">
@@ -27318,6 +27478,7 @@
                 <a:tc>
                   <a:txBody>
                     <a:bodyPr/>
+                    <a:lstStyle/>
                     <a:p>
                       <a:pPr algn="just">
                         <a:spcAft>
@@ -27343,6 +27504,7 @@
                 <a:tc>
                   <a:txBody>
                     <a:bodyPr/>
+                    <a:lstStyle/>
                     <a:p>
                       <a:pPr algn="just">
                         <a:spcAft>
@@ -27368,6 +27530,7 @@
                 <a:tc>
                   <a:txBody>
                     <a:bodyPr/>
+                    <a:lstStyle/>
                     <a:p>
                       <a:pPr algn="just">
                         <a:spcAft>
@@ -27393,6 +27556,7 @@
                 <a:tc>
                   <a:txBody>
                     <a:bodyPr/>
+                    <a:lstStyle/>
                     <a:p>
                       <a:pPr algn="just">
                         <a:spcAft>
@@ -27418,6 +27582,7 @@
                 <a:tc>
                   <a:txBody>
                     <a:bodyPr/>
+                    <a:lstStyle/>
                     <a:p>
                       <a:pPr algn="just">
                         <a:spcAft>
@@ -27443,6 +27608,7 @@
                 <a:tc>
                   <a:txBody>
                     <a:bodyPr/>
+                    <a:lstStyle/>
                     <a:p>
                       <a:pPr algn="just">
                         <a:spcAft>
@@ -27468,6 +27634,7 @@
                 <a:tc>
                   <a:txBody>
                     <a:bodyPr/>
+                    <a:lstStyle/>
                     <a:p>
                       <a:pPr algn="just">
                         <a:spcAft>
@@ -27495,6 +27662,7 @@
                 <a:tc>
                   <a:txBody>
                     <a:bodyPr/>
+                    <a:lstStyle/>
                     <a:p>
                       <a:pPr indent="0">
                         <a:buNone/>
@@ -27521,6 +27689,7 @@
                 <a:tc>
                   <a:txBody>
                     <a:bodyPr/>
+                    <a:lstStyle/>
                     <a:p>
                       <a:pPr indent="0">
                         <a:buNone/>
@@ -27546,6 +27715,7 @@
                 <a:tc>
                   <a:txBody>
                     <a:bodyPr/>
+                    <a:lstStyle/>
                     <a:p>
                       <a:pPr algn="just">
                         <a:spcAft>
@@ -27574,6 +27744,7 @@
                 <a:tc>
                   <a:txBody>
                     <a:bodyPr/>
+                    <a:lstStyle/>
                     <a:p>
                       <a:pPr indent="0">
                         <a:buNone/>
@@ -27593,11 +27764,12 @@
                       </a:endParaRPr>
                     </a:p>
                   </a:txBody>
-                  <a:tcPr marL="68580" marR="68580" marT="0" marB="0" vert="horz" anchor="ctr"/>
+                  <a:tcPr marL="68580" marR="68580" marT="0" marB="0" anchor="ctr"/>
                 </a:tc>
                 <a:tc>
                   <a:txBody>
                     <a:bodyPr/>
+                    <a:lstStyle/>
                     <a:p>
                       <a:pPr indent="0">
                         <a:buNone/>
@@ -27616,11 +27788,12 @@
                       </a:endParaRPr>
                     </a:p>
                   </a:txBody>
-                  <a:tcPr marL="68580" marR="68580" marT="0" marB="0" vert="horz" anchor="ctr"/>
+                  <a:tcPr marL="68580" marR="68580" marT="0" marB="0" anchor="ctr"/>
                 </a:tc>
                 <a:tc>
                   <a:txBody>
                     <a:bodyPr/>
+                    <a:lstStyle/>
                     <a:p>
                       <a:pPr indent="0">
                         <a:buNone/>
@@ -27639,11 +27812,12 @@
                       </a:endParaRPr>
                     </a:p>
                   </a:txBody>
-                  <a:tcPr marL="68580" marR="68580" marT="0" marB="0" vert="horz" anchor="ctr"/>
+                  <a:tcPr marL="68580" marR="68580" marT="0" marB="0" anchor="ctr"/>
                 </a:tc>
                 <a:tc>
                   <a:txBody>
                     <a:bodyPr/>
+                    <a:lstStyle/>
                     <a:p>
                       <a:pPr indent="0">
                         <a:buNone/>
@@ -27663,7 +27837,7 @@
                       </a:endParaRPr>
                     </a:p>
                   </a:txBody>
-                  <a:tcPr marL="68580" marR="68580" marT="0" marB="0" vert="horz" anchor="ctr"/>
+                  <a:tcPr marL="68580" marR="68580" marT="0" marB="0" anchor="ctr"/>
                 </a:tc>
               </a:tr>
             </a:tbl>
@@ -27693,14 +27867,23 @@
           <a:bodyPr>
             <a:spAutoFit/>
           </a:bodyPr>
+          <a:lstStyle/>
           <a:p>
             <a:pPr indent="0"/>
             <a:r>
               <a:rPr lang="zh-CN" sz="1050" b="0">
                 <a:ea typeface="宋体" panose="02010600030101010101" pitchFamily="2" charset="-122"/>
               </a:rPr>
-              <a:t>本职概述：-负责相关软件的学习及教学，阶段性培训成果的检查。</a:t>
+              <a:t>本职概述：</a:t>
+            </a:r>
+          </a:p>
+          <a:p>
+            <a:pPr indent="0"/>
+            <a:r>
+              <a:rPr lang="zh-CN" sz="1050" b="0">
+                <a:ea typeface="宋体" panose="02010600030101010101" pitchFamily="2" charset="-122"/>
+              </a:rPr>
+              <a:t>负责相关软件的学习及教学，阶段性培训成果的检查。</a:t>
             </a:r>
             <a:endParaRPr lang="zh-CN" altLang="en-US"/>
           </a:p>
@@ -27869,13 +28052,6 @@
               </a:rPr>
               <a:t>人力资源管理计划</a:t>
             </a:r>
-            <a:endParaRPr lang="zh-CN" altLang="en-US" sz="2665" dirty="0">
-              <a:solidFill>
-                <a:srgbClr val="183A5D"/>
-              </a:solidFill>
-              <a:latin typeface="微软雅黑" panose="020B0503020204020204" pitchFamily="34" charset="-122"/>
-              <a:ea typeface="微软雅黑" panose="020B0503020204020204" pitchFamily="34" charset="-122"/>
-            </a:endParaRPr>
           </a:p>
         </p:txBody>
       </p:sp>
@@ -27904,14 +28080,12 @@
               <a:rPr lang="zh-CN" altLang="zh-CN" sz="1200" dirty="0"/>
               <a:t>本职概述：</a:t>
             </a:r>
-            <a:endParaRPr lang="zh-CN" altLang="zh-CN" sz="1200" dirty="0"/>
           </a:p>
           <a:p>
             <a:r>
               <a:rPr lang="zh-CN" altLang="zh-CN" sz="1200" dirty="0"/>
               <a:t>负责计划软件配置管理活动，标识配置项，建立基线，进行版本和变更控制，保证相关人员能够方便地通过软件配置管理获得有用的信息</a:t>
             </a:r>
-            <a:endParaRPr lang="zh-CN" altLang="zh-CN" sz="1200" dirty="0"/>
           </a:p>
         </p:txBody>
       </p:sp>
@@ -28375,14 +28549,12 @@
               <a:rPr lang="zh-CN" altLang="zh-CN" sz="1200" dirty="0"/>
               <a:t>本职概述：</a:t>
             </a:r>
-            <a:endParaRPr lang="zh-CN" altLang="zh-CN" sz="1200" dirty="0"/>
           </a:p>
           <a:p>
             <a:r>
               <a:rPr lang="zh-CN" altLang="zh-CN" sz="1200" dirty="0"/>
               <a:t>负责安排用户访谈，主要负责组织小组成员，了解他们的课余时间，安排访谈活动</a:t>
             </a:r>
-            <a:endParaRPr lang="zh-CN" altLang="zh-CN" sz="1200" dirty="0"/>
           </a:p>
         </p:txBody>
       </p:sp>
@@ -29111,9 +29283,11 @@
       </a:bgFillStyleLst>
     </a:fmtScheme>
   </a:themeElements>
+  <a:objectDefaults/>
+  <a:extraClrSchemeLst/>
   <a:extLst>
     <a:ext uri="{05A4C25C-085E-4340-85A3-A5531E510DB2}">
-      <thm15:themeFamily xmlns:thm15="http://schemas.microsoft.com/office/thememl/2012/main" name="Office Theme" id="{62F939B6-93AF-4DB8-9C6B-D6C7DFDC589F}" vid="{4A3C46E8-61CC-4603-A589-7422A47A8E4A}"/>
+      <thm15:themeFamily xmlns:thm15="http://schemas.microsoft.com/office/thememl/2012/main" xmlns="" name="Office Theme" id="{62F939B6-93AF-4DB8-9C6B-D6C7DFDC589F}" vid="{4A3C46E8-61CC-4603-A589-7422A47A8E4A}"/>
     </a:ext>
   </a:extLst>
 </a:theme>
@@ -29399,9 +29573,11 @@
       </a:bgFillStyleLst>
     </a:fmtScheme>
   </a:themeElements>
+  <a:objectDefaults/>
+  <a:extraClrSchemeLst/>
   <a:extLst>
     <a:ext uri="{05A4C25C-085E-4340-85A3-A5531E510DB2}">
-      <thm15:themeFamily xmlns:thm15="http://schemas.microsoft.com/office/thememl/2012/main" name="Office Theme" id="{62F939B6-93AF-4DB8-9C6B-D6C7DFDC589F}" vid="{4A3C46E8-61CC-4603-A589-7422A47A8E4A}"/>
+      <thm15:themeFamily xmlns:thm15="http://schemas.microsoft.com/office/thememl/2012/main" xmlns="" name="Office Theme" id="{62F939B6-93AF-4DB8-9C6B-D6C7DFDC589F}" vid="{4A3C46E8-61CC-4603-A589-7422A47A8E4A}"/>
     </a:ext>
   </a:extLst>
 </a:theme>
@@ -29687,9 +29863,11 @@
       </a:bgFillStyleLst>
     </a:fmtScheme>
   </a:themeElements>
+  <a:objectDefaults/>
+  <a:extraClrSchemeLst/>
   <a:extLst>
     <a:ext uri="{05A4C25C-085E-4340-85A3-A5531E510DB2}">
-      <thm15:themeFamily xmlns:thm15="http://schemas.microsoft.com/office/thememl/2012/main" name="Office Theme" id="{62F939B6-93AF-4DB8-9C6B-D6C7DFDC589F}" vid="{4A3C46E8-61CC-4603-A589-7422A47A8E4A}"/>
+      <thm15:themeFamily xmlns:thm15="http://schemas.microsoft.com/office/thememl/2012/main" xmlns="" name="Office Theme" id="{62F939B6-93AF-4DB8-9C6B-D6C7DFDC589F}" vid="{4A3C46E8-61CC-4603-A589-7422A47A8E4A}"/>
     </a:ext>
   </a:extLst>
 </a:theme>

--- a/非受控文档/05-陈子卿/PRD2018-G11-项目计划PPT.pptx
+++ b/非受控文档/05-陈子卿/PRD2018-G11-项目计划PPT.pptx
@@ -5,42 +5,41 @@
     <p:sldMasterId id="2147483648" r:id="rId1"/>
   </p:sldMasterIdLst>
   <p:notesMasterIdLst>
-    <p:notesMasterId r:id="rId30"/>
+    <p:notesMasterId r:id="rId4"/>
   </p:notesMasterIdLst>
   <p:handoutMasterIdLst>
     <p:handoutMasterId r:id="rId31"/>
   </p:handoutMasterIdLst>
   <p:sldIdLst>
-    <p:sldId id="370" r:id="rId2"/>
-    <p:sldId id="411" r:id="rId3"/>
-    <p:sldId id="418" r:id="rId4"/>
-    <p:sldId id="419" r:id="rId5"/>
-    <p:sldId id="420" r:id="rId6"/>
-    <p:sldId id="439" r:id="rId7"/>
-    <p:sldId id="450" r:id="rId8"/>
-    <p:sldId id="437" r:id="rId9"/>
-    <p:sldId id="456" r:id="rId10"/>
-    <p:sldId id="458" r:id="rId11"/>
-    <p:sldId id="457" r:id="rId12"/>
-    <p:sldId id="459" r:id="rId13"/>
-    <p:sldId id="460" r:id="rId14"/>
-    <p:sldId id="461" r:id="rId15"/>
-    <p:sldId id="462" r:id="rId16"/>
-    <p:sldId id="463" r:id="rId17"/>
-    <p:sldId id="464" r:id="rId18"/>
-    <p:sldId id="465" r:id="rId19"/>
-    <p:sldId id="471" r:id="rId20"/>
-    <p:sldId id="472" r:id="rId21"/>
-    <p:sldId id="473" r:id="rId22"/>
-    <p:sldId id="474" r:id="rId23"/>
-    <p:sldId id="475" r:id="rId24"/>
-    <p:sldId id="476" r:id="rId25"/>
-    <p:sldId id="466" r:id="rId26"/>
-    <p:sldId id="455" r:id="rId27"/>
-    <p:sldId id="451" r:id="rId28"/>
-    <p:sldId id="436" r:id="rId29"/>
+    <p:sldId id="370" r:id="rId3"/>
+    <p:sldId id="411" r:id="rId5"/>
+    <p:sldId id="418" r:id="rId6"/>
+    <p:sldId id="419" r:id="rId7"/>
+    <p:sldId id="420" r:id="rId8"/>
+    <p:sldId id="439" r:id="rId9"/>
+    <p:sldId id="450" r:id="rId10"/>
+    <p:sldId id="437" r:id="rId11"/>
+    <p:sldId id="456" r:id="rId12"/>
+    <p:sldId id="458" r:id="rId13"/>
+    <p:sldId id="457" r:id="rId14"/>
+    <p:sldId id="459" r:id="rId15"/>
+    <p:sldId id="461" r:id="rId16"/>
+    <p:sldId id="462" r:id="rId17"/>
+    <p:sldId id="463" r:id="rId18"/>
+    <p:sldId id="464" r:id="rId19"/>
+    <p:sldId id="465" r:id="rId20"/>
+    <p:sldId id="471" r:id="rId21"/>
+    <p:sldId id="472" r:id="rId22"/>
+    <p:sldId id="473" r:id="rId23"/>
+    <p:sldId id="474" r:id="rId24"/>
+    <p:sldId id="475" r:id="rId25"/>
+    <p:sldId id="476" r:id="rId26"/>
+    <p:sldId id="466" r:id="rId27"/>
+    <p:sldId id="455" r:id="rId28"/>
+    <p:sldId id="451" r:id="rId29"/>
+    <p:sldId id="436" r:id="rId30"/>
   </p:sldIdLst>
-  <p:sldSz cx="12190413" cy="6859588"/>
+  <p:sldSz cx="12190095" cy="6859270"/>
   <p:notesSz cx="6858000" cy="9144000"/>
   <p:defaultTextStyle>
     <a:defPPr>
@@ -222,7 +221,6 @@
           <a:p>
             <a:fld id="{5D1C15E6-6BD2-4E4B-B1D4-218C26E1B228}" type="datetimeFigureOut">
               <a:rPr lang="zh-CN" altLang="en-US" smtClean="0"/>
-              <a:t>2018/10/28</a:t>
             </a:fld>
             <a:endParaRPr lang="zh-CN" altLang="en-US"/>
           </a:p>
@@ -288,18 +286,12 @@
           <a:p>
             <a:fld id="{E655EDCA-2189-4435-B38B-6F3C2C044356}" type="slidenum">
               <a:rPr lang="zh-CN" altLang="en-US" smtClean="0"/>
-              <a:t>‹#›</a:t>
             </a:fld>
             <a:endParaRPr lang="zh-CN" altLang="en-US"/>
           </a:p>
         </p:txBody>
       </p:sp>
     </p:spTree>
-    <p:extLst>
-      <p:ext uri="{BB962C8B-B14F-4D97-AF65-F5344CB8AC3E}">
-        <p14:creationId xmlns:p14="http://schemas.microsoft.com/office/powerpoint/2010/main" val="2832020787"/>
-      </p:ext>
-    </p:extLst>
   </p:cSld>
   <p:clrMap bg1="lt1" tx1="dk1" bg2="lt2" tx2="dk2" accent1="accent1" accent2="accent2" accent3="accent3" accent4="accent4" accent5="accent5" accent6="accent6" hlink="hlink" folHlink="folHlink"/>
 </p:handoutMaster>
@@ -387,7 +379,6 @@
           <a:p>
             <a:fld id="{0B17430C-5A66-4BD0-A971-34190B6C6019}" type="datetimeFigureOut">
               <a:rPr lang="zh-CN" altLang="en-US" smtClean="0"/>
-              <a:t>2018/10/28</a:t>
             </a:fld>
             <a:endParaRPr lang="zh-CN" altLang="en-US"/>
           </a:p>
@@ -454,6 +445,7 @@
               <a:rPr lang="zh-CN" altLang="en-US" smtClean="0"/>
               <a:t>单击此处编辑母版文本样式</a:t>
             </a:r>
+            <a:endParaRPr lang="zh-CN" altLang="en-US" smtClean="0"/>
           </a:p>
           <a:p>
             <a:pPr lvl="1"/>
@@ -461,6 +453,7 @@
               <a:rPr lang="zh-CN" altLang="en-US" smtClean="0"/>
               <a:t>第二级</a:t>
             </a:r>
+            <a:endParaRPr lang="zh-CN" altLang="en-US" smtClean="0"/>
           </a:p>
           <a:p>
             <a:pPr lvl="2"/>
@@ -468,6 +461,7 @@
               <a:rPr lang="zh-CN" altLang="en-US" smtClean="0"/>
               <a:t>第三级</a:t>
             </a:r>
+            <a:endParaRPr lang="zh-CN" altLang="en-US" smtClean="0"/>
           </a:p>
           <a:p>
             <a:pPr lvl="3"/>
@@ -475,6 +469,7 @@
               <a:rPr lang="zh-CN" altLang="en-US" smtClean="0"/>
               <a:t>第四级</a:t>
             </a:r>
+            <a:endParaRPr lang="zh-CN" altLang="en-US" smtClean="0"/>
           </a:p>
           <a:p>
             <a:pPr lvl="4"/>
@@ -546,18 +541,12 @@
           <a:p>
             <a:fld id="{74AC173A-3DA8-4893-B28A-1E15F55C330A}" type="slidenum">
               <a:rPr lang="zh-CN" altLang="en-US" smtClean="0"/>
-              <a:t>‹#›</a:t>
             </a:fld>
             <a:endParaRPr lang="zh-CN" altLang="en-US"/>
           </a:p>
         </p:txBody>
       </p:sp>
     </p:spTree>
-    <p:extLst>
-      <p:ext uri="{BB962C8B-B14F-4D97-AF65-F5344CB8AC3E}">
-        <p14:creationId xmlns:p14="http://schemas.microsoft.com/office/powerpoint/2010/main" val="1228874665"/>
-      </p:ext>
-    </p:extLst>
   </p:cSld>
   <p:clrMap bg1="lt1" tx1="dk1" bg2="lt2" tx2="dk2" accent1="accent1" accent2="accent2" accent3="accent3" accent4="accent4" accent5="accent5" accent6="accent6" hlink="hlink" folHlink="folHlink"/>
   <p:notesStyle>
@@ -720,7 +709,6 @@
           <a:p>
             <a:fld id="{74AC173A-3DA8-4893-B28A-1E15F55C330A}" type="slidenum">
               <a:rPr lang="zh-CN" altLang="en-US" smtClean="0"/>
-              <a:t>1</a:t>
             </a:fld>
             <a:endParaRPr lang="zh-CN" altLang="en-US"/>
           </a:p>
@@ -799,7 +787,6 @@
           <a:p>
             <a:fld id="{74AC173A-3DA8-4893-B28A-1E15F55C330A}" type="slidenum">
               <a:rPr lang="zh-CN" altLang="en-US" smtClean="0"/>
-              <a:t>2</a:t>
             </a:fld>
             <a:endParaRPr lang="zh-CN" altLang="en-US"/>
           </a:p>
@@ -878,7 +865,6 @@
           <a:p>
             <a:fld id="{74AC173A-3DA8-4893-B28A-1E15F55C330A}" type="slidenum">
               <a:rPr lang="zh-CN" altLang="en-US" smtClean="0"/>
-              <a:t>3</a:t>
             </a:fld>
             <a:endParaRPr lang="zh-CN" altLang="en-US"/>
           </a:p>
@@ -957,7 +943,6 @@
           <a:p>
             <a:fld id="{74AC173A-3DA8-4893-B28A-1E15F55C330A}" type="slidenum">
               <a:rPr lang="zh-CN" altLang="en-US" smtClean="0"/>
-              <a:t>4</a:t>
             </a:fld>
             <a:endParaRPr lang="zh-CN" altLang="en-US"/>
           </a:p>
@@ -1036,7 +1021,6 @@
           <a:p>
             <a:fld id="{74AC173A-3DA8-4893-B28A-1E15F55C330A}" type="slidenum">
               <a:rPr lang="zh-CN" altLang="en-US" smtClean="0"/>
-              <a:t>5</a:t>
             </a:fld>
             <a:endParaRPr lang="zh-CN" altLang="en-US"/>
           </a:p>
@@ -1115,7 +1099,6 @@
           <a:p>
             <a:fld id="{74AC173A-3DA8-4893-B28A-1E15F55C330A}" type="slidenum">
               <a:rPr lang="zh-CN" altLang="en-US" smtClean="0"/>
-              <a:t>26</a:t>
             </a:fld>
             <a:endParaRPr lang="zh-CN" altLang="en-US"/>
           </a:p>
@@ -1194,7 +1177,6 @@
           <a:p>
             <a:fld id="{74AC173A-3DA8-4893-B28A-1E15F55C330A}" type="slidenum">
               <a:rPr lang="zh-CN" altLang="en-US" smtClean="0"/>
-              <a:t>27</a:t>
             </a:fld>
             <a:endParaRPr lang="zh-CN" altLang="en-US"/>
           </a:p>
@@ -1273,7 +1255,6 @@
           <a:p>
             <a:fld id="{74AC173A-3DA8-4893-B28A-1E15F55C330A}" type="slidenum">
               <a:rPr lang="zh-CN" altLang="en-US" smtClean="0"/>
-              <a:t>28</a:t>
             </a:fld>
             <a:endParaRPr lang="zh-CN" altLang="en-US"/>
           </a:p>
@@ -1485,7 +1466,6 @@
                 <a:latin typeface="微软雅黑" panose="020B0503020204020204" pitchFamily="34" charset="-122"/>
                 <a:ea typeface="微软雅黑" panose="020B0503020204020204" pitchFamily="34" charset="-122"/>
               </a:rPr>
-              <a:t>‹#›</a:t>
             </a:fld>
             <a:r>
               <a:rPr lang="zh-CN" altLang="en-US" sz="1800" dirty="0" smtClean="0">
@@ -2415,7 +2395,6 @@
           <a:p>
             <a:fld id="{530820CF-B880-4189-942D-D702A7CBA730}" type="datetimeFigureOut">
               <a:rPr lang="zh-CN" altLang="en-US" smtClean="0"/>
-              <a:t>2018/10/28</a:t>
             </a:fld>
             <a:endParaRPr lang="zh-CN" altLang="en-US"/>
           </a:p>
@@ -2473,7 +2452,6 @@
           <a:p>
             <a:fld id="{0C913308-F349-4B6D-A68A-DD1791B4A57B}" type="slidenum">
               <a:rPr lang="zh-CN" altLang="en-US" smtClean="0"/>
-              <a:t>‹#›</a:t>
             </a:fld>
             <a:endParaRPr lang="zh-CN" altLang="en-US"/>
           </a:p>
@@ -2532,7 +2510,6 @@
           <a:p>
             <a:fld id="{530820CF-B880-4189-942D-D702A7CBA730}" type="datetimeFigureOut">
               <a:rPr lang="zh-CN" altLang="en-US" smtClean="0"/>
-              <a:t>2018/10/28</a:t>
             </a:fld>
             <a:endParaRPr lang="zh-CN" altLang="en-US"/>
           </a:p>
@@ -2590,7 +2567,6 @@
           <a:p>
             <a:fld id="{0C913308-F349-4B6D-A68A-DD1791B4A57B}" type="slidenum">
               <a:rPr lang="zh-CN" altLang="en-US" smtClean="0"/>
-              <a:t>‹#›</a:t>
             </a:fld>
             <a:endParaRPr lang="zh-CN" altLang="en-US"/>
           </a:p>
@@ -3385,6 +3361,13 @@
               </a:rPr>
               <a:t>软件工程系列课程教学辅助网站</a:t>
             </a:r>
+            <a:endParaRPr lang="zh-CN" altLang="en-US" sz="5400" dirty="0" smtClean="0">
+              <a:solidFill>
+                <a:srgbClr val="38B1BF"/>
+              </a:solidFill>
+              <a:latin typeface="微软雅黑" panose="020B0503020204020204" pitchFamily="34" charset="-122"/>
+              <a:ea typeface="微软雅黑" panose="020B0503020204020204" pitchFamily="34" charset="-122"/>
+            </a:endParaRPr>
           </a:p>
           <a:p>
             <a:pPr algn="l"/>
@@ -3687,16 +3670,16 @@
             <a:picLocks noChangeAspect="1"/>
           </p:cNvPicPr>
           <p:nvPr>
-            <a:audioFile r:link="rId2"/>
+            <a:audioFile r:link="rId1"/>
             <p:extLst>
               <p:ext uri="{DAA4B4D4-6D71-4841-9C94-3DE7FCFB9230}">
-                <p14:media xmlns:p14="http://schemas.microsoft.com/office/powerpoint/2010/main" r:embed="rId1"/>
+                <p14:media xmlns:p14="http://schemas.microsoft.com/office/powerpoint/2010/main" r:embed="rId2"/>
               </p:ext>
             </p:extLst>
           </p:nvPr>
         </p:nvPicPr>
         <p:blipFill>
-          <a:blip r:embed="rId5"/>
+          <a:blip r:embed="rId3"/>
           <a:stretch>
             <a:fillRect/>
           </a:stretch>
@@ -3744,6 +3727,14 @@
               </a:rPr>
               <a:t>浙江大学城市学院</a:t>
             </a:r>
+            <a:endParaRPr lang="zh-CN" altLang="en-US" kern="300" spc="2000">
+              <a:solidFill>
+                <a:schemeClr val="tx1"/>
+              </a:solidFill>
+              <a:uFillTx/>
+              <a:latin typeface="+中文标题" charset="0"/>
+              <a:ea typeface="+mj-ea"/>
+            </a:endParaRPr>
           </a:p>
         </p:txBody>
       </p:sp>
@@ -3752,13 +3743,13 @@
   <p:clrMapOvr>
     <a:masterClrMapping/>
   </p:clrMapOvr>
-  <mc:AlternateContent xmlns:mc="http://schemas.openxmlformats.org/markup-compatibility/2006" xmlns:p14="http://schemas.microsoft.com/office/powerpoint/2010/main">
-    <mc:Choice Requires="p14">
+  <mc:AlternateContent xmlns:mc="http://schemas.openxmlformats.org/markup-compatibility/2006">
+    <mc:Choice xmlns:p14="http://schemas.microsoft.com/office/powerpoint/2010/main" Requires="p14">
       <p:transition spd="slow" p14:dur="1600" advClick="0" advTm="0">
         <p:blinds dir="vert"/>
       </p:transition>
     </mc:Choice>
-    <mc:Fallback xmlns="">
+    <mc:Fallback>
       <p:transition spd="slow" advClick="0" advTm="0">
         <p:blinds dir="vert"/>
       </p:transition>
@@ -4742,6 +4733,13 @@
               </a:rPr>
               <a:t>人力资源管理计划</a:t>
             </a:r>
+            <a:endParaRPr lang="zh-CN" altLang="en-US" sz="2665" dirty="0">
+              <a:solidFill>
+                <a:srgbClr val="183A5D"/>
+              </a:solidFill>
+              <a:latin typeface="微软雅黑" panose="020B0503020204020204" pitchFamily="34" charset="-122"/>
+              <a:ea typeface="微软雅黑" panose="020B0503020204020204" pitchFamily="34" charset="-122"/>
+            </a:endParaRPr>
           </a:p>
         </p:txBody>
       </p:sp>
@@ -4779,6 +4777,7 @@
               <a:rPr lang="zh-CN" altLang="zh-CN" sz="2400" b="1" dirty="0"/>
               <a:t>）</a:t>
             </a:r>
+            <a:endParaRPr lang="zh-CN" altLang="zh-CN" sz="2400" b="1" dirty="0"/>
           </a:p>
         </p:txBody>
       </p:sp>
@@ -4791,7 +4790,7 @@
           <p:nvPr/>
         </p:nvPicPr>
         <p:blipFill>
-          <a:blip r:embed="rId2">
+          <a:blip r:embed="rId1">
             <a:extLst>
               <a:ext uri="{28A0092B-C50C-407E-A947-70E740481C1C}">
                 <a14:useLocalDpi xmlns:a14="http://schemas.microsoft.com/office/drawing/2010/main" val="0"/>
@@ -4963,6 +4962,7 @@
               <a:rPr lang="en-US" sz="2400" dirty="0"/>
               <a:t>4</a:t>
             </a:r>
+            <a:endParaRPr lang="en-US" sz="2400" dirty="0"/>
           </a:p>
         </p:txBody>
       </p:sp>
@@ -5044,24 +5044,19 @@
               <a:rPr lang="zh-CN" altLang="zh-CN" sz="2400" b="1" dirty="0"/>
               <a:t>干系人手册</a:t>
             </a:r>
+            <a:endParaRPr lang="zh-CN" altLang="zh-CN" sz="2400" b="1" dirty="0"/>
           </a:p>
         </p:txBody>
       </p:sp>
       <p:graphicFrame>
         <p:nvGraphicFramePr>
-          <p:cNvPr id="9" name="表格 8"/>
+          <p:cNvPr id="6" name="表格 5"/>
           <p:cNvGraphicFramePr/>
-          <p:nvPr>
-            <p:extLst>
-              <p:ext uri="{D42A27DB-BD31-4B8C-83A1-F6EECF244321}">
-                <p14:modId xmlns:p14="http://schemas.microsoft.com/office/powerpoint/2010/main" val="2358593901"/>
-              </p:ext>
-            </p:extLst>
-          </p:nvPr>
+          <p:nvPr/>
         </p:nvGraphicFramePr>
         <p:xfrm>
-          <a:off x="3218815" y="1604010"/>
-          <a:ext cx="6688455" cy="4537710"/>
+          <a:off x="2897505" y="1669415"/>
+          <a:ext cx="7251700" cy="4179570"/>
         </p:xfrm>
         <a:graphic>
           <a:graphicData uri="http://schemas.openxmlformats.org/drawingml/2006/table">
@@ -5070,36 +5065,36 @@
                 <a:tableStyleId>{5940675A-B579-460E-94D1-54222C63F5DA}</a:tableStyleId>
               </a:tblPr>
               <a:tblGrid>
-                <a:gridCol w="1442085"/>
-                <a:gridCol w="1132205"/>
-                <a:gridCol w="2562860"/>
-                <a:gridCol w="1551305"/>
+                <a:gridCol w="1271270"/>
+                <a:gridCol w="998220"/>
+                <a:gridCol w="2259330"/>
+                <a:gridCol w="1367790"/>
+                <a:gridCol w="1355090"/>
               </a:tblGrid>
-              <a:tr h="662940">
+              <a:tr h="278765">
                 <a:tc>
                   <a:txBody>
                     <a:bodyPr/>
-                    <a:lstStyle/>
                     <a:p>
                       <a:pPr indent="0">
                         <a:buNone/>
                       </a:pPr>
                       <a:r>
-                        <a:rPr lang="en-US" sz="1800" b="1" dirty="0" err="1">
+                        <a:rPr lang="en-US" sz="1000" b="1">
                           <a:latin typeface="宋体" panose="02010600030101010101" pitchFamily="2" charset="-122"/>
                           <a:ea typeface="宋体" panose="02010600030101010101" pitchFamily="2" charset="-122"/>
                           <a:cs typeface="宋体" panose="02010600030101010101" pitchFamily="2" charset="-122"/>
                         </a:rPr>
                         <a:t>积极干系人</a:t>
                       </a:r>
-                      <a:endParaRPr lang="en-US" altLang="en-US" sz="1800" b="1" dirty="0">
+                      <a:endParaRPr lang="en-US" altLang="en-US" sz="1000" b="1">
                         <a:latin typeface="宋体" panose="02010600030101010101" pitchFamily="2" charset="-122"/>
                         <a:ea typeface="宋体" panose="02010600030101010101" pitchFamily="2" charset="-122"/>
                         <a:cs typeface="宋体" panose="02010600030101010101" pitchFamily="2" charset="-122"/>
                       </a:endParaRPr>
                     </a:p>
                   </a:txBody>
-                  <a:tcPr marL="68580" marR="68580" marT="0" marB="0" anchor="ctr">
+                  <a:tcPr marL="68580" marR="68580" marT="0" marB="0" vert="horz" anchor="ctr">
                     <a:lnL w="12700" cap="flat" cmpd="sng">
                       <a:solidFill>
                         <a:srgbClr val="080000"/>
@@ -5146,27 +5141,26 @@
                 <a:tc>
                   <a:txBody>
                     <a:bodyPr/>
-                    <a:lstStyle/>
                     <a:p>
                       <a:pPr indent="0">
                         <a:buNone/>
                       </a:pPr>
                       <a:r>
-                        <a:rPr lang="en-US" sz="1800" b="1">
+                        <a:rPr lang="en-US" sz="1000" b="1">
                           <a:latin typeface="宋体" panose="02010600030101010101" pitchFamily="2" charset="-122"/>
                           <a:ea typeface="宋体" panose="02010600030101010101" pitchFamily="2" charset="-122"/>
                           <a:cs typeface="宋体" panose="02010600030101010101" pitchFamily="2" charset="-122"/>
                         </a:rPr>
                         <a:t>提出者</a:t>
                       </a:r>
-                      <a:endParaRPr lang="en-US" altLang="en-US" sz="1800" b="1">
+                      <a:endParaRPr lang="en-US" altLang="en-US" sz="1000" b="1">
                         <a:latin typeface="宋体" panose="02010600030101010101" pitchFamily="2" charset="-122"/>
                         <a:ea typeface="宋体" panose="02010600030101010101" pitchFamily="2" charset="-122"/>
                         <a:cs typeface="宋体" panose="02010600030101010101" pitchFamily="2" charset="-122"/>
                       </a:endParaRPr>
                     </a:p>
                   </a:txBody>
-                  <a:tcPr marL="68580" marR="68580" marT="0" marB="0" anchor="ctr">
+                  <a:tcPr marL="68580" marR="68580" marT="0" marB="0" vert="horz" anchor="ctr">
                     <a:lnL w="12700" cap="flat" cmpd="sng">
                       <a:solidFill>
                         <a:srgbClr val="080000"/>
@@ -5213,27 +5207,26 @@
                 <a:tc>
                   <a:txBody>
                     <a:bodyPr/>
-                    <a:lstStyle/>
                     <a:p>
                       <a:pPr indent="0">
                         <a:buNone/>
                       </a:pPr>
                       <a:r>
-                        <a:rPr lang="en-US" sz="1800" b="1">
+                        <a:rPr lang="en-US" sz="1000" b="1">
                           <a:latin typeface="宋体" panose="02010600030101010101" pitchFamily="2" charset="-122"/>
                           <a:ea typeface="宋体" panose="02010600030101010101" pitchFamily="2" charset="-122"/>
                           <a:cs typeface="宋体" panose="02010600030101010101" pitchFamily="2" charset="-122"/>
                         </a:rPr>
                         <a:t>联系方式</a:t>
                       </a:r>
-                      <a:endParaRPr lang="en-US" altLang="en-US" sz="1800" b="1">
+                      <a:endParaRPr lang="en-US" altLang="en-US" sz="1000" b="1">
                         <a:latin typeface="宋体" panose="02010600030101010101" pitchFamily="2" charset="-122"/>
                         <a:ea typeface="宋体" panose="02010600030101010101" pitchFamily="2" charset="-122"/>
                         <a:cs typeface="宋体" panose="02010600030101010101" pitchFamily="2" charset="-122"/>
                       </a:endParaRPr>
                     </a:p>
                   </a:txBody>
-                  <a:tcPr marL="68580" marR="68580" marT="0" marB="0" anchor="ctr">
+                  <a:tcPr marL="68580" marR="68580" marT="0" marB="0" vert="horz" anchor="ctr">
                     <a:lnL w="12700" cap="flat" cmpd="sng">
                       <a:solidFill>
                         <a:srgbClr val="080000"/>
@@ -5280,27 +5273,92 @@
                 <a:tc>
                   <a:txBody>
                     <a:bodyPr/>
-                    <a:lstStyle/>
                     <a:p>
                       <a:pPr indent="0">
                         <a:buNone/>
                       </a:pPr>
                       <a:r>
-                        <a:rPr lang="en-US" sz="1800" b="1">
+                        <a:rPr lang="en-US" sz="1000" b="1">
                           <a:latin typeface="宋体" panose="02010600030101010101" pitchFamily="2" charset="-122"/>
                           <a:ea typeface="宋体" panose="02010600030101010101" pitchFamily="2" charset="-122"/>
                           <a:cs typeface="宋体" panose="02010600030101010101" pitchFamily="2" charset="-122"/>
                         </a:rPr>
                         <a:t>所在地</a:t>
                       </a:r>
-                      <a:endParaRPr lang="en-US" altLang="en-US" sz="1800" b="1">
+                      <a:endParaRPr lang="en-US" altLang="en-US" sz="1000" b="1">
                         <a:latin typeface="宋体" panose="02010600030101010101" pitchFamily="2" charset="-122"/>
                         <a:ea typeface="宋体" panose="02010600030101010101" pitchFamily="2" charset="-122"/>
                         <a:cs typeface="宋体" panose="02010600030101010101" pitchFamily="2" charset="-122"/>
                       </a:endParaRPr>
                     </a:p>
                   </a:txBody>
-                  <a:tcPr marL="68580" marR="68580" marT="0" marB="0">
+                  <a:tcPr marL="68580" marR="68580" marT="0" marB="0" vert="horz" anchor="t">
+                    <a:lnL w="12700" cap="flat" cmpd="sng">
+                      <a:solidFill>
+                        <a:srgbClr val="080000"/>
+                      </a:solidFill>
+                      <a:prstDash val="solid"/>
+                      <a:headEnd type="none" w="med" len="med"/>
+                      <a:tailEnd type="none" w="med" len="med"/>
+                    </a:lnL>
+                    <a:lnR w="12700" cap="flat" cmpd="sng">
+                      <a:solidFill>
+                        <a:srgbClr val="080000"/>
+                      </a:solidFill>
+                      <a:prstDash val="solid"/>
+                      <a:headEnd type="none" w="med" len="med"/>
+                      <a:tailEnd type="none" w="med" len="med"/>
+                    </a:lnR>
+                    <a:lnT w="12700" cap="flat" cmpd="sng">
+                      <a:solidFill>
+                        <a:srgbClr val="080000"/>
+                      </a:solidFill>
+                      <a:prstDash val="solid"/>
+                      <a:headEnd type="none" w="med" len="med"/>
+                      <a:tailEnd type="none" w="med" len="med"/>
+                    </a:lnT>
+                    <a:lnB w="12700" cap="flat" cmpd="sng">
+                      <a:solidFill>
+                        <a:srgbClr val="080000"/>
+                      </a:solidFill>
+                      <a:prstDash val="solid"/>
+                      <a:headEnd type="none" w="med" len="med"/>
+                      <a:tailEnd type="none" w="med" len="med"/>
+                    </a:lnB>
+                    <a:lnTlToBr>
+                      <a:noFill/>
+                    </a:lnTlToBr>
+                    <a:lnBlToTr>
+                      <a:noFill/>
+                    </a:lnBlToTr>
+                    <a:solidFill>
+                      <a:srgbClr val="BDD7EE"/>
+                    </a:solidFill>
+                  </a:tcPr>
+                </a:tc>
+                <a:tc>
+                  <a:txBody>
+                    <a:bodyPr/>
+                    <a:p>
+                      <a:pPr indent="0">
+                        <a:buNone/>
+                      </a:pPr>
+                      <a:r>
+                        <a:rPr lang="en-US" sz="1000" b="1">
+                          <a:latin typeface="宋体" panose="02010600030101010101" pitchFamily="2" charset="-122"/>
+                          <a:ea typeface="宋体" panose="02010600030101010101" pitchFamily="2" charset="-122"/>
+                          <a:cs typeface="宋体" panose="02010600030101010101" pitchFamily="2" charset="-122"/>
+                        </a:rPr>
+                        <a:t>描述</a:t>
+                      </a:r>
+                      <a:endParaRPr lang="en-US" altLang="en-US" sz="1000" b="1">
+                        <a:latin typeface="宋体" panose="02010600030101010101" pitchFamily="2" charset="-122"/>
+                        <a:ea typeface="宋体" panose="02010600030101010101" pitchFamily="2" charset="-122"/>
+                        <a:cs typeface="宋体" panose="02010600030101010101" pitchFamily="2" charset="-122"/>
+                      </a:endParaRPr>
+                    </a:p>
+                  </a:txBody>
+                  <a:tcPr marL="68580" marR="68580" marT="0" marB="0" vert="horz" anchor="t">
                     <a:lnL w="12700" cap="flat" cmpd="sng">
                       <a:solidFill>
                         <a:srgbClr val="080000"/>
@@ -5345,31 +5403,30 @@
                   </a:tcPr>
                 </a:tc>
               </a:tr>
-              <a:tr h="1223010">
+              <a:tr h="278765">
                 <a:tc>
                   <a:txBody>
                     <a:bodyPr/>
-                    <a:lstStyle/>
                     <a:p>
                       <a:pPr indent="0">
                         <a:buNone/>
                       </a:pPr>
                       <a:r>
-                        <a:rPr lang="en-US" sz="1800" b="0">
+                        <a:rPr lang="en-US" sz="1600" b="0">
                           <a:latin typeface="宋体" panose="02010600030101010101" pitchFamily="2" charset="-122"/>
                           <a:ea typeface="宋体" panose="02010600030101010101" pitchFamily="2" charset="-122"/>
                           <a:cs typeface="宋体" panose="02010600030101010101" pitchFamily="2" charset="-122"/>
                         </a:rPr>
                         <a:t>杨枨</a:t>
                       </a:r>
-                      <a:endParaRPr lang="en-US" altLang="en-US" sz="1800" b="0">
+                      <a:endParaRPr lang="en-US" altLang="en-US" sz="1600" b="0">
                         <a:latin typeface="宋体" panose="02010600030101010101" pitchFamily="2" charset="-122"/>
                         <a:ea typeface="宋体" panose="02010600030101010101" pitchFamily="2" charset="-122"/>
                         <a:cs typeface="宋体" panose="02010600030101010101" pitchFamily="2" charset="-122"/>
                       </a:endParaRPr>
                     </a:p>
                   </a:txBody>
-                  <a:tcPr marL="68580" marR="68580" marT="0" marB="0" anchor="ctr">
+                  <a:tcPr marL="68580" marR="68580" marT="0" marB="0" vert="horz" anchor="ctr">
                     <a:lnL w="12700" cap="flat" cmpd="sng">
                       <a:solidFill>
                         <a:srgbClr val="080000"/>
@@ -5416,26 +5473,25 @@
                 <a:tc>
                   <a:txBody>
                     <a:bodyPr/>
-                    <a:lstStyle/>
                     <a:p>
                       <a:pPr indent="0">
                         <a:buNone/>
                       </a:pPr>
                       <a:r>
-                        <a:rPr lang="en-US" sz="1800" b="0">
+                        <a:rPr lang="en-US" sz="1600" b="0">
                           <a:latin typeface="Calibri" panose="020F0502020204030204" charset="0"/>
                           <a:cs typeface="Calibri" panose="020F0502020204030204" charset="0"/>
                         </a:rPr>
                         <a:t>蔡峰</a:t>
                       </a:r>
-                      <a:endParaRPr lang="en-US" altLang="en-US" sz="1800" b="0">
+                      <a:endParaRPr lang="en-US" altLang="en-US" sz="1600" b="0">
                         <a:latin typeface="Calibri" panose="020F0502020204030204" charset="0"/>
                         <a:ea typeface="Calibri" panose="020F0502020204030204" charset="0"/>
                         <a:cs typeface="Calibri" panose="020F0502020204030204" charset="0"/>
                       </a:endParaRPr>
                     </a:p>
                   </a:txBody>
-                  <a:tcPr marL="68580" marR="68580" marT="0" marB="0" anchor="ctr">
+                  <a:tcPr marL="68580" marR="68580" marT="0" marB="0" vert="horz" anchor="ctr">
                     <a:lnL w="12700" cap="flat" cmpd="sng">
                       <a:solidFill>
                         <a:srgbClr val="080000"/>
@@ -5482,26 +5538,25 @@
                 <a:tc>
                   <a:txBody>
                     <a:bodyPr/>
-                    <a:lstStyle/>
                     <a:p>
                       <a:pPr indent="0">
                         <a:buNone/>
                       </a:pPr>
                       <a:r>
-                        <a:rPr lang="en-US" sz="1800" b="0">
+                        <a:rPr lang="en-US" sz="1600" b="0">
                           <a:latin typeface="Calibri" panose="020F0502020204030204" charset="0"/>
                           <a:cs typeface="Calibri" panose="020F0502020204030204" charset="0"/>
                         </a:rPr>
                         <a:t>yangc@zucc.edu.cn</a:t>
                       </a:r>
-                      <a:endParaRPr lang="en-US" altLang="en-US" sz="1800" b="0">
+                      <a:endParaRPr lang="en-US" altLang="en-US" sz="1600" b="0">
                         <a:latin typeface="Calibri" panose="020F0502020204030204" charset="0"/>
                         <a:ea typeface="Calibri" panose="020F0502020204030204" charset="0"/>
                         <a:cs typeface="Calibri" panose="020F0502020204030204" charset="0"/>
                       </a:endParaRPr>
                     </a:p>
                   </a:txBody>
-                  <a:tcPr marL="68580" marR="68580" marT="0" marB="0" anchor="ctr">
+                  <a:tcPr marL="68580" marR="68580" marT="0" marB="0" vert="horz" anchor="ctr">
                     <a:lnL w="12700" cap="flat" cmpd="sng">
                       <a:solidFill>
                         <a:srgbClr val="080000"/>
@@ -5546,34 +5601,90 @@
                 <a:tc>
                   <a:txBody>
                     <a:bodyPr/>
-                    <a:lstStyle/>
                     <a:p>
                       <a:pPr indent="0">
                         <a:buNone/>
                       </a:pPr>
                       <a:r>
-                        <a:rPr lang="en-US" sz="1800" b="0">
+                        <a:rPr lang="en-US" sz="1600" b="0">
                           <a:latin typeface="宋体" panose="02010600030101010101" pitchFamily="2" charset="-122"/>
                           <a:ea typeface="宋体" panose="02010600030101010101" pitchFamily="2" charset="-122"/>
                           <a:cs typeface="宋体" panose="02010600030101010101" pitchFamily="2" charset="-122"/>
                         </a:rPr>
-                        <a:t>理4系主任</a:t>
-                      </a:r>
-                      <a:r>
-                        <a:rPr lang="en-US" sz="1800" b="0">
-                          <a:latin typeface="Calibri" panose="020F0502020204030204" charset="0"/>
-                          <a:cs typeface="Calibri" panose="020F0502020204030204" charset="0"/>
-                        </a:rPr>
-                        <a:t>办公室</a:t>
-                      </a:r>
-                      <a:endParaRPr lang="en-US" altLang="en-US" sz="1800" b="0">
+                        <a:t>理4-506</a:t>
+                      </a:r>
+                      <a:endParaRPr lang="en-US" altLang="en-US" sz="1600" b="0">
                         <a:latin typeface="宋体" panose="02010600030101010101" pitchFamily="2" charset="-122"/>
                         <a:ea typeface="宋体" panose="02010600030101010101" pitchFamily="2" charset="-122"/>
                         <a:cs typeface="宋体" panose="02010600030101010101" pitchFamily="2" charset="-122"/>
                       </a:endParaRPr>
                     </a:p>
                   </a:txBody>
-                  <a:tcPr marL="68580" marR="68580" marT="0" marB="0">
+                  <a:tcPr marL="68580" marR="68580" marT="0" marB="0" vert="horz" anchor="t">
+                    <a:lnL w="12700" cap="flat" cmpd="sng">
+                      <a:solidFill>
+                        <a:srgbClr val="080000"/>
+                      </a:solidFill>
+                      <a:prstDash val="solid"/>
+                      <a:headEnd type="none" w="med" len="med"/>
+                      <a:tailEnd type="none" w="med" len="med"/>
+                    </a:lnL>
+                    <a:lnR w="12700" cap="flat" cmpd="sng">
+                      <a:solidFill>
+                        <a:srgbClr val="080000"/>
+                      </a:solidFill>
+                      <a:prstDash val="solid"/>
+                      <a:headEnd type="none" w="med" len="med"/>
+                      <a:tailEnd type="none" w="med" len="med"/>
+                    </a:lnR>
+                    <a:lnT w="12700" cap="flat" cmpd="sng">
+                      <a:solidFill>
+                        <a:srgbClr val="080000"/>
+                      </a:solidFill>
+                      <a:prstDash val="solid"/>
+                      <a:headEnd type="none" w="med" len="med"/>
+                      <a:tailEnd type="none" w="med" len="med"/>
+                    </a:lnT>
+                    <a:lnB w="12700" cap="flat" cmpd="sng">
+                      <a:solidFill>
+                        <a:srgbClr val="080000"/>
+                      </a:solidFill>
+                      <a:prstDash val="solid"/>
+                      <a:headEnd type="none" w="med" len="med"/>
+                      <a:tailEnd type="none" w="med" len="med"/>
+                    </a:lnB>
+                    <a:lnTlToBr>
+                      <a:noFill/>
+                    </a:lnTlToBr>
+                    <a:lnBlToTr>
+                      <a:noFill/>
+                    </a:lnBlToTr>
+                    <a:noFill/>
+                  </a:tcPr>
+                </a:tc>
+                <a:tc>
+                  <a:txBody>
+                    <a:bodyPr/>
+                    <a:p>
+                      <a:pPr indent="0">
+                        <a:buNone/>
+                      </a:pPr>
+                      <a:r>
+                        <a:rPr lang="en-US" sz="1600" b="0">
+                          <a:latin typeface="宋体" panose="02010600030101010101" pitchFamily="2" charset="-122"/>
+                          <a:ea typeface="宋体" panose="02010600030101010101" pitchFamily="2" charset="-122"/>
+                          <a:cs typeface="宋体" panose="02010600030101010101" pitchFamily="2" charset="-122"/>
+                        </a:rPr>
+                        <a:t>项目下达者</a:t>
+                      </a:r>
+                      <a:endParaRPr lang="en-US" altLang="en-US" sz="1600" b="0">
+                        <a:latin typeface="宋体" panose="02010600030101010101" pitchFamily="2" charset="-122"/>
+                        <a:ea typeface="宋体" panose="02010600030101010101" pitchFamily="2" charset="-122"/>
+                        <a:cs typeface="宋体" panose="02010600030101010101" pitchFamily="2" charset="-122"/>
+                      </a:endParaRPr>
+                    </a:p>
+                  </a:txBody>
+                  <a:tcPr marL="68580" marR="68580" marT="0" marB="0" vert="horz" anchor="t">
                     <a:lnL w="12700" cap="flat" cmpd="sng">
                       <a:solidFill>
                         <a:srgbClr val="080000"/>
@@ -5616,31 +5727,30 @@
                   </a:tcPr>
                 </a:tc>
               </a:tr>
-              <a:tr h="662940">
+              <a:tr h="278130">
                 <a:tc>
                   <a:txBody>
                     <a:bodyPr/>
-                    <a:lstStyle/>
                     <a:p>
                       <a:pPr indent="0">
                         <a:buNone/>
                       </a:pPr>
                       <a:r>
-                        <a:rPr lang="en-US" sz="1800" b="0">
+                        <a:rPr lang="en-US" sz="1600" b="0">
                           <a:latin typeface="宋体" panose="02010600030101010101" pitchFamily="2" charset="-122"/>
                           <a:ea typeface="宋体" panose="02010600030101010101" pitchFamily="2" charset="-122"/>
                           <a:cs typeface="宋体" panose="02010600030101010101" pitchFamily="2" charset="-122"/>
                         </a:rPr>
                         <a:t>侯宏仑</a:t>
                       </a:r>
-                      <a:endParaRPr lang="en-US" altLang="en-US" sz="1800" b="0">
+                      <a:endParaRPr lang="en-US" altLang="en-US" sz="1600" b="0">
                         <a:latin typeface="宋体" panose="02010600030101010101" pitchFamily="2" charset="-122"/>
                         <a:ea typeface="宋体" panose="02010600030101010101" pitchFamily="2" charset="-122"/>
                         <a:cs typeface="宋体" panose="02010600030101010101" pitchFamily="2" charset="-122"/>
                       </a:endParaRPr>
                     </a:p>
                   </a:txBody>
-                  <a:tcPr marL="68580" marR="68580" marT="0" marB="0" anchor="ctr">
+                  <a:tcPr marL="68580" marR="68580" marT="0" marB="0" vert="horz" anchor="ctr">
                     <a:lnL w="12700" cap="flat" cmpd="sng">
                       <a:solidFill>
                         <a:srgbClr val="080000"/>
@@ -5687,26 +5797,25 @@
                 <a:tc>
                   <a:txBody>
                     <a:bodyPr/>
-                    <a:lstStyle/>
                     <a:p>
                       <a:pPr indent="0">
                         <a:buNone/>
                       </a:pPr>
                       <a:r>
-                        <a:rPr lang="en-US" sz="1800" b="0">
+                        <a:rPr lang="en-US" sz="1600" b="0">
                           <a:latin typeface="Calibri" panose="020F0502020204030204" charset="0"/>
                           <a:cs typeface="Calibri" panose="020F0502020204030204" charset="0"/>
                         </a:rPr>
                         <a:t>蔡峰</a:t>
                       </a:r>
-                      <a:endParaRPr lang="en-US" altLang="en-US" sz="1800" b="0">
+                      <a:endParaRPr lang="en-US" altLang="en-US" sz="1600" b="0">
                         <a:latin typeface="Calibri" panose="020F0502020204030204" charset="0"/>
                         <a:ea typeface="Calibri" panose="020F0502020204030204" charset="0"/>
                         <a:cs typeface="Calibri" panose="020F0502020204030204" charset="0"/>
                       </a:endParaRPr>
                     </a:p>
                   </a:txBody>
-                  <a:tcPr marL="68580" marR="68580" marT="0" marB="0" anchor="ctr">
+                  <a:tcPr marL="68580" marR="68580" marT="0" marB="0" vert="horz" anchor="ctr">
                     <a:lnL w="12700" cap="flat" cmpd="sng">
                       <a:solidFill>
                         <a:srgbClr val="080000"/>
@@ -5753,26 +5862,25 @@
                 <a:tc>
                   <a:txBody>
                     <a:bodyPr/>
-                    <a:lstStyle/>
                     <a:p>
                       <a:pPr indent="0">
                         <a:buNone/>
                       </a:pPr>
                       <a:r>
-                        <a:rPr lang="en-US" sz="1800" b="0">
+                        <a:rPr lang="en-US" sz="1600" b="0">
                           <a:latin typeface="Calibri" panose="020F0502020204030204" charset="0"/>
                           <a:cs typeface="Calibri" panose="020F0502020204030204" charset="0"/>
                         </a:rPr>
                         <a:t>ubilabs@zucc.edu.cn</a:t>
                       </a:r>
-                      <a:endParaRPr lang="en-US" altLang="en-US" sz="1800" b="0">
+                      <a:endParaRPr lang="en-US" altLang="en-US" sz="1600" b="0">
                         <a:latin typeface="Calibri" panose="020F0502020204030204" charset="0"/>
                         <a:ea typeface="Calibri" panose="020F0502020204030204" charset="0"/>
                         <a:cs typeface="Calibri" panose="020F0502020204030204" charset="0"/>
                       </a:endParaRPr>
                     </a:p>
                   </a:txBody>
-                  <a:tcPr marL="68580" marR="68580" marT="0" marB="0">
+                  <a:tcPr marL="68580" marR="68580" marT="0" marB="0" vert="horz" anchor="t">
                     <a:lnL w="12700" cap="flat" cmpd="sng">
                       <a:solidFill>
                         <a:srgbClr val="080000"/>
@@ -5817,13 +5925,12 @@
                 <a:tc>
                   <a:txBody>
                     <a:bodyPr/>
-                    <a:lstStyle/>
                     <a:p>
                       <a:pPr indent="0">
                         <a:buNone/>
                       </a:pPr>
                       <a:r>
-                        <a:rPr lang="en-US" sz="1800" b="0">
+                        <a:rPr lang="en-US" sz="1600" b="0">
                           <a:latin typeface="宋体" panose="02010600030101010101" pitchFamily="2" charset="-122"/>
                           <a:ea typeface="宋体" panose="02010600030101010101" pitchFamily="2" charset="-122"/>
                           <a:cs typeface="宋体" panose="02010600030101010101" pitchFamily="2" charset="-122"/>
@@ -5831,28 +5938,92 @@
                         <a:t>理4</a:t>
                       </a:r>
                       <a:r>
-                        <a:rPr lang="en-US" sz="1800" b="0">
+                        <a:rPr lang="en-US" sz="1600" b="0">
                           <a:latin typeface="Calibri" panose="020F0502020204030204" charset="0"/>
                           <a:cs typeface="Calibri" panose="020F0502020204030204" charset="0"/>
                         </a:rPr>
                         <a:t>-</a:t>
                       </a:r>
                       <a:r>
-                        <a:rPr lang="en-US" sz="1800" b="0">
+                        <a:rPr lang="en-US" sz="1600" b="0">
                           <a:latin typeface="宋体" panose="02010600030101010101" pitchFamily="2" charset="-122"/>
                           <a:ea typeface="宋体" panose="02010600030101010101" pitchFamily="2" charset="-122"/>
                           <a:cs typeface="宋体" panose="02010600030101010101" pitchFamily="2" charset="-122"/>
                         </a:rPr>
                         <a:t>501</a:t>
                       </a:r>
-                      <a:endParaRPr lang="en-US" altLang="en-US" sz="1800" b="0">
+                      <a:endParaRPr lang="en-US" altLang="en-US" sz="1600" b="0">
                         <a:latin typeface="宋体" panose="02010600030101010101" pitchFamily="2" charset="-122"/>
                         <a:ea typeface="宋体" panose="02010600030101010101" pitchFamily="2" charset="-122"/>
                         <a:cs typeface="宋体" panose="02010600030101010101" pitchFamily="2" charset="-122"/>
                       </a:endParaRPr>
                     </a:p>
                   </a:txBody>
-                  <a:tcPr marL="68580" marR="68580" marT="0" marB="0">
+                  <a:tcPr marL="68580" marR="68580" marT="0" marB="0" vert="horz" anchor="t">
+                    <a:lnL w="12700" cap="flat" cmpd="sng">
+                      <a:solidFill>
+                        <a:srgbClr val="080000"/>
+                      </a:solidFill>
+                      <a:prstDash val="solid"/>
+                      <a:headEnd type="none" w="med" len="med"/>
+                      <a:tailEnd type="none" w="med" len="med"/>
+                    </a:lnL>
+                    <a:lnR w="12700" cap="flat" cmpd="sng">
+                      <a:solidFill>
+                        <a:srgbClr val="080000"/>
+                      </a:solidFill>
+                      <a:prstDash val="solid"/>
+                      <a:headEnd type="none" w="med" len="med"/>
+                      <a:tailEnd type="none" w="med" len="med"/>
+                    </a:lnR>
+                    <a:lnT w="12700" cap="flat" cmpd="sng">
+                      <a:solidFill>
+                        <a:srgbClr val="080000"/>
+                      </a:solidFill>
+                      <a:prstDash val="solid"/>
+                      <a:headEnd type="none" w="med" len="med"/>
+                      <a:tailEnd type="none" w="med" len="med"/>
+                    </a:lnT>
+                    <a:lnB w="12700" cap="flat" cmpd="sng">
+                      <a:solidFill>
+                        <a:srgbClr val="080000"/>
+                      </a:solidFill>
+                      <a:prstDash val="solid"/>
+                      <a:headEnd type="none" w="med" len="med"/>
+                      <a:tailEnd type="none" w="med" len="med"/>
+                    </a:lnB>
+                    <a:lnTlToBr>
+                      <a:noFill/>
+                    </a:lnTlToBr>
+                    <a:lnBlToTr>
+                      <a:noFill/>
+                    </a:lnBlToTr>
+                    <a:noFill/>
+                  </a:tcPr>
+                </a:tc>
+                <a:tc>
+                  <a:txBody>
+                    <a:bodyPr/>
+                    <a:p>
+                      <a:pPr indent="0">
+                        <a:buNone/>
+                      </a:pPr>
+                      <a:r>
+                        <a:rPr lang="en-US" sz="1600" b="0">
+                          <a:latin typeface="宋体" panose="02010600030101010101" pitchFamily="2" charset="-122"/>
+                          <a:ea typeface="宋体" panose="02010600030101010101" pitchFamily="2" charset="-122"/>
+                          <a:cs typeface="宋体" panose="02010600030101010101" pitchFamily="2" charset="-122"/>
+                        </a:rPr>
+                        <a:t>项目下达者</a:t>
+                      </a:r>
+                      <a:endParaRPr lang="en-US" altLang="en-US" sz="1600" b="0">
+                        <a:latin typeface="宋体" panose="02010600030101010101" pitchFamily="2" charset="-122"/>
+                        <a:ea typeface="宋体" panose="02010600030101010101" pitchFamily="2" charset="-122"/>
+                        <a:cs typeface="宋体" panose="02010600030101010101" pitchFamily="2" charset="-122"/>
+                      </a:endParaRPr>
+                    </a:p>
+                  </a:txBody>
+                  <a:tcPr marL="68580" marR="68580" marT="0" marB="0" vert="horz" anchor="t">
                     <a:lnL w="12700" cap="flat" cmpd="sng">
                       <a:solidFill>
                         <a:srgbClr val="080000"/>
@@ -5895,31 +6066,30 @@
                   </a:tcPr>
                 </a:tc>
               </a:tr>
-              <a:tr h="662940">
+              <a:tr h="771525">
                 <a:tc>
                   <a:txBody>
                     <a:bodyPr/>
-                    <a:lstStyle/>
                     <a:p>
                       <a:pPr indent="0">
                         <a:buNone/>
                       </a:pPr>
                       <a:r>
-                        <a:rPr lang="en-US" sz="1800" b="0">
+                        <a:rPr lang="en-US" sz="1600" b="0">
                           <a:latin typeface="宋体" panose="02010600030101010101" pitchFamily="2" charset="-122"/>
                           <a:ea typeface="宋体" panose="02010600030101010101" pitchFamily="2" charset="-122"/>
                           <a:cs typeface="宋体" panose="02010600030101010101" pitchFamily="2" charset="-122"/>
                         </a:rPr>
                         <a:t>助教陈栩</a:t>
                       </a:r>
-                      <a:endParaRPr lang="en-US" altLang="en-US" sz="1800" b="0">
+                      <a:endParaRPr lang="en-US" altLang="en-US" sz="1600" b="0">
                         <a:latin typeface="宋体" panose="02010600030101010101" pitchFamily="2" charset="-122"/>
                         <a:ea typeface="宋体" panose="02010600030101010101" pitchFamily="2" charset="-122"/>
                         <a:cs typeface="宋体" panose="02010600030101010101" pitchFamily="2" charset="-122"/>
                       </a:endParaRPr>
                     </a:p>
                   </a:txBody>
-                  <a:tcPr marL="68580" marR="68580" marT="0" marB="0" anchor="ctr">
+                  <a:tcPr marL="68580" marR="68580" marT="0" marB="0" vert="horz" anchor="ctr">
                     <a:lnL w="12700" cap="flat" cmpd="sng">
                       <a:solidFill>
                         <a:srgbClr val="080000"/>
@@ -5966,26 +6136,25 @@
                 <a:tc>
                   <a:txBody>
                     <a:bodyPr/>
-                    <a:lstStyle/>
                     <a:p>
                       <a:pPr indent="0">
                         <a:buNone/>
                       </a:pPr>
                       <a:r>
-                        <a:rPr lang="en-US" sz="1800" b="0">
+                        <a:rPr lang="en-US" sz="1600" b="0">
                           <a:latin typeface="Calibri" panose="020F0502020204030204" charset="0"/>
                           <a:cs typeface="Calibri" panose="020F0502020204030204" charset="0"/>
                         </a:rPr>
                         <a:t>蔡峰</a:t>
                       </a:r>
-                      <a:endParaRPr lang="en-US" altLang="en-US" sz="1800" b="0">
+                      <a:endParaRPr lang="en-US" altLang="en-US" sz="1600" b="0">
                         <a:latin typeface="Calibri" panose="020F0502020204030204" charset="0"/>
                         <a:ea typeface="Calibri" panose="020F0502020204030204" charset="0"/>
                         <a:cs typeface="Calibri" panose="020F0502020204030204" charset="0"/>
                       </a:endParaRPr>
                     </a:p>
                   </a:txBody>
-                  <a:tcPr marL="68580" marR="68580" marT="0" marB="0" anchor="ctr">
+                  <a:tcPr marL="68580" marR="68580" marT="0" marB="0" vert="horz" anchor="ctr">
                     <a:lnL w="12700" cap="flat" cmpd="sng">
                       <a:solidFill>
                         <a:srgbClr val="080000"/>
@@ -6032,20 +6201,19 @@
                 <a:tc>
                   <a:txBody>
                     <a:bodyPr/>
-                    <a:lstStyle/>
                     <a:p>
                       <a:pPr indent="0">
                         <a:buNone/>
                       </a:pPr>
                       <a:r>
-                        <a:rPr lang="en-US" sz="1800" b="0">
+                        <a:rPr lang="en-US" sz="1600" b="0">
                           <a:latin typeface="Calibri" panose="020F0502020204030204" charset="0"/>
                           <a:cs typeface="Calibri" panose="020F0502020204030204" charset="0"/>
                         </a:rPr>
                         <a:t>31601341</a:t>
                       </a:r>
                       <a:r>
-                        <a:rPr lang="en-US" sz="1800" b="0">
+                        <a:rPr lang="en-US" sz="1600" b="0">
                           <a:latin typeface="宋体" panose="02010600030101010101" pitchFamily="2" charset="-122"/>
                           <a:ea typeface="宋体" panose="02010600030101010101" pitchFamily="2" charset="-122"/>
                           <a:cs typeface="宋体" panose="02010600030101010101" pitchFamily="2" charset="-122"/>
@@ -6053,20 +6221,20 @@
                         <a:t>@stu</a:t>
                       </a:r>
                       <a:r>
-                        <a:rPr lang="en-US" sz="1800" b="0">
+                        <a:rPr lang="en-US" sz="1600" b="0">
                           <a:latin typeface="Calibri" panose="020F0502020204030204" charset="0"/>
                           <a:cs typeface="Calibri" panose="020F0502020204030204" charset="0"/>
                         </a:rPr>
                         <a:t>.zucc.edu.cn</a:t>
                       </a:r>
-                      <a:endParaRPr lang="en-US" altLang="en-US" sz="1800" b="0">
+                      <a:endParaRPr lang="en-US" altLang="en-US" sz="1600" b="0">
                         <a:latin typeface="Calibri" panose="020F0502020204030204" charset="0"/>
                         <a:ea typeface="Calibri" panose="020F0502020204030204" charset="0"/>
                         <a:cs typeface="Calibri" panose="020F0502020204030204" charset="0"/>
                       </a:endParaRPr>
                     </a:p>
                   </a:txBody>
-                  <a:tcPr marL="68580" marR="68580" marT="0" marB="0" anchor="ctr">
+                  <a:tcPr marL="68580" marR="68580" marT="0" marB="0" vert="horz" anchor="ctr">
                     <a:lnL w="12700" cap="flat" cmpd="sng">
                       <a:solidFill>
                         <a:srgbClr val="080000"/>
@@ -6111,13 +6279,12 @@
                 <a:tc>
                   <a:txBody>
                     <a:bodyPr/>
-                    <a:lstStyle/>
                     <a:p>
                       <a:pPr indent="0">
                         <a:buNone/>
                       </a:pPr>
                       <a:r>
-                        <a:rPr lang="en-US" sz="1800" b="0">
+                        <a:rPr lang="en-US" sz="1600" b="0">
                           <a:latin typeface="宋体" panose="02010600030101010101" pitchFamily="2" charset="-122"/>
                           <a:ea typeface="宋体" panose="02010600030101010101" pitchFamily="2" charset="-122"/>
                           <a:cs typeface="宋体" panose="02010600030101010101" pitchFamily="2" charset="-122"/>
@@ -6125,20 +6292,84 @@
                         <a:t>问源1-</a:t>
                       </a:r>
                       <a:r>
-                        <a:rPr lang="en-US" sz="1800" b="0">
+                        <a:rPr lang="en-US" sz="1600" b="0">
                           <a:latin typeface="Calibri" panose="020F0502020204030204" charset="0"/>
                           <a:cs typeface="Calibri" panose="020F0502020204030204" charset="0"/>
                         </a:rPr>
                         <a:t>636</a:t>
                       </a:r>
-                      <a:endParaRPr lang="en-US" altLang="en-US" sz="1800" b="0">
+                      <a:endParaRPr lang="en-US" altLang="en-US" sz="1600" b="0">
                         <a:latin typeface="宋体" panose="02010600030101010101" pitchFamily="2" charset="-122"/>
                         <a:ea typeface="宋体" panose="02010600030101010101" pitchFamily="2" charset="-122"/>
                         <a:cs typeface="宋体" panose="02010600030101010101" pitchFamily="2" charset="-122"/>
                       </a:endParaRPr>
                     </a:p>
                   </a:txBody>
-                  <a:tcPr marL="68580" marR="68580" marT="0" marB="0">
+                  <a:tcPr marL="68580" marR="68580" marT="0" marB="0" vert="horz" anchor="t">
+                    <a:lnL w="12700" cap="flat" cmpd="sng">
+                      <a:solidFill>
+                        <a:srgbClr val="080000"/>
+                      </a:solidFill>
+                      <a:prstDash val="solid"/>
+                      <a:headEnd type="none" w="med" len="med"/>
+                      <a:tailEnd type="none" w="med" len="med"/>
+                    </a:lnL>
+                    <a:lnR w="12700" cap="flat" cmpd="sng">
+                      <a:solidFill>
+                        <a:srgbClr val="080000"/>
+                      </a:solidFill>
+                      <a:prstDash val="solid"/>
+                      <a:headEnd type="none" w="med" len="med"/>
+                      <a:tailEnd type="none" w="med" len="med"/>
+                    </a:lnR>
+                    <a:lnT w="12700" cap="flat" cmpd="sng">
+                      <a:solidFill>
+                        <a:srgbClr val="080000"/>
+                      </a:solidFill>
+                      <a:prstDash val="solid"/>
+                      <a:headEnd type="none" w="med" len="med"/>
+                      <a:tailEnd type="none" w="med" len="med"/>
+                    </a:lnT>
+                    <a:lnB w="12700" cap="flat" cmpd="sng">
+                      <a:solidFill>
+                        <a:srgbClr val="080000"/>
+                      </a:solidFill>
+                      <a:prstDash val="solid"/>
+                      <a:headEnd type="none" w="med" len="med"/>
+                      <a:tailEnd type="none" w="med" len="med"/>
+                    </a:lnB>
+                    <a:lnTlToBr>
+                      <a:noFill/>
+                    </a:lnTlToBr>
+                    <a:lnBlToTr>
+                      <a:noFill/>
+                    </a:lnBlToTr>
+                    <a:noFill/>
+                  </a:tcPr>
+                </a:tc>
+                <a:tc>
+                  <a:txBody>
+                    <a:bodyPr/>
+                    <a:p>
+                      <a:pPr indent="0">
+                        <a:buNone/>
+                      </a:pPr>
+                      <a:r>
+                        <a:rPr lang="en-US" sz="1600" b="0">
+                          <a:latin typeface="宋体" panose="02010600030101010101" pitchFamily="2" charset="-122"/>
+                          <a:ea typeface="宋体" panose="02010600030101010101" pitchFamily="2" charset="-122"/>
+                          <a:cs typeface="宋体" panose="02010600030101010101" pitchFamily="2" charset="-122"/>
+                        </a:rPr>
+                        <a:t>软件课程专业学生以及需求课程助教</a:t>
+                      </a:r>
+                      <a:endParaRPr lang="en-US" altLang="en-US" sz="1600" b="0">
+                        <a:latin typeface="宋体" panose="02010600030101010101" pitchFamily="2" charset="-122"/>
+                        <a:ea typeface="宋体" panose="02010600030101010101" pitchFamily="2" charset="-122"/>
+                        <a:cs typeface="宋体" panose="02010600030101010101" pitchFamily="2" charset="-122"/>
+                      </a:endParaRPr>
+                    </a:p>
+                  </a:txBody>
+                  <a:tcPr marL="68580" marR="68580" marT="0" marB="0" vert="horz" anchor="t">
                     <a:lnL w="12700" cap="flat" cmpd="sng">
                       <a:solidFill>
                         <a:srgbClr val="080000"/>
@@ -6181,31 +6412,30 @@
                   </a:tcPr>
                 </a:tc>
               </a:tr>
-              <a:tr h="662940">
+              <a:tr h="772160">
                 <a:tc>
                   <a:txBody>
                     <a:bodyPr/>
-                    <a:lstStyle/>
                     <a:p>
                       <a:pPr indent="0">
                         <a:buNone/>
                       </a:pPr>
                       <a:r>
-                        <a:rPr lang="en-US" sz="1800" b="0">
+                        <a:rPr lang="en-US" sz="1600" b="0">
                           <a:latin typeface="宋体" panose="02010600030101010101" pitchFamily="2" charset="-122"/>
                           <a:ea typeface="宋体" panose="02010600030101010101" pitchFamily="2" charset="-122"/>
                           <a:cs typeface="宋体" panose="02010600030101010101" pitchFamily="2" charset="-122"/>
                         </a:rPr>
                         <a:t>助教冯一鸣</a:t>
                       </a:r>
-                      <a:endParaRPr lang="en-US" altLang="en-US" sz="1800" b="0">
+                      <a:endParaRPr lang="en-US" altLang="en-US" sz="1600" b="0">
                         <a:latin typeface="宋体" panose="02010600030101010101" pitchFamily="2" charset="-122"/>
                         <a:ea typeface="宋体" panose="02010600030101010101" pitchFamily="2" charset="-122"/>
                         <a:cs typeface="宋体" panose="02010600030101010101" pitchFamily="2" charset="-122"/>
                       </a:endParaRPr>
                     </a:p>
                   </a:txBody>
-                  <a:tcPr marL="68580" marR="68580" marT="0" marB="0" anchor="ctr">
+                  <a:tcPr marL="68580" marR="68580" marT="0" marB="0" vert="horz" anchor="ctr">
                     <a:lnL w="12700" cap="flat" cmpd="sng">
                       <a:solidFill>
                         <a:srgbClr val="080000"/>
@@ -6252,26 +6482,25 @@
                 <a:tc>
                   <a:txBody>
                     <a:bodyPr/>
-                    <a:lstStyle/>
                     <a:p>
                       <a:pPr indent="0">
                         <a:buNone/>
                       </a:pPr>
                       <a:r>
-                        <a:rPr lang="en-US" sz="1800" b="0">
+                        <a:rPr lang="en-US" sz="1600" b="0">
                           <a:latin typeface="Calibri" panose="020F0502020204030204" charset="0"/>
                           <a:cs typeface="Calibri" panose="020F0502020204030204" charset="0"/>
                         </a:rPr>
                         <a:t>蔡峰</a:t>
                       </a:r>
-                      <a:endParaRPr lang="en-US" altLang="en-US" sz="1800" b="0">
+                      <a:endParaRPr lang="en-US" altLang="en-US" sz="1600" b="0">
                         <a:latin typeface="Calibri" panose="020F0502020204030204" charset="0"/>
                         <a:ea typeface="Calibri" panose="020F0502020204030204" charset="0"/>
                         <a:cs typeface="Calibri" panose="020F0502020204030204" charset="0"/>
                       </a:endParaRPr>
                     </a:p>
                   </a:txBody>
-                  <a:tcPr marL="68580" marR="68580" marT="0" marB="0" anchor="ctr">
+                  <a:tcPr marL="68580" marR="68580" marT="0" marB="0" vert="horz" anchor="ctr">
                     <a:lnL w="12700" cap="flat" cmpd="sng">
                       <a:solidFill>
                         <a:srgbClr val="080000"/>
@@ -6318,27 +6547,18 @@
                 <a:tc>
                   <a:txBody>
                     <a:bodyPr/>
-                    <a:lstStyle/>
                     <a:p>
                       <a:pPr indent="0">
                         <a:buNone/>
                       </a:pPr>
-                      <a:r>
-                        <a:rPr lang="en-US" altLang="en-US" sz="1800" b="0" dirty="0" smtClean="0">
-                          <a:latin typeface="Calibri" panose="020F0502020204030204" charset="0"/>
-                          <a:ea typeface="Calibri" panose="020F0502020204030204" charset="0"/>
-                          <a:cs typeface="Calibri" panose="020F0502020204030204" charset="0"/>
-                        </a:rPr>
-                        <a:t>31601390@stu.zucc.edu.cn</a:t>
-                      </a:r>
-                      <a:endParaRPr lang="en-US" altLang="en-US" sz="1800" b="0" dirty="0">
+                      <a:endParaRPr lang="en-US" altLang="en-US" sz="1600" b="0">
                         <a:latin typeface="Calibri" panose="020F0502020204030204" charset="0"/>
                         <a:ea typeface="Calibri" panose="020F0502020204030204" charset="0"/>
                         <a:cs typeface="Calibri" panose="020F0502020204030204" charset="0"/>
                       </a:endParaRPr>
                     </a:p>
                   </a:txBody>
-                  <a:tcPr marL="68580" marR="68580" marT="0" marB="0" anchor="ctr">
+                  <a:tcPr marL="68580" marR="68580" marT="0" marB="0" vert="horz" anchor="ctr">
                     <a:lnL w="12700" cap="flat" cmpd="sng">
                       <a:solidFill>
                         <a:srgbClr val="080000"/>
@@ -6383,27 +6603,90 @@
                 <a:tc>
                   <a:txBody>
                     <a:bodyPr/>
-                    <a:lstStyle/>
                     <a:p>
                       <a:pPr indent="0">
                         <a:buNone/>
                       </a:pPr>
                       <a:r>
-                        <a:rPr lang="en-US" sz="1800" b="0">
+                        <a:rPr lang="en-US" sz="1600" b="0">
                           <a:latin typeface="宋体" panose="02010600030101010101" pitchFamily="2" charset="-122"/>
                           <a:ea typeface="宋体" panose="02010600030101010101" pitchFamily="2" charset="-122"/>
                           <a:cs typeface="宋体" panose="02010600030101010101" pitchFamily="2" charset="-122"/>
                         </a:rPr>
                         <a:t>弘毅1-610</a:t>
                       </a:r>
-                      <a:endParaRPr lang="en-US" altLang="en-US" sz="1800" b="0">
+                      <a:endParaRPr lang="en-US" altLang="en-US" sz="1600" b="0">
                         <a:latin typeface="宋体" panose="02010600030101010101" pitchFamily="2" charset="-122"/>
                         <a:ea typeface="宋体" panose="02010600030101010101" pitchFamily="2" charset="-122"/>
                         <a:cs typeface="宋体" panose="02010600030101010101" pitchFamily="2" charset="-122"/>
                       </a:endParaRPr>
                     </a:p>
                   </a:txBody>
-                  <a:tcPr marL="68580" marR="68580" marT="0" marB="0">
+                  <a:tcPr marL="68580" marR="68580" marT="0" marB="0" vert="horz" anchor="t">
+                    <a:lnL w="12700" cap="flat" cmpd="sng">
+                      <a:solidFill>
+                        <a:srgbClr val="080000"/>
+                      </a:solidFill>
+                      <a:prstDash val="solid"/>
+                      <a:headEnd type="none" w="med" len="med"/>
+                      <a:tailEnd type="none" w="med" len="med"/>
+                    </a:lnL>
+                    <a:lnR w="12700" cap="flat" cmpd="sng">
+                      <a:solidFill>
+                        <a:srgbClr val="080000"/>
+                      </a:solidFill>
+                      <a:prstDash val="solid"/>
+                      <a:headEnd type="none" w="med" len="med"/>
+                      <a:tailEnd type="none" w="med" len="med"/>
+                    </a:lnR>
+                    <a:lnT w="12700" cap="flat" cmpd="sng">
+                      <a:solidFill>
+                        <a:srgbClr val="080000"/>
+                      </a:solidFill>
+                      <a:prstDash val="solid"/>
+                      <a:headEnd type="none" w="med" len="med"/>
+                      <a:tailEnd type="none" w="med" len="med"/>
+                    </a:lnT>
+                    <a:lnB w="12700" cap="flat" cmpd="sng">
+                      <a:solidFill>
+                        <a:srgbClr val="080000"/>
+                      </a:solidFill>
+                      <a:prstDash val="solid"/>
+                      <a:headEnd type="none" w="med" len="med"/>
+                      <a:tailEnd type="none" w="med" len="med"/>
+                    </a:lnB>
+                    <a:lnTlToBr>
+                      <a:noFill/>
+                    </a:lnTlToBr>
+                    <a:lnBlToTr>
+                      <a:noFill/>
+                    </a:lnBlToTr>
+                    <a:noFill/>
+                  </a:tcPr>
+                </a:tc>
+                <a:tc>
+                  <a:txBody>
+                    <a:bodyPr/>
+                    <a:p>
+                      <a:pPr indent="0">
+                        <a:buNone/>
+                      </a:pPr>
+                      <a:r>
+                        <a:rPr lang="en-US" sz="1600" b="0">
+                          <a:latin typeface="宋体" panose="02010600030101010101" pitchFamily="2" charset="-122"/>
+                          <a:ea typeface="宋体" panose="02010600030101010101" pitchFamily="2" charset="-122"/>
+                          <a:cs typeface="宋体" panose="02010600030101010101" pitchFamily="2" charset="-122"/>
+                        </a:rPr>
+                        <a:t>软件课程专业学生以及需求课程助教</a:t>
+                      </a:r>
+                      <a:endParaRPr lang="en-US" altLang="en-US" sz="1600" b="0">
+                        <a:latin typeface="宋体" panose="02010600030101010101" pitchFamily="2" charset="-122"/>
+                        <a:ea typeface="宋体" panose="02010600030101010101" pitchFamily="2" charset="-122"/>
+                        <a:cs typeface="宋体" panose="02010600030101010101" pitchFamily="2" charset="-122"/>
+                      </a:endParaRPr>
+                    </a:p>
+                  </a:txBody>
+                  <a:tcPr marL="68580" marR="68580" marT="0" marB="0" vert="horz" anchor="t">
                     <a:lnL w="12700" cap="flat" cmpd="sng">
                       <a:solidFill>
                         <a:srgbClr val="080000"/>
@@ -6446,31 +6729,30 @@
                   </a:tcPr>
                 </a:tc>
               </a:tr>
-              <a:tr h="662940">
+              <a:tr h="771525">
                 <a:tc>
                   <a:txBody>
                     <a:bodyPr/>
-                    <a:lstStyle/>
                     <a:p>
                       <a:pPr indent="0">
                         <a:buNone/>
                       </a:pPr>
                       <a:r>
-                        <a:rPr lang="en-US" sz="1800" b="0">
+                        <a:rPr lang="en-US" sz="1600" b="0">
                           <a:latin typeface="宋体" panose="02010600030101010101" pitchFamily="2" charset="-122"/>
                           <a:ea typeface="宋体" panose="02010600030101010101" pitchFamily="2" charset="-122"/>
                           <a:cs typeface="宋体" panose="02010600030101010101" pitchFamily="2" charset="-122"/>
                         </a:rPr>
                         <a:t>助教陈妍蓝</a:t>
                       </a:r>
-                      <a:endParaRPr lang="en-US" altLang="en-US" sz="1800" b="0">
+                      <a:endParaRPr lang="en-US" altLang="en-US" sz="1600" b="0">
                         <a:latin typeface="宋体" panose="02010600030101010101" pitchFamily="2" charset="-122"/>
                         <a:ea typeface="宋体" panose="02010600030101010101" pitchFamily="2" charset="-122"/>
                         <a:cs typeface="宋体" panose="02010600030101010101" pitchFamily="2" charset="-122"/>
                       </a:endParaRPr>
                     </a:p>
                   </a:txBody>
-                  <a:tcPr marL="68580" marR="68580" marT="0" marB="0" anchor="ctr">
+                  <a:tcPr marL="68580" marR="68580" marT="0" marB="0" vert="horz" anchor="ctr">
                     <a:lnL w="12700" cap="flat" cmpd="sng">
                       <a:solidFill>
                         <a:srgbClr val="080000"/>
@@ -6517,26 +6799,25 @@
                 <a:tc>
                   <a:txBody>
                     <a:bodyPr/>
-                    <a:lstStyle/>
                     <a:p>
                       <a:pPr indent="0">
                         <a:buNone/>
                       </a:pPr>
                       <a:r>
-                        <a:rPr lang="en-US" sz="1800" b="0">
+                        <a:rPr lang="en-US" sz="1600" b="0">
                           <a:latin typeface="Calibri" panose="020F0502020204030204" charset="0"/>
                           <a:cs typeface="Calibri" panose="020F0502020204030204" charset="0"/>
                         </a:rPr>
                         <a:t>蔡峰</a:t>
                       </a:r>
-                      <a:endParaRPr lang="en-US" altLang="en-US" sz="1800" b="0">
+                      <a:endParaRPr lang="en-US" altLang="en-US" sz="1600" b="0">
                         <a:latin typeface="Calibri" panose="020F0502020204030204" charset="0"/>
                         <a:ea typeface="Calibri" panose="020F0502020204030204" charset="0"/>
                         <a:cs typeface="Calibri" panose="020F0502020204030204" charset="0"/>
                       </a:endParaRPr>
                     </a:p>
                   </a:txBody>
-                  <a:tcPr marL="68580" marR="68580" marT="0" marB="0" anchor="ctr">
+                  <a:tcPr marL="68580" marR="68580" marT="0" marB="0" vert="horz" anchor="ctr">
                     <a:lnL w="12700" cap="flat" cmpd="sng">
                       <a:solidFill>
                         <a:srgbClr val="080000"/>
@@ -6583,13 +6864,12 @@
                 <a:tc>
                   <a:txBody>
                     <a:bodyPr/>
-                    <a:lstStyle/>
                     <a:p>
                       <a:pPr indent="0">
                         <a:buNone/>
                       </a:pPr>
                       <a:r>
-                        <a:rPr lang="en-US" sz="1800" b="0">
+                        <a:rPr lang="en-US" sz="1600" b="0">
                           <a:latin typeface="宋体" panose="02010600030101010101" pitchFamily="2" charset="-122"/>
                           <a:ea typeface="宋体" panose="02010600030101010101" pitchFamily="2" charset="-122"/>
                           <a:cs typeface="宋体" panose="02010600030101010101" pitchFamily="2" charset="-122"/>
@@ -6597,20 +6877,20 @@
                         <a:t>31501391@stu</a:t>
                       </a:r>
                       <a:r>
-                        <a:rPr lang="en-US" sz="1800" b="0">
+                        <a:rPr lang="en-US" sz="1600" b="0">
                           <a:latin typeface="Calibri" panose="020F0502020204030204" charset="0"/>
                           <a:cs typeface="Calibri" panose="020F0502020204030204" charset="0"/>
                         </a:rPr>
                         <a:t>.zucc.edu.cn</a:t>
                       </a:r>
-                      <a:endParaRPr lang="en-US" altLang="en-US" sz="1800" b="0">
+                      <a:endParaRPr lang="en-US" altLang="en-US" sz="1600" b="0">
                         <a:latin typeface="宋体" panose="02010600030101010101" pitchFamily="2" charset="-122"/>
                         <a:ea typeface="宋体" panose="02010600030101010101" pitchFamily="2" charset="-122"/>
                         <a:cs typeface="宋体" panose="02010600030101010101" pitchFamily="2" charset="-122"/>
                       </a:endParaRPr>
                     </a:p>
                   </a:txBody>
-                  <a:tcPr marL="68580" marR="68580" marT="0" marB="0" anchor="ctr">
+                  <a:tcPr marL="68580" marR="68580" marT="0" marB="0" vert="horz" anchor="ctr">
                     <a:lnL w="12700" cap="flat" cmpd="sng">
                       <a:solidFill>
                         <a:srgbClr val="080000"/>
@@ -6655,13 +6935,12 @@
                 <a:tc>
                   <a:txBody>
                     <a:bodyPr/>
-                    <a:lstStyle/>
                     <a:p>
                       <a:pPr indent="0">
                         <a:buNone/>
                       </a:pPr>
                       <a:r>
-                        <a:rPr lang="en-US" sz="1800" b="0">
+                        <a:rPr lang="en-US" sz="1600" b="0">
                           <a:solidFill>
                             <a:srgbClr val="000000"/>
                           </a:solidFill>
@@ -6670,7 +6949,7 @@
                         </a:rPr>
                         <a:t>问源1-646</a:t>
                       </a:r>
-                      <a:endParaRPr lang="en-US" altLang="en-US" sz="1800" b="0">
+                      <a:endParaRPr lang="en-US" altLang="en-US" sz="1600" b="0">
                         <a:solidFill>
                           <a:srgbClr val="000000"/>
                         </a:solidFill>
@@ -6680,7 +6959,735 @@
                       </a:endParaRPr>
                     </a:p>
                   </a:txBody>
-                  <a:tcPr marL="68580" marR="68580" marT="0" marB="0">
+                  <a:tcPr marL="68580" marR="68580" marT="0" marB="0" vert="horz" anchor="t">
+                    <a:lnL w="12700" cap="flat" cmpd="sng">
+                      <a:solidFill>
+                        <a:srgbClr val="080000"/>
+                      </a:solidFill>
+                      <a:prstDash val="solid"/>
+                      <a:headEnd type="none" w="med" len="med"/>
+                      <a:tailEnd type="none" w="med" len="med"/>
+                    </a:lnL>
+                    <a:lnR w="12700" cap="flat" cmpd="sng">
+                      <a:solidFill>
+                        <a:srgbClr val="080000"/>
+                      </a:solidFill>
+                      <a:prstDash val="solid"/>
+                      <a:headEnd type="none" w="med" len="med"/>
+                      <a:tailEnd type="none" w="med" len="med"/>
+                    </a:lnR>
+                    <a:lnT w="12700" cap="flat" cmpd="sng">
+                      <a:solidFill>
+                        <a:srgbClr val="080000"/>
+                      </a:solidFill>
+                      <a:prstDash val="solid"/>
+                      <a:headEnd type="none" w="med" len="med"/>
+                      <a:tailEnd type="none" w="med" len="med"/>
+                    </a:lnT>
+                    <a:lnB w="12700" cap="flat" cmpd="sng">
+                      <a:solidFill>
+                        <a:srgbClr val="080000"/>
+                      </a:solidFill>
+                      <a:prstDash val="solid"/>
+                      <a:headEnd type="none" w="med" len="med"/>
+                      <a:tailEnd type="none" w="med" len="med"/>
+                    </a:lnB>
+                    <a:lnTlToBr>
+                      <a:noFill/>
+                    </a:lnTlToBr>
+                    <a:lnBlToTr>
+                      <a:noFill/>
+                    </a:lnBlToTr>
+                    <a:noFill/>
+                  </a:tcPr>
+                </a:tc>
+                <a:tc>
+                  <a:txBody>
+                    <a:bodyPr/>
+                    <a:p>
+                      <a:pPr indent="0">
+                        <a:buNone/>
+                      </a:pPr>
+                      <a:r>
+                        <a:rPr lang="en-US" sz="1600" b="0">
+                          <a:latin typeface="宋体" panose="02010600030101010101" pitchFamily="2" charset="-122"/>
+                          <a:ea typeface="宋体" panose="02010600030101010101" pitchFamily="2" charset="-122"/>
+                          <a:cs typeface="宋体" panose="02010600030101010101" pitchFamily="2" charset="-122"/>
+                        </a:rPr>
+                        <a:t>软件课程专业学生以及需求课程助教</a:t>
+                      </a:r>
+                      <a:endParaRPr lang="en-US" altLang="en-US" sz="1600" b="0">
+                        <a:latin typeface="宋体" panose="02010600030101010101" pitchFamily="2" charset="-122"/>
+                        <a:ea typeface="宋体" panose="02010600030101010101" pitchFamily="2" charset="-122"/>
+                        <a:cs typeface="宋体" panose="02010600030101010101" pitchFamily="2" charset="-122"/>
+                      </a:endParaRPr>
+                    </a:p>
+                  </a:txBody>
+                  <a:tcPr marL="68580" marR="68580" marT="0" marB="0" vert="horz" anchor="t">
+                    <a:lnL w="12700" cap="flat" cmpd="sng">
+                      <a:solidFill>
+                        <a:srgbClr val="080000"/>
+                      </a:solidFill>
+                      <a:prstDash val="solid"/>
+                      <a:headEnd type="none" w="med" len="med"/>
+                      <a:tailEnd type="none" w="med" len="med"/>
+                    </a:lnL>
+                    <a:lnR w="12700" cap="flat" cmpd="sng">
+                      <a:solidFill>
+                        <a:srgbClr val="080000"/>
+                      </a:solidFill>
+                      <a:prstDash val="solid"/>
+                      <a:headEnd type="none" w="med" len="med"/>
+                      <a:tailEnd type="none" w="med" len="med"/>
+                    </a:lnR>
+                    <a:lnT w="12700" cap="flat" cmpd="sng">
+                      <a:solidFill>
+                        <a:srgbClr val="080000"/>
+                      </a:solidFill>
+                      <a:prstDash val="solid"/>
+                      <a:headEnd type="none" w="med" len="med"/>
+                      <a:tailEnd type="none" w="med" len="med"/>
+                    </a:lnT>
+                    <a:lnB w="12700" cap="flat" cmpd="sng">
+                      <a:solidFill>
+                        <a:srgbClr val="080000"/>
+                      </a:solidFill>
+                      <a:prstDash val="solid"/>
+                      <a:headEnd type="none" w="med" len="med"/>
+                      <a:tailEnd type="none" w="med" len="med"/>
+                    </a:lnB>
+                    <a:lnTlToBr>
+                      <a:noFill/>
+                    </a:lnTlToBr>
+                    <a:lnBlToTr>
+                      <a:noFill/>
+                    </a:lnBlToTr>
+                    <a:noFill/>
+                  </a:tcPr>
+                </a:tc>
+              </a:tr>
+              <a:tr h="514350">
+                <a:tc>
+                  <a:txBody>
+                    <a:bodyPr/>
+                    <a:p>
+                      <a:pPr indent="0">
+                        <a:buNone/>
+                      </a:pPr>
+                      <a:r>
+                        <a:rPr lang="en-US" sz="1600" b="0">
+                          <a:latin typeface="宋体" panose="02010600030101010101" pitchFamily="2" charset="-122"/>
+                          <a:ea typeface="宋体" panose="02010600030101010101" pitchFamily="2" charset="-122"/>
+                          <a:cs typeface="宋体" panose="02010600030101010101" pitchFamily="2" charset="-122"/>
+                        </a:rPr>
+                        <a:t>樊家豪</a:t>
+                      </a:r>
+                      <a:endParaRPr lang="en-US" altLang="en-US" sz="1600" b="0">
+                        <a:latin typeface="宋体" panose="02010600030101010101" pitchFamily="2" charset="-122"/>
+                        <a:ea typeface="宋体" panose="02010600030101010101" pitchFamily="2" charset="-122"/>
+                        <a:cs typeface="宋体" panose="02010600030101010101" pitchFamily="2" charset="-122"/>
+                      </a:endParaRPr>
+                    </a:p>
+                  </a:txBody>
+                  <a:tcPr marL="68580" marR="68580" marT="0" marB="0" vert="horz" anchor="ctr">
+                    <a:lnL w="12700" cap="flat" cmpd="sng">
+                      <a:solidFill>
+                        <a:srgbClr val="080000"/>
+                      </a:solidFill>
+                      <a:prstDash val="solid"/>
+                      <a:headEnd type="none" w="med" len="med"/>
+                      <a:tailEnd type="none" w="med" len="med"/>
+                    </a:lnL>
+                    <a:lnR w="12700" cap="flat" cmpd="sng">
+                      <a:solidFill>
+                        <a:srgbClr val="080000"/>
+                      </a:solidFill>
+                      <a:prstDash val="solid"/>
+                      <a:headEnd type="none" w="med" len="med"/>
+                      <a:tailEnd type="none" w="med" len="med"/>
+                    </a:lnR>
+                    <a:lnT w="12700" cap="flat" cmpd="sng">
+                      <a:solidFill>
+                        <a:srgbClr val="080000"/>
+                      </a:solidFill>
+                      <a:prstDash val="solid"/>
+                      <a:headEnd type="none" w="med" len="med"/>
+                      <a:tailEnd type="none" w="med" len="med"/>
+                    </a:lnT>
+                    <a:lnB w="12700" cap="flat" cmpd="sng">
+                      <a:solidFill>
+                        <a:srgbClr val="080000"/>
+                      </a:solidFill>
+                      <a:prstDash val="solid"/>
+                      <a:headEnd type="none" w="med" len="med"/>
+                      <a:tailEnd type="none" w="med" len="med"/>
+                    </a:lnB>
+                    <a:lnTlToBr>
+                      <a:noFill/>
+                    </a:lnTlToBr>
+                    <a:lnBlToTr>
+                      <a:noFill/>
+                    </a:lnBlToTr>
+                    <a:solidFill>
+                      <a:srgbClr val="FFFFFF"/>
+                    </a:solidFill>
+                  </a:tcPr>
+                </a:tc>
+                <a:tc>
+                  <a:txBody>
+                    <a:bodyPr/>
+                    <a:p>
+                      <a:pPr indent="0">
+                        <a:buNone/>
+                      </a:pPr>
+                      <a:r>
+                        <a:rPr lang="en-US" sz="1600" b="0">
+                          <a:latin typeface="宋体" panose="02010600030101010101" pitchFamily="2" charset="-122"/>
+                          <a:ea typeface="宋体" panose="02010600030101010101" pitchFamily="2" charset="-122"/>
+                          <a:cs typeface="宋体" panose="02010600030101010101" pitchFamily="2" charset="-122"/>
+                        </a:rPr>
+                        <a:t>黄为波</a:t>
+                      </a:r>
+                      <a:endParaRPr lang="en-US" altLang="en-US" sz="1600" b="0">
+                        <a:latin typeface="宋体" panose="02010600030101010101" pitchFamily="2" charset="-122"/>
+                        <a:ea typeface="宋体" panose="02010600030101010101" pitchFamily="2" charset="-122"/>
+                        <a:cs typeface="宋体" panose="02010600030101010101" pitchFamily="2" charset="-122"/>
+                      </a:endParaRPr>
+                    </a:p>
+                  </a:txBody>
+                  <a:tcPr marL="68580" marR="68580" marT="0" marB="0" vert="horz" anchor="ctr">
+                    <a:lnL w="12700" cap="flat" cmpd="sng">
+                      <a:solidFill>
+                        <a:srgbClr val="080000"/>
+                      </a:solidFill>
+                      <a:prstDash val="solid"/>
+                      <a:headEnd type="none" w="med" len="med"/>
+                      <a:tailEnd type="none" w="med" len="med"/>
+                    </a:lnL>
+                    <a:lnR w="12700" cap="flat" cmpd="sng">
+                      <a:solidFill>
+                        <a:srgbClr val="080000"/>
+                      </a:solidFill>
+                      <a:prstDash val="solid"/>
+                      <a:headEnd type="none" w="med" len="med"/>
+                      <a:tailEnd type="none" w="med" len="med"/>
+                    </a:lnR>
+                    <a:lnT w="12700" cap="flat" cmpd="sng">
+                      <a:solidFill>
+                        <a:srgbClr val="080000"/>
+                      </a:solidFill>
+                      <a:prstDash val="solid"/>
+                      <a:headEnd type="none" w="med" len="med"/>
+                      <a:tailEnd type="none" w="med" len="med"/>
+                    </a:lnT>
+                    <a:lnB w="12700" cap="flat" cmpd="sng">
+                      <a:solidFill>
+                        <a:srgbClr val="080000"/>
+                      </a:solidFill>
+                      <a:prstDash val="solid"/>
+                      <a:headEnd type="none" w="med" len="med"/>
+                      <a:tailEnd type="none" w="med" len="med"/>
+                    </a:lnB>
+                    <a:lnTlToBr>
+                      <a:noFill/>
+                    </a:lnTlToBr>
+                    <a:lnBlToTr>
+                      <a:noFill/>
+                    </a:lnBlToTr>
+                    <a:solidFill>
+                      <a:srgbClr val="FFFFFF"/>
+                    </a:solidFill>
+                  </a:tcPr>
+                </a:tc>
+                <a:tc>
+                  <a:txBody>
+                    <a:bodyPr/>
+                    <a:p>
+                      <a:pPr indent="0">
+                        <a:buNone/>
+                      </a:pPr>
+                      <a:r>
+                        <a:rPr lang="en-US" sz="1600" b="0">
+                          <a:latin typeface="宋体" panose="02010600030101010101" pitchFamily="2" charset="-122"/>
+                          <a:ea typeface="宋体" panose="02010600030101010101" pitchFamily="2" charset="-122"/>
+                          <a:cs typeface="宋体" panose="02010600030101010101" pitchFamily="2" charset="-122"/>
+                        </a:rPr>
+                        <a:t>31601350@stu.zucc.edu.cn</a:t>
+                      </a:r>
+                      <a:endParaRPr lang="en-US" altLang="en-US" sz="1600" b="0">
+                        <a:latin typeface="宋体" panose="02010600030101010101" pitchFamily="2" charset="-122"/>
+                        <a:ea typeface="宋体" panose="02010600030101010101" pitchFamily="2" charset="-122"/>
+                        <a:cs typeface="宋体" panose="02010600030101010101" pitchFamily="2" charset="-122"/>
+                      </a:endParaRPr>
+                    </a:p>
+                  </a:txBody>
+                  <a:tcPr marL="68580" marR="68580" marT="0" marB="0" vert="horz" anchor="ctr">
+                    <a:lnL w="12700" cap="flat" cmpd="sng">
+                      <a:solidFill>
+                        <a:srgbClr val="080000"/>
+                      </a:solidFill>
+                      <a:prstDash val="solid"/>
+                      <a:headEnd type="none" w="med" len="med"/>
+                      <a:tailEnd type="none" w="med" len="med"/>
+                    </a:lnL>
+                    <a:lnR w="12700" cap="flat" cmpd="sng">
+                      <a:solidFill>
+                        <a:srgbClr val="080000"/>
+                      </a:solidFill>
+                      <a:prstDash val="solid"/>
+                      <a:headEnd type="none" w="med" len="med"/>
+                      <a:tailEnd type="none" w="med" len="med"/>
+                    </a:lnR>
+                    <a:lnT w="12700" cap="flat" cmpd="sng">
+                      <a:solidFill>
+                        <a:srgbClr val="080000"/>
+                      </a:solidFill>
+                      <a:prstDash val="solid"/>
+                      <a:headEnd type="none" w="med" len="med"/>
+                      <a:tailEnd type="none" w="med" len="med"/>
+                    </a:lnT>
+                    <a:lnB w="12700" cap="flat" cmpd="sng">
+                      <a:solidFill>
+                        <a:srgbClr val="080000"/>
+                      </a:solidFill>
+                      <a:prstDash val="solid"/>
+                      <a:headEnd type="none" w="med" len="med"/>
+                      <a:tailEnd type="none" w="med" len="med"/>
+                    </a:lnB>
+                    <a:lnTlToBr>
+                      <a:noFill/>
+                    </a:lnTlToBr>
+                    <a:lnBlToTr>
+                      <a:noFill/>
+                    </a:lnBlToTr>
+                    <a:noFill/>
+                  </a:tcPr>
+                </a:tc>
+                <a:tc>
+                  <a:txBody>
+                    <a:bodyPr/>
+                    <a:p>
+                      <a:pPr indent="0">
+                        <a:buNone/>
+                      </a:pPr>
+                      <a:r>
+                        <a:rPr lang="en-US" sz="1600" b="0">
+                          <a:solidFill>
+                            <a:srgbClr val="000000"/>
+                          </a:solidFill>
+                          <a:latin typeface="宋体" panose="02010600030101010101" pitchFamily="2" charset="-122"/>
+                          <a:ea typeface="宋体" panose="02010600030101010101" pitchFamily="2" charset="-122"/>
+                          <a:cs typeface="宋体" panose="02010600030101010101" pitchFamily="2" charset="-122"/>
+                        </a:rPr>
+                        <a:t>弘毅1-602</a:t>
+                      </a:r>
+                      <a:endParaRPr lang="en-US" altLang="en-US" sz="1600" b="0">
+                        <a:solidFill>
+                          <a:srgbClr val="000000"/>
+                        </a:solidFill>
+                        <a:latin typeface="宋体" panose="02010600030101010101" pitchFamily="2" charset="-122"/>
+                        <a:ea typeface="宋体" panose="02010600030101010101" pitchFamily="2" charset="-122"/>
+                        <a:cs typeface="宋体" panose="02010600030101010101" pitchFamily="2" charset="-122"/>
+                      </a:endParaRPr>
+                    </a:p>
+                  </a:txBody>
+                  <a:tcPr marL="68580" marR="68580" marT="0" marB="0" vert="horz" anchor="t">
+                    <a:lnL w="12700" cap="flat" cmpd="sng">
+                      <a:solidFill>
+                        <a:srgbClr val="080000"/>
+                      </a:solidFill>
+                      <a:prstDash val="solid"/>
+                      <a:headEnd type="none" w="med" len="med"/>
+                      <a:tailEnd type="none" w="med" len="med"/>
+                    </a:lnL>
+                    <a:lnR w="12700" cap="flat" cmpd="sng">
+                      <a:solidFill>
+                        <a:srgbClr val="080000"/>
+                      </a:solidFill>
+                      <a:prstDash val="solid"/>
+                      <a:headEnd type="none" w="med" len="med"/>
+                      <a:tailEnd type="none" w="med" len="med"/>
+                    </a:lnR>
+                    <a:lnT w="12700" cap="flat" cmpd="sng">
+                      <a:solidFill>
+                        <a:srgbClr val="080000"/>
+                      </a:solidFill>
+                      <a:prstDash val="solid"/>
+                      <a:headEnd type="none" w="med" len="med"/>
+                      <a:tailEnd type="none" w="med" len="med"/>
+                    </a:lnT>
+                    <a:lnB w="12700" cap="flat" cmpd="sng">
+                      <a:solidFill>
+                        <a:srgbClr val="080000"/>
+                      </a:solidFill>
+                      <a:prstDash val="solid"/>
+                      <a:headEnd type="none" w="med" len="med"/>
+                      <a:tailEnd type="none" w="med" len="med"/>
+                    </a:lnB>
+                    <a:lnTlToBr>
+                      <a:noFill/>
+                    </a:lnTlToBr>
+                    <a:lnBlToTr>
+                      <a:noFill/>
+                    </a:lnBlToTr>
+                    <a:noFill/>
+                  </a:tcPr>
+                </a:tc>
+                <a:tc>
+                  <a:txBody>
+                    <a:bodyPr/>
+                    <a:p>
+                      <a:pPr indent="0">
+                        <a:buNone/>
+                      </a:pPr>
+                      <a:r>
+                        <a:rPr lang="en-US" sz="1600" b="0">
+                          <a:latin typeface="宋体" panose="02010600030101010101" pitchFamily="2" charset="-122"/>
+                          <a:ea typeface="宋体" panose="02010600030101010101" pitchFamily="2" charset="-122"/>
+                          <a:cs typeface="宋体" panose="02010600030101010101" pitchFamily="2" charset="-122"/>
+                        </a:rPr>
+                        <a:t>软件工程课程在学学生</a:t>
+                      </a:r>
+                      <a:endParaRPr lang="en-US" altLang="en-US" sz="1600" b="0">
+                        <a:latin typeface="宋体" panose="02010600030101010101" pitchFamily="2" charset="-122"/>
+                        <a:ea typeface="宋体" panose="02010600030101010101" pitchFamily="2" charset="-122"/>
+                        <a:cs typeface="宋体" panose="02010600030101010101" pitchFamily="2" charset="-122"/>
+                      </a:endParaRPr>
+                    </a:p>
+                  </a:txBody>
+                  <a:tcPr marL="68580" marR="68580" marT="0" marB="0" vert="horz" anchor="t">
+                    <a:lnL w="12700" cap="flat" cmpd="sng">
+                      <a:solidFill>
+                        <a:srgbClr val="080000"/>
+                      </a:solidFill>
+                      <a:prstDash val="solid"/>
+                      <a:headEnd type="none" w="med" len="med"/>
+                      <a:tailEnd type="none" w="med" len="med"/>
+                    </a:lnL>
+                    <a:lnR w="12700" cap="flat" cmpd="sng">
+                      <a:solidFill>
+                        <a:srgbClr val="080000"/>
+                      </a:solidFill>
+                      <a:prstDash val="solid"/>
+                      <a:headEnd type="none" w="med" len="med"/>
+                      <a:tailEnd type="none" w="med" len="med"/>
+                    </a:lnR>
+                    <a:lnT w="12700" cap="flat" cmpd="sng">
+                      <a:solidFill>
+                        <a:srgbClr val="080000"/>
+                      </a:solidFill>
+                      <a:prstDash val="solid"/>
+                      <a:headEnd type="none" w="med" len="med"/>
+                      <a:tailEnd type="none" w="med" len="med"/>
+                    </a:lnT>
+                    <a:lnB w="12700" cap="flat" cmpd="sng">
+                      <a:solidFill>
+                        <a:srgbClr val="080000"/>
+                      </a:solidFill>
+                      <a:prstDash val="solid"/>
+                      <a:headEnd type="none" w="med" len="med"/>
+                      <a:tailEnd type="none" w="med" len="med"/>
+                    </a:lnB>
+                    <a:lnTlToBr>
+                      <a:noFill/>
+                    </a:lnTlToBr>
+                    <a:lnBlToTr>
+                      <a:noFill/>
+                    </a:lnBlToTr>
+                    <a:noFill/>
+                  </a:tcPr>
+                </a:tc>
+              </a:tr>
+              <a:tr h="514350">
+                <a:tc>
+                  <a:txBody>
+                    <a:bodyPr/>
+                    <a:p>
+                      <a:pPr indent="0">
+                        <a:buNone/>
+                      </a:pPr>
+                      <a:r>
+                        <a:rPr lang="en-US" sz="1600" b="0">
+                          <a:latin typeface="宋体" panose="02010600030101010101" pitchFamily="2" charset="-122"/>
+                          <a:ea typeface="宋体" panose="02010600030101010101" pitchFamily="2" charset="-122"/>
+                          <a:cs typeface="宋体" panose="02010600030101010101" pitchFamily="2" charset="-122"/>
+                        </a:rPr>
+                        <a:t>蒋霁阳</a:t>
+                      </a:r>
+                      <a:endParaRPr lang="en-US" altLang="en-US" sz="1600" b="0">
+                        <a:latin typeface="宋体" panose="02010600030101010101" pitchFamily="2" charset="-122"/>
+                        <a:ea typeface="宋体" panose="02010600030101010101" pitchFamily="2" charset="-122"/>
+                        <a:cs typeface="宋体" panose="02010600030101010101" pitchFamily="2" charset="-122"/>
+                      </a:endParaRPr>
+                    </a:p>
+                  </a:txBody>
+                  <a:tcPr marL="68580" marR="68580" marT="0" marB="0" vert="horz" anchor="ctr">
+                    <a:lnL w="12700" cap="flat" cmpd="sng">
+                      <a:solidFill>
+                        <a:srgbClr val="080000"/>
+                      </a:solidFill>
+                      <a:prstDash val="solid"/>
+                      <a:headEnd type="none" w="med" len="med"/>
+                      <a:tailEnd type="none" w="med" len="med"/>
+                    </a:lnL>
+                    <a:lnR w="12700" cap="flat" cmpd="sng">
+                      <a:solidFill>
+                        <a:srgbClr val="080000"/>
+                      </a:solidFill>
+                      <a:prstDash val="solid"/>
+                      <a:headEnd type="none" w="med" len="med"/>
+                      <a:tailEnd type="none" w="med" len="med"/>
+                    </a:lnR>
+                    <a:lnT w="12700" cap="flat" cmpd="sng">
+                      <a:solidFill>
+                        <a:srgbClr val="080000"/>
+                      </a:solidFill>
+                      <a:prstDash val="solid"/>
+                      <a:headEnd type="none" w="med" len="med"/>
+                      <a:tailEnd type="none" w="med" len="med"/>
+                    </a:lnT>
+                    <a:lnB w="12700" cap="flat" cmpd="sng">
+                      <a:solidFill>
+                        <a:srgbClr val="080000"/>
+                      </a:solidFill>
+                      <a:prstDash val="solid"/>
+                      <a:headEnd type="none" w="med" len="med"/>
+                      <a:tailEnd type="none" w="med" len="med"/>
+                    </a:lnB>
+                    <a:lnTlToBr>
+                      <a:noFill/>
+                    </a:lnTlToBr>
+                    <a:lnBlToTr>
+                      <a:noFill/>
+                    </a:lnBlToTr>
+                    <a:solidFill>
+                      <a:srgbClr val="FFFFFF"/>
+                    </a:solidFill>
+                  </a:tcPr>
+                </a:tc>
+                <a:tc>
+                  <a:txBody>
+                    <a:bodyPr/>
+                    <a:p>
+                      <a:pPr indent="0">
+                        <a:buNone/>
+                      </a:pPr>
+                      <a:r>
+                        <a:rPr lang="en-US" sz="1600" b="0">
+                          <a:latin typeface="宋体" panose="02010600030101010101" pitchFamily="2" charset="-122"/>
+                          <a:ea typeface="宋体" panose="02010600030101010101" pitchFamily="2" charset="-122"/>
+                          <a:cs typeface="宋体" panose="02010600030101010101" pitchFamily="2" charset="-122"/>
+                        </a:rPr>
+                        <a:t>黄为波</a:t>
+                      </a:r>
+                      <a:endParaRPr lang="en-US" altLang="en-US" sz="1600" b="0">
+                        <a:latin typeface="宋体" panose="02010600030101010101" pitchFamily="2" charset="-122"/>
+                        <a:ea typeface="宋体" panose="02010600030101010101" pitchFamily="2" charset="-122"/>
+                        <a:cs typeface="宋体" panose="02010600030101010101" pitchFamily="2" charset="-122"/>
+                      </a:endParaRPr>
+                    </a:p>
+                  </a:txBody>
+                  <a:tcPr marL="68580" marR="68580" marT="0" marB="0" vert="horz" anchor="ctr">
+                    <a:lnL w="12700" cap="flat" cmpd="sng">
+                      <a:solidFill>
+                        <a:srgbClr val="080000"/>
+                      </a:solidFill>
+                      <a:prstDash val="solid"/>
+                      <a:headEnd type="none" w="med" len="med"/>
+                      <a:tailEnd type="none" w="med" len="med"/>
+                    </a:lnL>
+                    <a:lnR w="12700" cap="flat" cmpd="sng">
+                      <a:solidFill>
+                        <a:srgbClr val="080000"/>
+                      </a:solidFill>
+                      <a:prstDash val="solid"/>
+                      <a:headEnd type="none" w="med" len="med"/>
+                      <a:tailEnd type="none" w="med" len="med"/>
+                    </a:lnR>
+                    <a:lnT w="12700" cap="flat" cmpd="sng">
+                      <a:solidFill>
+                        <a:srgbClr val="080000"/>
+                      </a:solidFill>
+                      <a:prstDash val="solid"/>
+                      <a:headEnd type="none" w="med" len="med"/>
+                      <a:tailEnd type="none" w="med" len="med"/>
+                    </a:lnT>
+                    <a:lnB w="12700" cap="flat" cmpd="sng">
+                      <a:solidFill>
+                        <a:srgbClr val="080000"/>
+                      </a:solidFill>
+                      <a:prstDash val="solid"/>
+                      <a:headEnd type="none" w="med" len="med"/>
+                      <a:tailEnd type="none" w="med" len="med"/>
+                    </a:lnB>
+                    <a:lnTlToBr>
+                      <a:noFill/>
+                    </a:lnTlToBr>
+                    <a:lnBlToTr>
+                      <a:noFill/>
+                    </a:lnBlToTr>
+                    <a:solidFill>
+                      <a:srgbClr val="FFFFFF"/>
+                    </a:solidFill>
+                  </a:tcPr>
+                </a:tc>
+                <a:tc>
+                  <a:txBody>
+                    <a:bodyPr/>
+                    <a:p>
+                      <a:pPr indent="0">
+                        <a:buNone/>
+                      </a:pPr>
+                      <a:r>
+                        <a:rPr lang="en-US" sz="1600" b="0">
+                          <a:latin typeface="宋体" panose="02010600030101010101" pitchFamily="2" charset="-122"/>
+                          <a:ea typeface="宋体" panose="02010600030101010101" pitchFamily="2" charset="-122"/>
+                          <a:cs typeface="宋体" panose="02010600030101010101" pitchFamily="2" charset="-122"/>
+                        </a:rPr>
+                        <a:t>31601353@stu.zucc.edu.cn</a:t>
+                      </a:r>
+                      <a:endParaRPr lang="en-US" altLang="en-US" sz="1600" b="0">
+                        <a:latin typeface="宋体" panose="02010600030101010101" pitchFamily="2" charset="-122"/>
+                        <a:ea typeface="宋体" panose="02010600030101010101" pitchFamily="2" charset="-122"/>
+                        <a:cs typeface="宋体" panose="02010600030101010101" pitchFamily="2" charset="-122"/>
+                      </a:endParaRPr>
+                    </a:p>
+                  </a:txBody>
+                  <a:tcPr marL="68580" marR="68580" marT="0" marB="0" vert="horz" anchor="ctr">
+                    <a:lnL w="12700" cap="flat" cmpd="sng">
+                      <a:solidFill>
+                        <a:srgbClr val="080000"/>
+                      </a:solidFill>
+                      <a:prstDash val="solid"/>
+                      <a:headEnd type="none" w="med" len="med"/>
+                      <a:tailEnd type="none" w="med" len="med"/>
+                    </a:lnL>
+                    <a:lnR w="12700" cap="flat" cmpd="sng">
+                      <a:solidFill>
+                        <a:srgbClr val="080000"/>
+                      </a:solidFill>
+                      <a:prstDash val="solid"/>
+                      <a:headEnd type="none" w="med" len="med"/>
+                      <a:tailEnd type="none" w="med" len="med"/>
+                    </a:lnR>
+                    <a:lnT w="12700" cap="flat" cmpd="sng">
+                      <a:solidFill>
+                        <a:srgbClr val="080000"/>
+                      </a:solidFill>
+                      <a:prstDash val="solid"/>
+                      <a:headEnd type="none" w="med" len="med"/>
+                      <a:tailEnd type="none" w="med" len="med"/>
+                    </a:lnT>
+                    <a:lnB w="12700" cap="flat" cmpd="sng">
+                      <a:solidFill>
+                        <a:srgbClr val="080000"/>
+                      </a:solidFill>
+                      <a:prstDash val="solid"/>
+                      <a:headEnd type="none" w="med" len="med"/>
+                      <a:tailEnd type="none" w="med" len="med"/>
+                    </a:lnB>
+                    <a:lnTlToBr>
+                      <a:noFill/>
+                    </a:lnTlToBr>
+                    <a:lnBlToTr>
+                      <a:noFill/>
+                    </a:lnBlToTr>
+                    <a:noFill/>
+                  </a:tcPr>
+                </a:tc>
+                <a:tc>
+                  <a:txBody>
+                    <a:bodyPr/>
+                    <a:p>
+                      <a:pPr indent="0">
+                        <a:buNone/>
+                      </a:pPr>
+                      <a:r>
+                        <a:rPr lang="en-US" sz="1600" b="0">
+                          <a:solidFill>
+                            <a:srgbClr val="000000"/>
+                          </a:solidFill>
+                          <a:latin typeface="宋体" panose="02010600030101010101" pitchFamily="2" charset="-122"/>
+                          <a:ea typeface="宋体" panose="02010600030101010101" pitchFamily="2" charset="-122"/>
+                          <a:cs typeface="宋体" panose="02010600030101010101" pitchFamily="2" charset="-122"/>
+                        </a:rPr>
+                        <a:t>弘毅1-602</a:t>
+                      </a:r>
+                      <a:endParaRPr lang="en-US" altLang="en-US" sz="1600" b="0">
+                        <a:solidFill>
+                          <a:srgbClr val="000000"/>
+                        </a:solidFill>
+                        <a:latin typeface="宋体" panose="02010600030101010101" pitchFamily="2" charset="-122"/>
+                        <a:ea typeface="宋体" panose="02010600030101010101" pitchFamily="2" charset="-122"/>
+                        <a:cs typeface="宋体" panose="02010600030101010101" pitchFamily="2" charset="-122"/>
+                      </a:endParaRPr>
+                    </a:p>
+                  </a:txBody>
+                  <a:tcPr marL="68580" marR="68580" marT="0" marB="0" vert="horz" anchor="t">
+                    <a:lnL w="12700" cap="flat" cmpd="sng">
+                      <a:solidFill>
+                        <a:srgbClr val="080000"/>
+                      </a:solidFill>
+                      <a:prstDash val="solid"/>
+                      <a:headEnd type="none" w="med" len="med"/>
+                      <a:tailEnd type="none" w="med" len="med"/>
+                    </a:lnL>
+                    <a:lnR w="12700" cap="flat" cmpd="sng">
+                      <a:solidFill>
+                        <a:srgbClr val="080000"/>
+                      </a:solidFill>
+                      <a:prstDash val="solid"/>
+                      <a:headEnd type="none" w="med" len="med"/>
+                      <a:tailEnd type="none" w="med" len="med"/>
+                    </a:lnR>
+                    <a:lnT w="12700" cap="flat" cmpd="sng">
+                      <a:solidFill>
+                        <a:srgbClr val="080000"/>
+                      </a:solidFill>
+                      <a:prstDash val="solid"/>
+                      <a:headEnd type="none" w="med" len="med"/>
+                      <a:tailEnd type="none" w="med" len="med"/>
+                    </a:lnT>
+                    <a:lnB w="12700" cap="flat" cmpd="sng">
+                      <a:solidFill>
+                        <a:srgbClr val="080000"/>
+                      </a:solidFill>
+                      <a:prstDash val="solid"/>
+                      <a:headEnd type="none" w="med" len="med"/>
+                      <a:tailEnd type="none" w="med" len="med"/>
+                    </a:lnB>
+                    <a:lnTlToBr>
+                      <a:noFill/>
+                    </a:lnTlToBr>
+                    <a:lnBlToTr>
+                      <a:noFill/>
+                    </a:lnBlToTr>
+                    <a:noFill/>
+                  </a:tcPr>
+                </a:tc>
+                <a:tc>
+                  <a:txBody>
+                    <a:bodyPr/>
+                    <a:p>
+                      <a:pPr indent="0">
+                        <a:buNone/>
+                      </a:pPr>
+                      <a:r>
+                        <a:rPr lang="en-US" sz="1600" b="0">
+                          <a:latin typeface="宋体" panose="02010600030101010101" pitchFamily="2" charset="-122"/>
+                          <a:ea typeface="宋体" panose="02010600030101010101" pitchFamily="2" charset="-122"/>
+                          <a:cs typeface="宋体" panose="02010600030101010101" pitchFamily="2" charset="-122"/>
+                        </a:rPr>
+                        <a:t>软件工程课程在学学生</a:t>
+                      </a:r>
+                      <a:endParaRPr lang="en-US" altLang="en-US" sz="1600" b="0">
+                        <a:latin typeface="宋体" panose="02010600030101010101" pitchFamily="2" charset="-122"/>
+                        <a:ea typeface="宋体" panose="02010600030101010101" pitchFamily="2" charset="-122"/>
+                        <a:cs typeface="宋体" panose="02010600030101010101" pitchFamily="2" charset="-122"/>
+                      </a:endParaRPr>
+                    </a:p>
+                  </a:txBody>
+                  <a:tcPr marL="68580" marR="68580" marT="0" marB="0" vert="horz" anchor="t">
                     <a:lnL w="12700" cap="flat" cmpd="sng">
                       <a:solidFill>
                         <a:srgbClr val="080000"/>
@@ -6854,6 +7861,7 @@
               <a:rPr lang="en-US" sz="2400" dirty="0"/>
               <a:t>4</a:t>
             </a:r>
+            <a:endParaRPr lang="en-US" sz="2400" dirty="0"/>
           </a:p>
         </p:txBody>
       </p:sp>
@@ -6935,6 +7943,7 @@
               <a:rPr lang="zh-CN" altLang="zh-CN" sz="2400" b="1" dirty="0"/>
               <a:t>正式沟通计划</a:t>
             </a:r>
+            <a:endParaRPr lang="zh-CN" altLang="zh-CN" sz="2400" b="1" dirty="0"/>
           </a:p>
         </p:txBody>
       </p:sp>
@@ -6964,6 +7973,7 @@
               <a:rPr lang="zh-CN" altLang="zh-CN" sz="2400" b="1" dirty="0"/>
               <a:t>非正式沟通计划</a:t>
             </a:r>
+            <a:endParaRPr lang="zh-CN" altLang="zh-CN" sz="2400" b="1" dirty="0"/>
           </a:p>
         </p:txBody>
       </p:sp>
@@ -10362,6 +11372,7 @@
               <a:rPr lang="en-US" sz="2400" dirty="0"/>
               <a:t>5</a:t>
             </a:r>
+            <a:endParaRPr lang="en-US" sz="2400" dirty="0"/>
           </a:p>
         </p:txBody>
       </p:sp>
@@ -10417,366 +11428,16 @@
           </a:p>
         </p:txBody>
       </p:sp>
-      <p:graphicFrame>
-        <p:nvGraphicFramePr>
-          <p:cNvPr id="7" name="表格 6"/>
-          <p:cNvGraphicFramePr>
-            <a:graphicFrameLocks noGrp="1"/>
-          </p:cNvGraphicFramePr>
-          <p:nvPr/>
-        </p:nvGraphicFramePr>
-        <p:xfrm>
-          <a:off x="1879639" y="1394385"/>
-          <a:ext cx="5163820" cy="1432560"/>
-        </p:xfrm>
-        <a:graphic>
-          <a:graphicData uri="http://schemas.openxmlformats.org/drawingml/2006/table">
-            <a:tbl>
-              <a:tblPr>
-                <a:tableStyleId>{5C22544A-7EE6-4342-B048-85BDC9FD1C3A}</a:tableStyleId>
-              </a:tblPr>
-              <a:tblGrid>
-                <a:gridCol w="1058545"/>
-                <a:gridCol w="4105275"/>
-              </a:tblGrid>
-              <a:tr h="0">
-                <a:tc>
-                  <a:txBody>
-                    <a:bodyPr/>
-                    <a:lstStyle/>
-                    <a:p>
-                      <a:pPr algn="just">
-                        <a:spcAft>
-                          <a:spcPts val="0"/>
-                        </a:spcAft>
-                      </a:pPr>
-                      <a:r>
-                        <a:rPr lang="zh-CN" sz="1000" kern="100" dirty="0">
-                          <a:effectLst/>
-                        </a:rPr>
-                        <a:t>风险类别</a:t>
-                      </a:r>
-                      <a:endParaRPr lang="zh-CN" sz="1050" kern="100" dirty="0">
-                        <a:effectLst/>
-                        <a:latin typeface="Calibri" panose="020F0502020204030204"/>
-                        <a:ea typeface="宋体" panose="02010600030101010101" pitchFamily="2" charset="-122"/>
-                        <a:cs typeface="Times New Roman" panose="02020603050405020304"/>
-                      </a:endParaRPr>
-                    </a:p>
-                  </a:txBody>
-                  <a:tcPr marL="68580" marR="68580" marT="0" marB="0"/>
-                </a:tc>
-                <a:tc>
-                  <a:txBody>
-                    <a:bodyPr/>
-                    <a:lstStyle/>
-                    <a:p>
-                      <a:pPr algn="just">
-                        <a:spcAft>
-                          <a:spcPts val="0"/>
-                        </a:spcAft>
-                      </a:pPr>
-                      <a:r>
-                        <a:rPr lang="zh-CN" sz="1000" kern="100">
-                          <a:effectLst/>
-                        </a:rPr>
-                        <a:t>描述</a:t>
-                      </a:r>
-                      <a:endParaRPr lang="zh-CN" sz="1050" kern="100">
-                        <a:effectLst/>
-                        <a:latin typeface="Calibri" panose="020F0502020204030204"/>
-                        <a:ea typeface="宋体" panose="02010600030101010101" pitchFamily="2" charset="-122"/>
-                        <a:cs typeface="Times New Roman" panose="02020603050405020304"/>
-                      </a:endParaRPr>
-                    </a:p>
-                  </a:txBody>
-                  <a:tcPr marL="68580" marR="68580" marT="0" marB="0"/>
-                </a:tc>
-              </a:tr>
-              <a:tr h="239606">
-                <a:tc>
-                  <a:txBody>
-                    <a:bodyPr/>
-                    <a:lstStyle/>
-                    <a:p>
-                      <a:pPr algn="just">
-                        <a:spcAft>
-                          <a:spcPts val="0"/>
-                        </a:spcAft>
-                      </a:pPr>
-                      <a:r>
-                        <a:rPr lang="zh-CN" sz="1050" kern="100">
-                          <a:effectLst/>
-                        </a:rPr>
-                        <a:t>技术风险</a:t>
-                      </a:r>
-                      <a:endParaRPr lang="zh-CN" sz="1050" kern="100">
-                        <a:effectLst/>
-                        <a:latin typeface="Calibri" panose="020F0502020204030204"/>
-                        <a:ea typeface="宋体" panose="02010600030101010101" pitchFamily="2" charset="-122"/>
-                        <a:cs typeface="Times New Roman" panose="02020603050405020304"/>
-                      </a:endParaRPr>
-                    </a:p>
-                  </a:txBody>
-                  <a:tcPr marL="68580" marR="68580" marT="0" marB="0"/>
-                </a:tc>
-                <a:tc>
-                  <a:txBody>
-                    <a:bodyPr/>
-                    <a:lstStyle/>
-                    <a:p>
-                      <a:pPr algn="just">
-                        <a:spcAft>
-                          <a:spcPts val="0"/>
-                        </a:spcAft>
-                      </a:pPr>
-                      <a:r>
-                        <a:rPr lang="zh-CN" sz="1050" kern="100">
-                          <a:effectLst/>
-                        </a:rPr>
-                        <a:t>通常包括软件开发阶段人员的技术无法达到开发的要求，以及开发过程中，用户对技术的要求无法达到。</a:t>
-                      </a:r>
-                      <a:endParaRPr lang="zh-CN" sz="1050" kern="100">
-                        <a:effectLst/>
-                        <a:latin typeface="Calibri" panose="020F0502020204030204"/>
-                        <a:ea typeface="宋体" panose="02010600030101010101" pitchFamily="2" charset="-122"/>
-                        <a:cs typeface="Times New Roman" panose="02020603050405020304"/>
-                      </a:endParaRPr>
-                    </a:p>
-                  </a:txBody>
-                  <a:tcPr marL="68580" marR="68580" marT="0" marB="0"/>
-                </a:tc>
-              </a:tr>
-              <a:tr h="239606">
-                <a:tc>
-                  <a:txBody>
-                    <a:bodyPr/>
-                    <a:lstStyle/>
-                    <a:p>
-                      <a:pPr algn="just">
-                        <a:spcAft>
-                          <a:spcPts val="0"/>
-                        </a:spcAft>
-                      </a:pPr>
-                      <a:r>
-                        <a:rPr lang="zh-CN" sz="1050" kern="100">
-                          <a:effectLst/>
-                        </a:rPr>
-                        <a:t>组员风险</a:t>
-                      </a:r>
-                      <a:endParaRPr lang="zh-CN" sz="1050" kern="100">
-                        <a:effectLst/>
-                        <a:latin typeface="Calibri" panose="020F0502020204030204"/>
-                        <a:ea typeface="宋体" panose="02010600030101010101" pitchFamily="2" charset="-122"/>
-                        <a:cs typeface="Times New Roman" panose="02020603050405020304"/>
-                      </a:endParaRPr>
-                    </a:p>
-                  </a:txBody>
-                  <a:tcPr marL="68580" marR="68580" marT="0" marB="0"/>
-                </a:tc>
-                <a:tc>
-                  <a:txBody>
-                    <a:bodyPr/>
-                    <a:lstStyle/>
-                    <a:p>
-                      <a:pPr algn="just">
-                        <a:spcAft>
-                          <a:spcPts val="0"/>
-                        </a:spcAft>
-                      </a:pPr>
-                      <a:r>
-                        <a:rPr lang="zh-CN" sz="1050" kern="100" dirty="0">
-                          <a:effectLst/>
-                        </a:rPr>
-                        <a:t>通常用户更改，开发人员的变更以及减少，开发人员请假生病以及课程繁忙等。</a:t>
-                      </a:r>
-                      <a:endParaRPr lang="zh-CN" sz="1050" kern="100" dirty="0">
-                        <a:effectLst/>
-                        <a:latin typeface="Calibri" panose="020F0502020204030204"/>
-                        <a:ea typeface="宋体" panose="02010600030101010101" pitchFamily="2" charset="-122"/>
-                        <a:cs typeface="Times New Roman" panose="02020603050405020304"/>
-                      </a:endParaRPr>
-                    </a:p>
-                  </a:txBody>
-                  <a:tcPr marL="68580" marR="68580" marT="0" marB="0"/>
-                </a:tc>
-              </a:tr>
-              <a:tr h="119803">
-                <a:tc>
-                  <a:txBody>
-                    <a:bodyPr/>
-                    <a:lstStyle/>
-                    <a:p>
-                      <a:pPr algn="just">
-                        <a:spcAft>
-                          <a:spcPts val="0"/>
-                        </a:spcAft>
-                      </a:pPr>
-                      <a:r>
-                        <a:rPr lang="zh-CN" sz="1050" kern="100">
-                          <a:effectLst/>
-                        </a:rPr>
-                        <a:t>结构风险</a:t>
-                      </a:r>
-                      <a:endParaRPr lang="zh-CN" sz="1050" kern="100">
-                        <a:effectLst/>
-                        <a:latin typeface="Calibri" panose="020F0502020204030204"/>
-                        <a:ea typeface="宋体" panose="02010600030101010101" pitchFamily="2" charset="-122"/>
-                        <a:cs typeface="Times New Roman" panose="02020603050405020304"/>
-                      </a:endParaRPr>
-                    </a:p>
-                  </a:txBody>
-                  <a:tcPr marL="68580" marR="68580" marT="0" marB="0"/>
-                </a:tc>
-                <a:tc>
-                  <a:txBody>
-                    <a:bodyPr/>
-                    <a:lstStyle/>
-                    <a:p>
-                      <a:pPr algn="just">
-                        <a:spcAft>
-                          <a:spcPts val="0"/>
-                        </a:spcAft>
-                      </a:pPr>
-                      <a:r>
-                        <a:rPr lang="zh-CN" sz="1050" kern="100">
-                          <a:effectLst/>
-                        </a:rPr>
-                        <a:t>通常包括系统结构的改变和人员配置的改变。</a:t>
-                      </a:r>
-                      <a:endParaRPr lang="zh-CN" sz="1050" kern="100">
-                        <a:effectLst/>
-                        <a:latin typeface="Calibri" panose="020F0502020204030204"/>
-                        <a:ea typeface="宋体" panose="02010600030101010101" pitchFamily="2" charset="-122"/>
-                        <a:cs typeface="Times New Roman" panose="02020603050405020304"/>
-                      </a:endParaRPr>
-                    </a:p>
-                  </a:txBody>
-                  <a:tcPr marL="68580" marR="68580" marT="0" marB="0"/>
-                </a:tc>
-              </a:tr>
-              <a:tr h="119803">
-                <a:tc>
-                  <a:txBody>
-                    <a:bodyPr/>
-                    <a:lstStyle/>
-                    <a:p>
-                      <a:pPr algn="just">
-                        <a:spcAft>
-                          <a:spcPts val="0"/>
-                        </a:spcAft>
-                      </a:pPr>
-                      <a:r>
-                        <a:rPr lang="zh-CN" sz="1050" kern="100">
-                          <a:effectLst/>
-                        </a:rPr>
-                        <a:t>工具风险</a:t>
-                      </a:r>
-                      <a:endParaRPr lang="zh-CN" sz="1050" kern="100">
-                        <a:effectLst/>
-                        <a:latin typeface="Calibri" panose="020F0502020204030204"/>
-                        <a:ea typeface="宋体" panose="02010600030101010101" pitchFamily="2" charset="-122"/>
-                        <a:cs typeface="Times New Roman" panose="02020603050405020304"/>
-                      </a:endParaRPr>
-                    </a:p>
-                  </a:txBody>
-                  <a:tcPr marL="68580" marR="68580" marT="0" marB="0"/>
-                </a:tc>
-                <a:tc>
-                  <a:txBody>
-                    <a:bodyPr/>
-                    <a:lstStyle/>
-                    <a:p>
-                      <a:pPr algn="just">
-                        <a:spcAft>
-                          <a:spcPts val="0"/>
-                        </a:spcAft>
-                      </a:pPr>
-                      <a:r>
-                        <a:rPr lang="zh-CN" sz="1050" kern="100">
-                          <a:effectLst/>
-                        </a:rPr>
-                        <a:t>通常包括工具的变更和出错情况。</a:t>
-                      </a:r>
-                      <a:endParaRPr lang="zh-CN" sz="1050" kern="100">
-                        <a:effectLst/>
-                        <a:latin typeface="Calibri" panose="020F0502020204030204"/>
-                        <a:ea typeface="宋体" panose="02010600030101010101" pitchFamily="2" charset="-122"/>
-                        <a:cs typeface="Times New Roman" panose="02020603050405020304"/>
-                      </a:endParaRPr>
-                    </a:p>
-                  </a:txBody>
-                  <a:tcPr marL="68580" marR="68580" marT="0" marB="0"/>
-                </a:tc>
-              </a:tr>
-              <a:tr h="239606">
-                <a:tc>
-                  <a:txBody>
-                    <a:bodyPr/>
-                    <a:lstStyle/>
-                    <a:p>
-                      <a:pPr algn="just">
-                        <a:spcAft>
-                          <a:spcPts val="0"/>
-                        </a:spcAft>
-                      </a:pPr>
-                      <a:r>
-                        <a:rPr lang="zh-CN" sz="1050" kern="100">
-                          <a:effectLst/>
-                        </a:rPr>
-                        <a:t>任务分配风险</a:t>
-                      </a:r>
-                      <a:endParaRPr lang="zh-CN" sz="1050" kern="100">
-                        <a:effectLst/>
-                        <a:latin typeface="Calibri" panose="020F0502020204030204"/>
-                        <a:ea typeface="宋体" panose="02010600030101010101" pitchFamily="2" charset="-122"/>
-                        <a:cs typeface="Times New Roman" panose="02020603050405020304"/>
-                      </a:endParaRPr>
-                    </a:p>
-                  </a:txBody>
-                  <a:tcPr marL="68580" marR="68580" marT="0" marB="0"/>
-                </a:tc>
-                <a:tc>
-                  <a:txBody>
-                    <a:bodyPr/>
-                    <a:lstStyle/>
-                    <a:p>
-                      <a:pPr algn="just">
-                        <a:spcAft>
-                          <a:spcPts val="0"/>
-                        </a:spcAft>
-                      </a:pPr>
-                      <a:r>
-                        <a:rPr lang="zh-CN" sz="1050" kern="100" dirty="0">
-                          <a:effectLst/>
-                        </a:rPr>
-                        <a:t>通常包括项目经理对任务分配的不平均，以及开发人员没有即使有效的完成自己的任务。</a:t>
-                      </a:r>
-                      <a:endParaRPr lang="zh-CN" sz="1050" kern="100" dirty="0">
-                        <a:effectLst/>
-                        <a:latin typeface="Calibri" panose="020F0502020204030204"/>
-                        <a:ea typeface="宋体" panose="02010600030101010101" pitchFamily="2" charset="-122"/>
-                        <a:cs typeface="Times New Roman" panose="02020603050405020304"/>
-                      </a:endParaRPr>
-                    </a:p>
-                  </a:txBody>
-                  <a:tcPr marL="68580" marR="68580" marT="0" marB="0"/>
-                </a:tc>
-              </a:tr>
-            </a:tbl>
-          </a:graphicData>
-        </a:graphic>
-      </p:graphicFrame>
       <p:sp>
         <p:nvSpPr>
-          <p:cNvPr id="10" name="矩形 9"/>
+          <p:cNvPr id="5" name="矩形 4"/>
           <p:cNvSpPr/>
           <p:nvPr/>
         </p:nvSpPr>
         <p:spPr>
           <a:xfrm>
-            <a:off x="1774726" y="909514"/>
-            <a:ext cx="3209212" cy="461665"/>
+            <a:off x="1009811" y="909514"/>
+            <a:ext cx="2339102" cy="415498"/>
           </a:xfrm>
           <a:prstGeom prst="rect">
             <a:avLst/>
@@ -10788,833 +11449,38 @@
           </a:bodyPr>
           <a:lstStyle/>
           <a:p>
-            <a:pPr lvl="1"/>
             <a:r>
-              <a:rPr lang="zh-CN" altLang="zh-CN" sz="2400" b="1" dirty="0"/>
-              <a:t>项目风险类别定义</a:t>
+              <a:rPr lang="zh-CN" altLang="zh-CN" dirty="0"/>
+              <a:t>风险评估及其对策</a:t>
             </a:r>
+            <a:endParaRPr lang="zh-CN" altLang="en-US" dirty="0"/>
           </a:p>
         </p:txBody>
       </p:sp>
-      <p:sp>
-        <p:nvSpPr>
-          <p:cNvPr id="11" name="矩形 10"/>
-          <p:cNvSpPr/>
+      <p:pic>
+        <p:nvPicPr>
+          <p:cNvPr id="8" name="图片 7"/>
+          <p:cNvPicPr>
+            <a:picLocks noChangeAspect="1"/>
+          </p:cNvPicPr>
           <p:nvPr/>
-        </p:nvSpPr>
+        </p:nvPicPr>
+        <p:blipFill>
+          <a:blip r:embed="rId1"/>
+          <a:stretch>
+            <a:fillRect/>
+          </a:stretch>
+        </p:blipFill>
         <p:spPr>
           <a:xfrm>
-            <a:off x="1702717" y="3720526"/>
-            <a:ext cx="4137351" cy="461665"/>
+            <a:off x="4709160" y="1270"/>
+            <a:ext cx="6549390" cy="6581775"/>
           </a:xfrm>
           <a:prstGeom prst="rect">
             <a:avLst/>
           </a:prstGeom>
         </p:spPr>
-        <p:txBody>
-          <a:bodyPr wrap="none">
-            <a:spAutoFit/>
-          </a:bodyPr>
-          <a:lstStyle/>
-          <a:p>
-            <a:pPr lvl="1"/>
-            <a:r>
-              <a:rPr lang="zh-CN" altLang="zh-CN" sz="2400" b="1" dirty="0"/>
-              <a:t>项目风险等级和影响定义</a:t>
-            </a:r>
-          </a:p>
-        </p:txBody>
-      </p:sp>
-      <p:graphicFrame>
-        <p:nvGraphicFramePr>
-          <p:cNvPr id="12" name="表格 11"/>
-          <p:cNvGraphicFramePr>
-            <a:graphicFrameLocks noGrp="1"/>
-          </p:cNvGraphicFramePr>
-          <p:nvPr/>
-        </p:nvGraphicFramePr>
-        <p:xfrm>
-          <a:off x="1845445" y="4293890"/>
-          <a:ext cx="5757545" cy="1537335"/>
-        </p:xfrm>
-        <a:graphic>
-          <a:graphicData uri="http://schemas.openxmlformats.org/drawingml/2006/table">
-            <a:tbl>
-              <a:tblPr>
-                <a:tableStyleId>{5C22544A-7EE6-4342-B048-85BDC9FD1C3A}</a:tableStyleId>
-              </a:tblPr>
-              <a:tblGrid>
-                <a:gridCol w="629920"/>
-                <a:gridCol w="810260"/>
-                <a:gridCol w="810260"/>
-                <a:gridCol w="1193800"/>
-                <a:gridCol w="1193800"/>
-                <a:gridCol w="1119505"/>
-              </a:tblGrid>
-              <a:tr h="180975">
-                <a:tc>
-                  <a:txBody>
-                    <a:bodyPr/>
-                    <a:lstStyle/>
-                    <a:p>
-                      <a:pPr algn="just">
-                        <a:spcAft>
-                          <a:spcPts val="0"/>
-                        </a:spcAft>
-                      </a:pPr>
-                      <a:r>
-                        <a:rPr lang="zh-CN" sz="1050" kern="100">
-                          <a:effectLst/>
-                        </a:rPr>
-                        <a:t>参数</a:t>
-                      </a:r>
-                      <a:endParaRPr lang="zh-CN" sz="1050" kern="100">
-                        <a:effectLst/>
-                        <a:latin typeface="Calibri" panose="020F0502020204030204"/>
-                        <a:ea typeface="宋体" panose="02010600030101010101" pitchFamily="2" charset="-122"/>
-                        <a:cs typeface="Times New Roman" panose="02020603050405020304"/>
-                      </a:endParaRPr>
-                    </a:p>
-                  </a:txBody>
-                  <a:tcPr marL="68580" marR="68580" marT="0" marB="0" anchor="ctr"/>
-                </a:tc>
-                <a:tc>
-                  <a:txBody>
-                    <a:bodyPr/>
-                    <a:lstStyle/>
-                    <a:p>
-                      <a:pPr algn="just">
-                        <a:spcAft>
-                          <a:spcPts val="0"/>
-                        </a:spcAft>
-                      </a:pPr>
-                      <a:r>
-                        <a:rPr lang="zh-CN" sz="1050" kern="100">
-                          <a:effectLst/>
-                        </a:rPr>
-                        <a:t>定性描述</a:t>
-                      </a:r>
-                      <a:endParaRPr lang="zh-CN" sz="1050" kern="100">
-                        <a:effectLst/>
-                        <a:latin typeface="Calibri" panose="020F0502020204030204"/>
-                        <a:ea typeface="宋体" panose="02010600030101010101" pitchFamily="2" charset="-122"/>
-                        <a:cs typeface="Times New Roman" panose="02020603050405020304"/>
-                      </a:endParaRPr>
-                    </a:p>
-                  </a:txBody>
-                  <a:tcPr marL="68580" marR="68580" marT="0" marB="0" anchor="ctr"/>
-                </a:tc>
-                <a:tc>
-                  <a:txBody>
-                    <a:bodyPr/>
-                    <a:lstStyle/>
-                    <a:p>
-                      <a:pPr algn="just">
-                        <a:spcAft>
-                          <a:spcPts val="0"/>
-                        </a:spcAft>
-                      </a:pPr>
-                      <a:r>
-                        <a:rPr lang="zh-CN" sz="1050" kern="100">
-                          <a:effectLst/>
-                        </a:rPr>
-                        <a:t>进度</a:t>
-                      </a:r>
-                      <a:endParaRPr lang="zh-CN" sz="1050" kern="100">
-                        <a:effectLst/>
-                        <a:latin typeface="Calibri" panose="020F0502020204030204"/>
-                        <a:ea typeface="宋体" panose="02010600030101010101" pitchFamily="2" charset="-122"/>
-                        <a:cs typeface="Times New Roman" panose="02020603050405020304"/>
-                      </a:endParaRPr>
-                    </a:p>
-                  </a:txBody>
-                  <a:tcPr marL="68580" marR="68580" marT="0" marB="0" anchor="ctr"/>
-                </a:tc>
-                <a:tc>
-                  <a:txBody>
-                    <a:bodyPr/>
-                    <a:lstStyle/>
-                    <a:p>
-                      <a:pPr algn="just">
-                        <a:spcAft>
-                          <a:spcPts val="0"/>
-                        </a:spcAft>
-                      </a:pPr>
-                      <a:r>
-                        <a:rPr lang="zh-CN" sz="1050" kern="100">
-                          <a:effectLst/>
-                        </a:rPr>
-                        <a:t>成本</a:t>
-                      </a:r>
-                      <a:endParaRPr lang="zh-CN" sz="1050" kern="100">
-                        <a:effectLst/>
-                        <a:latin typeface="Calibri" panose="020F0502020204030204"/>
-                        <a:ea typeface="宋体" panose="02010600030101010101" pitchFamily="2" charset="-122"/>
-                        <a:cs typeface="Times New Roman" panose="02020603050405020304"/>
-                      </a:endParaRPr>
-                    </a:p>
-                  </a:txBody>
-                  <a:tcPr marL="68580" marR="68580" marT="0" marB="0" anchor="ctr"/>
-                </a:tc>
-                <a:tc>
-                  <a:txBody>
-                    <a:bodyPr/>
-                    <a:lstStyle/>
-                    <a:p>
-                      <a:pPr algn="just">
-                        <a:spcAft>
-                          <a:spcPts val="0"/>
-                        </a:spcAft>
-                      </a:pPr>
-                      <a:r>
-                        <a:rPr lang="zh-CN" sz="1050" kern="100">
-                          <a:effectLst/>
-                        </a:rPr>
-                        <a:t>质量</a:t>
-                      </a:r>
-                      <a:endParaRPr lang="zh-CN" sz="1050" kern="100">
-                        <a:effectLst/>
-                        <a:latin typeface="Calibri" panose="020F0502020204030204"/>
-                        <a:ea typeface="宋体" panose="02010600030101010101" pitchFamily="2" charset="-122"/>
-                        <a:cs typeface="Times New Roman" panose="02020603050405020304"/>
-                      </a:endParaRPr>
-                    </a:p>
-                  </a:txBody>
-                  <a:tcPr marL="68580" marR="68580" marT="0" marB="0" anchor="ctr"/>
-                </a:tc>
-                <a:tc>
-                  <a:txBody>
-                    <a:bodyPr/>
-                    <a:lstStyle/>
-                    <a:p>
-                      <a:pPr algn="just">
-                        <a:spcAft>
-                          <a:spcPts val="0"/>
-                        </a:spcAft>
-                      </a:pPr>
-                      <a:r>
-                        <a:rPr lang="zh-CN" sz="1050" kern="100">
-                          <a:effectLst/>
-                        </a:rPr>
-                        <a:t>范围</a:t>
-                      </a:r>
-                      <a:endParaRPr lang="zh-CN" sz="1050" kern="100">
-                        <a:effectLst/>
-                        <a:latin typeface="Calibri" panose="020F0502020204030204"/>
-                        <a:ea typeface="宋体" panose="02010600030101010101" pitchFamily="2" charset="-122"/>
-                        <a:cs typeface="Times New Roman" panose="02020603050405020304"/>
-                      </a:endParaRPr>
-                    </a:p>
-                  </a:txBody>
-                  <a:tcPr marL="68580" marR="68580" marT="0" marB="0" anchor="ctr"/>
-                </a:tc>
-              </a:tr>
-              <a:tr h="190500">
-                <a:tc rowSpan="3">
-                  <a:txBody>
-                    <a:bodyPr/>
-                    <a:lstStyle/>
-                    <a:p>
-                      <a:pPr algn="just">
-                        <a:spcAft>
-                          <a:spcPts val="0"/>
-                        </a:spcAft>
-                      </a:pPr>
-                      <a:r>
-                        <a:rPr lang="zh-CN" sz="1050" kern="100">
-                          <a:effectLst/>
-                        </a:rPr>
-                        <a:t>等级</a:t>
-                      </a:r>
-                      <a:endParaRPr lang="zh-CN" sz="1050" kern="100">
-                        <a:effectLst/>
-                        <a:latin typeface="Calibri" panose="020F0502020204030204"/>
-                        <a:ea typeface="宋体" panose="02010600030101010101" pitchFamily="2" charset="-122"/>
-                        <a:cs typeface="Times New Roman" panose="02020603050405020304"/>
-                      </a:endParaRPr>
-                    </a:p>
-                  </a:txBody>
-                  <a:tcPr marL="68580" marR="68580" marT="0" marB="0" anchor="ctr"/>
-                </a:tc>
-                <a:tc>
-                  <a:txBody>
-                    <a:bodyPr/>
-                    <a:lstStyle/>
-                    <a:p>
-                      <a:pPr algn="just">
-                        <a:spcAft>
-                          <a:spcPts val="0"/>
-                        </a:spcAft>
-                      </a:pPr>
-                      <a:r>
-                        <a:rPr lang="en-US" sz="1050" kern="100">
-                          <a:effectLst/>
-                        </a:rPr>
-                        <a:t>1~3</a:t>
-                      </a:r>
-                      <a:endParaRPr lang="zh-CN" sz="1050" kern="100">
-                        <a:effectLst/>
-                        <a:latin typeface="Calibri" panose="020F0502020204030204"/>
-                        <a:ea typeface="宋体" panose="02010600030101010101" pitchFamily="2" charset="-122"/>
-                        <a:cs typeface="Times New Roman" panose="02020603050405020304"/>
-                      </a:endParaRPr>
-                    </a:p>
-                  </a:txBody>
-                  <a:tcPr marL="68580" marR="68580" marT="0" marB="0" anchor="ctr"/>
-                </a:tc>
-                <a:tc rowSpan="3" gridSpan="4">
-                  <a:txBody>
-                    <a:bodyPr/>
-                    <a:lstStyle/>
-                    <a:p>
-                      <a:pPr algn="just">
-                        <a:spcAft>
-                          <a:spcPts val="0"/>
-                        </a:spcAft>
-                      </a:pPr>
-                      <a:r>
-                        <a:rPr lang="zh-CN" sz="1050" kern="100">
-                          <a:effectLst/>
-                        </a:rPr>
-                        <a:t>表示发生的可能性，严重性，不可控性，风险等级的划分</a:t>
-                      </a:r>
-                      <a:endParaRPr lang="zh-CN" sz="1050" kern="100">
-                        <a:effectLst/>
-                        <a:latin typeface="Calibri" panose="020F0502020204030204"/>
-                        <a:ea typeface="宋体" panose="02010600030101010101" pitchFamily="2" charset="-122"/>
-                        <a:cs typeface="Times New Roman" panose="02020603050405020304"/>
-                      </a:endParaRPr>
-                    </a:p>
-                  </a:txBody>
-                  <a:tcPr marL="68580" marR="68580" marT="0" marB="0" anchor="ctr"/>
-                </a:tc>
-                <a:tc rowSpan="3" hMerge="1">
-                  <a:txBody>
-                    <a:bodyPr/>
-                    <a:lstStyle/>
-                    <a:p>
-                      <a:endParaRPr lang="zh-CN"/>
-                    </a:p>
-                  </a:txBody>
-                  <a:tcPr/>
-                </a:tc>
-                <a:tc rowSpan="3" hMerge="1">
-                  <a:txBody>
-                    <a:bodyPr/>
-                    <a:lstStyle/>
-                    <a:p>
-                      <a:endParaRPr lang="zh-CN"/>
-                    </a:p>
-                  </a:txBody>
-                  <a:tcPr/>
-                </a:tc>
-                <a:tc rowSpan="3" hMerge="1">
-                  <a:txBody>
-                    <a:bodyPr/>
-                    <a:lstStyle/>
-                    <a:p>
-                      <a:endParaRPr lang="zh-CN"/>
-                    </a:p>
-                  </a:txBody>
-                  <a:tcPr/>
-                </a:tc>
-              </a:tr>
-              <a:tr h="180975">
-                <a:tc vMerge="1">
-                  <a:txBody>
-                    <a:bodyPr/>
-                    <a:lstStyle/>
-                    <a:p>
-                      <a:endParaRPr lang="zh-CN"/>
-                    </a:p>
-                  </a:txBody>
-                  <a:tcPr/>
-                </a:tc>
-                <a:tc>
-                  <a:txBody>
-                    <a:bodyPr/>
-                    <a:lstStyle/>
-                    <a:p>
-                      <a:pPr algn="just">
-                        <a:spcAft>
-                          <a:spcPts val="0"/>
-                        </a:spcAft>
-                      </a:pPr>
-                      <a:r>
-                        <a:rPr lang="en-US" sz="1050" kern="100">
-                          <a:effectLst/>
-                        </a:rPr>
-                        <a:t>3~6</a:t>
-                      </a:r>
-                      <a:endParaRPr lang="zh-CN" sz="1050" kern="100">
-                        <a:effectLst/>
-                        <a:latin typeface="Calibri" panose="020F0502020204030204"/>
-                        <a:ea typeface="宋体" panose="02010600030101010101" pitchFamily="2" charset="-122"/>
-                        <a:cs typeface="Times New Roman" panose="02020603050405020304"/>
-                      </a:endParaRPr>
-                    </a:p>
-                  </a:txBody>
-                  <a:tcPr marL="68580" marR="68580" marT="0" marB="0" anchor="ctr"/>
-                </a:tc>
-                <a:tc gridSpan="4" vMerge="1">
-                  <a:txBody>
-                    <a:bodyPr/>
-                    <a:lstStyle/>
-                    <a:p>
-                      <a:endParaRPr lang="zh-CN"/>
-                    </a:p>
-                  </a:txBody>
-                  <a:tcPr/>
-                </a:tc>
-                <a:tc hMerge="1" vMerge="1">
-                  <a:txBody>
-                    <a:bodyPr/>
-                    <a:lstStyle/>
-                    <a:p>
-                      <a:endParaRPr lang="zh-CN"/>
-                    </a:p>
-                  </a:txBody>
-                  <a:tcPr/>
-                </a:tc>
-                <a:tc hMerge="1" vMerge="1">
-                  <a:txBody>
-                    <a:bodyPr/>
-                    <a:lstStyle/>
-                    <a:p>
-                      <a:endParaRPr lang="zh-CN"/>
-                    </a:p>
-                  </a:txBody>
-                  <a:tcPr/>
-                </a:tc>
-                <a:tc hMerge="1" vMerge="1">
-                  <a:txBody>
-                    <a:bodyPr/>
-                    <a:lstStyle/>
-                    <a:p>
-                      <a:endParaRPr lang="zh-CN"/>
-                    </a:p>
-                  </a:txBody>
-                  <a:tcPr/>
-                </a:tc>
-              </a:tr>
-              <a:tr h="180975">
-                <a:tc vMerge="1">
-                  <a:txBody>
-                    <a:bodyPr/>
-                    <a:lstStyle/>
-                    <a:p>
-                      <a:endParaRPr lang="zh-CN"/>
-                    </a:p>
-                  </a:txBody>
-                  <a:tcPr/>
-                </a:tc>
-                <a:tc>
-                  <a:txBody>
-                    <a:bodyPr/>
-                    <a:lstStyle/>
-                    <a:p>
-                      <a:pPr algn="just">
-                        <a:spcAft>
-                          <a:spcPts val="0"/>
-                        </a:spcAft>
-                      </a:pPr>
-                      <a:r>
-                        <a:rPr lang="en-US" sz="1050" kern="100">
-                          <a:effectLst/>
-                        </a:rPr>
-                        <a:t>6~10</a:t>
-                      </a:r>
-                      <a:endParaRPr lang="zh-CN" sz="1050" kern="100">
-                        <a:effectLst/>
-                        <a:latin typeface="Calibri" panose="020F0502020204030204"/>
-                        <a:ea typeface="宋体" panose="02010600030101010101" pitchFamily="2" charset="-122"/>
-                        <a:cs typeface="Times New Roman" panose="02020603050405020304"/>
-                      </a:endParaRPr>
-                    </a:p>
-                  </a:txBody>
-                  <a:tcPr marL="68580" marR="68580" marT="0" marB="0" anchor="ctr"/>
-                </a:tc>
-                <a:tc gridSpan="4" vMerge="1">
-                  <a:txBody>
-                    <a:bodyPr/>
-                    <a:lstStyle/>
-                    <a:p>
-                      <a:endParaRPr lang="zh-CN"/>
-                    </a:p>
-                  </a:txBody>
-                  <a:tcPr/>
-                </a:tc>
-                <a:tc hMerge="1" vMerge="1">
-                  <a:txBody>
-                    <a:bodyPr/>
-                    <a:lstStyle/>
-                    <a:p>
-                      <a:endParaRPr lang="zh-CN"/>
-                    </a:p>
-                  </a:txBody>
-                  <a:tcPr/>
-                </a:tc>
-                <a:tc hMerge="1" vMerge="1">
-                  <a:txBody>
-                    <a:bodyPr/>
-                    <a:lstStyle/>
-                    <a:p>
-                      <a:endParaRPr lang="zh-CN"/>
-                    </a:p>
-                  </a:txBody>
-                  <a:tcPr/>
-                </a:tc>
-                <a:tc hMerge="1" vMerge="1">
-                  <a:txBody>
-                    <a:bodyPr/>
-                    <a:lstStyle/>
-                    <a:p>
-                      <a:endParaRPr lang="zh-CN"/>
-                    </a:p>
-                  </a:txBody>
-                  <a:tcPr/>
-                </a:tc>
-              </a:tr>
-              <a:tr h="323850">
-                <a:tc rowSpan="2">
-                  <a:txBody>
-                    <a:bodyPr/>
-                    <a:lstStyle/>
-                    <a:p>
-                      <a:pPr algn="just">
-                        <a:spcAft>
-                          <a:spcPts val="0"/>
-                        </a:spcAft>
-                      </a:pPr>
-                      <a:r>
-                        <a:rPr lang="zh-CN" sz="1050" kern="100">
-                          <a:effectLst/>
-                        </a:rPr>
-                        <a:t>影响</a:t>
-                      </a:r>
-                      <a:endParaRPr lang="zh-CN" sz="1050" kern="100">
-                        <a:effectLst/>
-                        <a:latin typeface="Calibri" panose="020F0502020204030204"/>
-                        <a:ea typeface="宋体" panose="02010600030101010101" pitchFamily="2" charset="-122"/>
-                        <a:cs typeface="Times New Roman" panose="02020603050405020304"/>
-                      </a:endParaRPr>
-                    </a:p>
-                  </a:txBody>
-                  <a:tcPr marL="68580" marR="68580" marT="0" marB="0" anchor="ctr"/>
-                </a:tc>
-                <a:tc>
-                  <a:txBody>
-                    <a:bodyPr/>
-                    <a:lstStyle/>
-                    <a:p>
-                      <a:pPr algn="just">
-                        <a:spcAft>
-                          <a:spcPts val="0"/>
-                        </a:spcAft>
-                      </a:pPr>
-                      <a:r>
-                        <a:rPr lang="zh-CN" sz="1050" kern="100">
-                          <a:effectLst/>
-                        </a:rPr>
-                        <a:t>高</a:t>
-                      </a:r>
-                      <a:endParaRPr lang="zh-CN" sz="1050" kern="100">
-                        <a:effectLst/>
-                        <a:latin typeface="Calibri" panose="020F0502020204030204"/>
-                        <a:ea typeface="宋体" panose="02010600030101010101" pitchFamily="2" charset="-122"/>
-                        <a:cs typeface="Times New Roman" panose="02020603050405020304"/>
-                      </a:endParaRPr>
-                    </a:p>
-                  </a:txBody>
-                  <a:tcPr marL="68580" marR="68580" marT="0" marB="0" anchor="ctr"/>
-                </a:tc>
-                <a:tc>
-                  <a:txBody>
-                    <a:bodyPr/>
-                    <a:lstStyle/>
-                    <a:p>
-                      <a:pPr algn="just">
-                        <a:spcAft>
-                          <a:spcPts val="0"/>
-                        </a:spcAft>
-                      </a:pPr>
-                      <a:r>
-                        <a:rPr lang="zh-CN" sz="1050" kern="100">
-                          <a:effectLst/>
-                        </a:rPr>
-                        <a:t>进度延期半个月以上</a:t>
-                      </a:r>
-                      <a:endParaRPr lang="zh-CN" sz="1050" kern="100">
-                        <a:effectLst/>
-                        <a:latin typeface="Calibri" panose="020F0502020204030204"/>
-                        <a:ea typeface="宋体" panose="02010600030101010101" pitchFamily="2" charset="-122"/>
-                        <a:cs typeface="Times New Roman" panose="02020603050405020304"/>
-                      </a:endParaRPr>
-                    </a:p>
-                  </a:txBody>
-                  <a:tcPr marL="68580" marR="68580" marT="0" marB="0" anchor="ctr"/>
-                </a:tc>
-                <a:tc>
-                  <a:txBody>
-                    <a:bodyPr/>
-                    <a:lstStyle/>
-                    <a:p>
-                      <a:pPr algn="just">
-                        <a:spcAft>
-                          <a:spcPts val="0"/>
-                        </a:spcAft>
-                      </a:pPr>
-                      <a:r>
-                        <a:rPr lang="zh-CN" sz="1050" kern="100">
-                          <a:effectLst/>
-                        </a:rPr>
-                        <a:t>成本超支</a:t>
-                      </a:r>
-                      <a:r>
-                        <a:rPr lang="en-US" sz="1050" kern="100">
-                          <a:effectLst/>
-                        </a:rPr>
-                        <a:t>20%</a:t>
-                      </a:r>
-                      <a:endParaRPr lang="zh-CN" sz="1050" kern="100">
-                        <a:effectLst/>
-                        <a:latin typeface="Calibri" panose="020F0502020204030204"/>
-                        <a:ea typeface="宋体" panose="02010600030101010101" pitchFamily="2" charset="-122"/>
-                        <a:cs typeface="Times New Roman" panose="02020603050405020304"/>
-                      </a:endParaRPr>
-                    </a:p>
-                  </a:txBody>
-                  <a:tcPr marL="68580" marR="68580" marT="0" marB="0" anchor="ctr"/>
-                </a:tc>
-                <a:tc>
-                  <a:txBody>
-                    <a:bodyPr/>
-                    <a:lstStyle/>
-                    <a:p>
-                      <a:pPr algn="just">
-                        <a:spcAft>
-                          <a:spcPts val="0"/>
-                        </a:spcAft>
-                      </a:pPr>
-                      <a:r>
-                        <a:rPr lang="zh-CN" sz="1050" kern="100">
-                          <a:effectLst/>
-                        </a:rPr>
-                        <a:t>项目最终结果实际无法使用</a:t>
-                      </a:r>
-                      <a:endParaRPr lang="zh-CN" sz="1050" kern="100">
-                        <a:effectLst/>
-                        <a:latin typeface="Calibri" panose="020F0502020204030204"/>
-                        <a:ea typeface="宋体" panose="02010600030101010101" pitchFamily="2" charset="-122"/>
-                        <a:cs typeface="Times New Roman" panose="02020603050405020304"/>
-                      </a:endParaRPr>
-                    </a:p>
-                  </a:txBody>
-                  <a:tcPr marL="68580" marR="68580" marT="0" marB="0" anchor="ctr"/>
-                </a:tc>
-                <a:tc>
-                  <a:txBody>
-                    <a:bodyPr/>
-                    <a:lstStyle/>
-                    <a:p>
-                      <a:pPr algn="just">
-                        <a:spcAft>
-                          <a:spcPts val="0"/>
-                        </a:spcAft>
-                      </a:pPr>
-                      <a:r>
-                        <a:rPr lang="zh-CN" sz="1050" kern="100">
-                          <a:effectLst/>
-                        </a:rPr>
-                        <a:t>每月重大变更大于</a:t>
-                      </a:r>
-                      <a:r>
-                        <a:rPr lang="en-US" sz="1050" kern="100">
-                          <a:effectLst/>
-                        </a:rPr>
-                        <a:t>3</a:t>
-                      </a:r>
-                      <a:r>
-                        <a:rPr lang="zh-CN" sz="1050" kern="100">
-                          <a:effectLst/>
-                        </a:rPr>
-                        <a:t>起</a:t>
-                      </a:r>
-                      <a:endParaRPr lang="zh-CN" sz="1050" kern="100">
-                        <a:effectLst/>
-                        <a:latin typeface="Calibri" panose="020F0502020204030204"/>
-                        <a:ea typeface="宋体" panose="02010600030101010101" pitchFamily="2" charset="-122"/>
-                        <a:cs typeface="Times New Roman" panose="02020603050405020304"/>
-                      </a:endParaRPr>
-                    </a:p>
-                  </a:txBody>
-                  <a:tcPr marL="68580" marR="68580" marT="0" marB="0" anchor="ctr"/>
-                </a:tc>
-              </a:tr>
-              <a:tr h="457200">
-                <a:tc vMerge="1">
-                  <a:txBody>
-                    <a:bodyPr/>
-                    <a:lstStyle/>
-                    <a:p>
-                      <a:endParaRPr lang="zh-CN"/>
-                    </a:p>
-                  </a:txBody>
-                  <a:tcPr/>
-                </a:tc>
-                <a:tc>
-                  <a:txBody>
-                    <a:bodyPr/>
-                    <a:lstStyle/>
-                    <a:p>
-                      <a:pPr algn="just">
-                        <a:spcAft>
-                          <a:spcPts val="0"/>
-                        </a:spcAft>
-                      </a:pPr>
-                      <a:r>
-                        <a:rPr lang="zh-CN" sz="1050" kern="100">
-                          <a:effectLst/>
-                        </a:rPr>
-                        <a:t>低</a:t>
-                      </a:r>
-                      <a:endParaRPr lang="zh-CN" sz="1050" kern="100">
-                        <a:effectLst/>
-                        <a:latin typeface="Calibri" panose="020F0502020204030204"/>
-                        <a:ea typeface="宋体" panose="02010600030101010101" pitchFamily="2" charset="-122"/>
-                        <a:cs typeface="Times New Roman" panose="02020603050405020304"/>
-                      </a:endParaRPr>
-                    </a:p>
-                  </a:txBody>
-                  <a:tcPr marL="68580" marR="68580" marT="0" marB="0" anchor="ctr"/>
-                </a:tc>
-                <a:tc>
-                  <a:txBody>
-                    <a:bodyPr/>
-                    <a:lstStyle/>
-                    <a:p>
-                      <a:pPr algn="just">
-                        <a:spcAft>
-                          <a:spcPts val="0"/>
-                        </a:spcAft>
-                      </a:pPr>
-                      <a:r>
-                        <a:rPr lang="zh-CN" sz="1050" kern="100">
-                          <a:effectLst/>
-                        </a:rPr>
-                        <a:t>进度延期三天以上一周以内</a:t>
-                      </a:r>
-                      <a:endParaRPr lang="zh-CN" sz="1050" kern="100">
-                        <a:effectLst/>
-                        <a:latin typeface="Calibri" panose="020F0502020204030204"/>
-                        <a:ea typeface="宋体" panose="02010600030101010101" pitchFamily="2" charset="-122"/>
-                        <a:cs typeface="Times New Roman" panose="02020603050405020304"/>
-                      </a:endParaRPr>
-                    </a:p>
-                  </a:txBody>
-                  <a:tcPr marL="68580" marR="68580" marT="0" marB="0" anchor="ctr"/>
-                </a:tc>
-                <a:tc>
-                  <a:txBody>
-                    <a:bodyPr/>
-                    <a:lstStyle/>
-                    <a:p>
-                      <a:pPr algn="just">
-                        <a:spcAft>
-                          <a:spcPts val="0"/>
-                        </a:spcAft>
-                      </a:pPr>
-                      <a:r>
-                        <a:rPr lang="zh-CN" sz="1050" kern="100">
-                          <a:effectLst/>
-                        </a:rPr>
-                        <a:t>成本超支小于</a:t>
-                      </a:r>
-                      <a:r>
-                        <a:rPr lang="en-US" sz="1050" kern="100">
-                          <a:effectLst/>
-                        </a:rPr>
-                        <a:t>5%</a:t>
-                      </a:r>
-                      <a:endParaRPr lang="zh-CN" sz="1050" kern="100">
-                        <a:effectLst/>
-                        <a:latin typeface="Calibri" panose="020F0502020204030204"/>
-                        <a:ea typeface="宋体" panose="02010600030101010101" pitchFamily="2" charset="-122"/>
-                        <a:cs typeface="Times New Roman" panose="02020603050405020304"/>
-                      </a:endParaRPr>
-                    </a:p>
-                  </a:txBody>
-                  <a:tcPr marL="68580" marR="68580" marT="0" marB="0" anchor="ctr"/>
-                </a:tc>
-                <a:tc>
-                  <a:txBody>
-                    <a:bodyPr/>
-                    <a:lstStyle/>
-                    <a:p>
-                      <a:pPr algn="just">
-                        <a:spcAft>
-                          <a:spcPts val="0"/>
-                        </a:spcAft>
-                      </a:pPr>
-                      <a:r>
-                        <a:rPr lang="zh-CN" sz="1050" kern="100">
-                          <a:effectLst/>
-                        </a:rPr>
-                        <a:t>仅有要求极其严格的应用受到影响</a:t>
-                      </a:r>
-                      <a:endParaRPr lang="zh-CN" sz="1050" kern="100">
-                        <a:effectLst/>
-                        <a:latin typeface="Calibri" panose="020F0502020204030204"/>
-                        <a:ea typeface="宋体" panose="02010600030101010101" pitchFamily="2" charset="-122"/>
-                        <a:cs typeface="Times New Roman" panose="02020603050405020304"/>
-                      </a:endParaRPr>
-                    </a:p>
-                  </a:txBody>
-                  <a:tcPr marL="68580" marR="68580" marT="0" marB="0" anchor="ctr"/>
-                </a:tc>
-                <a:tc>
-                  <a:txBody>
-                    <a:bodyPr/>
-                    <a:lstStyle/>
-                    <a:p>
-                      <a:pPr algn="just">
-                        <a:spcAft>
-                          <a:spcPts val="0"/>
-                        </a:spcAft>
-                      </a:pPr>
-                      <a:r>
-                        <a:rPr lang="zh-CN" sz="1050" kern="100" dirty="0">
-                          <a:effectLst/>
-                        </a:rPr>
-                        <a:t>每月变更大于</a:t>
-                      </a:r>
-                      <a:r>
-                        <a:rPr lang="en-US" sz="1050" kern="100" dirty="0">
-                          <a:effectLst/>
-                        </a:rPr>
-                        <a:t>5</a:t>
-                      </a:r>
-                      <a:r>
-                        <a:rPr lang="zh-CN" sz="1050" kern="100" dirty="0">
-                          <a:effectLst/>
-                        </a:rPr>
-                        <a:t>起</a:t>
-                      </a:r>
-                      <a:endParaRPr lang="zh-CN" sz="1050" kern="100" dirty="0">
-                        <a:effectLst/>
-                        <a:latin typeface="Calibri" panose="020F0502020204030204"/>
-                        <a:ea typeface="宋体" panose="02010600030101010101" pitchFamily="2" charset="-122"/>
-                        <a:cs typeface="Times New Roman" panose="02020603050405020304"/>
-                      </a:endParaRPr>
-                    </a:p>
-                  </a:txBody>
-                  <a:tcPr marL="68580" marR="68580" marT="0" marB="0" anchor="ctr"/>
-                </a:tc>
-              </a:tr>
-            </a:tbl>
-          </a:graphicData>
-        </a:graphic>
-      </p:graphicFrame>
+      </p:pic>
     </p:spTree>
   </p:cSld>
   <p:clrMapOvr>
@@ -11740,8 +11606,9 @@
             <a:pPr algn="ctr"/>
             <a:r>
               <a:rPr lang="en-US" sz="2400" dirty="0"/>
-              <a:t>5</a:t>
+              <a:t>6</a:t>
             </a:r>
+            <a:endParaRPr lang="en-US" sz="2400" dirty="0"/>
           </a:p>
         </p:txBody>
       </p:sp>
@@ -11768,16 +11635,6 @@
           <a:lstStyle/>
           <a:p>
             <a:r>
-              <a:rPr lang="zh-CN" altLang="en-US" sz="2665" dirty="0">
-                <a:solidFill>
-                  <a:srgbClr val="183A5D"/>
-                </a:solidFill>
-                <a:latin typeface="微软雅黑" panose="020B0503020204020204" pitchFamily="34" charset="-122"/>
-                <a:ea typeface="微软雅黑" panose="020B0503020204020204" pitchFamily="34" charset="-122"/>
-              </a:rPr>
-              <a:t>风险</a:t>
-            </a:r>
-            <a:r>
               <a:rPr lang="zh-CN" altLang="en-US" sz="2665" dirty="0" smtClean="0">
                 <a:solidFill>
                   <a:srgbClr val="183A5D"/>
@@ -11785,7 +11642,18 @@
                 <a:latin typeface="微软雅黑" panose="020B0503020204020204" pitchFamily="34" charset="-122"/>
                 <a:ea typeface="微软雅黑" panose="020B0503020204020204" pitchFamily="34" charset="-122"/>
               </a:rPr>
-              <a:t>管理计划</a:t>
+              <a:t>配置系统管理</a:t>
+            </a:r>
+            <a:r>
+              <a:rPr lang="zh-CN" altLang="en-US" sz="2660" dirty="0" smtClean="0">
+                <a:solidFill>
+                  <a:srgbClr val="183A5D"/>
+                </a:solidFill>
+                <a:latin typeface="微软雅黑" panose="020B0503020204020204" pitchFamily="34" charset="-122"/>
+                <a:ea typeface="微软雅黑" panose="020B0503020204020204" pitchFamily="34" charset="-122"/>
+                <a:sym typeface="+mn-ea"/>
+              </a:rPr>
+              <a:t>计划</a:t>
             </a:r>
             <a:endParaRPr lang="zh-CN" sz="2665" dirty="0" smtClean="0">
               <a:solidFill>
@@ -11799,14 +11667,131 @@
       </p:sp>
       <p:sp>
         <p:nvSpPr>
-          <p:cNvPr id="5" name="矩形 4"/>
+          <p:cNvPr id="7" name="矩形 6"/>
           <p:cNvSpPr/>
           <p:nvPr/>
         </p:nvSpPr>
         <p:spPr>
           <a:xfrm>
-            <a:off x="1009811" y="909514"/>
-            <a:ext cx="2339102" cy="415498"/>
+            <a:off x="838622" y="1053530"/>
+            <a:ext cx="2590453" cy="461665"/>
+          </a:xfrm>
+          <a:prstGeom prst="rect">
+            <a:avLst/>
+          </a:prstGeom>
+        </p:spPr>
+        <p:txBody>
+          <a:bodyPr wrap="none">
+            <a:spAutoFit/>
+          </a:bodyPr>
+          <a:lstStyle/>
+          <a:p>
+            <a:pPr lvl="1"/>
+            <a:r>
+              <a:rPr lang="zh-CN" altLang="zh-CN" sz="2400" b="1" dirty="0"/>
+              <a:t>版本命名策略</a:t>
+            </a:r>
+            <a:endParaRPr lang="zh-CN" altLang="zh-CN" sz="2400" b="1" dirty="0"/>
+          </a:p>
+        </p:txBody>
+      </p:sp>
+      <p:sp>
+        <p:nvSpPr>
+          <p:cNvPr id="8" name="矩形 7"/>
+          <p:cNvSpPr/>
+          <p:nvPr/>
+        </p:nvSpPr>
+        <p:spPr>
+          <a:xfrm>
+            <a:off x="2206068" y="1701602"/>
+            <a:ext cx="6092825" cy="1938992"/>
+          </a:xfrm>
+          <a:prstGeom prst="rect">
+            <a:avLst/>
+          </a:prstGeom>
+        </p:spPr>
+        <p:txBody>
+          <a:bodyPr>
+            <a:spAutoFit/>
+          </a:bodyPr>
+          <a:lstStyle/>
+          <a:p>
+            <a:pPr lvl="2"/>
+            <a:r>
+              <a:rPr lang="zh-CN" altLang="zh-CN" sz="2400" b="1" dirty="0"/>
+              <a:t>版本格式</a:t>
+            </a:r>
+            <a:endParaRPr lang="zh-CN" altLang="zh-CN" sz="2400" b="1" dirty="0"/>
+          </a:p>
+          <a:p>
+            <a:r>
+              <a:rPr lang="zh-CN" altLang="zh-CN" sz="2400" dirty="0"/>
+              <a:t>每一个文档的版本格式为</a:t>
+            </a:r>
+            <a:r>
+              <a:rPr lang="en-US" altLang="zh-CN" sz="2400" dirty="0"/>
+              <a:t>[</a:t>
+            </a:r>
+            <a:r>
+              <a:rPr lang="zh-CN" altLang="zh-CN" sz="2400" dirty="0"/>
+              <a:t>主版本号</a:t>
+            </a:r>
+            <a:r>
+              <a:rPr lang="en-US" altLang="zh-CN" sz="2400" dirty="0"/>
+              <a:t>.</a:t>
+            </a:r>
+            <a:r>
+              <a:rPr lang="zh-CN" altLang="zh-CN" sz="2400" dirty="0"/>
+              <a:t>子版本号</a:t>
+            </a:r>
+            <a:r>
+              <a:rPr lang="en-US" altLang="zh-CN" sz="2400" dirty="0"/>
+              <a:t>.</a:t>
+            </a:r>
+            <a:r>
+              <a:rPr lang="zh-CN" altLang="zh-CN" sz="2400" dirty="0"/>
+              <a:t>修正版本号。</a:t>
+            </a:r>
+            <a:endParaRPr lang="zh-CN" altLang="zh-CN" sz="2400" dirty="0"/>
+          </a:p>
+          <a:p>
+            <a:r>
+              <a:rPr lang="zh-CN" altLang="zh-CN" sz="2400" dirty="0"/>
+              <a:t>示例：</a:t>
+            </a:r>
+            <a:r>
+              <a:rPr lang="en-US" altLang="zh-CN" sz="2400" dirty="0"/>
+              <a:t>0.1.1</a:t>
+            </a:r>
+            <a:endParaRPr lang="zh-CN" altLang="zh-CN" sz="2400" dirty="0"/>
+          </a:p>
+          <a:p>
+            <a:r>
+              <a:rPr lang="zh-CN" altLang="zh-CN" sz="2400" dirty="0"/>
+              <a:t>文档的初始版本为</a:t>
+            </a:r>
+            <a:r>
+              <a:rPr lang="en-US" altLang="zh-CN" sz="2400" dirty="0"/>
+              <a:t>0.1.0</a:t>
+            </a:r>
+            <a:r>
+              <a:rPr lang="zh-CN" altLang="zh-CN" sz="2400" dirty="0"/>
+              <a:t>。</a:t>
+            </a:r>
+            <a:endParaRPr lang="zh-CN" altLang="zh-CN" sz="2400" dirty="0"/>
+          </a:p>
+        </p:txBody>
+      </p:sp>
+      <p:sp>
+        <p:nvSpPr>
+          <p:cNvPr id="9" name="矩形 8"/>
+          <p:cNvSpPr/>
+          <p:nvPr/>
+        </p:nvSpPr>
+        <p:spPr>
+          <a:xfrm>
+            <a:off x="1342678" y="4005858"/>
+            <a:ext cx="1261884" cy="415498"/>
           </a:xfrm>
           <a:prstGeom prst="rect">
             <a:avLst/>
@@ -11820,36 +11805,62 @@
           <a:p>
             <a:r>
               <a:rPr lang="zh-CN" altLang="zh-CN" dirty="0"/>
-              <a:t>风险评估及其对策</a:t>
+              <a:t>版本更新</a:t>
             </a:r>
             <a:endParaRPr lang="zh-CN" altLang="en-US" dirty="0"/>
           </a:p>
         </p:txBody>
       </p:sp>
-      <p:pic>
-        <p:nvPicPr>
-          <p:cNvPr id="8" name="图片 7"/>
-          <p:cNvPicPr>
-            <a:picLocks noChangeAspect="1"/>
-          </p:cNvPicPr>
+      <p:sp>
+        <p:nvSpPr>
+          <p:cNvPr id="10" name="矩形 9"/>
+          <p:cNvSpPr/>
           <p:nvPr/>
-        </p:nvPicPr>
-        <p:blipFill>
-          <a:blip r:embed="rId2"/>
-          <a:stretch>
-            <a:fillRect/>
-          </a:stretch>
-        </p:blipFill>
+        </p:nvSpPr>
         <p:spPr>
           <a:xfrm>
-            <a:off x="4709160" y="1270"/>
-            <a:ext cx="6549390" cy="6581775"/>
+            <a:off x="2494806" y="4005858"/>
+            <a:ext cx="6092825" cy="2031325"/>
           </a:xfrm>
           <a:prstGeom prst="rect">
             <a:avLst/>
           </a:prstGeom>
         </p:spPr>
-      </p:pic>
+        <p:txBody>
+          <a:bodyPr>
+            <a:spAutoFit/>
+          </a:bodyPr>
+          <a:lstStyle/>
+          <a:p>
+            <a:r>
+              <a:rPr lang="zh-CN" altLang="zh-CN" dirty="0"/>
+              <a:t>当文件内容有了重大的变化或改进，主版本号加一。</a:t>
+            </a:r>
+            <a:endParaRPr lang="zh-CN" altLang="zh-CN" dirty="0"/>
+          </a:p>
+          <a:p>
+            <a:r>
+              <a:rPr lang="zh-CN" altLang="zh-CN" dirty="0"/>
+              <a:t>当文档的内容有了模块的增加、补充等，子版本号加一。</a:t>
+            </a:r>
+            <a:endParaRPr lang="zh-CN" altLang="zh-CN" dirty="0"/>
+          </a:p>
+          <a:p>
+            <a:r>
+              <a:rPr lang="zh-CN" altLang="zh-CN" dirty="0"/>
+              <a:t>当文档的内容有了小修改，如修正了纰漏等，修正版本号加一。</a:t>
+            </a:r>
+            <a:endParaRPr lang="zh-CN" altLang="zh-CN" dirty="0"/>
+          </a:p>
+          <a:p>
+            <a:r>
+              <a:rPr lang="en-US" altLang="zh-CN" dirty="0"/>
+              <a:t> </a:t>
+            </a:r>
+            <a:endParaRPr lang="zh-CN" altLang="zh-CN" dirty="0"/>
+          </a:p>
+        </p:txBody>
+      </p:sp>
     </p:spTree>
   </p:cSld>
   <p:clrMapOvr>
@@ -11977,6 +11988,7 @@
               <a:rPr lang="en-US" sz="2400" dirty="0"/>
               <a:t>6</a:t>
             </a:r>
+            <a:endParaRPr lang="en-US" sz="2400" dirty="0"/>
           </a:p>
         </p:txBody>
       </p:sp>
@@ -12010,7 +12022,7 @@
                 <a:latin typeface="微软雅黑" panose="020B0503020204020204" pitchFamily="34" charset="-122"/>
                 <a:ea typeface="微软雅黑" panose="020B0503020204020204" pitchFamily="34" charset="-122"/>
               </a:rPr>
-              <a:t>配置系统管理</a:t>
+              <a:t>配置系统管理计划</a:t>
             </a:r>
             <a:endParaRPr lang="zh-CN" sz="2665" dirty="0" smtClean="0">
               <a:solidFill>
@@ -12024,14 +12036,14 @@
       </p:sp>
       <p:sp>
         <p:nvSpPr>
-          <p:cNvPr id="7" name="矩形 6"/>
+          <p:cNvPr id="5" name="矩形 4"/>
           <p:cNvSpPr/>
           <p:nvPr/>
         </p:nvSpPr>
         <p:spPr>
           <a:xfrm>
-            <a:off x="838622" y="1053530"/>
-            <a:ext cx="2590453" cy="461665"/>
+            <a:off x="622598" y="837506"/>
+            <a:ext cx="1731243" cy="461665"/>
           </a:xfrm>
           <a:prstGeom prst="rect">
             <a:avLst/>
@@ -12045,22 +12057,27 @@
           <a:p>
             <a:pPr lvl="1"/>
             <a:r>
+              <a:rPr lang="en-US" altLang="zh-CN" sz="2400" b="1" dirty="0" err="1"/>
+              <a:t>Git</a:t>
+            </a:r>
+            <a:r>
               <a:rPr lang="zh-CN" altLang="zh-CN" sz="2400" b="1" dirty="0"/>
-              <a:t>版本命名策略</a:t>
+              <a:t>规范</a:t>
             </a:r>
+            <a:endParaRPr lang="zh-CN" altLang="zh-CN" sz="2400" b="1" dirty="0"/>
           </a:p>
         </p:txBody>
       </p:sp>
       <p:sp>
         <p:nvSpPr>
-          <p:cNvPr id="8" name="矩形 7"/>
+          <p:cNvPr id="6" name="矩形 5"/>
           <p:cNvSpPr/>
           <p:nvPr/>
         </p:nvSpPr>
         <p:spPr>
           <a:xfrm>
-            <a:off x="2206068" y="1701602"/>
-            <a:ext cx="6092825" cy="1938992"/>
+            <a:off x="1335888" y="1701602"/>
+            <a:ext cx="6092825" cy="1569660"/>
           </a:xfrm>
           <a:prstGeom prst="rect">
             <a:avLst/>
@@ -12074,77 +12091,48 @@
           <a:p>
             <a:pPr lvl="2"/>
             <a:r>
+              <a:rPr lang="en-US" altLang="zh-CN" sz="2400" b="1" dirty="0" err="1"/>
+              <a:t>Git</a:t>
+            </a:r>
+            <a:r>
               <a:rPr lang="zh-CN" altLang="zh-CN" sz="2400" b="1" dirty="0"/>
-              <a:t>版本格式</a:t>
+              <a:t>配置结构</a:t>
             </a:r>
+            <a:endParaRPr lang="zh-CN" altLang="zh-CN" sz="2400" b="1" dirty="0"/>
           </a:p>
           <a:p>
             <a:r>
-              <a:rPr lang="zh-CN" altLang="zh-CN" sz="2400" dirty="0"/>
-              <a:t>每一个文档的版本格式为</a:t>
-            </a:r>
-            <a:r>
               <a:rPr lang="en-US" altLang="zh-CN" sz="2400" dirty="0"/>
-              <a:t>[</a:t>
-            </a:r>
-            <a:r>
-              <a:rPr lang="zh-CN" altLang="zh-CN" sz="2400" dirty="0"/>
-              <a:t>主版本号</a:t>
-            </a:r>
-            <a:r>
-              <a:rPr lang="en-US" altLang="zh-CN" sz="2400" dirty="0"/>
-              <a:t>.</a:t>
-            </a:r>
-            <a:r>
-              <a:rPr lang="zh-CN" altLang="zh-CN" sz="2400" dirty="0"/>
-              <a:t>子版本号</a:t>
-            </a:r>
-            <a:r>
-              <a:rPr lang="en-US" altLang="zh-CN" sz="2400" dirty="0"/>
-              <a:t>.</a:t>
-            </a:r>
-            <a:r>
-              <a:rPr lang="zh-CN" altLang="zh-CN" sz="2400" dirty="0"/>
-              <a:t>修正版本号。</a:t>
-            </a:r>
-          </a:p>
-          <a:p>
-            <a:r>
-              <a:rPr lang="zh-CN" altLang="zh-CN" sz="2400" dirty="0"/>
-              <a:t>示例：</a:t>
-            </a:r>
-            <a:r>
-              <a:rPr lang="en-US" altLang="zh-CN" sz="2400" dirty="0"/>
-              <a:t>0.1.1</a:t>
+              <a:t>-master</a:t>
             </a:r>
             <a:endParaRPr lang="zh-CN" altLang="zh-CN" sz="2400" dirty="0"/>
           </a:p>
           <a:p>
             <a:r>
-              <a:rPr lang="zh-CN" altLang="zh-CN" sz="2400" dirty="0"/>
-              <a:t>文档的初始版本为</a:t>
+              <a:rPr lang="en-US" altLang="zh-CN" sz="2400" dirty="0"/>
+              <a:t>-develop</a:t>
             </a:r>
+            <a:endParaRPr lang="zh-CN" altLang="zh-CN" sz="2400" dirty="0"/>
+          </a:p>
+          <a:p>
             <a:r>
               <a:rPr lang="en-US" altLang="zh-CN" sz="2400" dirty="0"/>
-              <a:t>0.1.0</a:t>
+              <a:t>	</a:t>
             </a:r>
-            <a:r>
-              <a:rPr lang="zh-CN" altLang="zh-CN" sz="2400" dirty="0"/>
-              <a:t>。</a:t>
-            </a:r>
+            <a:endParaRPr lang="zh-CN" altLang="zh-CN" sz="2400" dirty="0"/>
           </a:p>
         </p:txBody>
       </p:sp>
       <p:sp>
         <p:nvSpPr>
-          <p:cNvPr id="9" name="矩形 8"/>
+          <p:cNvPr id="11" name="矩形 10"/>
           <p:cNvSpPr/>
           <p:nvPr/>
         </p:nvSpPr>
         <p:spPr>
           <a:xfrm>
-            <a:off x="1342678" y="4005858"/>
-            <a:ext cx="1261884" cy="415498"/>
+            <a:off x="-97482" y="4408086"/>
+            <a:ext cx="2899512" cy="461665"/>
           </a:xfrm>
           <a:prstGeom prst="rect">
             <a:avLst/>
@@ -12156,56 +12144,112 @@
           </a:bodyPr>
           <a:lstStyle/>
           <a:p>
+            <a:pPr lvl="2"/>
             <a:r>
-              <a:rPr lang="zh-CN" altLang="zh-CN" dirty="0"/>
-              <a:t>版本更新</a:t>
+              <a:rPr lang="en-US" altLang="zh-CN" sz="2400" b="1" dirty="0" err="1"/>
+              <a:t>Git</a:t>
             </a:r>
-            <a:endParaRPr lang="zh-CN" altLang="en-US" dirty="0"/>
+            <a:r>
+              <a:rPr lang="zh-CN" altLang="zh-CN" sz="2400" b="1" dirty="0"/>
+              <a:t>提交规范</a:t>
+            </a:r>
+            <a:endParaRPr lang="zh-CN" altLang="zh-CN" sz="2400" b="1" dirty="0"/>
           </a:p>
         </p:txBody>
       </p:sp>
       <p:sp>
         <p:nvSpPr>
-          <p:cNvPr id="10" name="矩形 9"/>
+          <p:cNvPr id="12" name="矩形 11"/>
           <p:cNvSpPr/>
           <p:nvPr/>
         </p:nvSpPr>
         <p:spPr>
           <a:xfrm>
-            <a:off x="2494806" y="4005858"/>
-            <a:ext cx="6092825" cy="2031325"/>
+            <a:off x="2854846" y="4420805"/>
+            <a:ext cx="7764491" cy="2354491"/>
           </a:xfrm>
           <a:prstGeom prst="rect">
             <a:avLst/>
           </a:prstGeom>
         </p:spPr>
         <p:txBody>
-          <a:bodyPr>
+          <a:bodyPr wrap="square">
             <a:spAutoFit/>
           </a:bodyPr>
           <a:lstStyle/>
           <a:p>
+            <a:pPr lvl="0"/>
+            <a:r>
+              <a:rPr lang="en-US" altLang="zh-CN" dirty="0"/>
+              <a:t>push</a:t>
+            </a:r>
             <a:r>
               <a:rPr lang="zh-CN" altLang="zh-CN" dirty="0"/>
-              <a:t>当文件内容有了重大的变化或改进，主版本号加一。</a:t>
+              <a:t>之前请先</a:t>
             </a:r>
+            <a:r>
+              <a:rPr lang="en-US" altLang="zh-CN" dirty="0"/>
+              <a:t>fetch</a:t>
+            </a:r>
+            <a:r>
+              <a:rPr lang="zh-CN" altLang="zh-CN" dirty="0"/>
+              <a:t>，看看远程仓库目前是不是最新版本，如果是的话先</a:t>
+            </a:r>
+            <a:r>
+              <a:rPr lang="en-US" altLang="zh-CN" dirty="0"/>
+              <a:t>pull</a:t>
+            </a:r>
+            <a:r>
+              <a:rPr lang="zh-CN" altLang="zh-CN" dirty="0"/>
+              <a:t>下来，再</a:t>
+            </a:r>
+            <a:r>
+              <a:rPr lang="en-US" altLang="zh-CN" dirty="0"/>
+              <a:t>push</a:t>
+            </a:r>
+            <a:r>
+              <a:rPr lang="zh-CN" altLang="zh-CN" dirty="0"/>
+              <a:t>，防止冲突。</a:t>
+            </a:r>
+            <a:endParaRPr lang="zh-CN" altLang="zh-CN" dirty="0"/>
           </a:p>
           <a:p>
+            <a:pPr lvl="0"/>
             <a:r>
               <a:rPr lang="zh-CN" altLang="zh-CN" dirty="0"/>
-              <a:t>当文档的内容有了模块的增加、补充等，子版本号加一。</a:t>
+              <a:t>每人在自己的分支上上传文件到非受控文档中的个人目录下，文件上传之后合并到</a:t>
             </a:r>
+            <a:r>
+              <a:rPr lang="en-US" altLang="zh-CN" dirty="0" err="1"/>
+              <a:t>devlop</a:t>
+            </a:r>
+            <a:r>
+              <a:rPr lang="zh-CN" altLang="zh-CN" dirty="0"/>
+              <a:t>分支。每周的任务完成后，由项目经理审核，配置管理员负责把整合后的文件合并到</a:t>
+            </a:r>
+            <a:r>
+              <a:rPr lang="en-US" altLang="zh-CN" dirty="0"/>
+              <a:t>master</a:t>
+            </a:r>
+            <a:r>
+              <a:rPr lang="zh-CN" altLang="zh-CN" dirty="0"/>
+              <a:t>主分支上</a:t>
+            </a:r>
+            <a:endParaRPr lang="zh-CN" altLang="zh-CN" dirty="0"/>
           </a:p>
           <a:p>
+            <a:pPr lvl="0"/>
             <a:r>
               <a:rPr lang="zh-CN" altLang="zh-CN" dirty="0"/>
-              <a:t>当文档的内容有了小修改，如修正了纰漏等，修正版本号加一。</a:t>
+              <a:t>每次上传都需要注释自己详细行为：如“江亮儒</a:t>
             </a:r>
-          </a:p>
-          <a:p>
             <a:r>
               <a:rPr lang="en-US" altLang="zh-CN" dirty="0"/>
-              <a:t> </a:t>
+              <a:t>-</a:t>
+            </a:r>
+            <a:r>
+              <a:rPr lang="zh-CN" altLang="zh-CN" dirty="0"/>
+              <a:t>上传可行性分析报告</a:t>
             </a:r>
             <a:endParaRPr lang="zh-CN" altLang="zh-CN" dirty="0"/>
           </a:p>
@@ -12336,8 +12380,9 @@
             <a:pPr algn="ctr"/>
             <a:r>
               <a:rPr lang="en-US" sz="2400" dirty="0"/>
-              <a:t>6</a:t>
+              <a:t>7</a:t>
             </a:r>
+            <a:endParaRPr lang="en-US" sz="2400" dirty="0"/>
           </a:p>
         </p:txBody>
       </p:sp>
@@ -12364,6 +12409,16 @@
           <a:lstStyle/>
           <a:p>
             <a:r>
+              <a:rPr lang="zh-CN" altLang="en-US" sz="2665" dirty="0">
+                <a:solidFill>
+                  <a:srgbClr val="183A5D"/>
+                </a:solidFill>
+                <a:latin typeface="微软雅黑" panose="020B0503020204020204" pitchFamily="34" charset="-122"/>
+                <a:ea typeface="微软雅黑" panose="020B0503020204020204" pitchFamily="34" charset="-122"/>
+              </a:rPr>
+              <a:t>成本</a:t>
+            </a:r>
+            <a:r>
               <a:rPr lang="zh-CN" altLang="en-US" sz="2665" dirty="0" smtClean="0">
                 <a:solidFill>
                   <a:srgbClr val="183A5D"/>
@@ -12371,7 +12426,18 @@
                 <a:latin typeface="微软雅黑" panose="020B0503020204020204" pitchFamily="34" charset="-122"/>
                 <a:ea typeface="微软雅黑" panose="020B0503020204020204" pitchFamily="34" charset="-122"/>
               </a:rPr>
-              <a:t>配置系统管理</a:t>
+              <a:t>管理</a:t>
+            </a:r>
+            <a:r>
+              <a:rPr lang="zh-CN" altLang="en-US" sz="2660" dirty="0" smtClean="0">
+                <a:solidFill>
+                  <a:srgbClr val="183A5D"/>
+                </a:solidFill>
+                <a:latin typeface="微软雅黑" panose="020B0503020204020204" pitchFamily="34" charset="-122"/>
+                <a:ea typeface="微软雅黑" panose="020B0503020204020204" pitchFamily="34" charset="-122"/>
+                <a:sym typeface="+mn-ea"/>
+              </a:rPr>
+              <a:t>计划</a:t>
             </a:r>
             <a:endParaRPr lang="zh-CN" sz="2665" dirty="0" smtClean="0">
               <a:solidFill>
@@ -12385,14 +12451,14 @@
       </p:sp>
       <p:sp>
         <p:nvSpPr>
-          <p:cNvPr id="5" name="矩形 4"/>
+          <p:cNvPr id="7" name="矩形 6"/>
           <p:cNvSpPr/>
           <p:nvPr/>
         </p:nvSpPr>
         <p:spPr>
           <a:xfrm>
-            <a:off x="622598" y="837506"/>
-            <a:ext cx="1731243" cy="461665"/>
+            <a:off x="622598" y="1125538"/>
+            <a:ext cx="1971694" cy="461665"/>
           </a:xfrm>
           <a:prstGeom prst="rect">
             <a:avLst/>
@@ -12406,26 +12472,23 @@
           <a:p>
             <a:pPr lvl="1"/>
             <a:r>
-              <a:rPr lang="en-US" altLang="zh-CN" sz="2400" b="1" dirty="0" err="1"/>
-              <a:t>Git</a:t>
+              <a:rPr lang="zh-CN" altLang="zh-CN" sz="2400" b="1" dirty="0"/>
+              <a:t>成本度量</a:t>
             </a:r>
-            <a:r>
-              <a:rPr lang="zh-CN" altLang="zh-CN" sz="2400" b="1" dirty="0"/>
-              <a:t>规范</a:t>
-            </a:r>
+            <a:endParaRPr lang="zh-CN" altLang="zh-CN" sz="2400" b="1" dirty="0"/>
           </a:p>
         </p:txBody>
       </p:sp>
       <p:sp>
         <p:nvSpPr>
-          <p:cNvPr id="6" name="矩形 5"/>
+          <p:cNvPr id="8" name="矩形 7"/>
           <p:cNvSpPr/>
           <p:nvPr/>
         </p:nvSpPr>
         <p:spPr>
           <a:xfrm>
-            <a:off x="1335888" y="1701602"/>
-            <a:ext cx="6092825" cy="1569660"/>
+            <a:off x="1990750" y="1587203"/>
+            <a:ext cx="6092825" cy="1938992"/>
           </a:xfrm>
           <a:prstGeom prst="rect">
             <a:avLst/>
@@ -12439,32 +12502,48 @@
           <a:p>
             <a:pPr lvl="2"/>
             <a:r>
-              <a:rPr lang="en-US" altLang="zh-CN" sz="2400" b="1" dirty="0" err="1"/>
-              <a:t>Git</a:t>
+              <a:rPr lang="zh-CN" altLang="zh-CN" sz="2400" b="1" dirty="0"/>
+              <a:t>计量单位</a:t>
             </a:r>
-            <a:r>
-              <a:rPr lang="zh-CN" altLang="zh-CN" sz="2400" b="1" dirty="0"/>
-              <a:t>配置结构</a:t>
-            </a:r>
+            <a:endParaRPr lang="zh-CN" altLang="zh-CN" sz="2400" b="1" dirty="0"/>
           </a:p>
           <a:p>
+            <a:pPr lvl="0"/>
             <a:r>
-              <a:rPr lang="en-US" altLang="zh-CN" sz="2400" dirty="0"/>
-              <a:t>-master</a:t>
+              <a:rPr lang="zh-CN" altLang="zh-CN" sz="2400" dirty="0"/>
+              <a:t>薪酬：元</a:t>
             </a:r>
             <a:endParaRPr lang="zh-CN" altLang="zh-CN" sz="2400" dirty="0"/>
           </a:p>
           <a:p>
+            <a:pPr lvl="0"/>
+            <a:r>
+              <a:rPr lang="zh-CN" altLang="zh-CN" sz="2400" dirty="0"/>
+              <a:t>时薪：元</a:t>
+            </a:r>
             <a:r>
               <a:rPr lang="en-US" altLang="zh-CN" sz="2400" dirty="0"/>
-              <a:t>-develop</a:t>
+              <a:t>/</a:t>
+            </a:r>
+            <a:r>
+              <a:rPr lang="zh-CN" altLang="zh-CN" sz="2400" dirty="0"/>
+              <a:t>小时</a:t>
             </a:r>
             <a:endParaRPr lang="zh-CN" altLang="zh-CN" sz="2400" dirty="0"/>
           </a:p>
           <a:p>
+            <a:pPr lvl="0"/>
             <a:r>
-              <a:rPr lang="en-US" altLang="zh-CN" sz="2400" dirty="0"/>
-              <a:t>	</a:t>
+              <a:rPr lang="zh-CN" altLang="zh-CN" sz="2400" dirty="0"/>
+              <a:t>工时：时</a:t>
+            </a:r>
+            <a:endParaRPr lang="zh-CN" altLang="zh-CN" sz="2400" dirty="0"/>
+          </a:p>
+          <a:p>
+            <a:pPr lvl="0"/>
+            <a:r>
+              <a:rPr lang="zh-CN" altLang="zh-CN" sz="2400" dirty="0"/>
+              <a:t>费用：元</a:t>
             </a:r>
             <a:endParaRPr lang="zh-CN" altLang="zh-CN" sz="2400" dirty="0"/>
           </a:p>
@@ -12472,14 +12551,14 @@
       </p:sp>
       <p:sp>
         <p:nvSpPr>
-          <p:cNvPr id="11" name="矩形 10"/>
+          <p:cNvPr id="9" name="矩形 8"/>
           <p:cNvSpPr/>
           <p:nvPr/>
         </p:nvSpPr>
         <p:spPr>
           <a:xfrm>
-            <a:off x="-97482" y="4408086"/>
-            <a:ext cx="2899512" cy="461665"/>
+            <a:off x="376702" y="3789834"/>
+            <a:ext cx="2211824" cy="461665"/>
           </a:xfrm>
           <a:prstGeom prst="rect">
             <a:avLst/>
@@ -12493,108 +12572,175 @@
           <a:p>
             <a:pPr lvl="2"/>
             <a:r>
-              <a:rPr lang="en-US" altLang="zh-CN" sz="2400" b="1" dirty="0" err="1"/>
-              <a:t>Git</a:t>
+              <a:rPr lang="zh-CN" altLang="zh-CN" sz="2400" b="1" dirty="0"/>
+              <a:t>精确度</a:t>
             </a:r>
-            <a:r>
-              <a:rPr lang="zh-CN" altLang="zh-CN" sz="2400" b="1" dirty="0"/>
-              <a:t>提交规范</a:t>
-            </a:r>
+            <a:endParaRPr lang="zh-CN" altLang="zh-CN" sz="2400" b="1" dirty="0"/>
           </a:p>
         </p:txBody>
       </p:sp>
       <p:sp>
         <p:nvSpPr>
-          <p:cNvPr id="12" name="矩形 11"/>
+          <p:cNvPr id="10" name="矩形 9"/>
           <p:cNvSpPr/>
           <p:nvPr/>
         </p:nvSpPr>
         <p:spPr>
           <a:xfrm>
-            <a:off x="2854846" y="4420805"/>
-            <a:ext cx="7764491" cy="2354491"/>
+            <a:off x="2062758" y="4251499"/>
+            <a:ext cx="6092825" cy="1384995"/>
           </a:xfrm>
           <a:prstGeom prst="rect">
             <a:avLst/>
           </a:prstGeom>
         </p:spPr>
         <p:txBody>
-          <a:bodyPr wrap="square">
+          <a:bodyPr>
             <a:spAutoFit/>
           </a:bodyPr>
           <a:lstStyle/>
           <a:p>
             <a:pPr lvl="0"/>
             <a:r>
-              <a:rPr lang="en-US" altLang="zh-CN" dirty="0"/>
-              <a:t>push</a:t>
-            </a:r>
-            <a:r>
               <a:rPr lang="zh-CN" altLang="zh-CN" dirty="0"/>
-              <a:t>之前请先</a:t>
+              <a:t>薪酬：保留小数点后两位</a:t>
             </a:r>
             <a:r>
               <a:rPr lang="en-US" altLang="zh-CN" dirty="0"/>
-              <a:t>fetch</a:t>
+              <a:t>  0.00</a:t>
             </a:r>
-            <a:r>
-              <a:rPr lang="zh-CN" altLang="zh-CN" dirty="0"/>
-              <a:t>，看看远程仓库目前是不是最新版本，如果是的话先</a:t>
-            </a:r>
-            <a:r>
-              <a:rPr lang="en-US" altLang="zh-CN" dirty="0"/>
-              <a:t>pull</a:t>
-            </a:r>
-            <a:r>
-              <a:rPr lang="zh-CN" altLang="zh-CN" dirty="0"/>
-              <a:t>下来，再</a:t>
-            </a:r>
-            <a:r>
-              <a:rPr lang="en-US" altLang="zh-CN" dirty="0"/>
-              <a:t>push</a:t>
-            </a:r>
-            <a:r>
-              <a:rPr lang="zh-CN" altLang="zh-CN" dirty="0"/>
-              <a:t>，防止冲突。</a:t>
-            </a:r>
+            <a:endParaRPr lang="zh-CN" altLang="zh-CN" dirty="0"/>
           </a:p>
           <a:p>
             <a:pPr lvl="0"/>
             <a:r>
               <a:rPr lang="zh-CN" altLang="zh-CN" dirty="0"/>
-              <a:t>每人在自己的分支上上传文件到非受控文档中的个人目录下，文件上传之后合并到</a:t>
-            </a:r>
-            <a:r>
-              <a:rPr lang="en-US" altLang="zh-CN" dirty="0" err="1"/>
-              <a:t>devlop</a:t>
-            </a:r>
-            <a:r>
-              <a:rPr lang="zh-CN" altLang="zh-CN" dirty="0"/>
-              <a:t>分支。每周的任务完成后，由项目经理审核，配置管理员负责把整合后的文件合并到</a:t>
+              <a:t>时薪：保留小数点后两位</a:t>
             </a:r>
             <a:r>
               <a:rPr lang="en-US" altLang="zh-CN" dirty="0"/>
-              <a:t>master</a:t>
+              <a:t>  0.00</a:t>
             </a:r>
-            <a:r>
-              <a:rPr lang="zh-CN" altLang="zh-CN" dirty="0"/>
-              <a:t>主分支上</a:t>
-            </a:r>
+            <a:endParaRPr lang="zh-CN" altLang="zh-CN" dirty="0"/>
           </a:p>
           <a:p>
             <a:pPr lvl="0"/>
             <a:r>
               <a:rPr lang="zh-CN" altLang="zh-CN" dirty="0"/>
-              <a:t>每次上传都需要注释自己详细行为：如“江亮儒</a:t>
+              <a:t>工时：保留整数</a:t>
             </a:r>
             <a:r>
               <a:rPr lang="en-US" altLang="zh-CN" dirty="0"/>
-              <a:t>-</a:t>
+              <a:t>			0</a:t>
+            </a:r>
+            <a:endParaRPr lang="zh-CN" altLang="zh-CN" dirty="0"/>
+          </a:p>
+          <a:p>
+            <a:pPr lvl="0"/>
+            <a:r>
+              <a:rPr lang="zh-CN" altLang="zh-CN" dirty="0"/>
+              <a:t>费用：保留小数点后两位</a:t>
+            </a:r>
+            <a:r>
+              <a:rPr lang="en-US" altLang="zh-CN" dirty="0"/>
+              <a:t>  0.00</a:t>
+            </a:r>
+            <a:endParaRPr lang="zh-CN" altLang="zh-CN" dirty="0"/>
+          </a:p>
+        </p:txBody>
+      </p:sp>
+      <p:sp>
+        <p:nvSpPr>
+          <p:cNvPr id="13" name="矩形 12"/>
+          <p:cNvSpPr/>
+          <p:nvPr/>
+        </p:nvSpPr>
+        <p:spPr>
+          <a:xfrm>
+            <a:off x="5663158" y="981522"/>
+            <a:ext cx="2211824" cy="461665"/>
+          </a:xfrm>
+          <a:prstGeom prst="rect">
+            <a:avLst/>
+          </a:prstGeom>
+        </p:spPr>
+        <p:txBody>
+          <a:bodyPr wrap="none">
+            <a:spAutoFit/>
+          </a:bodyPr>
+          <a:lstStyle/>
+          <a:p>
+            <a:pPr lvl="2"/>
+            <a:r>
+              <a:rPr lang="zh-CN" altLang="zh-CN" sz="2400" b="1" dirty="0"/>
+              <a:t>准确度</a:t>
+            </a:r>
+            <a:endParaRPr lang="zh-CN" altLang="zh-CN" sz="2400" b="1" dirty="0"/>
+          </a:p>
+        </p:txBody>
+      </p:sp>
+      <p:sp>
+        <p:nvSpPr>
+          <p:cNvPr id="14" name="矩形 13"/>
+          <p:cNvSpPr/>
+          <p:nvPr/>
+        </p:nvSpPr>
+        <p:spPr>
+          <a:xfrm>
+            <a:off x="5807174" y="1587203"/>
+            <a:ext cx="6092825" cy="738664"/>
+          </a:xfrm>
+          <a:prstGeom prst="rect">
+            <a:avLst/>
+          </a:prstGeom>
+        </p:spPr>
+        <p:txBody>
+          <a:bodyPr>
+            <a:spAutoFit/>
+          </a:bodyPr>
+          <a:lstStyle/>
+          <a:p>
+            <a:r>
+              <a:rPr lang="zh-CN" altLang="zh-CN" dirty="0"/>
+              <a:t>活动成本估算区间</a:t>
+            </a:r>
+            <a:r>
+              <a:rPr lang="en-US" altLang="zh-CN" dirty="0"/>
+              <a:t> [</a:t>
             </a:r>
             <a:r>
               <a:rPr lang="zh-CN" altLang="zh-CN" dirty="0"/>
-              <a:t>上传可行性分析报告</a:t>
+              <a:t>估算值</a:t>
             </a:r>
+            <a:r>
+              <a:rPr lang="en-US" altLang="zh-CN" dirty="0"/>
+              <a:t>-45%*</a:t>
+            </a:r>
+            <a:r>
+              <a:rPr lang="zh-CN" altLang="zh-CN" dirty="0"/>
+              <a:t>估算值</a:t>
+            </a:r>
+            <a:r>
+              <a:rPr lang="en-US" altLang="zh-CN" dirty="0"/>
+              <a:t> , </a:t>
+            </a:r>
+            <a:r>
+              <a:rPr lang="zh-CN" altLang="zh-CN" dirty="0"/>
+              <a:t>估算值</a:t>
+            </a:r>
+            <a:r>
+              <a:rPr lang="en-US" altLang="zh-CN" dirty="0"/>
+              <a:t>+45%</a:t>
+            </a:r>
+            <a:r>
+              <a:rPr lang="zh-CN" altLang="zh-CN" dirty="0"/>
+              <a:t>估算值</a:t>
+            </a:r>
+            <a:r>
+              <a:rPr lang="en-US" altLang="zh-CN" dirty="0"/>
+              <a:t>]</a:t>
+            </a:r>
+            <a:endParaRPr lang="zh-CN" altLang="zh-CN" dirty="0"/>
           </a:p>
         </p:txBody>
       </p:sp>
@@ -12725,6 +12871,7 @@
               <a:rPr lang="en-US" sz="2400" dirty="0"/>
               <a:t>7</a:t>
             </a:r>
+            <a:endParaRPr lang="en-US" sz="2400" dirty="0"/>
           </a:p>
         </p:txBody>
       </p:sp>
@@ -12751,16 +12898,6 @@
           <a:lstStyle/>
           <a:p>
             <a:r>
-              <a:rPr lang="zh-CN" altLang="en-US" sz="2665" dirty="0">
-                <a:solidFill>
-                  <a:srgbClr val="183A5D"/>
-                </a:solidFill>
-                <a:latin typeface="微软雅黑" panose="020B0503020204020204" pitchFamily="34" charset="-122"/>
-                <a:ea typeface="微软雅黑" panose="020B0503020204020204" pitchFamily="34" charset="-122"/>
-              </a:rPr>
-              <a:t>成本</a:t>
-            </a:r>
-            <a:r>
               <a:rPr lang="zh-CN" altLang="en-US" sz="2665" dirty="0" smtClean="0">
                 <a:solidFill>
                   <a:srgbClr val="183A5D"/>
@@ -12768,7 +12905,18 @@
                 <a:latin typeface="微软雅黑" panose="020B0503020204020204" pitchFamily="34" charset="-122"/>
                 <a:ea typeface="微软雅黑" panose="020B0503020204020204" pitchFamily="34" charset="-122"/>
               </a:rPr>
-              <a:t>管理</a:t>
+              <a:t>成本管理</a:t>
+            </a:r>
+            <a:r>
+              <a:rPr lang="zh-CN" altLang="en-US" sz="2660" dirty="0" smtClean="0">
+                <a:solidFill>
+                  <a:srgbClr val="183A5D"/>
+                </a:solidFill>
+                <a:latin typeface="微软雅黑" panose="020B0503020204020204" pitchFamily="34" charset="-122"/>
+                <a:ea typeface="微软雅黑" panose="020B0503020204020204" pitchFamily="34" charset="-122"/>
+                <a:sym typeface="+mn-ea"/>
+              </a:rPr>
+              <a:t>计划</a:t>
             </a:r>
             <a:endParaRPr lang="zh-CN" sz="2665" dirty="0" smtClean="0">
               <a:solidFill>
@@ -12788,7 +12936,7 @@
         </p:nvSpPr>
         <p:spPr>
           <a:xfrm>
-            <a:off x="622598" y="1125538"/>
+            <a:off x="334566" y="837506"/>
             <a:ext cx="1971694" cy="461665"/>
           </a:xfrm>
           <a:prstGeom prst="rect">
@@ -12804,8 +12952,9 @@
             <a:pPr lvl="1"/>
             <a:r>
               <a:rPr lang="zh-CN" altLang="zh-CN" sz="2400" b="1" dirty="0"/>
-              <a:t>成本度量</a:t>
+              <a:t>成本估计</a:t>
             </a:r>
+            <a:endParaRPr lang="zh-CN" altLang="zh-CN" sz="2400" b="1" dirty="0"/>
           </a:p>
         </p:txBody>
       </p:sp>
@@ -12817,73 +12966,8 @@
         </p:nvSpPr>
         <p:spPr>
           <a:xfrm>
-            <a:off x="1990750" y="1587203"/>
-            <a:ext cx="6092825" cy="1938992"/>
-          </a:xfrm>
-          <a:prstGeom prst="rect">
-            <a:avLst/>
-          </a:prstGeom>
-        </p:spPr>
-        <p:txBody>
-          <a:bodyPr>
-            <a:spAutoFit/>
-          </a:bodyPr>
-          <a:lstStyle/>
-          <a:p>
-            <a:pPr lvl="2"/>
-            <a:r>
-              <a:rPr lang="zh-CN" altLang="zh-CN" sz="2400" b="1" dirty="0"/>
-              <a:t>计量单位</a:t>
-            </a:r>
-          </a:p>
-          <a:p>
-            <a:pPr lvl="0"/>
-            <a:r>
-              <a:rPr lang="zh-CN" altLang="zh-CN" sz="2400" dirty="0"/>
-              <a:t>薪酬：元</a:t>
-            </a:r>
-          </a:p>
-          <a:p>
-            <a:pPr lvl="0"/>
-            <a:r>
-              <a:rPr lang="zh-CN" altLang="zh-CN" sz="2400" dirty="0"/>
-              <a:t>时薪：元</a:t>
-            </a:r>
-            <a:r>
-              <a:rPr lang="en-US" altLang="zh-CN" sz="2400" dirty="0"/>
-              <a:t>/</a:t>
-            </a:r>
-            <a:r>
-              <a:rPr lang="zh-CN" altLang="zh-CN" sz="2400" dirty="0"/>
-              <a:t>小时</a:t>
-            </a:r>
-          </a:p>
-          <a:p>
-            <a:pPr lvl="0"/>
-            <a:r>
-              <a:rPr lang="zh-CN" altLang="zh-CN" sz="2400" dirty="0"/>
-              <a:t>工时：时</a:t>
-            </a:r>
-          </a:p>
-          <a:p>
-            <a:pPr lvl="0"/>
-            <a:r>
-              <a:rPr lang="zh-CN" altLang="zh-CN" sz="2400" dirty="0"/>
-              <a:t>费用：元</a:t>
-            </a:r>
-          </a:p>
-        </p:txBody>
-      </p:sp>
-      <p:sp>
-        <p:nvSpPr>
-          <p:cNvPr id="9" name="矩形 8"/>
-          <p:cNvSpPr/>
-          <p:nvPr/>
-        </p:nvSpPr>
-        <p:spPr>
-          <a:xfrm>
-            <a:off x="376702" y="3789834"/>
-            <a:ext cx="2211824" cy="461665"/>
+            <a:off x="1008867" y="1534460"/>
+            <a:ext cx="1261884" cy="415498"/>
           </a:xfrm>
           <a:prstGeom prst="rect">
             <a:avLst/>
@@ -12895,14 +12979,678 @@
           </a:bodyPr>
           <a:lstStyle/>
           <a:p>
-            <a:pPr lvl="2"/>
             <a:r>
-              <a:rPr lang="zh-CN" altLang="zh-CN" sz="2400" b="1" dirty="0"/>
-              <a:t>精确度</a:t>
+              <a:rPr lang="zh-CN" altLang="zh-CN" dirty="0"/>
+              <a:t>员工时薪</a:t>
             </a:r>
+            <a:endParaRPr lang="zh-CN" altLang="en-US" dirty="0"/>
           </a:p>
         </p:txBody>
       </p:sp>
+      <p:graphicFrame>
+        <p:nvGraphicFramePr>
+          <p:cNvPr id="9" name="表格 8"/>
+          <p:cNvGraphicFramePr>
+            <a:graphicFrameLocks noGrp="1"/>
+          </p:cNvGraphicFramePr>
+          <p:nvPr/>
+        </p:nvGraphicFramePr>
+        <p:xfrm>
+          <a:off x="982638" y="2277666"/>
+          <a:ext cx="5622290" cy="1040765"/>
+        </p:xfrm>
+        <a:graphic>
+          <a:graphicData uri="http://schemas.openxmlformats.org/drawingml/2006/table">
+            <a:tbl>
+              <a:tblPr>
+                <a:tableStyleId>{5C22544A-7EE6-4342-B048-85BDC9FD1C3A}</a:tableStyleId>
+              </a:tblPr>
+              <a:tblGrid>
+                <a:gridCol w="1407795"/>
+                <a:gridCol w="1407795"/>
+                <a:gridCol w="1405255"/>
+                <a:gridCol w="1401445"/>
+              </a:tblGrid>
+              <a:tr h="0">
+                <a:tc>
+                  <a:txBody>
+                    <a:bodyPr/>
+                    <a:lstStyle/>
+                    <a:p>
+                      <a:pPr algn="ctr">
+                        <a:spcAft>
+                          <a:spcPts val="0"/>
+                        </a:spcAft>
+                      </a:pPr>
+                      <a:r>
+                        <a:rPr lang="zh-CN" sz="1050" kern="100" dirty="0">
+                          <a:effectLst/>
+                        </a:rPr>
+                        <a:t>组员名称</a:t>
+                      </a:r>
+                      <a:endParaRPr lang="zh-CN" sz="1050" kern="100" dirty="0">
+                        <a:effectLst/>
+                        <a:latin typeface="Calibri" panose="020F0502020204030204"/>
+                        <a:ea typeface="宋体" panose="02010600030101010101" pitchFamily="2" charset="-122"/>
+                        <a:cs typeface="Times New Roman" panose="02020603050405020304"/>
+                      </a:endParaRPr>
+                    </a:p>
+                  </a:txBody>
+                  <a:tcPr marL="68580" marR="68580" marT="0" marB="0"/>
+                </a:tc>
+                <a:tc>
+                  <a:txBody>
+                    <a:bodyPr/>
+                    <a:lstStyle/>
+                    <a:p>
+                      <a:pPr algn="ctr">
+                        <a:spcAft>
+                          <a:spcPts val="0"/>
+                        </a:spcAft>
+                      </a:pPr>
+                      <a:r>
+                        <a:rPr lang="zh-CN" sz="1050" kern="100" dirty="0">
+                          <a:effectLst/>
+                        </a:rPr>
+                        <a:t>工作分配</a:t>
+                      </a:r>
+                      <a:endParaRPr lang="zh-CN" sz="1050" kern="100" dirty="0">
+                        <a:effectLst/>
+                        <a:latin typeface="Calibri" panose="020F0502020204030204"/>
+                        <a:ea typeface="宋体" panose="02010600030101010101" pitchFamily="2" charset="-122"/>
+                        <a:cs typeface="Times New Roman" panose="02020603050405020304"/>
+                      </a:endParaRPr>
+                    </a:p>
+                  </a:txBody>
+                  <a:tcPr marL="68580" marR="68580" marT="0" marB="0" anchor="ctr"/>
+                </a:tc>
+                <a:tc>
+                  <a:txBody>
+                    <a:bodyPr/>
+                    <a:lstStyle/>
+                    <a:p>
+                      <a:pPr algn="ctr">
+                        <a:spcAft>
+                          <a:spcPts val="0"/>
+                        </a:spcAft>
+                      </a:pPr>
+                      <a:r>
+                        <a:rPr lang="zh-CN" sz="1050" kern="100" dirty="0">
+                          <a:effectLst/>
+                        </a:rPr>
+                        <a:t>时薪</a:t>
+                      </a:r>
+                      <a:endParaRPr lang="zh-CN" sz="1050" kern="100" dirty="0">
+                        <a:effectLst/>
+                        <a:latin typeface="Calibri" panose="020F0502020204030204"/>
+                        <a:ea typeface="宋体" panose="02010600030101010101" pitchFamily="2" charset="-122"/>
+                        <a:cs typeface="Times New Roman" panose="02020603050405020304"/>
+                      </a:endParaRPr>
+                    </a:p>
+                  </a:txBody>
+                  <a:tcPr marL="68580" marR="68580" marT="0" marB="0"/>
+                </a:tc>
+                <a:tc>
+                  <a:txBody>
+                    <a:bodyPr/>
+                    <a:lstStyle/>
+                    <a:p>
+                      <a:pPr algn="ctr">
+                        <a:spcAft>
+                          <a:spcPts val="0"/>
+                        </a:spcAft>
+                      </a:pPr>
+                      <a:r>
+                        <a:rPr lang="zh-CN" sz="1050" kern="100">
+                          <a:effectLst/>
+                        </a:rPr>
+                        <a:t>加班时薪</a:t>
+                      </a:r>
+                      <a:endParaRPr lang="zh-CN" sz="1050" kern="100">
+                        <a:effectLst/>
+                        <a:latin typeface="Calibri" panose="020F0502020204030204"/>
+                        <a:ea typeface="宋体" panose="02010600030101010101" pitchFamily="2" charset="-122"/>
+                        <a:cs typeface="Times New Roman" panose="02020603050405020304"/>
+                      </a:endParaRPr>
+                    </a:p>
+                  </a:txBody>
+                  <a:tcPr marL="68580" marR="68580" marT="0" marB="0"/>
+                </a:tc>
+              </a:tr>
+              <a:tr h="0">
+                <a:tc>
+                  <a:txBody>
+                    <a:bodyPr/>
+                    <a:lstStyle/>
+                    <a:p>
+                      <a:pPr algn="ctr">
+                        <a:spcAft>
+                          <a:spcPts val="0"/>
+                        </a:spcAft>
+                      </a:pPr>
+                      <a:r>
+                        <a:rPr lang="zh-CN" sz="1050" kern="100">
+                          <a:effectLst/>
+                        </a:rPr>
+                        <a:t>黄为波</a:t>
+                      </a:r>
+                      <a:endParaRPr lang="zh-CN" sz="1050" kern="100">
+                        <a:effectLst/>
+                        <a:latin typeface="Calibri" panose="020F0502020204030204"/>
+                        <a:ea typeface="宋体" panose="02010600030101010101" pitchFamily="2" charset="-122"/>
+                        <a:cs typeface="Times New Roman" panose="02020603050405020304"/>
+                      </a:endParaRPr>
+                    </a:p>
+                  </a:txBody>
+                  <a:tcPr marL="68580" marR="68580" marT="0" marB="0" anchor="ctr"/>
+                </a:tc>
+                <a:tc>
+                  <a:txBody>
+                    <a:bodyPr/>
+                    <a:lstStyle/>
+                    <a:p>
+                      <a:pPr algn="ctr">
+                        <a:spcAft>
+                          <a:spcPts val="0"/>
+                        </a:spcAft>
+                      </a:pPr>
+                      <a:r>
+                        <a:rPr lang="zh-CN" sz="1050" kern="100">
+                          <a:effectLst/>
+                        </a:rPr>
+                        <a:t>质量保证员</a:t>
+                      </a:r>
+                      <a:endParaRPr lang="zh-CN" sz="1050" kern="100">
+                        <a:effectLst/>
+                        <a:latin typeface="Calibri" panose="020F0502020204030204"/>
+                        <a:ea typeface="宋体" panose="02010600030101010101" pitchFamily="2" charset="-122"/>
+                        <a:cs typeface="Times New Roman" panose="02020603050405020304"/>
+                      </a:endParaRPr>
+                    </a:p>
+                  </a:txBody>
+                  <a:tcPr marL="68580" marR="68580" marT="0" marB="0" anchor="ctr"/>
+                </a:tc>
+                <a:tc>
+                  <a:txBody>
+                    <a:bodyPr/>
+                    <a:lstStyle/>
+                    <a:p>
+                      <a:pPr algn="ctr">
+                        <a:spcAft>
+                          <a:spcPts val="0"/>
+                        </a:spcAft>
+                      </a:pPr>
+                      <a:r>
+                        <a:rPr lang="en-US" sz="1050" kern="100">
+                          <a:effectLst/>
+                        </a:rPr>
+                        <a:t>29.85</a:t>
+                      </a:r>
+                      <a:endParaRPr lang="zh-CN" sz="1050" kern="100">
+                        <a:effectLst/>
+                        <a:latin typeface="Calibri" panose="020F0502020204030204"/>
+                        <a:ea typeface="宋体" panose="02010600030101010101" pitchFamily="2" charset="-122"/>
+                        <a:cs typeface="Times New Roman" panose="02020603050405020304"/>
+                      </a:endParaRPr>
+                    </a:p>
+                  </a:txBody>
+                  <a:tcPr marL="68580" marR="68580" marT="0" marB="0"/>
+                </a:tc>
+                <a:tc>
+                  <a:txBody>
+                    <a:bodyPr/>
+                    <a:lstStyle/>
+                    <a:p>
+                      <a:pPr algn="ctr">
+                        <a:spcAft>
+                          <a:spcPts val="0"/>
+                        </a:spcAft>
+                      </a:pPr>
+                      <a:r>
+                        <a:rPr lang="en-US" sz="1050" kern="100" dirty="0">
+                          <a:effectLst/>
+                        </a:rPr>
+                        <a:t>29.85</a:t>
+                      </a:r>
+                      <a:endParaRPr lang="zh-CN" sz="1050" kern="100" dirty="0">
+                        <a:effectLst/>
+                        <a:latin typeface="Calibri" panose="020F0502020204030204"/>
+                        <a:ea typeface="宋体" panose="02010600030101010101" pitchFamily="2" charset="-122"/>
+                        <a:cs typeface="Times New Roman" panose="02020603050405020304"/>
+                      </a:endParaRPr>
+                    </a:p>
+                  </a:txBody>
+                  <a:tcPr marL="68580" marR="68580" marT="0" marB="0"/>
+                </a:tc>
+              </a:tr>
+              <a:tr h="0">
+                <a:tc>
+                  <a:txBody>
+                    <a:bodyPr/>
+                    <a:lstStyle/>
+                    <a:p>
+                      <a:pPr algn="ctr">
+                        <a:spcAft>
+                          <a:spcPts val="0"/>
+                        </a:spcAft>
+                      </a:pPr>
+                      <a:r>
+                        <a:rPr lang="zh-CN" sz="1050" kern="100" dirty="0">
+                          <a:effectLst/>
+                        </a:rPr>
+                        <a:t>蔡峰</a:t>
+                      </a:r>
+                      <a:endParaRPr lang="zh-CN" sz="1050" kern="100" dirty="0">
+                        <a:effectLst/>
+                        <a:latin typeface="Calibri" panose="020F0502020204030204"/>
+                        <a:ea typeface="宋体" panose="02010600030101010101" pitchFamily="2" charset="-122"/>
+                        <a:cs typeface="Times New Roman" panose="02020603050405020304"/>
+                      </a:endParaRPr>
+                    </a:p>
+                  </a:txBody>
+                  <a:tcPr marL="68580" marR="68580" marT="0" marB="0" anchor="ctr"/>
+                </a:tc>
+                <a:tc>
+                  <a:txBody>
+                    <a:bodyPr/>
+                    <a:lstStyle/>
+                    <a:p>
+                      <a:pPr algn="ctr">
+                        <a:spcAft>
+                          <a:spcPts val="0"/>
+                        </a:spcAft>
+                      </a:pPr>
+                      <a:r>
+                        <a:rPr lang="zh-CN" sz="1050" kern="100">
+                          <a:effectLst/>
+                        </a:rPr>
+                        <a:t>业务管理员</a:t>
+                      </a:r>
+                      <a:endParaRPr lang="zh-CN" sz="1050" kern="100">
+                        <a:effectLst/>
+                        <a:latin typeface="Calibri" panose="020F0502020204030204"/>
+                        <a:ea typeface="宋体" panose="02010600030101010101" pitchFamily="2" charset="-122"/>
+                        <a:cs typeface="Times New Roman" panose="02020603050405020304"/>
+                      </a:endParaRPr>
+                    </a:p>
+                  </a:txBody>
+                  <a:tcPr marL="68580" marR="68580" marT="0" marB="0" anchor="ctr"/>
+                </a:tc>
+                <a:tc>
+                  <a:txBody>
+                    <a:bodyPr/>
+                    <a:lstStyle/>
+                    <a:p>
+                      <a:pPr algn="ctr">
+                        <a:spcAft>
+                          <a:spcPts val="0"/>
+                        </a:spcAft>
+                      </a:pPr>
+                      <a:r>
+                        <a:rPr lang="en-US" sz="1050" kern="100">
+                          <a:effectLst/>
+                        </a:rPr>
+                        <a:t>29.85</a:t>
+                      </a:r>
+                      <a:endParaRPr lang="zh-CN" sz="1050" kern="100">
+                        <a:effectLst/>
+                        <a:latin typeface="Calibri" panose="020F0502020204030204"/>
+                        <a:ea typeface="宋体" panose="02010600030101010101" pitchFamily="2" charset="-122"/>
+                        <a:cs typeface="Times New Roman" panose="02020603050405020304"/>
+                      </a:endParaRPr>
+                    </a:p>
+                  </a:txBody>
+                  <a:tcPr marL="68580" marR="68580" marT="0" marB="0"/>
+                </a:tc>
+                <a:tc>
+                  <a:txBody>
+                    <a:bodyPr/>
+                    <a:lstStyle/>
+                    <a:p>
+                      <a:pPr algn="ctr">
+                        <a:spcAft>
+                          <a:spcPts val="0"/>
+                        </a:spcAft>
+                      </a:pPr>
+                      <a:r>
+                        <a:rPr lang="en-US" sz="1050" kern="100">
+                          <a:effectLst/>
+                        </a:rPr>
+                        <a:t>29.85</a:t>
+                      </a:r>
+                      <a:endParaRPr lang="zh-CN" sz="1050" kern="100">
+                        <a:effectLst/>
+                        <a:latin typeface="Calibri" panose="020F0502020204030204"/>
+                        <a:ea typeface="宋体" panose="02010600030101010101" pitchFamily="2" charset="-122"/>
+                        <a:cs typeface="Times New Roman" panose="02020603050405020304"/>
+                      </a:endParaRPr>
+                    </a:p>
+                  </a:txBody>
+                  <a:tcPr marL="68580" marR="68580" marT="0" marB="0"/>
+                </a:tc>
+              </a:tr>
+              <a:tr h="198120">
+                <a:tc>
+                  <a:txBody>
+                    <a:bodyPr/>
+                    <a:lstStyle/>
+                    <a:p>
+                      <a:pPr algn="ctr">
+                        <a:spcAft>
+                          <a:spcPts val="0"/>
+                        </a:spcAft>
+                      </a:pPr>
+                      <a:r>
+                        <a:rPr lang="zh-CN" sz="1050" kern="100">
+                          <a:effectLst/>
+                        </a:rPr>
+                        <a:t>江亮儒</a:t>
+                      </a:r>
+                      <a:endParaRPr lang="zh-CN" sz="1050" kern="100">
+                        <a:effectLst/>
+                        <a:latin typeface="Calibri" panose="020F0502020204030204"/>
+                        <a:ea typeface="宋体" panose="02010600030101010101" pitchFamily="2" charset="-122"/>
+                        <a:cs typeface="Times New Roman" panose="02020603050405020304"/>
+                      </a:endParaRPr>
+                    </a:p>
+                  </a:txBody>
+                  <a:tcPr marL="68580" marR="68580" marT="0" marB="0" anchor="ctr"/>
+                </a:tc>
+                <a:tc>
+                  <a:txBody>
+                    <a:bodyPr/>
+                    <a:lstStyle/>
+                    <a:p>
+                      <a:pPr algn="ctr">
+                        <a:spcAft>
+                          <a:spcPts val="0"/>
+                        </a:spcAft>
+                      </a:pPr>
+                      <a:r>
+                        <a:rPr lang="zh-CN" sz="1050" kern="100">
+                          <a:effectLst/>
+                        </a:rPr>
+                        <a:t>配置管理员</a:t>
+                      </a:r>
+                      <a:endParaRPr lang="zh-CN" sz="1050" kern="100">
+                        <a:effectLst/>
+                        <a:latin typeface="Calibri" panose="020F0502020204030204"/>
+                        <a:ea typeface="宋体" panose="02010600030101010101" pitchFamily="2" charset="-122"/>
+                        <a:cs typeface="Times New Roman" panose="02020603050405020304"/>
+                      </a:endParaRPr>
+                    </a:p>
+                  </a:txBody>
+                  <a:tcPr marL="68580" marR="68580" marT="0" marB="0" anchor="ctr"/>
+                </a:tc>
+                <a:tc>
+                  <a:txBody>
+                    <a:bodyPr/>
+                    <a:lstStyle/>
+                    <a:p>
+                      <a:pPr algn="ctr">
+                        <a:spcAft>
+                          <a:spcPts val="0"/>
+                        </a:spcAft>
+                      </a:pPr>
+                      <a:r>
+                        <a:rPr lang="en-US" sz="1050" kern="100">
+                          <a:effectLst/>
+                        </a:rPr>
+                        <a:t>29.85</a:t>
+                      </a:r>
+                      <a:endParaRPr lang="zh-CN" sz="1050" kern="100">
+                        <a:effectLst/>
+                        <a:latin typeface="Calibri" panose="020F0502020204030204"/>
+                        <a:ea typeface="宋体" panose="02010600030101010101" pitchFamily="2" charset="-122"/>
+                        <a:cs typeface="Times New Roman" panose="02020603050405020304"/>
+                      </a:endParaRPr>
+                    </a:p>
+                  </a:txBody>
+                  <a:tcPr marL="68580" marR="68580" marT="0" marB="0"/>
+                </a:tc>
+                <a:tc>
+                  <a:txBody>
+                    <a:bodyPr/>
+                    <a:lstStyle/>
+                    <a:p>
+                      <a:pPr algn="ctr">
+                        <a:spcAft>
+                          <a:spcPts val="0"/>
+                        </a:spcAft>
+                      </a:pPr>
+                      <a:r>
+                        <a:rPr lang="en-US" sz="1050" kern="100">
+                          <a:effectLst/>
+                        </a:rPr>
+                        <a:t>29.85</a:t>
+                      </a:r>
+                      <a:endParaRPr lang="zh-CN" sz="1050" kern="100">
+                        <a:effectLst/>
+                        <a:latin typeface="Calibri" panose="020F0502020204030204"/>
+                        <a:ea typeface="宋体" panose="02010600030101010101" pitchFamily="2" charset="-122"/>
+                        <a:cs typeface="Times New Roman" panose="02020603050405020304"/>
+                      </a:endParaRPr>
+                    </a:p>
+                  </a:txBody>
+                  <a:tcPr marL="68580" marR="68580" marT="0" marB="0"/>
+                </a:tc>
+              </a:tr>
+              <a:tr h="198120">
+                <a:tc>
+                  <a:txBody>
+                    <a:bodyPr/>
+                    <a:lstStyle/>
+                    <a:p>
+                      <a:pPr algn="ctr">
+                        <a:spcAft>
+                          <a:spcPts val="0"/>
+                        </a:spcAft>
+                      </a:pPr>
+                      <a:r>
+                        <a:rPr lang="zh-CN" sz="1050" kern="100">
+                          <a:effectLst/>
+                        </a:rPr>
+                        <a:t>陈子卿</a:t>
+                      </a:r>
+                      <a:endParaRPr lang="zh-CN" sz="1050" kern="100">
+                        <a:effectLst/>
+                        <a:latin typeface="Calibri" panose="020F0502020204030204"/>
+                        <a:ea typeface="宋体" panose="02010600030101010101" pitchFamily="2" charset="-122"/>
+                        <a:cs typeface="Times New Roman" panose="02020603050405020304"/>
+                      </a:endParaRPr>
+                    </a:p>
+                  </a:txBody>
+                  <a:tcPr marL="68580" marR="68580" marT="0" marB="0" anchor="ctr"/>
+                </a:tc>
+                <a:tc>
+                  <a:txBody>
+                    <a:bodyPr/>
+                    <a:lstStyle/>
+                    <a:p>
+                      <a:pPr algn="ctr">
+                        <a:spcAft>
+                          <a:spcPts val="0"/>
+                        </a:spcAft>
+                      </a:pPr>
+                      <a:r>
+                        <a:rPr lang="zh-CN" sz="1050" kern="100">
+                          <a:effectLst/>
+                        </a:rPr>
+                        <a:t>会议记录员</a:t>
+                      </a:r>
+                      <a:endParaRPr lang="zh-CN" sz="1050" kern="100">
+                        <a:effectLst/>
+                        <a:latin typeface="Calibri" panose="020F0502020204030204"/>
+                        <a:ea typeface="宋体" panose="02010600030101010101" pitchFamily="2" charset="-122"/>
+                        <a:cs typeface="Times New Roman" panose="02020603050405020304"/>
+                      </a:endParaRPr>
+                    </a:p>
+                  </a:txBody>
+                  <a:tcPr marL="68580" marR="68580" marT="0" marB="0" anchor="ctr"/>
+                </a:tc>
+                <a:tc>
+                  <a:txBody>
+                    <a:bodyPr/>
+                    <a:lstStyle/>
+                    <a:p>
+                      <a:pPr algn="ctr">
+                        <a:spcAft>
+                          <a:spcPts val="0"/>
+                        </a:spcAft>
+                      </a:pPr>
+                      <a:r>
+                        <a:rPr lang="en-US" sz="1050" kern="100">
+                          <a:effectLst/>
+                        </a:rPr>
+                        <a:t>29.85</a:t>
+                      </a:r>
+                      <a:endParaRPr lang="zh-CN" sz="1050" kern="100">
+                        <a:effectLst/>
+                        <a:latin typeface="Calibri" panose="020F0502020204030204"/>
+                        <a:ea typeface="宋体" panose="02010600030101010101" pitchFamily="2" charset="-122"/>
+                        <a:cs typeface="Times New Roman" panose="02020603050405020304"/>
+                      </a:endParaRPr>
+                    </a:p>
+                  </a:txBody>
+                  <a:tcPr marL="68580" marR="68580" marT="0" marB="0"/>
+                </a:tc>
+                <a:tc>
+                  <a:txBody>
+                    <a:bodyPr/>
+                    <a:lstStyle/>
+                    <a:p>
+                      <a:pPr algn="ctr">
+                        <a:spcAft>
+                          <a:spcPts val="0"/>
+                        </a:spcAft>
+                      </a:pPr>
+                      <a:r>
+                        <a:rPr lang="en-US" sz="1050" kern="100">
+                          <a:effectLst/>
+                        </a:rPr>
+                        <a:t>29.85</a:t>
+                      </a:r>
+                      <a:endParaRPr lang="zh-CN" sz="1050" kern="100">
+                        <a:effectLst/>
+                        <a:latin typeface="Calibri" panose="020F0502020204030204"/>
+                        <a:ea typeface="宋体" panose="02010600030101010101" pitchFamily="2" charset="-122"/>
+                        <a:cs typeface="Times New Roman" panose="02020603050405020304"/>
+                      </a:endParaRPr>
+                    </a:p>
+                  </a:txBody>
+                  <a:tcPr marL="68580" marR="68580" marT="0" marB="0"/>
+                </a:tc>
+              </a:tr>
+              <a:tr h="164465">
+                <a:tc>
+                  <a:txBody>
+                    <a:bodyPr/>
+                    <a:lstStyle/>
+                    <a:p>
+                      <a:pPr algn="ctr">
+                        <a:spcAft>
+                          <a:spcPts val="0"/>
+                        </a:spcAft>
+                      </a:pPr>
+                      <a:r>
+                        <a:rPr lang="zh-CN" sz="1050" kern="100">
+                          <a:effectLst/>
+                        </a:rPr>
+                        <a:t>苏雨豪</a:t>
+                      </a:r>
+                      <a:endParaRPr lang="zh-CN" sz="1050" kern="100">
+                        <a:effectLst/>
+                        <a:latin typeface="Calibri" panose="020F0502020204030204"/>
+                        <a:ea typeface="宋体" panose="02010600030101010101" pitchFamily="2" charset="-122"/>
+                        <a:cs typeface="Times New Roman" panose="02020603050405020304"/>
+                      </a:endParaRPr>
+                    </a:p>
+                  </a:txBody>
+                  <a:tcPr marL="68580" marR="68580" marT="0" marB="0" anchor="ctr"/>
+                </a:tc>
+                <a:tc>
+                  <a:txBody>
+                    <a:bodyPr/>
+                    <a:lstStyle/>
+                    <a:p>
+                      <a:pPr algn="ctr">
+                        <a:spcAft>
+                          <a:spcPts val="0"/>
+                        </a:spcAft>
+                      </a:pPr>
+                      <a:r>
+                        <a:rPr lang="zh-CN" sz="1050" kern="100">
+                          <a:effectLst/>
+                        </a:rPr>
+                        <a:t>技术支持员</a:t>
+                      </a:r>
+                      <a:endParaRPr lang="zh-CN" sz="1050" kern="100">
+                        <a:effectLst/>
+                        <a:latin typeface="Calibri" panose="020F0502020204030204"/>
+                        <a:ea typeface="宋体" panose="02010600030101010101" pitchFamily="2" charset="-122"/>
+                        <a:cs typeface="Times New Roman" panose="02020603050405020304"/>
+                      </a:endParaRPr>
+                    </a:p>
+                  </a:txBody>
+                  <a:tcPr marL="68580" marR="68580" marT="0" marB="0" anchor="ctr"/>
+                </a:tc>
+                <a:tc>
+                  <a:txBody>
+                    <a:bodyPr/>
+                    <a:lstStyle/>
+                    <a:p>
+                      <a:pPr algn="ctr">
+                        <a:spcAft>
+                          <a:spcPts val="0"/>
+                        </a:spcAft>
+                      </a:pPr>
+                      <a:r>
+                        <a:rPr lang="en-US" sz="1050" kern="100">
+                          <a:effectLst/>
+                        </a:rPr>
+                        <a:t>29.85</a:t>
+                      </a:r>
+                      <a:endParaRPr lang="zh-CN" sz="1050" kern="100">
+                        <a:effectLst/>
+                        <a:latin typeface="Calibri" panose="020F0502020204030204"/>
+                        <a:ea typeface="宋体" panose="02010600030101010101" pitchFamily="2" charset="-122"/>
+                        <a:cs typeface="Times New Roman" panose="02020603050405020304"/>
+                      </a:endParaRPr>
+                    </a:p>
+                  </a:txBody>
+                  <a:tcPr marL="68580" marR="68580" marT="0" marB="0"/>
+                </a:tc>
+                <a:tc>
+                  <a:txBody>
+                    <a:bodyPr/>
+                    <a:lstStyle/>
+                    <a:p>
+                      <a:pPr algn="ctr">
+                        <a:spcAft>
+                          <a:spcPts val="0"/>
+                        </a:spcAft>
+                      </a:pPr>
+                      <a:r>
+                        <a:rPr lang="en-US" sz="1050" kern="100" dirty="0">
+                          <a:effectLst/>
+                        </a:rPr>
+                        <a:t>29.85</a:t>
+                      </a:r>
+                      <a:endParaRPr lang="zh-CN" sz="1050" kern="100" dirty="0">
+                        <a:effectLst/>
+                        <a:latin typeface="Calibri" panose="020F0502020204030204"/>
+                        <a:ea typeface="宋体" panose="02010600030101010101" pitchFamily="2" charset="-122"/>
+                        <a:cs typeface="Times New Roman" panose="02020603050405020304"/>
+                      </a:endParaRPr>
+                    </a:p>
+                  </a:txBody>
+                  <a:tcPr marL="68580" marR="68580" marT="0" marB="0"/>
+                </a:tc>
+              </a:tr>
+            </a:tbl>
+          </a:graphicData>
+        </a:graphic>
+      </p:graphicFrame>
       <p:sp>
         <p:nvSpPr>
           <p:cNvPr id="10" name="矩形 9"/>
@@ -12911,78 +13659,8 @@
         </p:nvSpPr>
         <p:spPr>
           <a:xfrm>
-            <a:off x="2062758" y="4251499"/>
-            <a:ext cx="6092825" cy="1384995"/>
-          </a:xfrm>
-          <a:prstGeom prst="rect">
-            <a:avLst/>
-          </a:prstGeom>
-        </p:spPr>
-        <p:txBody>
-          <a:bodyPr>
-            <a:spAutoFit/>
-          </a:bodyPr>
-          <a:lstStyle/>
-          <a:p>
-            <a:pPr lvl="0"/>
-            <a:r>
-              <a:rPr lang="zh-CN" altLang="zh-CN" dirty="0"/>
-              <a:t>薪酬：保留小数点后两位</a:t>
-            </a:r>
-            <a:r>
-              <a:rPr lang="en-US" altLang="zh-CN" dirty="0"/>
-              <a:t>  0.00</a:t>
-            </a:r>
-            <a:endParaRPr lang="zh-CN" altLang="zh-CN" dirty="0"/>
-          </a:p>
-          <a:p>
-            <a:pPr lvl="0"/>
-            <a:r>
-              <a:rPr lang="zh-CN" altLang="zh-CN" dirty="0"/>
-              <a:t>时薪：保留小数点后两位</a:t>
-            </a:r>
-            <a:r>
-              <a:rPr lang="en-US" altLang="zh-CN" dirty="0"/>
-              <a:t>  0.00</a:t>
-            </a:r>
-            <a:endParaRPr lang="zh-CN" altLang="zh-CN" dirty="0"/>
-          </a:p>
-          <a:p>
-            <a:pPr lvl="0"/>
-            <a:r>
-              <a:rPr lang="zh-CN" altLang="zh-CN" dirty="0"/>
-              <a:t>工时：保留整数</a:t>
-            </a:r>
-            <a:r>
-              <a:rPr lang="en-US" altLang="zh-CN" dirty="0"/>
-              <a:t>			0</a:t>
-            </a:r>
-            <a:endParaRPr lang="zh-CN" altLang="zh-CN" dirty="0"/>
-          </a:p>
-          <a:p>
-            <a:pPr lvl="0"/>
-            <a:r>
-              <a:rPr lang="zh-CN" altLang="zh-CN" dirty="0"/>
-              <a:t>费用：保留小数点后两位</a:t>
-            </a:r>
-            <a:r>
-              <a:rPr lang="en-US" altLang="zh-CN" dirty="0"/>
-              <a:t>  0.00</a:t>
-            </a:r>
-            <a:endParaRPr lang="zh-CN" altLang="zh-CN" dirty="0"/>
-          </a:p>
-        </p:txBody>
-      </p:sp>
-      <p:sp>
-        <p:nvSpPr>
-          <p:cNvPr id="13" name="矩形 12"/>
-          <p:cNvSpPr/>
-          <p:nvPr/>
-        </p:nvSpPr>
-        <p:spPr>
-          <a:xfrm>
-            <a:off x="5663158" y="981522"/>
-            <a:ext cx="2211824" cy="461665"/>
+            <a:off x="7463358" y="606673"/>
+            <a:ext cx="1902444" cy="461665"/>
           </a:xfrm>
           <a:prstGeom prst="rect">
             <a:avLst/>
@@ -12994,79 +13672,39 @@
           </a:bodyPr>
           <a:lstStyle/>
           <a:p>
-            <a:pPr lvl="2"/>
+            <a:pPr lvl="2" algn="ctr"/>
             <a:r>
               <a:rPr lang="zh-CN" altLang="zh-CN" sz="2400" b="1" dirty="0"/>
-              <a:t>准确度</a:t>
+              <a:t>预算</a:t>
             </a:r>
+            <a:endParaRPr lang="zh-CN" altLang="zh-CN" sz="2400" b="1" dirty="0"/>
           </a:p>
         </p:txBody>
       </p:sp>
-      <p:sp>
-        <p:nvSpPr>
-          <p:cNvPr id="14" name="矩形 13"/>
-          <p:cNvSpPr/>
+      <p:pic>
+        <p:nvPicPr>
+          <p:cNvPr id="5" name="图片 4"/>
+          <p:cNvPicPr>
+            <a:picLocks noChangeAspect="1"/>
+          </p:cNvPicPr>
           <p:nvPr/>
-        </p:nvSpPr>
+        </p:nvPicPr>
+        <p:blipFill>
+          <a:blip r:embed="rId1"/>
+          <a:stretch>
+            <a:fillRect/>
+          </a:stretch>
+        </p:blipFill>
         <p:spPr>
           <a:xfrm>
-            <a:off x="5807174" y="1587203"/>
-            <a:ext cx="6092825" cy="738664"/>
+            <a:off x="6879590" y="1299210"/>
+            <a:ext cx="4949190" cy="4812665"/>
           </a:xfrm>
           <a:prstGeom prst="rect">
             <a:avLst/>
           </a:prstGeom>
         </p:spPr>
-        <p:txBody>
-          <a:bodyPr>
-            <a:spAutoFit/>
-          </a:bodyPr>
-          <a:lstStyle/>
-          <a:p>
-            <a:r>
-              <a:rPr lang="zh-CN" altLang="zh-CN" dirty="0"/>
-              <a:t>活动成本估算区间</a:t>
-            </a:r>
-            <a:r>
-              <a:rPr lang="en-US" altLang="zh-CN" dirty="0"/>
-              <a:t> [</a:t>
-            </a:r>
-            <a:r>
-              <a:rPr lang="zh-CN" altLang="zh-CN" dirty="0"/>
-              <a:t>估算值</a:t>
-            </a:r>
-            <a:r>
-              <a:rPr lang="en-US" altLang="zh-CN" dirty="0"/>
-              <a:t>-45%*</a:t>
-            </a:r>
-            <a:r>
-              <a:rPr lang="zh-CN" altLang="zh-CN" dirty="0"/>
-              <a:t>估算值</a:t>
-            </a:r>
-            <a:r>
-              <a:rPr lang="en-US" altLang="zh-CN" dirty="0"/>
-              <a:t> , </a:t>
-            </a:r>
-            <a:r>
-              <a:rPr lang="zh-CN" altLang="zh-CN" dirty="0"/>
-              <a:t>估算值</a:t>
-            </a:r>
-            <a:r>
-              <a:rPr lang="en-US" altLang="zh-CN" dirty="0"/>
-              <a:t>+45%</a:t>
-            </a:r>
-            <a:r>
-              <a:rPr lang="zh-CN" altLang="zh-CN" dirty="0"/>
-              <a:t>估算值</a:t>
-            </a:r>
-            <a:r>
-              <a:rPr lang="en-US" altLang="zh-CN" dirty="0"/>
-              <a:t>]</a:t>
-            </a:r>
-            <a:endParaRPr lang="zh-CN" altLang="zh-CN" dirty="0"/>
-          </a:p>
-        </p:txBody>
-      </p:sp>
+      </p:pic>
     </p:spTree>
   </p:cSld>
   <p:clrMapOvr>
@@ -13192,8 +13830,9 @@
             <a:pPr algn="ctr"/>
             <a:r>
               <a:rPr lang="en-US" sz="2400" dirty="0"/>
-              <a:t>7</a:t>
+              <a:t>8</a:t>
             </a:r>
+            <a:endParaRPr lang="en-US" sz="2400" dirty="0"/>
           </a:p>
         </p:txBody>
       </p:sp>
@@ -13220,14 +13859,14 @@
           <a:lstStyle/>
           <a:p>
             <a:r>
-              <a:rPr lang="zh-CN" altLang="en-US" sz="2665" dirty="0" smtClean="0">
+              <a:rPr lang="zh-CN" sz="2665" dirty="0" smtClean="0">
                 <a:solidFill>
                   <a:srgbClr val="183A5D"/>
                 </a:solidFill>
                 <a:latin typeface="微软雅黑" panose="020B0503020204020204" pitchFamily="34" charset="-122"/>
                 <a:ea typeface="微软雅黑" panose="020B0503020204020204" pitchFamily="34" charset="-122"/>
               </a:rPr>
-              <a:t>成本管理</a:t>
+              <a:t>会议记录</a:t>
             </a:r>
             <a:endParaRPr lang="zh-CN" sz="2665" dirty="0" smtClean="0">
               <a:solidFill>
@@ -13236,757 +13875,6 @@
               <a:latin typeface="微软雅黑" panose="020B0503020204020204" pitchFamily="34" charset="-122"/>
               <a:ea typeface="微软雅黑" panose="020B0503020204020204" pitchFamily="34" charset="-122"/>
             </a:endParaRPr>
-          </a:p>
-        </p:txBody>
-      </p:sp>
-      <p:sp>
-        <p:nvSpPr>
-          <p:cNvPr id="7" name="矩形 6"/>
-          <p:cNvSpPr/>
-          <p:nvPr/>
-        </p:nvSpPr>
-        <p:spPr>
-          <a:xfrm>
-            <a:off x="334566" y="837506"/>
-            <a:ext cx="1971694" cy="461665"/>
-          </a:xfrm>
-          <a:prstGeom prst="rect">
-            <a:avLst/>
-          </a:prstGeom>
-        </p:spPr>
-        <p:txBody>
-          <a:bodyPr wrap="none">
-            <a:spAutoFit/>
-          </a:bodyPr>
-          <a:lstStyle/>
-          <a:p>
-            <a:pPr lvl="1"/>
-            <a:r>
-              <a:rPr lang="zh-CN" altLang="zh-CN" sz="2400" b="1" dirty="0"/>
-              <a:t>成本估计</a:t>
-            </a:r>
-          </a:p>
-        </p:txBody>
-      </p:sp>
-      <p:sp>
-        <p:nvSpPr>
-          <p:cNvPr id="8" name="矩形 7"/>
-          <p:cNvSpPr/>
-          <p:nvPr/>
-        </p:nvSpPr>
-        <p:spPr>
-          <a:xfrm>
-            <a:off x="1008867" y="1534460"/>
-            <a:ext cx="1261884" cy="415498"/>
-          </a:xfrm>
-          <a:prstGeom prst="rect">
-            <a:avLst/>
-          </a:prstGeom>
-        </p:spPr>
-        <p:txBody>
-          <a:bodyPr wrap="none">
-            <a:spAutoFit/>
-          </a:bodyPr>
-          <a:lstStyle/>
-          <a:p>
-            <a:r>
-              <a:rPr lang="zh-CN" altLang="zh-CN" dirty="0"/>
-              <a:t>员工时薪</a:t>
-            </a:r>
-            <a:endParaRPr lang="zh-CN" altLang="en-US" dirty="0"/>
-          </a:p>
-        </p:txBody>
-      </p:sp>
-      <p:graphicFrame>
-        <p:nvGraphicFramePr>
-          <p:cNvPr id="9" name="表格 8"/>
-          <p:cNvGraphicFramePr>
-            <a:graphicFrameLocks noGrp="1"/>
-          </p:cNvGraphicFramePr>
-          <p:nvPr/>
-        </p:nvGraphicFramePr>
-        <p:xfrm>
-          <a:off x="982638" y="2277666"/>
-          <a:ext cx="5622290" cy="1040765"/>
-        </p:xfrm>
-        <a:graphic>
-          <a:graphicData uri="http://schemas.openxmlformats.org/drawingml/2006/table">
-            <a:tbl>
-              <a:tblPr>
-                <a:tableStyleId>{5C22544A-7EE6-4342-B048-85BDC9FD1C3A}</a:tableStyleId>
-              </a:tblPr>
-              <a:tblGrid>
-                <a:gridCol w="1407795"/>
-                <a:gridCol w="1407795"/>
-                <a:gridCol w="1405255"/>
-                <a:gridCol w="1401445"/>
-              </a:tblGrid>
-              <a:tr h="0">
-                <a:tc>
-                  <a:txBody>
-                    <a:bodyPr/>
-                    <a:lstStyle/>
-                    <a:p>
-                      <a:pPr algn="ctr">
-                        <a:spcAft>
-                          <a:spcPts val="0"/>
-                        </a:spcAft>
-                      </a:pPr>
-                      <a:r>
-                        <a:rPr lang="zh-CN" sz="1050" kern="100" dirty="0">
-                          <a:effectLst/>
-                        </a:rPr>
-                        <a:t>组员名称</a:t>
-                      </a:r>
-                      <a:endParaRPr lang="zh-CN" sz="1050" kern="100" dirty="0">
-                        <a:effectLst/>
-                        <a:latin typeface="Calibri" panose="020F0502020204030204"/>
-                        <a:ea typeface="宋体" panose="02010600030101010101" pitchFamily="2" charset="-122"/>
-                        <a:cs typeface="Times New Roman" panose="02020603050405020304"/>
-                      </a:endParaRPr>
-                    </a:p>
-                  </a:txBody>
-                  <a:tcPr marL="68580" marR="68580" marT="0" marB="0"/>
-                </a:tc>
-                <a:tc>
-                  <a:txBody>
-                    <a:bodyPr/>
-                    <a:lstStyle/>
-                    <a:p>
-                      <a:pPr algn="ctr">
-                        <a:spcAft>
-                          <a:spcPts val="0"/>
-                        </a:spcAft>
-                      </a:pPr>
-                      <a:r>
-                        <a:rPr lang="zh-CN" sz="1050" kern="100" dirty="0">
-                          <a:effectLst/>
-                        </a:rPr>
-                        <a:t>工作分配</a:t>
-                      </a:r>
-                      <a:endParaRPr lang="zh-CN" sz="1050" kern="100" dirty="0">
-                        <a:effectLst/>
-                        <a:latin typeface="Calibri" panose="020F0502020204030204"/>
-                        <a:ea typeface="宋体" panose="02010600030101010101" pitchFamily="2" charset="-122"/>
-                        <a:cs typeface="Times New Roman" panose="02020603050405020304"/>
-                      </a:endParaRPr>
-                    </a:p>
-                  </a:txBody>
-                  <a:tcPr marL="68580" marR="68580" marT="0" marB="0" anchor="ctr"/>
-                </a:tc>
-                <a:tc>
-                  <a:txBody>
-                    <a:bodyPr/>
-                    <a:lstStyle/>
-                    <a:p>
-                      <a:pPr algn="ctr">
-                        <a:spcAft>
-                          <a:spcPts val="0"/>
-                        </a:spcAft>
-                      </a:pPr>
-                      <a:r>
-                        <a:rPr lang="zh-CN" sz="1050" kern="100" dirty="0">
-                          <a:effectLst/>
-                        </a:rPr>
-                        <a:t>时薪</a:t>
-                      </a:r>
-                      <a:endParaRPr lang="zh-CN" sz="1050" kern="100" dirty="0">
-                        <a:effectLst/>
-                        <a:latin typeface="Calibri" panose="020F0502020204030204"/>
-                        <a:ea typeface="宋体" panose="02010600030101010101" pitchFamily="2" charset="-122"/>
-                        <a:cs typeface="Times New Roman" panose="02020603050405020304"/>
-                      </a:endParaRPr>
-                    </a:p>
-                  </a:txBody>
-                  <a:tcPr marL="68580" marR="68580" marT="0" marB="0"/>
-                </a:tc>
-                <a:tc>
-                  <a:txBody>
-                    <a:bodyPr/>
-                    <a:lstStyle/>
-                    <a:p>
-                      <a:pPr algn="ctr">
-                        <a:spcAft>
-                          <a:spcPts val="0"/>
-                        </a:spcAft>
-                      </a:pPr>
-                      <a:r>
-                        <a:rPr lang="zh-CN" sz="1050" kern="100">
-                          <a:effectLst/>
-                        </a:rPr>
-                        <a:t>加班时薪</a:t>
-                      </a:r>
-                      <a:endParaRPr lang="zh-CN" sz="1050" kern="100">
-                        <a:effectLst/>
-                        <a:latin typeface="Calibri" panose="020F0502020204030204"/>
-                        <a:ea typeface="宋体" panose="02010600030101010101" pitchFamily="2" charset="-122"/>
-                        <a:cs typeface="Times New Roman" panose="02020603050405020304"/>
-                      </a:endParaRPr>
-                    </a:p>
-                  </a:txBody>
-                  <a:tcPr marL="68580" marR="68580" marT="0" marB="0"/>
-                </a:tc>
-              </a:tr>
-              <a:tr h="0">
-                <a:tc>
-                  <a:txBody>
-                    <a:bodyPr/>
-                    <a:lstStyle/>
-                    <a:p>
-                      <a:pPr algn="ctr">
-                        <a:spcAft>
-                          <a:spcPts val="0"/>
-                        </a:spcAft>
-                      </a:pPr>
-                      <a:r>
-                        <a:rPr lang="zh-CN" sz="1050" kern="100">
-                          <a:effectLst/>
-                        </a:rPr>
-                        <a:t>黄为波</a:t>
-                      </a:r>
-                      <a:endParaRPr lang="zh-CN" sz="1050" kern="100">
-                        <a:effectLst/>
-                        <a:latin typeface="Calibri" panose="020F0502020204030204"/>
-                        <a:ea typeface="宋体" panose="02010600030101010101" pitchFamily="2" charset="-122"/>
-                        <a:cs typeface="Times New Roman" panose="02020603050405020304"/>
-                      </a:endParaRPr>
-                    </a:p>
-                  </a:txBody>
-                  <a:tcPr marL="68580" marR="68580" marT="0" marB="0" anchor="ctr"/>
-                </a:tc>
-                <a:tc>
-                  <a:txBody>
-                    <a:bodyPr/>
-                    <a:lstStyle/>
-                    <a:p>
-                      <a:pPr algn="ctr">
-                        <a:spcAft>
-                          <a:spcPts val="0"/>
-                        </a:spcAft>
-                      </a:pPr>
-                      <a:r>
-                        <a:rPr lang="zh-CN" sz="1050" kern="100">
-                          <a:effectLst/>
-                        </a:rPr>
-                        <a:t>质量保证员</a:t>
-                      </a:r>
-                      <a:endParaRPr lang="zh-CN" sz="1050" kern="100">
-                        <a:effectLst/>
-                        <a:latin typeface="Calibri" panose="020F0502020204030204"/>
-                        <a:ea typeface="宋体" panose="02010600030101010101" pitchFamily="2" charset="-122"/>
-                        <a:cs typeface="Times New Roman" panose="02020603050405020304"/>
-                      </a:endParaRPr>
-                    </a:p>
-                  </a:txBody>
-                  <a:tcPr marL="68580" marR="68580" marT="0" marB="0" anchor="ctr"/>
-                </a:tc>
-                <a:tc>
-                  <a:txBody>
-                    <a:bodyPr/>
-                    <a:lstStyle/>
-                    <a:p>
-                      <a:pPr algn="ctr">
-                        <a:spcAft>
-                          <a:spcPts val="0"/>
-                        </a:spcAft>
-                      </a:pPr>
-                      <a:r>
-                        <a:rPr lang="en-US" sz="1050" kern="100">
-                          <a:effectLst/>
-                        </a:rPr>
-                        <a:t>29.85</a:t>
-                      </a:r>
-                      <a:endParaRPr lang="zh-CN" sz="1050" kern="100">
-                        <a:effectLst/>
-                        <a:latin typeface="Calibri" panose="020F0502020204030204"/>
-                        <a:ea typeface="宋体" panose="02010600030101010101" pitchFamily="2" charset="-122"/>
-                        <a:cs typeface="Times New Roman" panose="02020603050405020304"/>
-                      </a:endParaRPr>
-                    </a:p>
-                  </a:txBody>
-                  <a:tcPr marL="68580" marR="68580" marT="0" marB="0"/>
-                </a:tc>
-                <a:tc>
-                  <a:txBody>
-                    <a:bodyPr/>
-                    <a:lstStyle/>
-                    <a:p>
-                      <a:pPr algn="ctr">
-                        <a:spcAft>
-                          <a:spcPts val="0"/>
-                        </a:spcAft>
-                      </a:pPr>
-                      <a:r>
-                        <a:rPr lang="en-US" sz="1050" kern="100" dirty="0">
-                          <a:effectLst/>
-                        </a:rPr>
-                        <a:t>29.85</a:t>
-                      </a:r>
-                      <a:endParaRPr lang="zh-CN" sz="1050" kern="100" dirty="0">
-                        <a:effectLst/>
-                        <a:latin typeface="Calibri" panose="020F0502020204030204"/>
-                        <a:ea typeface="宋体" panose="02010600030101010101" pitchFamily="2" charset="-122"/>
-                        <a:cs typeface="Times New Roman" panose="02020603050405020304"/>
-                      </a:endParaRPr>
-                    </a:p>
-                  </a:txBody>
-                  <a:tcPr marL="68580" marR="68580" marT="0" marB="0"/>
-                </a:tc>
-              </a:tr>
-              <a:tr h="0">
-                <a:tc>
-                  <a:txBody>
-                    <a:bodyPr/>
-                    <a:lstStyle/>
-                    <a:p>
-                      <a:pPr algn="ctr">
-                        <a:spcAft>
-                          <a:spcPts val="0"/>
-                        </a:spcAft>
-                      </a:pPr>
-                      <a:r>
-                        <a:rPr lang="zh-CN" sz="1050" kern="100" dirty="0">
-                          <a:effectLst/>
-                        </a:rPr>
-                        <a:t>蔡峰</a:t>
-                      </a:r>
-                      <a:endParaRPr lang="zh-CN" sz="1050" kern="100" dirty="0">
-                        <a:effectLst/>
-                        <a:latin typeface="Calibri" panose="020F0502020204030204"/>
-                        <a:ea typeface="宋体" panose="02010600030101010101" pitchFamily="2" charset="-122"/>
-                        <a:cs typeface="Times New Roman" panose="02020603050405020304"/>
-                      </a:endParaRPr>
-                    </a:p>
-                  </a:txBody>
-                  <a:tcPr marL="68580" marR="68580" marT="0" marB="0" anchor="ctr"/>
-                </a:tc>
-                <a:tc>
-                  <a:txBody>
-                    <a:bodyPr/>
-                    <a:lstStyle/>
-                    <a:p>
-                      <a:pPr algn="ctr">
-                        <a:spcAft>
-                          <a:spcPts val="0"/>
-                        </a:spcAft>
-                      </a:pPr>
-                      <a:r>
-                        <a:rPr lang="zh-CN" sz="1050" kern="100">
-                          <a:effectLst/>
-                        </a:rPr>
-                        <a:t>业务管理员</a:t>
-                      </a:r>
-                      <a:endParaRPr lang="zh-CN" sz="1050" kern="100">
-                        <a:effectLst/>
-                        <a:latin typeface="Calibri" panose="020F0502020204030204"/>
-                        <a:ea typeface="宋体" panose="02010600030101010101" pitchFamily="2" charset="-122"/>
-                        <a:cs typeface="Times New Roman" panose="02020603050405020304"/>
-                      </a:endParaRPr>
-                    </a:p>
-                  </a:txBody>
-                  <a:tcPr marL="68580" marR="68580" marT="0" marB="0" anchor="ctr"/>
-                </a:tc>
-                <a:tc>
-                  <a:txBody>
-                    <a:bodyPr/>
-                    <a:lstStyle/>
-                    <a:p>
-                      <a:pPr algn="ctr">
-                        <a:spcAft>
-                          <a:spcPts val="0"/>
-                        </a:spcAft>
-                      </a:pPr>
-                      <a:r>
-                        <a:rPr lang="en-US" sz="1050" kern="100">
-                          <a:effectLst/>
-                        </a:rPr>
-                        <a:t>29.85</a:t>
-                      </a:r>
-                      <a:endParaRPr lang="zh-CN" sz="1050" kern="100">
-                        <a:effectLst/>
-                        <a:latin typeface="Calibri" panose="020F0502020204030204"/>
-                        <a:ea typeface="宋体" panose="02010600030101010101" pitchFamily="2" charset="-122"/>
-                        <a:cs typeface="Times New Roman" panose="02020603050405020304"/>
-                      </a:endParaRPr>
-                    </a:p>
-                  </a:txBody>
-                  <a:tcPr marL="68580" marR="68580" marT="0" marB="0"/>
-                </a:tc>
-                <a:tc>
-                  <a:txBody>
-                    <a:bodyPr/>
-                    <a:lstStyle/>
-                    <a:p>
-                      <a:pPr algn="ctr">
-                        <a:spcAft>
-                          <a:spcPts val="0"/>
-                        </a:spcAft>
-                      </a:pPr>
-                      <a:r>
-                        <a:rPr lang="en-US" sz="1050" kern="100">
-                          <a:effectLst/>
-                        </a:rPr>
-                        <a:t>29.85</a:t>
-                      </a:r>
-                      <a:endParaRPr lang="zh-CN" sz="1050" kern="100">
-                        <a:effectLst/>
-                        <a:latin typeface="Calibri" panose="020F0502020204030204"/>
-                        <a:ea typeface="宋体" panose="02010600030101010101" pitchFamily="2" charset="-122"/>
-                        <a:cs typeface="Times New Roman" panose="02020603050405020304"/>
-                      </a:endParaRPr>
-                    </a:p>
-                  </a:txBody>
-                  <a:tcPr marL="68580" marR="68580" marT="0" marB="0"/>
-                </a:tc>
-              </a:tr>
-              <a:tr h="198120">
-                <a:tc>
-                  <a:txBody>
-                    <a:bodyPr/>
-                    <a:lstStyle/>
-                    <a:p>
-                      <a:pPr algn="ctr">
-                        <a:spcAft>
-                          <a:spcPts val="0"/>
-                        </a:spcAft>
-                      </a:pPr>
-                      <a:r>
-                        <a:rPr lang="zh-CN" sz="1050" kern="100">
-                          <a:effectLst/>
-                        </a:rPr>
-                        <a:t>江亮儒</a:t>
-                      </a:r>
-                      <a:endParaRPr lang="zh-CN" sz="1050" kern="100">
-                        <a:effectLst/>
-                        <a:latin typeface="Calibri" panose="020F0502020204030204"/>
-                        <a:ea typeface="宋体" panose="02010600030101010101" pitchFamily="2" charset="-122"/>
-                        <a:cs typeface="Times New Roman" panose="02020603050405020304"/>
-                      </a:endParaRPr>
-                    </a:p>
-                  </a:txBody>
-                  <a:tcPr marL="68580" marR="68580" marT="0" marB="0" anchor="ctr"/>
-                </a:tc>
-                <a:tc>
-                  <a:txBody>
-                    <a:bodyPr/>
-                    <a:lstStyle/>
-                    <a:p>
-                      <a:pPr algn="ctr">
-                        <a:spcAft>
-                          <a:spcPts val="0"/>
-                        </a:spcAft>
-                      </a:pPr>
-                      <a:r>
-                        <a:rPr lang="zh-CN" sz="1050" kern="100">
-                          <a:effectLst/>
-                        </a:rPr>
-                        <a:t>配置管理员</a:t>
-                      </a:r>
-                      <a:endParaRPr lang="zh-CN" sz="1050" kern="100">
-                        <a:effectLst/>
-                        <a:latin typeface="Calibri" panose="020F0502020204030204"/>
-                        <a:ea typeface="宋体" panose="02010600030101010101" pitchFamily="2" charset="-122"/>
-                        <a:cs typeface="Times New Roman" panose="02020603050405020304"/>
-                      </a:endParaRPr>
-                    </a:p>
-                  </a:txBody>
-                  <a:tcPr marL="68580" marR="68580" marT="0" marB="0" anchor="ctr"/>
-                </a:tc>
-                <a:tc>
-                  <a:txBody>
-                    <a:bodyPr/>
-                    <a:lstStyle/>
-                    <a:p>
-                      <a:pPr algn="ctr">
-                        <a:spcAft>
-                          <a:spcPts val="0"/>
-                        </a:spcAft>
-                      </a:pPr>
-                      <a:r>
-                        <a:rPr lang="en-US" sz="1050" kern="100">
-                          <a:effectLst/>
-                        </a:rPr>
-                        <a:t>29.85</a:t>
-                      </a:r>
-                      <a:endParaRPr lang="zh-CN" sz="1050" kern="100">
-                        <a:effectLst/>
-                        <a:latin typeface="Calibri" panose="020F0502020204030204"/>
-                        <a:ea typeface="宋体" panose="02010600030101010101" pitchFamily="2" charset="-122"/>
-                        <a:cs typeface="Times New Roman" panose="02020603050405020304"/>
-                      </a:endParaRPr>
-                    </a:p>
-                  </a:txBody>
-                  <a:tcPr marL="68580" marR="68580" marT="0" marB="0"/>
-                </a:tc>
-                <a:tc>
-                  <a:txBody>
-                    <a:bodyPr/>
-                    <a:lstStyle/>
-                    <a:p>
-                      <a:pPr algn="ctr">
-                        <a:spcAft>
-                          <a:spcPts val="0"/>
-                        </a:spcAft>
-                      </a:pPr>
-                      <a:r>
-                        <a:rPr lang="en-US" sz="1050" kern="100">
-                          <a:effectLst/>
-                        </a:rPr>
-                        <a:t>29.85</a:t>
-                      </a:r>
-                      <a:endParaRPr lang="zh-CN" sz="1050" kern="100">
-                        <a:effectLst/>
-                        <a:latin typeface="Calibri" panose="020F0502020204030204"/>
-                        <a:ea typeface="宋体" panose="02010600030101010101" pitchFamily="2" charset="-122"/>
-                        <a:cs typeface="Times New Roman" panose="02020603050405020304"/>
-                      </a:endParaRPr>
-                    </a:p>
-                  </a:txBody>
-                  <a:tcPr marL="68580" marR="68580" marT="0" marB="0"/>
-                </a:tc>
-              </a:tr>
-              <a:tr h="198120">
-                <a:tc>
-                  <a:txBody>
-                    <a:bodyPr/>
-                    <a:lstStyle/>
-                    <a:p>
-                      <a:pPr algn="ctr">
-                        <a:spcAft>
-                          <a:spcPts val="0"/>
-                        </a:spcAft>
-                      </a:pPr>
-                      <a:r>
-                        <a:rPr lang="zh-CN" sz="1050" kern="100">
-                          <a:effectLst/>
-                        </a:rPr>
-                        <a:t>陈子卿</a:t>
-                      </a:r>
-                      <a:endParaRPr lang="zh-CN" sz="1050" kern="100">
-                        <a:effectLst/>
-                        <a:latin typeface="Calibri" panose="020F0502020204030204"/>
-                        <a:ea typeface="宋体" panose="02010600030101010101" pitchFamily="2" charset="-122"/>
-                        <a:cs typeface="Times New Roman" panose="02020603050405020304"/>
-                      </a:endParaRPr>
-                    </a:p>
-                  </a:txBody>
-                  <a:tcPr marL="68580" marR="68580" marT="0" marB="0" anchor="ctr"/>
-                </a:tc>
-                <a:tc>
-                  <a:txBody>
-                    <a:bodyPr/>
-                    <a:lstStyle/>
-                    <a:p>
-                      <a:pPr algn="ctr">
-                        <a:spcAft>
-                          <a:spcPts val="0"/>
-                        </a:spcAft>
-                      </a:pPr>
-                      <a:r>
-                        <a:rPr lang="zh-CN" sz="1050" kern="100">
-                          <a:effectLst/>
-                        </a:rPr>
-                        <a:t>会议记录员</a:t>
-                      </a:r>
-                      <a:endParaRPr lang="zh-CN" sz="1050" kern="100">
-                        <a:effectLst/>
-                        <a:latin typeface="Calibri" panose="020F0502020204030204"/>
-                        <a:ea typeface="宋体" panose="02010600030101010101" pitchFamily="2" charset="-122"/>
-                        <a:cs typeface="Times New Roman" panose="02020603050405020304"/>
-                      </a:endParaRPr>
-                    </a:p>
-                  </a:txBody>
-                  <a:tcPr marL="68580" marR="68580" marT="0" marB="0" anchor="ctr"/>
-                </a:tc>
-                <a:tc>
-                  <a:txBody>
-                    <a:bodyPr/>
-                    <a:lstStyle/>
-                    <a:p>
-                      <a:pPr algn="ctr">
-                        <a:spcAft>
-                          <a:spcPts val="0"/>
-                        </a:spcAft>
-                      </a:pPr>
-                      <a:r>
-                        <a:rPr lang="en-US" sz="1050" kern="100">
-                          <a:effectLst/>
-                        </a:rPr>
-                        <a:t>29.85</a:t>
-                      </a:r>
-                      <a:endParaRPr lang="zh-CN" sz="1050" kern="100">
-                        <a:effectLst/>
-                        <a:latin typeface="Calibri" panose="020F0502020204030204"/>
-                        <a:ea typeface="宋体" panose="02010600030101010101" pitchFamily="2" charset="-122"/>
-                        <a:cs typeface="Times New Roman" panose="02020603050405020304"/>
-                      </a:endParaRPr>
-                    </a:p>
-                  </a:txBody>
-                  <a:tcPr marL="68580" marR="68580" marT="0" marB="0"/>
-                </a:tc>
-                <a:tc>
-                  <a:txBody>
-                    <a:bodyPr/>
-                    <a:lstStyle/>
-                    <a:p>
-                      <a:pPr algn="ctr">
-                        <a:spcAft>
-                          <a:spcPts val="0"/>
-                        </a:spcAft>
-                      </a:pPr>
-                      <a:r>
-                        <a:rPr lang="en-US" sz="1050" kern="100">
-                          <a:effectLst/>
-                        </a:rPr>
-                        <a:t>29.85</a:t>
-                      </a:r>
-                      <a:endParaRPr lang="zh-CN" sz="1050" kern="100">
-                        <a:effectLst/>
-                        <a:latin typeface="Calibri" panose="020F0502020204030204"/>
-                        <a:ea typeface="宋体" panose="02010600030101010101" pitchFamily="2" charset="-122"/>
-                        <a:cs typeface="Times New Roman" panose="02020603050405020304"/>
-                      </a:endParaRPr>
-                    </a:p>
-                  </a:txBody>
-                  <a:tcPr marL="68580" marR="68580" marT="0" marB="0"/>
-                </a:tc>
-              </a:tr>
-              <a:tr h="164465">
-                <a:tc>
-                  <a:txBody>
-                    <a:bodyPr/>
-                    <a:lstStyle/>
-                    <a:p>
-                      <a:pPr algn="ctr">
-                        <a:spcAft>
-                          <a:spcPts val="0"/>
-                        </a:spcAft>
-                      </a:pPr>
-                      <a:r>
-                        <a:rPr lang="zh-CN" sz="1050" kern="100">
-                          <a:effectLst/>
-                        </a:rPr>
-                        <a:t>苏雨豪</a:t>
-                      </a:r>
-                      <a:endParaRPr lang="zh-CN" sz="1050" kern="100">
-                        <a:effectLst/>
-                        <a:latin typeface="Calibri" panose="020F0502020204030204"/>
-                        <a:ea typeface="宋体" panose="02010600030101010101" pitchFamily="2" charset="-122"/>
-                        <a:cs typeface="Times New Roman" panose="02020603050405020304"/>
-                      </a:endParaRPr>
-                    </a:p>
-                  </a:txBody>
-                  <a:tcPr marL="68580" marR="68580" marT="0" marB="0" anchor="ctr"/>
-                </a:tc>
-                <a:tc>
-                  <a:txBody>
-                    <a:bodyPr/>
-                    <a:lstStyle/>
-                    <a:p>
-                      <a:pPr algn="ctr">
-                        <a:spcAft>
-                          <a:spcPts val="0"/>
-                        </a:spcAft>
-                      </a:pPr>
-                      <a:r>
-                        <a:rPr lang="zh-CN" sz="1050" kern="100">
-                          <a:effectLst/>
-                        </a:rPr>
-                        <a:t>技术支持员</a:t>
-                      </a:r>
-                      <a:endParaRPr lang="zh-CN" sz="1050" kern="100">
-                        <a:effectLst/>
-                        <a:latin typeface="Calibri" panose="020F0502020204030204"/>
-                        <a:ea typeface="宋体" panose="02010600030101010101" pitchFamily="2" charset="-122"/>
-                        <a:cs typeface="Times New Roman" panose="02020603050405020304"/>
-                      </a:endParaRPr>
-                    </a:p>
-                  </a:txBody>
-                  <a:tcPr marL="68580" marR="68580" marT="0" marB="0" anchor="ctr"/>
-                </a:tc>
-                <a:tc>
-                  <a:txBody>
-                    <a:bodyPr/>
-                    <a:lstStyle/>
-                    <a:p>
-                      <a:pPr algn="ctr">
-                        <a:spcAft>
-                          <a:spcPts val="0"/>
-                        </a:spcAft>
-                      </a:pPr>
-                      <a:r>
-                        <a:rPr lang="en-US" sz="1050" kern="100">
-                          <a:effectLst/>
-                        </a:rPr>
-                        <a:t>29.85</a:t>
-                      </a:r>
-                      <a:endParaRPr lang="zh-CN" sz="1050" kern="100">
-                        <a:effectLst/>
-                        <a:latin typeface="Calibri" panose="020F0502020204030204"/>
-                        <a:ea typeface="宋体" panose="02010600030101010101" pitchFamily="2" charset="-122"/>
-                        <a:cs typeface="Times New Roman" panose="02020603050405020304"/>
-                      </a:endParaRPr>
-                    </a:p>
-                  </a:txBody>
-                  <a:tcPr marL="68580" marR="68580" marT="0" marB="0"/>
-                </a:tc>
-                <a:tc>
-                  <a:txBody>
-                    <a:bodyPr/>
-                    <a:lstStyle/>
-                    <a:p>
-                      <a:pPr algn="ctr">
-                        <a:spcAft>
-                          <a:spcPts val="0"/>
-                        </a:spcAft>
-                      </a:pPr>
-                      <a:r>
-                        <a:rPr lang="en-US" sz="1050" kern="100" dirty="0">
-                          <a:effectLst/>
-                        </a:rPr>
-                        <a:t>29.85</a:t>
-                      </a:r>
-                      <a:endParaRPr lang="zh-CN" sz="1050" kern="100" dirty="0">
-                        <a:effectLst/>
-                        <a:latin typeface="Calibri" panose="020F0502020204030204"/>
-                        <a:ea typeface="宋体" panose="02010600030101010101" pitchFamily="2" charset="-122"/>
-                        <a:cs typeface="Times New Roman" panose="02020603050405020304"/>
-                      </a:endParaRPr>
-                    </a:p>
-                  </a:txBody>
-                  <a:tcPr marL="68580" marR="68580" marT="0" marB="0"/>
-                </a:tc>
-              </a:tr>
-            </a:tbl>
-          </a:graphicData>
-        </a:graphic>
-      </p:graphicFrame>
-      <p:sp>
-        <p:nvSpPr>
-          <p:cNvPr id="10" name="矩形 9"/>
-          <p:cNvSpPr/>
-          <p:nvPr/>
-        </p:nvSpPr>
-        <p:spPr>
-          <a:xfrm>
-            <a:off x="7463358" y="606673"/>
-            <a:ext cx="1902444" cy="461665"/>
-          </a:xfrm>
-          <a:prstGeom prst="rect">
-            <a:avLst/>
-          </a:prstGeom>
-        </p:spPr>
-        <p:txBody>
-          <a:bodyPr wrap="none">
-            <a:spAutoFit/>
-          </a:bodyPr>
-          <a:lstStyle/>
-          <a:p>
-            <a:pPr lvl="2" algn="ctr"/>
-            <a:r>
-              <a:rPr lang="zh-CN" altLang="zh-CN" sz="2400" b="1" dirty="0"/>
-              <a:t>预算</a:t>
-            </a:r>
           </a:p>
         </p:txBody>
       </p:sp>
@@ -13999,15 +13887,15 @@
           <p:nvPr/>
         </p:nvPicPr>
         <p:blipFill>
-          <a:blip r:embed="rId2"/>
+          <a:blip r:embed="rId1"/>
           <a:stretch>
             <a:fillRect/>
           </a:stretch>
         </p:blipFill>
         <p:spPr>
           <a:xfrm>
-            <a:off x="6879590" y="1299210"/>
-            <a:ext cx="4949190" cy="4812665"/>
+            <a:off x="4938395" y="73025"/>
+            <a:ext cx="6903085" cy="6497955"/>
           </a:xfrm>
           <a:prstGeom prst="rect">
             <a:avLst/>
@@ -14139,8 +14027,9 @@
             <a:pPr algn="ctr"/>
             <a:r>
               <a:rPr lang="en-US" sz="2400" dirty="0"/>
-              <a:t>8</a:t>
+              <a:t>9</a:t>
             </a:r>
+            <a:endParaRPr lang="en-US" sz="2400" dirty="0"/>
           </a:p>
         </p:txBody>
       </p:sp>
@@ -14174,33 +14063,80 @@
                 <a:latin typeface="微软雅黑" panose="020B0503020204020204" pitchFamily="34" charset="-122"/>
                 <a:ea typeface="微软雅黑" panose="020B0503020204020204" pitchFamily="34" charset="-122"/>
               </a:rPr>
-              <a:t>会议记录</a:t>
+              <a:t>项目总体计划</a:t>
             </a:r>
+            <a:r>
+              <a:rPr lang="en-US" altLang="zh-CN" sz="2665" dirty="0" smtClean="0">
+                <a:solidFill>
+                  <a:srgbClr val="183A5D"/>
+                </a:solidFill>
+                <a:latin typeface="微软雅黑" panose="020B0503020204020204" pitchFamily="34" charset="-122"/>
+                <a:ea typeface="微软雅黑" panose="020B0503020204020204" pitchFamily="34" charset="-122"/>
+              </a:rPr>
+              <a:t>WBS</a:t>
+            </a:r>
+            <a:endParaRPr lang="en-US" altLang="zh-CN" sz="2665" dirty="0" smtClean="0">
+              <a:solidFill>
+                <a:srgbClr val="183A5D"/>
+              </a:solidFill>
+              <a:latin typeface="微软雅黑" panose="020B0503020204020204" pitchFamily="34" charset="-122"/>
+              <a:ea typeface="微软雅黑" panose="020B0503020204020204" pitchFamily="34" charset="-122"/>
+            </a:endParaRPr>
           </a:p>
         </p:txBody>
       </p:sp>
       <p:pic>
         <p:nvPicPr>
-          <p:cNvPr id="7" name="图片 6"/>
+          <p:cNvPr id="1026" name="Picture 2"/>
           <p:cNvPicPr>
-            <a:picLocks noChangeAspect="1"/>
+            <a:picLocks noChangeAspect="1" noChangeArrowheads="1"/>
           </p:cNvPicPr>
           <p:nvPr/>
         </p:nvPicPr>
         <p:blipFill>
-          <a:blip r:embed="rId2"/>
+          <a:blip r:embed="rId1">
+            <a:extLst>
+              <a:ext uri="{28A0092B-C50C-407E-A947-70E740481C1C}">
+                <a14:useLocalDpi xmlns:a14="http://schemas.microsoft.com/office/drawing/2010/main" val="0"/>
+              </a:ext>
+            </a:extLst>
+          </a:blip>
+          <a:srcRect/>
           <a:stretch>
             <a:fillRect/>
           </a:stretch>
         </p:blipFill>
-        <p:spPr>
+        <p:spPr bwMode="auto">
           <a:xfrm>
-            <a:off x="4728845" y="160020"/>
-            <a:ext cx="6841490" cy="6167755"/>
+            <a:off x="838622" y="909514"/>
+            <a:ext cx="10646014" cy="5772136"/>
           </a:xfrm>
           <a:prstGeom prst="rect">
             <a:avLst/>
           </a:prstGeom>
+          <a:noFill/>
+          <a:ln>
+            <a:noFill/>
+          </a:ln>
+          <a:extLst>
+            <a:ext uri="{909E8E84-426E-40DD-AFC4-6F175D3DCCD1}">
+              <a14:hiddenFill xmlns:a14="http://schemas.microsoft.com/office/drawing/2010/main">
+                <a:solidFill>
+                  <a:schemeClr val="accent1"/>
+                </a:solidFill>
+              </a14:hiddenFill>
+            </a:ext>
+            <a:ext uri="{91240B29-F687-4F45-9708-019B960494DF}">
+              <a14:hiddenLine xmlns:a14="http://schemas.microsoft.com/office/drawing/2010/main" w="9525">
+                <a:solidFill>
+                  <a:schemeClr val="tx1"/>
+                </a:solidFill>
+                <a:miter lim="800000"/>
+                <a:headEnd/>
+                <a:tailEnd/>
+              </a14:hiddenLine>
+            </a:ext>
+          </a:extLst>
         </p:spPr>
       </p:pic>
     </p:spTree>
@@ -14551,6 +14487,11 @@
               </a:rPr>
               <a:t>3</a:t>
             </a:r>
+            <a:endParaRPr lang="en-US" altLang="zh-CN" sz="3600" dirty="0">
+              <a:latin typeface="+mj-lt"/>
+              <a:ea typeface="Arial Unicode MS" panose="020B0604020202020204" pitchFamily="34" charset="-122"/>
+              <a:cs typeface="Arial Unicode MS" panose="020B0604020202020204" pitchFamily="34" charset="-122"/>
+            </a:endParaRPr>
           </a:p>
         </p:txBody>
       </p:sp>
@@ -14767,6 +14708,13 @@
               </a:rPr>
               <a:t>目录</a:t>
             </a:r>
+            <a:endParaRPr lang="zh-CN" altLang="zh-CN" sz="3200" b="1" dirty="0">
+              <a:solidFill>
+                <a:schemeClr val="bg1"/>
+              </a:solidFill>
+              <a:latin typeface="微软雅黑" panose="020B0503020204020204" pitchFamily="34" charset="-122"/>
+              <a:ea typeface="微软雅黑" panose="020B0503020204020204" pitchFamily="34" charset="-122"/>
+            </a:endParaRPr>
           </a:p>
         </p:txBody>
       </p:sp>
@@ -14829,6 +14777,11 @@
               </a:rPr>
               <a:t>4</a:t>
             </a:r>
+            <a:endParaRPr lang="en-US" altLang="zh-CN" sz="3600" dirty="0">
+              <a:latin typeface="+mj-lt"/>
+              <a:ea typeface="Arial Unicode MS" panose="020B0604020202020204" pitchFamily="34" charset="-122"/>
+              <a:cs typeface="Arial Unicode MS" panose="020B0604020202020204" pitchFamily="34" charset="-122"/>
+            </a:endParaRPr>
           </a:p>
         </p:txBody>
       </p:sp>
@@ -15142,6 +15095,11 @@
               </a:rPr>
               <a:t>5</a:t>
             </a:r>
+            <a:endParaRPr lang="en-US" altLang="zh-CN" sz="3600" dirty="0">
+              <a:latin typeface="+mj-lt"/>
+              <a:ea typeface="Arial Unicode MS" panose="020B0604020202020204" pitchFamily="34" charset="-122"/>
+              <a:cs typeface="Arial Unicode MS" panose="020B0604020202020204" pitchFamily="34" charset="-122"/>
+            </a:endParaRPr>
           </a:p>
         </p:txBody>
       </p:sp>
@@ -15204,6 +15162,11 @@
               </a:rPr>
               <a:t>6</a:t>
             </a:r>
+            <a:endParaRPr lang="en-US" altLang="zh-CN" sz="3600" dirty="0">
+              <a:latin typeface="+mj-lt"/>
+              <a:ea typeface="Arial Unicode MS" panose="020B0604020202020204" pitchFamily="34" charset="-122"/>
+              <a:cs typeface="Arial Unicode MS" panose="020B0604020202020204" pitchFamily="34" charset="-122"/>
+            </a:endParaRPr>
           </a:p>
         </p:txBody>
       </p:sp>
@@ -15347,9 +15310,9 @@
         <p:grpSpPr>
           <a:xfrm>
             <a:off x="4730115" y="4991735"/>
-            <a:ext cx="2110740" cy="542290"/>
+            <a:ext cx="2463165" cy="511796"/>
             <a:chOff x="6329397" y="4108895"/>
-            <a:chExt cx="3744416" cy="542247"/>
+            <a:chExt cx="3874375" cy="511504"/>
           </a:xfrm>
         </p:grpSpPr>
         <p:sp>
@@ -15419,8 +15382,8 @@
           </p:nvSpPr>
           <p:spPr>
             <a:xfrm>
-              <a:off x="6681985" y="4221916"/>
-              <a:ext cx="3171038" cy="429226"/>
+              <a:off x="6427280" y="4150167"/>
+              <a:ext cx="3776492" cy="429015"/>
             </a:xfrm>
             <a:prstGeom prst="rect">
               <a:avLst/>
@@ -15444,7 +15407,7 @@
                   <a:ea typeface="微软雅黑" panose="020B0503020204020204" pitchFamily="34" charset="-122"/>
                   <a:cs typeface="Times New Roman" panose="02020603050405020304" pitchFamily="18" charset="0"/>
                 </a:rPr>
-                <a:t>配置系统管理</a:t>
+                <a:t>配置系统管理计划</a:t>
               </a:r>
               <a:endParaRPr lang="zh-CN" altLang="zh-CN" sz="2000" b="1" kern="100" dirty="0">
                 <a:solidFill>
@@ -15517,6 +15480,11 @@
               </a:rPr>
               <a:t>7</a:t>
             </a:r>
+            <a:endParaRPr lang="en-US" altLang="zh-CN" sz="3600" dirty="0">
+              <a:latin typeface="+mj-lt"/>
+              <a:ea typeface="Arial Unicode MS" panose="020B0604020202020204" pitchFamily="34" charset="-122"/>
+              <a:cs typeface="Arial Unicode MS" panose="020B0604020202020204" pitchFamily="34" charset="-122"/>
+            </a:endParaRPr>
           </a:p>
         </p:txBody>
       </p:sp>
@@ -15528,7 +15496,7 @@
         </p:nvGrpSpPr>
         <p:grpSpPr>
           <a:xfrm>
-            <a:off x="4730115" y="5932805"/>
+            <a:off x="4709795" y="5932805"/>
             <a:ext cx="2111375" cy="511810"/>
             <a:chOff x="6339097" y="4180903"/>
             <a:chExt cx="3744416" cy="511504"/>
@@ -15601,8 +15569,8 @@
           </p:nvSpPr>
           <p:spPr>
             <a:xfrm>
-              <a:off x="6682074" y="4221882"/>
-              <a:ext cx="2736304" cy="429003"/>
+              <a:off x="6682570" y="4222153"/>
+              <a:ext cx="3216256" cy="429003"/>
             </a:xfrm>
             <a:prstGeom prst="rect">
               <a:avLst/>
@@ -15637,7 +15605,7 @@
                   <a:ea typeface="微软雅黑" panose="020B0503020204020204" pitchFamily="34" charset="-122"/>
                   <a:cs typeface="Times New Roman" panose="02020603050405020304" pitchFamily="18" charset="0"/>
                 </a:rPr>
-                <a:t>管理</a:t>
+                <a:t>管理计划</a:t>
               </a:r>
               <a:endParaRPr lang="zh-CN" altLang="zh-CN" sz="2000" b="1" kern="100" dirty="0">
                 <a:solidFill>
@@ -15710,6 +15678,11 @@
               </a:rPr>
               <a:t>0</a:t>
             </a:r>
+            <a:endParaRPr lang="en-US" altLang="zh-CN" sz="3600" dirty="0">
+              <a:latin typeface="+mj-lt"/>
+              <a:ea typeface="Arial Unicode MS" panose="020B0604020202020204" pitchFamily="34" charset="-122"/>
+              <a:cs typeface="Arial Unicode MS" panose="020B0604020202020204" pitchFamily="34" charset="-122"/>
+            </a:endParaRPr>
           </a:p>
         </p:txBody>
       </p:sp>
@@ -15821,6 +15794,14 @@
                 </a:rPr>
                 <a:t>项目简介</a:t>
               </a:r>
+              <a:endParaRPr lang="zh-CN" altLang="zh-CN" sz="2000" b="1" kern="100" dirty="0">
+                <a:solidFill>
+                  <a:schemeClr val="bg1"/>
+                </a:solidFill>
+                <a:latin typeface="微软雅黑" panose="020B0503020204020204" pitchFamily="34" charset="-122"/>
+                <a:ea typeface="微软雅黑" panose="020B0503020204020204" pitchFamily="34" charset="-122"/>
+                <a:cs typeface="Times New Roman" panose="02020603050405020304" pitchFamily="18" charset="0"/>
+              </a:endParaRPr>
             </a:p>
           </p:txBody>
         </p:sp>
@@ -15884,6 +15865,11 @@
               </a:rPr>
               <a:t>8</a:t>
             </a:r>
+            <a:endParaRPr lang="en-US" altLang="zh-CN" sz="3600" dirty="0">
+              <a:latin typeface="+mj-lt"/>
+              <a:ea typeface="Arial Unicode MS" panose="020B0604020202020204" pitchFamily="34" charset="-122"/>
+              <a:cs typeface="Arial Unicode MS" panose="020B0604020202020204" pitchFamily="34" charset="-122"/>
+            </a:endParaRPr>
           </a:p>
         </p:txBody>
       </p:sp>
@@ -15995,6 +15981,14 @@
                 </a:rPr>
                 <a:t>会议记录</a:t>
               </a:r>
+              <a:endParaRPr lang="zh-CN" altLang="zh-CN" sz="2000" b="1" kern="100" dirty="0">
+                <a:solidFill>
+                  <a:schemeClr val="bg1"/>
+                </a:solidFill>
+                <a:latin typeface="微软雅黑" panose="020B0503020204020204" pitchFamily="34" charset="-122"/>
+                <a:ea typeface="微软雅黑" panose="020B0503020204020204" pitchFamily="34" charset="-122"/>
+                <a:cs typeface="Times New Roman" panose="02020603050405020304" pitchFamily="18" charset="0"/>
+              </a:endParaRPr>
             </a:p>
           </p:txBody>
         </p:sp>
@@ -16058,6 +16052,11 @@
               </a:rPr>
               <a:t>9</a:t>
             </a:r>
+            <a:endParaRPr lang="en-US" altLang="zh-CN" sz="3600" dirty="0">
+              <a:latin typeface="+mj-lt"/>
+              <a:ea typeface="Arial Unicode MS" panose="020B0604020202020204" pitchFamily="34" charset="-122"/>
+              <a:cs typeface="Arial Unicode MS" panose="020B0604020202020204" pitchFamily="34" charset="-122"/>
+            </a:endParaRPr>
           </a:p>
         </p:txBody>
       </p:sp>
@@ -16169,6 +16168,14 @@
                 </a:rPr>
                 <a:t>WBS</a:t>
               </a:r>
+              <a:endParaRPr lang="en-US" altLang="zh-CN" sz="2000" b="1" kern="100" dirty="0">
+                <a:solidFill>
+                  <a:schemeClr val="bg1"/>
+                </a:solidFill>
+                <a:latin typeface="微软雅黑" panose="020B0503020204020204" pitchFamily="34" charset="-122"/>
+                <a:ea typeface="微软雅黑" panose="020B0503020204020204" pitchFamily="34" charset="-122"/>
+                <a:cs typeface="Times New Roman" panose="02020603050405020304" pitchFamily="18" charset="0"/>
+              </a:endParaRPr>
             </a:p>
           </p:txBody>
         </p:sp>
@@ -16232,6 +16239,11 @@
               </a:rPr>
               <a:t>10</a:t>
             </a:r>
+            <a:endParaRPr lang="en-US" altLang="zh-CN" sz="3600" dirty="0">
+              <a:latin typeface="+mj-lt"/>
+              <a:ea typeface="Arial Unicode MS" panose="020B0604020202020204" pitchFamily="34" charset="-122"/>
+              <a:cs typeface="Arial Unicode MS" panose="020B0604020202020204" pitchFamily="34" charset="-122"/>
+            </a:endParaRPr>
           </a:p>
         </p:txBody>
       </p:sp>
@@ -16343,6 +16355,14 @@
                 </a:rPr>
                 <a:t>可行性分析报告</a:t>
               </a:r>
+              <a:endParaRPr lang="zh-CN" altLang="zh-CN" sz="2000" b="1" kern="100" dirty="0">
+                <a:solidFill>
+                  <a:schemeClr val="bg1"/>
+                </a:solidFill>
+                <a:latin typeface="微软雅黑" panose="020B0503020204020204" pitchFamily="34" charset="-122"/>
+                <a:ea typeface="微软雅黑" panose="020B0503020204020204" pitchFamily="34" charset="-122"/>
+                <a:cs typeface="Times New Roman" panose="02020603050405020304" pitchFamily="18" charset="0"/>
+              </a:endParaRPr>
             </a:p>
           </p:txBody>
         </p:sp>
@@ -16406,6 +16426,11 @@
               </a:rPr>
               <a:t>11</a:t>
             </a:r>
+            <a:endParaRPr lang="en-US" altLang="zh-CN" sz="3600" dirty="0">
+              <a:latin typeface="+mj-lt"/>
+              <a:ea typeface="Arial Unicode MS" panose="020B0604020202020204" pitchFamily="34" charset="-122"/>
+              <a:cs typeface="Arial Unicode MS" panose="020B0604020202020204" pitchFamily="34" charset="-122"/>
+            </a:endParaRPr>
           </a:p>
         </p:txBody>
       </p:sp>
@@ -16517,6 +16542,14 @@
                 </a:rPr>
                 <a:t>项目章程</a:t>
               </a:r>
+              <a:endParaRPr lang="zh-CN" altLang="zh-CN" sz="2000" b="1" kern="100" dirty="0">
+                <a:solidFill>
+                  <a:schemeClr val="bg1"/>
+                </a:solidFill>
+                <a:latin typeface="微软雅黑" panose="020B0503020204020204" pitchFamily="34" charset="-122"/>
+                <a:ea typeface="微软雅黑" panose="020B0503020204020204" pitchFamily="34" charset="-122"/>
+                <a:cs typeface="Times New Roman" panose="02020603050405020304" pitchFamily="18" charset="0"/>
+              </a:endParaRPr>
             </a:p>
           </p:txBody>
         </p:sp>
@@ -16526,13 +16559,13 @@
   <p:clrMapOvr>
     <a:masterClrMapping/>
   </p:clrMapOvr>
-  <mc:AlternateContent xmlns:mc="http://schemas.openxmlformats.org/markup-compatibility/2006" xmlns:p14="http://schemas.microsoft.com/office/powerpoint/2010/main">
-    <mc:Choice Requires="p14">
+  <mc:AlternateContent xmlns:mc="http://schemas.openxmlformats.org/markup-compatibility/2006">
+    <mc:Choice xmlns:p14="http://schemas.microsoft.com/office/powerpoint/2010/main" Requires="p14">
       <p:transition spd="slow" p14:dur="1200" advClick="0" advTm="0">
         <p14:prism/>
       </p:transition>
     </mc:Choice>
-    <mc:Fallback xmlns="">
+    <mc:Fallback>
       <p:transition spd="slow" advClick="0" advTm="0">
         <p:fade/>
       </p:transition>
@@ -18127,6 +18160,7 @@
               <a:rPr lang="en-US" sz="2400" dirty="0"/>
               <a:t>9</a:t>
             </a:r>
+            <a:endParaRPr lang="en-US" sz="2400" dirty="0"/>
           </a:p>
         </p:txBody>
       </p:sp>
@@ -18160,7 +18194,7 @@
                 <a:latin typeface="微软雅黑" panose="020B0503020204020204" pitchFamily="34" charset="-122"/>
                 <a:ea typeface="微软雅黑" panose="020B0503020204020204" pitchFamily="34" charset="-122"/>
               </a:rPr>
-              <a:t>项目总体计划</a:t>
+              <a:t>需求工程项目计划</a:t>
             </a:r>
             <a:r>
               <a:rPr lang="en-US" altLang="zh-CN" sz="2665" dirty="0" smtClean="0">
@@ -18172,19 +18206,26 @@
               </a:rPr>
               <a:t>WBS</a:t>
             </a:r>
+            <a:endParaRPr lang="en-US" altLang="zh-CN" sz="2665" dirty="0" smtClean="0">
+              <a:solidFill>
+                <a:srgbClr val="183A5D"/>
+              </a:solidFill>
+              <a:latin typeface="微软雅黑" panose="020B0503020204020204" pitchFamily="34" charset="-122"/>
+              <a:ea typeface="微软雅黑" panose="020B0503020204020204" pitchFamily="34" charset="-122"/>
+            </a:endParaRPr>
           </a:p>
         </p:txBody>
       </p:sp>
       <p:pic>
         <p:nvPicPr>
-          <p:cNvPr id="1026" name="Picture 2"/>
+          <p:cNvPr id="2050" name="Picture 2"/>
           <p:cNvPicPr>
             <a:picLocks noChangeAspect="1" noChangeArrowheads="1"/>
           </p:cNvPicPr>
           <p:nvPr/>
         </p:nvPicPr>
         <p:blipFill>
-          <a:blip r:embed="rId2">
+          <a:blip r:embed="rId1">
             <a:extLst>
               <a:ext uri="{28A0092B-C50C-407E-A947-70E740481C1C}">
                 <a14:useLocalDpi xmlns:a14="http://schemas.microsoft.com/office/drawing/2010/main" val="0"/>
@@ -18198,8 +18239,8 @@
         </p:blipFill>
         <p:spPr bwMode="auto">
           <a:xfrm>
-            <a:off x="838622" y="909514"/>
-            <a:ext cx="10646014" cy="5772136"/>
+            <a:off x="550590" y="765498"/>
+            <a:ext cx="11122885" cy="6030690"/>
           </a:xfrm>
           <a:prstGeom prst="rect">
             <a:avLst/>
@@ -18356,6 +18397,7 @@
               <a:rPr lang="en-US" sz="2400" dirty="0"/>
               <a:t>9</a:t>
             </a:r>
+            <a:endParaRPr lang="en-US" sz="2400" dirty="0"/>
           </a:p>
         </p:txBody>
       </p:sp>
@@ -18399,21 +18441,28 @@
                 <a:latin typeface="微软雅黑" panose="020B0503020204020204" pitchFamily="34" charset="-122"/>
                 <a:ea typeface="微软雅黑" panose="020B0503020204020204" pitchFamily="34" charset="-122"/>
               </a:rPr>
-              <a:t>WBS</a:t>
+              <a:t>WBS-io</a:t>
             </a:r>
+            <a:endParaRPr lang="en-US" altLang="zh-CN" sz="2665" dirty="0" smtClean="0">
+              <a:solidFill>
+                <a:srgbClr val="183A5D"/>
+              </a:solidFill>
+              <a:latin typeface="微软雅黑" panose="020B0503020204020204" pitchFamily="34" charset="-122"/>
+              <a:ea typeface="微软雅黑" panose="020B0503020204020204" pitchFamily="34" charset="-122"/>
+            </a:endParaRPr>
           </a:p>
         </p:txBody>
       </p:sp>
       <p:pic>
         <p:nvPicPr>
-          <p:cNvPr id="2050" name="Picture 2"/>
+          <p:cNvPr id="3074" name="Picture 2"/>
           <p:cNvPicPr>
             <a:picLocks noChangeAspect="1" noChangeArrowheads="1"/>
           </p:cNvPicPr>
           <p:nvPr/>
         </p:nvPicPr>
         <p:blipFill>
-          <a:blip r:embed="rId2">
+          <a:blip r:embed="rId1">
             <a:extLst>
               <a:ext uri="{28A0092B-C50C-407E-A947-70E740481C1C}">
                 <a14:useLocalDpi xmlns:a14="http://schemas.microsoft.com/office/drawing/2010/main" val="0"/>
@@ -18427,8 +18476,8 @@
         </p:blipFill>
         <p:spPr bwMode="auto">
           <a:xfrm>
-            <a:off x="550590" y="765498"/>
-            <a:ext cx="11122885" cy="6030690"/>
+            <a:off x="622598" y="909514"/>
+            <a:ext cx="10631487" cy="5764260"/>
           </a:xfrm>
           <a:prstGeom prst="rect">
             <a:avLst/>
@@ -18583,8 +18632,9 @@
             <a:pPr algn="ctr"/>
             <a:r>
               <a:rPr lang="en-US" sz="2400" dirty="0"/>
-              <a:t>9</a:t>
+              <a:t>10</a:t>
             </a:r>
+            <a:endParaRPr lang="en-US" sz="2400" dirty="0"/>
           </a:p>
         </p:txBody>
       </p:sp>
@@ -18611,38 +18661,35 @@
           <a:lstStyle/>
           <a:p>
             <a:r>
-              <a:rPr lang="zh-CN" sz="2665" dirty="0" smtClean="0">
+              <a:rPr lang="zh-CN" altLang="en-US" sz="2665" dirty="0" smtClean="0">
                 <a:solidFill>
                   <a:srgbClr val="183A5D"/>
                 </a:solidFill>
                 <a:latin typeface="微软雅黑" panose="020B0503020204020204" pitchFamily="34" charset="-122"/>
                 <a:ea typeface="微软雅黑" panose="020B0503020204020204" pitchFamily="34" charset="-122"/>
               </a:rPr>
-              <a:t>需求工程项目计划</a:t>
+              <a:t>可行性分析报告</a:t>
             </a:r>
-            <a:r>
-              <a:rPr lang="en-US" altLang="zh-CN" sz="2665" dirty="0" smtClean="0">
-                <a:solidFill>
-                  <a:srgbClr val="183A5D"/>
-                </a:solidFill>
-                <a:latin typeface="微软雅黑" panose="020B0503020204020204" pitchFamily="34" charset="-122"/>
-                <a:ea typeface="微软雅黑" panose="020B0503020204020204" pitchFamily="34" charset="-122"/>
-              </a:rPr>
-              <a:t>WBS-io</a:t>
-            </a:r>
+            <a:endParaRPr lang="zh-CN" altLang="en-US" sz="2665" dirty="0" smtClean="0">
+              <a:solidFill>
+                <a:srgbClr val="183A5D"/>
+              </a:solidFill>
+              <a:latin typeface="微软雅黑" panose="020B0503020204020204" pitchFamily="34" charset="-122"/>
+              <a:ea typeface="微软雅黑" panose="020B0503020204020204" pitchFamily="34" charset="-122"/>
+            </a:endParaRPr>
           </a:p>
         </p:txBody>
       </p:sp>
       <p:pic>
         <p:nvPicPr>
-          <p:cNvPr id="3074" name="Picture 2"/>
+          <p:cNvPr id="4098" name="Picture 2"/>
           <p:cNvPicPr>
             <a:picLocks noChangeAspect="1" noChangeArrowheads="1"/>
           </p:cNvPicPr>
           <p:nvPr/>
         </p:nvPicPr>
         <p:blipFill>
-          <a:blip r:embed="rId2">
+          <a:blip r:embed="rId1">
             <a:extLst>
               <a:ext uri="{28A0092B-C50C-407E-A947-70E740481C1C}">
                 <a14:useLocalDpi xmlns:a14="http://schemas.microsoft.com/office/drawing/2010/main" val="0"/>
@@ -18656,8 +18703,8 @@
         </p:blipFill>
         <p:spPr bwMode="auto">
           <a:xfrm>
-            <a:off x="622598" y="909514"/>
-            <a:ext cx="10631487" cy="5764260"/>
+            <a:off x="838622" y="837506"/>
+            <a:ext cx="10788901" cy="5799034"/>
           </a:xfrm>
           <a:prstGeom prst="rect">
             <a:avLst/>
@@ -18812,227 +18859,9 @@
             <a:pPr algn="ctr"/>
             <a:r>
               <a:rPr lang="en-US" sz="2400" dirty="0"/>
-              <a:t>10</a:t>
-            </a:r>
-          </a:p>
-        </p:txBody>
-      </p:sp>
-      <p:sp>
-        <p:nvSpPr>
-          <p:cNvPr id="4" name="文本框 3"/>
-          <p:cNvSpPr txBox="1"/>
-          <p:nvPr/>
-        </p:nvSpPr>
-        <p:spPr>
-          <a:xfrm>
-            <a:off x="2206068" y="159851"/>
-            <a:ext cx="6052718" cy="501650"/>
-          </a:xfrm>
-          <a:prstGeom prst="rect">
-            <a:avLst/>
-          </a:prstGeom>
-          <a:noFill/>
-        </p:spPr>
-        <p:txBody>
-          <a:bodyPr wrap="square" rtlCol="0">
-            <a:spAutoFit/>
-          </a:bodyPr>
-          <a:lstStyle/>
-          <a:p>
-            <a:r>
-              <a:rPr lang="zh-CN" altLang="en-US" sz="2665" dirty="0" smtClean="0">
-                <a:solidFill>
-                  <a:srgbClr val="183A5D"/>
-                </a:solidFill>
-                <a:latin typeface="微软雅黑" panose="020B0503020204020204" pitchFamily="34" charset="-122"/>
-                <a:ea typeface="微软雅黑" panose="020B0503020204020204" pitchFamily="34" charset="-122"/>
-              </a:rPr>
-              <a:t>可行性分析报告</a:t>
-            </a:r>
-          </a:p>
-        </p:txBody>
-      </p:sp>
-      <p:pic>
-        <p:nvPicPr>
-          <p:cNvPr id="4098" name="Picture 2"/>
-          <p:cNvPicPr>
-            <a:picLocks noChangeAspect="1" noChangeArrowheads="1"/>
-          </p:cNvPicPr>
-          <p:nvPr/>
-        </p:nvPicPr>
-        <p:blipFill>
-          <a:blip r:embed="rId2">
-            <a:extLst>
-              <a:ext uri="{28A0092B-C50C-407E-A947-70E740481C1C}">
-                <a14:useLocalDpi xmlns:a14="http://schemas.microsoft.com/office/drawing/2010/main" val="0"/>
-              </a:ext>
-            </a:extLst>
-          </a:blip>
-          <a:srcRect/>
-          <a:stretch>
-            <a:fillRect/>
-          </a:stretch>
-        </p:blipFill>
-        <p:spPr bwMode="auto">
-          <a:xfrm>
-            <a:off x="838622" y="837506"/>
-            <a:ext cx="10788901" cy="5799034"/>
-          </a:xfrm>
-          <a:prstGeom prst="rect">
-            <a:avLst/>
-          </a:prstGeom>
-          <a:noFill/>
-          <a:ln>
-            <a:noFill/>
-          </a:ln>
-          <a:extLst>
-            <a:ext uri="{909E8E84-426E-40DD-AFC4-6F175D3DCCD1}">
-              <a14:hiddenFill xmlns:a14="http://schemas.microsoft.com/office/drawing/2010/main">
-                <a:solidFill>
-                  <a:schemeClr val="accent1"/>
-                </a:solidFill>
-              </a14:hiddenFill>
-            </a:ext>
-            <a:ext uri="{91240B29-F687-4F45-9708-019B960494DF}">
-              <a14:hiddenLine xmlns:a14="http://schemas.microsoft.com/office/drawing/2010/main" w="9525">
-                <a:solidFill>
-                  <a:schemeClr val="tx1"/>
-                </a:solidFill>
-                <a:miter lim="800000"/>
-                <a:headEnd/>
-                <a:tailEnd/>
-              </a14:hiddenLine>
-            </a:ext>
-          </a:extLst>
-        </p:spPr>
-      </p:pic>
-    </p:spTree>
-  </p:cSld>
-  <p:clrMapOvr>
-    <a:masterClrMapping/>
-  </p:clrMapOvr>
-  <p:transition spd="slow" advClick="0" advTm="0">
-    <p:wipe/>
-  </p:transition>
-  <p:timing>
-    <p:tnLst>
-      <p:par>
-        <p:cTn id="1" dur="indefinite" restart="never" nodeType="tmRoot"/>
-      </p:par>
-    </p:tnLst>
-  </p:timing>
-</p:sld>
-</file>
-
-<file path=ppt/slides/slide24.xml><?xml version="1.0" encoding="utf-8"?>
-<p:sld xmlns:a="http://schemas.openxmlformats.org/drawingml/2006/main" xmlns:r="http://schemas.openxmlformats.org/officeDocument/2006/relationships" xmlns:p="http://schemas.openxmlformats.org/presentationml/2006/main">
-  <p:cSld>
-    <p:spTree>
-      <p:nvGrpSpPr>
-        <p:cNvPr id="1" name=""/>
-        <p:cNvGrpSpPr/>
-        <p:nvPr/>
-      </p:nvGrpSpPr>
-      <p:grpSpPr>
-        <a:xfrm>
-          <a:off x="0" y="0"/>
-          <a:ext cx="0" cy="0"/>
-          <a:chOff x="0" y="0"/>
-          <a:chExt cx="0" cy="0"/>
-        </a:xfrm>
-      </p:grpSpPr>
-      <p:sp>
-        <p:nvSpPr>
-          <p:cNvPr id="2" name="矩形 1"/>
-          <p:cNvSpPr/>
-          <p:nvPr/>
-        </p:nvSpPr>
-        <p:spPr>
-          <a:xfrm>
-            <a:off x="237030" y="1171"/>
-            <a:ext cx="1608415" cy="135446"/>
-          </a:xfrm>
-          <a:prstGeom prst="rect">
-            <a:avLst/>
-          </a:prstGeom>
-          <a:solidFill>
-            <a:srgbClr val="183A5D"/>
-          </a:solidFill>
-          <a:ln>
-            <a:noFill/>
-          </a:ln>
-        </p:spPr>
-        <p:style>
-          <a:lnRef idx="2">
-            <a:schemeClr val="accent1">
-              <a:shade val="50000"/>
-            </a:schemeClr>
-          </a:lnRef>
-          <a:fillRef idx="1">
-            <a:schemeClr val="accent1"/>
-          </a:fillRef>
-          <a:effectRef idx="0">
-            <a:schemeClr val="accent1"/>
-          </a:effectRef>
-          <a:fontRef idx="minor">
-            <a:schemeClr val="lt1"/>
-          </a:fontRef>
-        </p:style>
-        <p:txBody>
-          <a:bodyPr rtlCol="0" anchor="ctr"/>
-          <a:lstStyle/>
-          <a:p>
-            <a:pPr algn="ctr"/>
-            <a:endParaRPr lang="zh-CN" altLang="en-US" sz="2800"/>
-          </a:p>
-        </p:txBody>
-      </p:sp>
-      <p:sp>
-        <p:nvSpPr>
-          <p:cNvPr id="3" name="矩形 2"/>
-          <p:cNvSpPr/>
-          <p:nvPr/>
-        </p:nvSpPr>
-        <p:spPr>
-          <a:xfrm>
-            <a:off x="237030" y="255131"/>
-            <a:ext cx="1608415" cy="406336"/>
-          </a:xfrm>
-          <a:prstGeom prst="rect">
-            <a:avLst/>
-          </a:prstGeom>
-          <a:solidFill>
-            <a:srgbClr val="183A5D"/>
-          </a:solidFill>
-          <a:ln>
-            <a:noFill/>
-          </a:ln>
-        </p:spPr>
-        <p:style>
-          <a:lnRef idx="2">
-            <a:schemeClr val="accent1">
-              <a:shade val="50000"/>
-            </a:schemeClr>
-          </a:lnRef>
-          <a:fillRef idx="1">
-            <a:schemeClr val="accent1"/>
-          </a:fillRef>
-          <a:effectRef idx="0">
-            <a:schemeClr val="accent1"/>
-          </a:effectRef>
-          <a:fontRef idx="minor">
-            <a:schemeClr val="lt1"/>
-          </a:fontRef>
-        </p:style>
-        <p:txBody>
-          <a:bodyPr rtlCol="0" anchor="ctr"/>
-          <a:lstStyle/>
-          <a:p>
-            <a:pPr algn="ctr"/>
-            <a:r>
-              <a:rPr lang="en-US" sz="2400" dirty="0"/>
               <a:t>11</a:t>
             </a:r>
+            <a:endParaRPr lang="en-US" sz="2400" dirty="0"/>
           </a:p>
         </p:txBody>
       </p:sp>
@@ -19068,61 +18897,38 @@
               </a:rPr>
               <a:t>项目章程</a:t>
             </a:r>
+            <a:endParaRPr lang="zh-CN" altLang="en-US" sz="2665" dirty="0" smtClean="0">
+              <a:solidFill>
+                <a:srgbClr val="183A5D"/>
+              </a:solidFill>
+              <a:latin typeface="微软雅黑" panose="020B0503020204020204" pitchFamily="34" charset="-122"/>
+              <a:ea typeface="微软雅黑" panose="020B0503020204020204" pitchFamily="34" charset="-122"/>
+            </a:endParaRPr>
           </a:p>
         </p:txBody>
       </p:sp>
       <p:pic>
         <p:nvPicPr>
-          <p:cNvPr id="5122" name="Picture 2"/>
+          <p:cNvPr id="6" name="图片 5"/>
           <p:cNvPicPr>
-            <a:picLocks noChangeAspect="1" noChangeArrowheads="1"/>
+            <a:picLocks noChangeAspect="1"/>
           </p:cNvPicPr>
           <p:nvPr/>
         </p:nvPicPr>
         <p:blipFill>
-          <a:blip r:embed="rId2">
-            <a:extLst>
-              <a:ext uri="{28A0092B-C50C-407E-A947-70E740481C1C}">
-                <a14:useLocalDpi xmlns:a14="http://schemas.microsoft.com/office/drawing/2010/main" val="0"/>
-              </a:ext>
-            </a:extLst>
-          </a:blip>
-          <a:srcRect/>
+          <a:blip r:embed="rId1"/>
           <a:stretch>
             <a:fillRect/>
           </a:stretch>
         </p:blipFill>
-        <p:spPr bwMode="auto">
+        <p:spPr>
           <a:xfrm>
-            <a:off x="622598" y="1053530"/>
-            <a:ext cx="10436322" cy="5609524"/>
+            <a:off x="4551680" y="255270"/>
+            <a:ext cx="6904990" cy="6504940"/>
           </a:xfrm>
           <a:prstGeom prst="rect">
             <a:avLst/>
           </a:prstGeom>
-          <a:noFill/>
-          <a:ln>
-            <a:noFill/>
-          </a:ln>
-          <a:extLst>
-            <a:ext uri="{909E8E84-426E-40DD-AFC4-6F175D3DCCD1}">
-              <a14:hiddenFill xmlns:a14="http://schemas.microsoft.com/office/drawing/2010/main">
-                <a:solidFill>
-                  <a:schemeClr val="accent1"/>
-                </a:solidFill>
-              </a14:hiddenFill>
-            </a:ext>
-            <a:ext uri="{91240B29-F687-4F45-9708-019B960494DF}">
-              <a14:hiddenLine xmlns:a14="http://schemas.microsoft.com/office/drawing/2010/main" w="9525">
-                <a:solidFill>
-                  <a:schemeClr val="tx1"/>
-                </a:solidFill>
-                <a:miter lim="800000"/>
-                <a:headEnd/>
-                <a:tailEnd/>
-              </a14:hiddenLine>
-            </a:ext>
-          </a:extLst>
         </p:spPr>
       </p:pic>
     </p:spTree>
@@ -19143,7 +18949,7 @@
 </p:sld>
 </file>
 
-<file path=ppt/slides/slide25.xml><?xml version="1.0" encoding="utf-8"?>
+<file path=ppt/slides/slide24.xml><?xml version="1.0" encoding="utf-8"?>
 <p:sld xmlns:a="http://schemas.openxmlformats.org/drawingml/2006/main" xmlns:r="http://schemas.openxmlformats.org/officeDocument/2006/relationships" xmlns:p="http://schemas.openxmlformats.org/presentationml/2006/main">
   <p:cSld>
     <p:spTree>
@@ -19323,15 +19129,41 @@
             </a:pPr>
             <a:r>
               <a:rPr lang="en-US" altLang="zh-CN" dirty="0" smtClean="0">
+                <a:hlinkClick r:id="rId1" action="ppaction://hlinkfile"/>
+              </a:rPr>
+              <a:t>《PRD2018-G11-</a:t>
+            </a:r>
+            <a:r>
+              <a:rPr lang="zh-CN" altLang="en-US" dirty="0" smtClean="0">
+                <a:hlinkClick r:id="rId1" action="ppaction://hlinkfile"/>
+              </a:rPr>
+              <a:t>可行性分析报告</a:t>
+            </a:r>
+            <a:r>
+              <a:rPr lang="en-US" altLang="zh-CN" dirty="0" smtClean="0">
+                <a:hlinkClick r:id="rId1" action="ppaction://hlinkfile"/>
+              </a:rPr>
+              <a:t>》</a:t>
+            </a:r>
+            <a:endParaRPr lang="en-US" altLang="zh-CN" dirty="0" smtClean="0"/>
+          </a:p>
+          <a:p>
+            <a:pPr>
+              <a:lnSpc>
+                <a:spcPct val="150000"/>
+              </a:lnSpc>
+            </a:pPr>
+            <a:r>
+              <a:rPr lang="en-US" altLang="zh-CN" dirty="0">
                 <a:hlinkClick r:id="rId2" action="ppaction://hlinkfile"/>
               </a:rPr>
               <a:t>《PRD2018-G11-</a:t>
             </a:r>
             <a:r>
-              <a:rPr lang="zh-CN" altLang="en-US" dirty="0" smtClean="0">
+              <a:rPr lang="zh-CN" altLang="en-US" dirty="0">
                 <a:hlinkClick r:id="rId2" action="ppaction://hlinkfile"/>
               </a:rPr>
-              <a:t>可行性分析报告</a:t>
+              <a:t>项目章程</a:t>
             </a:r>
             <a:r>
               <a:rPr lang="en-US" altLang="zh-CN" dirty="0" smtClean="0">
@@ -19357,7 +19189,7 @@
               <a:rPr lang="zh-CN" altLang="en-US" dirty="0">
                 <a:hlinkClick r:id="rId3" action="ppaction://hlinkfile"/>
               </a:rPr>
-              <a:t>项目章程</a:t>
+              <a:t>需求工程项目计划</a:t>
             </a:r>
             <a:r>
               <a:rPr lang="en-US" altLang="zh-CN" dirty="0" smtClean="0">
@@ -19383,7 +19215,7 @@
               <a:rPr lang="zh-CN" altLang="en-US" dirty="0">
                 <a:hlinkClick r:id="rId4" action="ppaction://hlinkfile"/>
               </a:rPr>
-              <a:t>需求工程项目计划</a:t>
+              <a:t>会议记录</a:t>
             </a:r>
             <a:r>
               <a:rPr lang="en-US" altLang="zh-CN" dirty="0" smtClean="0">
@@ -19409,7 +19241,13 @@
               <a:rPr lang="zh-CN" altLang="en-US" dirty="0">
                 <a:hlinkClick r:id="rId5" action="ppaction://hlinkfile"/>
               </a:rPr>
-              <a:t>会议记录</a:t>
+              <a:t>项目总体计划</a:t>
+            </a:r>
+            <a:r>
+              <a:rPr lang="en-US" altLang="zh-CN" dirty="0">
+                <a:hlinkClick r:id="rId5" action="ppaction://hlinkfile"/>
+              </a:rPr>
+              <a:t>WBS</a:t>
             </a:r>
             <a:r>
               <a:rPr lang="en-US" altLang="zh-CN" dirty="0" smtClean="0">
@@ -19435,13 +19273,51 @@
               <a:rPr lang="zh-CN" altLang="en-US" dirty="0">
                 <a:hlinkClick r:id="rId6" action="ppaction://hlinkfile"/>
               </a:rPr>
-              <a:t>项目总体计划</a:t>
+              <a:t>需求工程项目计划</a:t>
             </a:r>
             <a:r>
               <a:rPr lang="en-US" altLang="zh-CN" dirty="0">
                 <a:hlinkClick r:id="rId6" action="ppaction://hlinkfile"/>
               </a:rPr>
               <a:t>WBS</a:t>
+            </a:r>
+            <a:r>
+              <a:rPr lang="en-US" altLang="zh-CN" dirty="0" smtClean="0">
+                <a:hlinkClick r:id="rId6" action="ppaction://hlinkfile"/>
+              </a:rPr>
+              <a:t>》</a:t>
+            </a:r>
+            <a:endParaRPr lang="en-US" altLang="zh-CN" dirty="0" smtClean="0"/>
+          </a:p>
+          <a:p>
+            <a:pPr>
+              <a:lnSpc>
+                <a:spcPct val="150000"/>
+              </a:lnSpc>
+            </a:pPr>
+            <a:r>
+              <a:rPr lang="en-US" altLang="zh-CN" dirty="0">
+                <a:hlinkClick r:id="rId6" action="ppaction://hlinkfile"/>
+              </a:rPr>
+              <a:t>《PRD2018-G11-</a:t>
+            </a:r>
+            <a:r>
+              <a:rPr lang="zh-CN" altLang="en-US" dirty="0">
+                <a:hlinkClick r:id="rId6" action="ppaction://hlinkfile"/>
+              </a:rPr>
+              <a:t>需求工程项目计划</a:t>
+            </a:r>
+            <a:r>
+              <a:rPr lang="en-US" altLang="zh-CN" dirty="0">
+                <a:hlinkClick r:id="rId6" action="ppaction://hlinkfile"/>
+              </a:rPr>
+              <a:t>WBS-</a:t>
+            </a:r>
+            <a:r>
+              <a:rPr lang="en-US" altLang="zh-CN" dirty="0" err="1">
+                <a:hlinkClick r:id="rId6" action="ppaction://hlinkfile"/>
+              </a:rPr>
+              <a:t>io</a:t>
             </a:r>
             <a:r>
               <a:rPr lang="en-US" altLang="zh-CN" dirty="0" smtClean="0">
@@ -19467,51 +19343,7 @@
               <a:rPr lang="zh-CN" altLang="en-US" dirty="0">
                 <a:hlinkClick r:id="rId7" action="ppaction://hlinkfile"/>
               </a:rPr>
-              <a:t>需求工程项目计划</a:t>
-            </a:r>
-            <a:r>
-              <a:rPr lang="en-US" altLang="zh-CN" dirty="0">
-                <a:hlinkClick r:id="rId7" action="ppaction://hlinkfile"/>
-              </a:rPr>
-              <a:t>WBS</a:t>
-            </a:r>
-            <a:r>
-              <a:rPr lang="en-US" altLang="zh-CN" dirty="0" smtClean="0">
-                <a:hlinkClick r:id="rId7" action="ppaction://hlinkfile"/>
-              </a:rPr>
-              <a:t>》</a:t>
-            </a:r>
-            <a:endParaRPr lang="en-US" altLang="zh-CN" dirty="0" smtClean="0"/>
-          </a:p>
-          <a:p>
-            <a:pPr>
-              <a:lnSpc>
-                <a:spcPct val="150000"/>
-              </a:lnSpc>
-            </a:pPr>
-            <a:r>
-              <a:rPr lang="en-US" altLang="zh-CN" dirty="0">
-                <a:hlinkClick r:id="rId7" action="ppaction://hlinkfile"/>
-              </a:rPr>
-              <a:t>《PRD2018-G11-</a:t>
-            </a:r>
-            <a:r>
-              <a:rPr lang="zh-CN" altLang="en-US" dirty="0">
-                <a:hlinkClick r:id="rId7" action="ppaction://hlinkfile"/>
-              </a:rPr>
-              <a:t>需求工程项目计划</a:t>
-            </a:r>
-            <a:r>
-              <a:rPr lang="en-US" altLang="zh-CN" dirty="0">
-                <a:hlinkClick r:id="rId7" action="ppaction://hlinkfile"/>
-              </a:rPr>
-              <a:t>WBS-</a:t>
-            </a:r>
-            <a:r>
-              <a:rPr lang="en-US" altLang="zh-CN" dirty="0" err="1">
-                <a:hlinkClick r:id="rId7" action="ppaction://hlinkfile"/>
-              </a:rPr>
-              <a:t>io</a:t>
+              <a:t>需求工程计划甘特图</a:t>
             </a:r>
             <a:r>
               <a:rPr lang="en-US" altLang="zh-CN" dirty="0" smtClean="0">
@@ -19530,32 +19362,6 @@
             <a:r>
               <a:rPr lang="en-US" altLang="zh-CN" dirty="0">
                 <a:hlinkClick r:id="rId8" action="ppaction://hlinkfile"/>
-              </a:rPr>
-              <a:t>《PRD2018-G11-</a:t>
-            </a:r>
-            <a:r>
-              <a:rPr lang="zh-CN" altLang="en-US" dirty="0">
-                <a:hlinkClick r:id="rId8" action="ppaction://hlinkfile"/>
-              </a:rPr>
-              <a:t>需求工程计划甘特图</a:t>
-            </a:r>
-            <a:r>
-              <a:rPr lang="en-US" altLang="zh-CN" dirty="0" smtClean="0">
-                <a:hlinkClick r:id="rId8" action="ppaction://hlinkfile"/>
-              </a:rPr>
-              <a:t>》</a:t>
-            </a:r>
-            <a:endParaRPr lang="en-US" altLang="zh-CN" dirty="0" smtClean="0"/>
-          </a:p>
-          <a:p>
-            <a:pPr>
-              <a:lnSpc>
-                <a:spcPct val="150000"/>
-              </a:lnSpc>
-            </a:pPr>
-            <a:r>
-              <a:rPr lang="en-US" altLang="zh-CN" dirty="0">
-                <a:hlinkClick r:id="rId9" action="ppaction://hlinkfile"/>
               </a:rPr>
               <a:t>《PRD2018-G11-OBS-v1.0.0》</a:t>
             </a:r>
@@ -19581,7 +19387,7 @@
 </p:sld>
 </file>
 
-<file path=ppt/slides/slide26.xml><?xml version="1.0" encoding="utf-8"?>
+<file path=ppt/slides/slide25.xml><?xml version="1.0" encoding="utf-8"?>
 <p:sld xmlns:a="http://schemas.openxmlformats.org/drawingml/2006/main" xmlns:r="http://schemas.openxmlformats.org/officeDocument/2006/relationships" xmlns:p="http://schemas.openxmlformats.org/presentationml/2006/main">
   <p:cSld>
     <p:spTree>
@@ -19767,6 +19573,11 @@
                         </a:rPr>
                         <a:t>》</a:t>
                       </a:r>
+                      <a:endParaRPr lang="en-US" altLang="zh-CN" sz="2400" b="0" dirty="0" smtClean="0">
+                        <a:solidFill>
+                          <a:schemeClr val="tx1"/>
+                        </a:solidFill>
+                      </a:endParaRPr>
                     </a:p>
                     <a:p>
                       <a:pPr algn="l">
@@ -19826,6 +19637,11 @@
                         </a:rPr>
                         <a:t>     </a:t>
                       </a:r>
+                      <a:endParaRPr lang="en-US" altLang="zh-CN" sz="2400" b="0" dirty="0" smtClean="0">
+                        <a:solidFill>
+                          <a:schemeClr val="tx1"/>
+                        </a:solidFill>
+                      </a:endParaRPr>
                     </a:p>
                     <a:p>
                       <a:pPr algn="l"/>
@@ -19919,6 +19735,11 @@
                         </a:rPr>
                         <a:t>》</a:t>
                       </a:r>
+                      <a:endParaRPr lang="en-US" altLang="zh-CN" dirty="0" smtClean="0">
+                        <a:solidFill>
+                          <a:schemeClr val="tx1"/>
+                        </a:solidFill>
+                      </a:endParaRPr>
                     </a:p>
                     <a:p>
                       <a:pPr algn="l">
@@ -19997,6 +19818,11 @@
                         </a:rPr>
                         <a:t>   Joy Beatty</a:t>
                       </a:r>
+                      <a:endParaRPr lang="en-US" altLang="zh-CN" baseline="0" dirty="0" smtClean="0">
+                        <a:solidFill>
+                          <a:schemeClr val="tx1"/>
+                        </a:solidFill>
+                      </a:endParaRPr>
                     </a:p>
                     <a:p>
                       <a:pPr algn="l">
@@ -20213,13 +20039,743 @@
   <p:clrMapOvr>
     <a:masterClrMapping/>
   </p:clrMapOvr>
-  <mc:AlternateContent xmlns:mc="http://schemas.openxmlformats.org/markup-compatibility/2006" xmlns:p14="http://schemas.microsoft.com/office/powerpoint/2010/main">
-    <mc:Choice Requires="p14">
+  <mc:AlternateContent xmlns:mc="http://schemas.openxmlformats.org/markup-compatibility/2006">
+    <mc:Choice xmlns:p14="http://schemas.microsoft.com/office/powerpoint/2010/main" Requires="p14">
       <p:transition spd="slow" p14:dur="1200" advClick="0" advTm="0">
         <p14:prism/>
       </p:transition>
     </mc:Choice>
-    <mc:Fallback xmlns="">
+    <mc:Fallback>
+      <p:transition spd="slow" advClick="0" advTm="0">
+        <p:fade/>
+      </p:transition>
+    </mc:Fallback>
+  </mc:AlternateContent>
+  <p:timing>
+    <p:tnLst>
+      <p:par>
+        <p:cTn id="1" dur="indefinite" restart="never" nodeType="tmRoot">
+          <p:childTnLst>
+            <p:seq concurrent="1" nextAc="seek">
+              <p:cTn id="2" dur="indefinite" nodeType="mainSeq">
+                <p:childTnLst>
+                  <p:par>
+                    <p:cTn id="3" fill="hold">
+                      <p:stCondLst>
+                        <p:cond delay="indefinite"/>
+                        <p:cond evt="onBegin" delay="0">
+                          <p:tn val="2"/>
+                        </p:cond>
+                      </p:stCondLst>
+                      <p:childTnLst>
+                        <p:par>
+                          <p:cTn id="4" fill="hold">
+                            <p:stCondLst>
+                              <p:cond delay="0"/>
+                            </p:stCondLst>
+                            <p:childTnLst>
+                              <p:par>
+                                <p:cTn id="5" presetID="2" presetClass="entr" presetSubtype="8" fill="hold" grpId="0" nodeType="afterEffect">
+                                  <p:stCondLst>
+                                    <p:cond delay="0"/>
+                                  </p:stCondLst>
+                                  <p:childTnLst>
+                                    <p:set>
+                                      <p:cBhvr>
+                                        <p:cTn id="6" dur="1" fill="hold">
+                                          <p:stCondLst>
+                                            <p:cond delay="0"/>
+                                          </p:stCondLst>
+                                        </p:cTn>
+                                        <p:tgtEl>
+                                          <p:spTgt spid="36"/>
+                                        </p:tgtEl>
+                                        <p:attrNameLst>
+                                          <p:attrName>style.visibility</p:attrName>
+                                        </p:attrNameLst>
+                                      </p:cBhvr>
+                                      <p:to>
+                                        <p:strVal val="visible"/>
+                                      </p:to>
+                                    </p:set>
+                                    <p:anim calcmode="lin" valueType="num">
+                                      <p:cBhvr additive="base">
+                                        <p:cTn id="7" dur="500" fill="hold"/>
+                                        <p:tgtEl>
+                                          <p:spTgt spid="36"/>
+                                        </p:tgtEl>
+                                        <p:attrNameLst>
+                                          <p:attrName>ppt_x</p:attrName>
+                                        </p:attrNameLst>
+                                      </p:cBhvr>
+                                      <p:tavLst>
+                                        <p:tav tm="0">
+                                          <p:val>
+                                            <p:strVal val="0-#ppt_w/2"/>
+                                          </p:val>
+                                        </p:tav>
+                                        <p:tav tm="100000">
+                                          <p:val>
+                                            <p:strVal val="#ppt_x"/>
+                                          </p:val>
+                                        </p:tav>
+                                      </p:tavLst>
+                                    </p:anim>
+                                    <p:anim calcmode="lin" valueType="num">
+                                      <p:cBhvr additive="base">
+                                        <p:cTn id="8" dur="500" fill="hold"/>
+                                        <p:tgtEl>
+                                          <p:spTgt spid="36"/>
+                                        </p:tgtEl>
+                                        <p:attrNameLst>
+                                          <p:attrName>ppt_y</p:attrName>
+                                        </p:attrNameLst>
+                                      </p:cBhvr>
+                                      <p:tavLst>
+                                        <p:tav tm="0">
+                                          <p:val>
+                                            <p:strVal val="#ppt_y"/>
+                                          </p:val>
+                                        </p:tav>
+                                        <p:tav tm="100000">
+                                          <p:val>
+                                            <p:strVal val="#ppt_y"/>
+                                          </p:val>
+                                        </p:tav>
+                                      </p:tavLst>
+                                    </p:anim>
+                                  </p:childTnLst>
+                                </p:cTn>
+                              </p:par>
+                            </p:childTnLst>
+                          </p:cTn>
+                        </p:par>
+                        <p:par>
+                          <p:cTn id="9" fill="hold">
+                            <p:stCondLst>
+                              <p:cond delay="500"/>
+                            </p:stCondLst>
+                            <p:childTnLst>
+                              <p:par>
+                                <p:cTn id="10" presetID="17" presetClass="entr" presetSubtype="1" fill="hold" grpId="0" nodeType="afterEffect">
+                                  <p:stCondLst>
+                                    <p:cond delay="0"/>
+                                  </p:stCondLst>
+                                  <p:iterate type="lt">
+                                    <p:tmPct val="40000"/>
+                                  </p:iterate>
+                                  <p:childTnLst>
+                                    <p:set>
+                                      <p:cBhvr>
+                                        <p:cTn id="11" dur="1" fill="hold">
+                                          <p:stCondLst>
+                                            <p:cond delay="0"/>
+                                          </p:stCondLst>
+                                        </p:cTn>
+                                        <p:tgtEl>
+                                          <p:spTgt spid="37"/>
+                                        </p:tgtEl>
+                                        <p:attrNameLst>
+                                          <p:attrName>style.visibility</p:attrName>
+                                        </p:attrNameLst>
+                                      </p:cBhvr>
+                                      <p:to>
+                                        <p:strVal val="visible"/>
+                                      </p:to>
+                                    </p:set>
+                                    <p:anim calcmode="lin" valueType="num">
+                                      <p:cBhvr>
+                                        <p:cTn id="12" dur="250" fill="hold"/>
+                                        <p:tgtEl>
+                                          <p:spTgt spid="37"/>
+                                        </p:tgtEl>
+                                        <p:attrNameLst>
+                                          <p:attrName>ppt_x</p:attrName>
+                                        </p:attrNameLst>
+                                      </p:cBhvr>
+                                      <p:tavLst>
+                                        <p:tav tm="0">
+                                          <p:val>
+                                            <p:strVal val="#ppt_x"/>
+                                          </p:val>
+                                        </p:tav>
+                                        <p:tav tm="100000">
+                                          <p:val>
+                                            <p:strVal val="#ppt_x"/>
+                                          </p:val>
+                                        </p:tav>
+                                      </p:tavLst>
+                                    </p:anim>
+                                    <p:anim calcmode="lin" valueType="num">
+                                      <p:cBhvr>
+                                        <p:cTn id="13" dur="250" fill="hold"/>
+                                        <p:tgtEl>
+                                          <p:spTgt spid="37"/>
+                                        </p:tgtEl>
+                                        <p:attrNameLst>
+                                          <p:attrName>ppt_y</p:attrName>
+                                        </p:attrNameLst>
+                                      </p:cBhvr>
+                                      <p:tavLst>
+                                        <p:tav tm="0">
+                                          <p:val>
+                                            <p:strVal val="#ppt_y-#ppt_h/2"/>
+                                          </p:val>
+                                        </p:tav>
+                                        <p:tav tm="100000">
+                                          <p:val>
+                                            <p:strVal val="#ppt_y"/>
+                                          </p:val>
+                                        </p:tav>
+                                      </p:tavLst>
+                                    </p:anim>
+                                    <p:anim calcmode="lin" valueType="num">
+                                      <p:cBhvr>
+                                        <p:cTn id="14" dur="250" fill="hold"/>
+                                        <p:tgtEl>
+                                          <p:spTgt spid="37"/>
+                                        </p:tgtEl>
+                                        <p:attrNameLst>
+                                          <p:attrName>ppt_w</p:attrName>
+                                        </p:attrNameLst>
+                                      </p:cBhvr>
+                                      <p:tavLst>
+                                        <p:tav tm="0">
+                                          <p:val>
+                                            <p:strVal val="#ppt_w"/>
+                                          </p:val>
+                                        </p:tav>
+                                        <p:tav tm="100000">
+                                          <p:val>
+                                            <p:strVal val="#ppt_w"/>
+                                          </p:val>
+                                        </p:tav>
+                                      </p:tavLst>
+                                    </p:anim>
+                                    <p:anim calcmode="lin" valueType="num">
+                                      <p:cBhvr>
+                                        <p:cTn id="15" dur="250" fill="hold"/>
+                                        <p:tgtEl>
+                                          <p:spTgt spid="37"/>
+                                        </p:tgtEl>
+                                        <p:attrNameLst>
+                                          <p:attrName>ppt_h</p:attrName>
+                                        </p:attrNameLst>
+                                      </p:cBhvr>
+                                      <p:tavLst>
+                                        <p:tav tm="0">
+                                          <p:val>
+                                            <p:fltVal val="0"/>
+                                          </p:val>
+                                        </p:tav>
+                                        <p:tav tm="100000">
+                                          <p:val>
+                                            <p:strVal val="#ppt_h"/>
+                                          </p:val>
+                                        </p:tav>
+                                      </p:tavLst>
+                                    </p:anim>
+                                  </p:childTnLst>
+                                </p:cTn>
+                              </p:par>
+                            </p:childTnLst>
+                          </p:cTn>
+                        </p:par>
+                      </p:childTnLst>
+                    </p:cTn>
+                  </p:par>
+                </p:childTnLst>
+              </p:cTn>
+              <p:prevCondLst>
+                <p:cond evt="onPrev" delay="0">
+                  <p:tgtEl>
+                    <p:sldTgt/>
+                  </p:tgtEl>
+                </p:cond>
+              </p:prevCondLst>
+              <p:nextCondLst>
+                <p:cond evt="onNext" delay="0">
+                  <p:tgtEl>
+                    <p:sldTgt/>
+                  </p:tgtEl>
+                </p:cond>
+              </p:nextCondLst>
+            </p:seq>
+          </p:childTnLst>
+        </p:cTn>
+      </p:par>
+    </p:tnLst>
+    <p:bldLst>
+      <p:bldP spid="36" grpId="0" bldLvl="0" animBg="1"/>
+      <p:bldP spid="37" grpId="0"/>
+    </p:bldLst>
+  </p:timing>
+</p:sld>
+</file>
+
+<file path=ppt/slides/slide26.xml><?xml version="1.0" encoding="utf-8"?>
+<p:sld xmlns:a="http://schemas.openxmlformats.org/drawingml/2006/main" xmlns:r="http://schemas.openxmlformats.org/officeDocument/2006/relationships" xmlns:p="http://schemas.openxmlformats.org/presentationml/2006/main">
+  <p:cSld>
+    <p:spTree>
+      <p:nvGrpSpPr>
+        <p:cNvPr id="1" name=""/>
+        <p:cNvGrpSpPr/>
+        <p:nvPr/>
+      </p:nvGrpSpPr>
+      <p:grpSpPr>
+        <a:xfrm>
+          <a:off x="0" y="0"/>
+          <a:ext cx="0" cy="0"/>
+          <a:chOff x="0" y="0"/>
+          <a:chExt cx="0" cy="0"/>
+        </a:xfrm>
+      </p:grpSpPr>
+      <p:sp>
+        <p:nvSpPr>
+          <p:cNvPr id="36" name="矩形 35"/>
+          <p:cNvSpPr/>
+          <p:nvPr/>
+        </p:nvSpPr>
+        <p:spPr>
+          <a:xfrm>
+            <a:off x="-106680" y="0"/>
+            <a:ext cx="2938780" cy="6859270"/>
+          </a:xfrm>
+          <a:prstGeom prst="rect">
+            <a:avLst/>
+          </a:prstGeom>
+          <a:solidFill>
+            <a:srgbClr val="38B1BF"/>
+          </a:solidFill>
+          <a:ln>
+            <a:noFill/>
+          </a:ln>
+          <a:effectLst>
+            <a:outerShdw blurRad="50800" dist="38100" dir="2700000" algn="tl" rotWithShape="0">
+              <a:prstClr val="black">
+                <a:alpha val="40000"/>
+              </a:prstClr>
+            </a:outerShdw>
+          </a:effectLst>
+          <a:scene3d>
+            <a:camera prst="orthographicFront"/>
+            <a:lightRig rig="threePt" dir="t"/>
+          </a:scene3d>
+          <a:sp3d/>
+        </p:spPr>
+        <p:style>
+          <a:lnRef idx="1">
+            <a:schemeClr val="accent1"/>
+          </a:lnRef>
+          <a:fillRef idx="0">
+            <a:schemeClr val="accent1"/>
+          </a:fillRef>
+          <a:effectRef idx="0">
+            <a:schemeClr val="accent1"/>
+          </a:effectRef>
+          <a:fontRef idx="minor">
+            <a:schemeClr val="tx1"/>
+          </a:fontRef>
+        </p:style>
+        <p:txBody>
+          <a:bodyPr rot="0" spcFirstLastPara="0" vertOverflow="overflow" horzOverflow="overflow" vert="horz" wrap="square" lIns="91440" tIns="45720" rIns="91440" bIns="45720" numCol="1" spcCol="0" rtlCol="0" fromWordArt="0" anchor="ctr" anchorCtr="0" forceAA="0" compatLnSpc="1">
+            <a:noAutofit/>
+          </a:bodyPr>
+          <a:lstStyle/>
+          <a:p>
+            <a:pPr algn="ctr"/>
+            <a:endParaRPr lang="zh-CN" altLang="en-US"/>
+          </a:p>
+        </p:txBody>
+      </p:sp>
+      <p:sp>
+        <p:nvSpPr>
+          <p:cNvPr id="37" name="TextBox 36"/>
+          <p:cNvSpPr txBox="1"/>
+          <p:nvPr/>
+        </p:nvSpPr>
+        <p:spPr>
+          <a:xfrm>
+            <a:off x="-276651" y="2922512"/>
+            <a:ext cx="2808312" cy="614045"/>
+          </a:xfrm>
+          <a:prstGeom prst="rect">
+            <a:avLst/>
+          </a:prstGeom>
+          <a:noFill/>
+        </p:spPr>
+        <p:txBody>
+          <a:bodyPr wrap="square" lIns="121948" tIns="60973" rIns="121948" bIns="60973">
+            <a:spAutoFit/>
+          </a:bodyPr>
+          <a:lstStyle/>
+          <a:p>
+            <a:pPr algn="r">
+              <a:defRPr/>
+            </a:pPr>
+            <a:r>
+              <a:rPr lang="zh-CN" sz="3200" b="1" dirty="0">
+                <a:solidFill>
+                  <a:schemeClr val="bg1"/>
+                </a:solidFill>
+                <a:latin typeface="微软雅黑" panose="020B0503020204020204" pitchFamily="34" charset="-122"/>
+                <a:ea typeface="微软雅黑" panose="020B0503020204020204" pitchFamily="34" charset="-122"/>
+              </a:rPr>
+              <a:t>分工及考评</a:t>
+            </a:r>
+            <a:endParaRPr lang="zh-CN" sz="3200" b="1" dirty="0">
+              <a:solidFill>
+                <a:schemeClr val="bg1"/>
+              </a:solidFill>
+              <a:latin typeface="微软雅黑" panose="020B0503020204020204" pitchFamily="34" charset="-122"/>
+              <a:ea typeface="微软雅黑" panose="020B0503020204020204" pitchFamily="34" charset="-122"/>
+            </a:endParaRPr>
+          </a:p>
+        </p:txBody>
+      </p:sp>
+      <p:graphicFrame>
+        <p:nvGraphicFramePr>
+          <p:cNvPr id="4" name="表格 3"/>
+          <p:cNvGraphicFramePr>
+            <a:graphicFrameLocks noGrp="1"/>
+          </p:cNvGraphicFramePr>
+          <p:nvPr/>
+        </p:nvGraphicFramePr>
+        <p:xfrm>
+          <a:off x="3214886" y="1485578"/>
+          <a:ext cx="8126943" cy="4389120"/>
+        </p:xfrm>
+        <a:graphic>
+          <a:graphicData uri="http://schemas.openxmlformats.org/drawingml/2006/table">
+            <a:tbl>
+              <a:tblPr firstRow="1" bandRow="1">
+                <a:tableStyleId>{5C22544A-7EE6-4342-B048-85BDC9FD1C3A}</a:tableStyleId>
+              </a:tblPr>
+              <a:tblGrid>
+                <a:gridCol w="2708981"/>
+                <a:gridCol w="2708981"/>
+                <a:gridCol w="2708981"/>
+              </a:tblGrid>
+              <a:tr h="370840">
+                <a:tc>
+                  <a:txBody>
+                    <a:bodyPr/>
+                    <a:lstStyle/>
+                    <a:p>
+                      <a:r>
+                        <a:rPr lang="zh-CN" altLang="en-US" dirty="0" smtClean="0"/>
+                        <a:t>组员</a:t>
+                      </a:r>
+                      <a:endParaRPr lang="zh-CN" altLang="en-US" dirty="0"/>
+                    </a:p>
+                  </a:txBody>
+                  <a:tcPr/>
+                </a:tc>
+                <a:tc>
+                  <a:txBody>
+                    <a:bodyPr/>
+                    <a:lstStyle/>
+                    <a:p>
+                      <a:r>
+                        <a:rPr lang="zh-CN" altLang="en-US" dirty="0" smtClean="0"/>
+                        <a:t>工作内容</a:t>
+                      </a:r>
+                      <a:endParaRPr lang="zh-CN" altLang="en-US" dirty="0"/>
+                    </a:p>
+                  </a:txBody>
+                  <a:tcPr/>
+                </a:tc>
+                <a:tc>
+                  <a:txBody>
+                    <a:bodyPr/>
+                    <a:lstStyle/>
+                    <a:p>
+                      <a:r>
+                        <a:rPr lang="zh-CN" altLang="en-US" dirty="0" smtClean="0"/>
+                        <a:t>评价</a:t>
+                      </a:r>
+                      <a:endParaRPr lang="zh-CN" altLang="en-US" dirty="0"/>
+                    </a:p>
+                  </a:txBody>
+                  <a:tcPr/>
+                </a:tc>
+              </a:tr>
+              <a:tr h="370840">
+                <a:tc>
+                  <a:txBody>
+                    <a:bodyPr/>
+                    <a:lstStyle/>
+                    <a:p>
+                      <a:r>
+                        <a:rPr lang="zh-CN" altLang="en-US" dirty="0" smtClean="0"/>
+                        <a:t>黄为波</a:t>
+                      </a:r>
+                      <a:endParaRPr lang="zh-CN" altLang="en-US" dirty="0"/>
+                    </a:p>
+                  </a:txBody>
+                  <a:tcPr/>
+                </a:tc>
+                <a:tc>
+                  <a:txBody>
+                    <a:bodyPr/>
+                    <a:lstStyle/>
+                    <a:p>
+                      <a:r>
+                        <a:rPr lang="en-US" altLang="zh-CN" dirty="0"/>
+                        <a:t>project,wbs,</a:t>
+                      </a:r>
+                      <a:r>
+                        <a:rPr lang="zh-CN" altLang="en-US" dirty="0"/>
+                        <a:t>项目章程</a:t>
+                      </a:r>
+                      <a:r>
+                        <a:rPr lang="en-US" altLang="zh-CN" dirty="0"/>
+                        <a:t>,</a:t>
+                      </a:r>
+                      <a:r>
+                        <a:rPr lang="zh-CN" altLang="en-US" dirty="0"/>
+                        <a:t>需求工程项目计划书起草</a:t>
+                      </a:r>
+                      <a:endParaRPr lang="zh-CN" altLang="en-US" dirty="0"/>
+                    </a:p>
+                  </a:txBody>
+                  <a:tcPr/>
+                </a:tc>
+                <a:tc>
+                  <a:txBody>
+                    <a:bodyPr/>
+                    <a:lstStyle/>
+                    <a:p>
+                      <a:r>
+                        <a:rPr lang="en-US" altLang="zh-CN" dirty="0" smtClean="0"/>
+                        <a:t>9.6</a:t>
+                      </a:r>
+                      <a:endParaRPr lang="en-US" altLang="zh-CN" dirty="0"/>
+                    </a:p>
+                  </a:txBody>
+                  <a:tcPr/>
+                </a:tc>
+              </a:tr>
+              <a:tr h="731520">
+                <a:tc>
+                  <a:txBody>
+                    <a:bodyPr/>
+                    <a:lstStyle/>
+                    <a:p>
+                      <a:r>
+                        <a:rPr lang="zh-CN" altLang="en-US" dirty="0" smtClean="0"/>
+                        <a:t>江亮儒</a:t>
+                      </a:r>
+                      <a:endParaRPr lang="zh-CN" altLang="en-US" dirty="0"/>
+                    </a:p>
+                  </a:txBody>
+                  <a:tcPr/>
+                </a:tc>
+                <a:tc>
+                  <a:txBody>
+                    <a:bodyPr/>
+                    <a:lstStyle/>
+                    <a:p>
+                      <a:r>
+                        <a:rPr lang="zh-CN" altLang="en-US" dirty="0"/>
+                        <a:t>可行性分析报告，</a:t>
+                      </a:r>
+                      <a:r>
+                        <a:rPr lang="en-US" altLang="zh-CN" dirty="0"/>
+                        <a:t>GIT</a:t>
+                      </a:r>
+                      <a:r>
+                        <a:rPr lang="zh-CN" altLang="en-US" dirty="0"/>
+                        <a:t>管理，支持条件，</a:t>
+                      </a:r>
+                      <a:endParaRPr lang="zh-CN" altLang="en-US" dirty="0"/>
+                    </a:p>
+                  </a:txBody>
+                  <a:tcPr/>
+                </a:tc>
+                <a:tc>
+                  <a:txBody>
+                    <a:bodyPr/>
+                    <a:lstStyle/>
+                    <a:p>
+                      <a:r>
+                        <a:rPr lang="en-US" altLang="zh-CN" dirty="0" smtClean="0"/>
+                        <a:t>9.7</a:t>
+                      </a:r>
+                      <a:endParaRPr lang="en-US" altLang="zh-CN" dirty="0"/>
+                    </a:p>
+                  </a:txBody>
+                  <a:tcPr/>
+                </a:tc>
+              </a:tr>
+              <a:tr h="370840">
+                <a:tc>
+                  <a:txBody>
+                    <a:bodyPr/>
+                    <a:lstStyle/>
+                    <a:p>
+                      <a:r>
+                        <a:rPr lang="zh-CN" altLang="en-US" dirty="0" smtClean="0"/>
+                        <a:t>陈子卿</a:t>
+                      </a:r>
+                      <a:endParaRPr lang="zh-CN" altLang="en-US" dirty="0"/>
+                    </a:p>
+                  </a:txBody>
+                  <a:tcPr/>
+                </a:tc>
+                <a:tc>
+                  <a:txBody>
+                    <a:bodyPr/>
+                    <a:lstStyle/>
+                    <a:p>
+                      <a:r>
+                        <a:rPr lang="zh-CN" altLang="en-US"/>
+                        <a:t>项目预算，成本管理，风险计划</a:t>
+                      </a:r>
+                      <a:endParaRPr lang="zh-CN" altLang="en-US"/>
+                    </a:p>
+                  </a:txBody>
+                  <a:tcPr/>
+                </a:tc>
+                <a:tc>
+                  <a:txBody>
+                    <a:bodyPr/>
+                    <a:lstStyle/>
+                    <a:p>
+                      <a:r>
+                        <a:rPr lang="en-US" altLang="zh-CN"/>
+                        <a:t>9.4</a:t>
+                      </a:r>
+                      <a:endParaRPr lang="en-US" altLang="zh-CN"/>
+                    </a:p>
+                  </a:txBody>
+                  <a:tcPr/>
+                </a:tc>
+              </a:tr>
+              <a:tr h="731520">
+                <a:tc>
+                  <a:txBody>
+                    <a:bodyPr/>
+                    <a:lstStyle/>
+                    <a:p>
+                      <a:r>
+                        <a:rPr lang="zh-CN" altLang="en-US" dirty="0" smtClean="0"/>
+                        <a:t>蔡峰</a:t>
+                      </a:r>
+                      <a:endParaRPr lang="zh-CN" altLang="en-US" dirty="0"/>
+                    </a:p>
+                  </a:txBody>
+                  <a:tcPr/>
+                </a:tc>
+                <a:tc>
+                  <a:txBody>
+                    <a:bodyPr/>
+                    <a:lstStyle/>
+                    <a:p>
+                      <a:r>
+                        <a:rPr lang="en-US" altLang="zh-CN"/>
+                        <a:t>OBS</a:t>
+                      </a:r>
+                      <a:r>
+                        <a:rPr lang="zh-CN" altLang="en-US"/>
+                        <a:t>，人力资源管理，沟通管理</a:t>
+                      </a:r>
+                      <a:endParaRPr lang="zh-CN" altLang="en-US"/>
+                    </a:p>
+                  </a:txBody>
+                  <a:tcPr/>
+                </a:tc>
+                <a:tc>
+                  <a:txBody>
+                    <a:bodyPr/>
+                    <a:lstStyle/>
+                    <a:p>
+                      <a:r>
+                        <a:rPr lang="en-US" altLang="zh-CN" dirty="0" smtClean="0"/>
+                        <a:t>9.3</a:t>
+                      </a:r>
+                      <a:endParaRPr lang="en-US" altLang="zh-CN" dirty="0"/>
+                    </a:p>
+                  </a:txBody>
+                  <a:tcPr/>
+                </a:tc>
+              </a:tr>
+              <a:tr h="370840">
+                <a:tc>
+                  <a:txBody>
+                    <a:bodyPr/>
+                    <a:lstStyle/>
+                    <a:p>
+                      <a:r>
+                        <a:rPr lang="zh-CN" altLang="en-US" dirty="0" smtClean="0"/>
+                        <a:t>苏雨豪</a:t>
+                      </a:r>
+                      <a:endParaRPr lang="zh-CN" altLang="en-US" dirty="0"/>
+                    </a:p>
+                  </a:txBody>
+                  <a:tcPr/>
+                </a:tc>
+                <a:tc>
+                  <a:txBody>
+                    <a:bodyPr/>
+                    <a:lstStyle/>
+                    <a:p>
+                      <a:r>
+                        <a:rPr lang="zh-CN" altLang="en-US"/>
+                        <a:t>答辩</a:t>
+                      </a:r>
+                      <a:r>
+                        <a:rPr lang="en-US" altLang="zh-CN"/>
+                        <a:t>PPT</a:t>
+                      </a:r>
+                      <a:r>
+                        <a:rPr lang="zh-CN" altLang="en-US"/>
+                        <a:t>的制作，</a:t>
+                      </a:r>
+                      <a:r>
+                        <a:rPr lang="en-US" altLang="zh-CN"/>
+                        <a:t>wbs-io</a:t>
+                      </a:r>
+                      <a:r>
+                        <a:rPr lang="zh-CN" altLang="en-US"/>
+                        <a:t>的制作</a:t>
+                      </a:r>
+                      <a:endParaRPr lang="zh-CN" altLang="en-US"/>
+                    </a:p>
+                  </a:txBody>
+                  <a:tcPr/>
+                </a:tc>
+                <a:tc>
+                  <a:txBody>
+                    <a:bodyPr/>
+                    <a:lstStyle/>
+                    <a:p>
+                      <a:r>
+                        <a:rPr lang="en-US" altLang="zh-CN" dirty="0"/>
+                        <a:t>9.5</a:t>
+                      </a:r>
+                      <a:endParaRPr lang="en-US" altLang="zh-CN" dirty="0"/>
+                    </a:p>
+                  </a:txBody>
+                  <a:tcPr/>
+                </a:tc>
+              </a:tr>
+            </a:tbl>
+          </a:graphicData>
+        </a:graphic>
+      </p:graphicFrame>
+    </p:spTree>
+  </p:cSld>
+  <p:clrMapOvr>
+    <a:masterClrMapping/>
+  </p:clrMapOvr>
+  <mc:AlternateContent xmlns:mc="http://schemas.openxmlformats.org/markup-compatibility/2006">
+    <mc:Choice xmlns:p14="http://schemas.microsoft.com/office/powerpoint/2010/main" Requires="p14">
+      <p:transition spd="slow" p14:dur="1200" advClick="0" advTm="0">
+        <p14:prism/>
+      </p:transition>
+    </mc:Choice>
+    <mc:Fallback>
       <p:transition spd="slow" advClick="0" advTm="0">
         <p:fade/>
       </p:transition>
@@ -20488,722 +21044,6 @@
 </file>
 
 <file path=ppt/slides/slide27.xml><?xml version="1.0" encoding="utf-8"?>
-<p:sld xmlns:a="http://schemas.openxmlformats.org/drawingml/2006/main" xmlns:r="http://schemas.openxmlformats.org/officeDocument/2006/relationships" xmlns:p="http://schemas.openxmlformats.org/presentationml/2006/main">
-  <p:cSld>
-    <p:spTree>
-      <p:nvGrpSpPr>
-        <p:cNvPr id="1" name=""/>
-        <p:cNvGrpSpPr/>
-        <p:nvPr/>
-      </p:nvGrpSpPr>
-      <p:grpSpPr>
-        <a:xfrm>
-          <a:off x="0" y="0"/>
-          <a:ext cx="0" cy="0"/>
-          <a:chOff x="0" y="0"/>
-          <a:chExt cx="0" cy="0"/>
-        </a:xfrm>
-      </p:grpSpPr>
-      <p:sp>
-        <p:nvSpPr>
-          <p:cNvPr id="36" name="矩形 35"/>
-          <p:cNvSpPr/>
-          <p:nvPr/>
-        </p:nvSpPr>
-        <p:spPr>
-          <a:xfrm>
-            <a:off x="-106680" y="0"/>
-            <a:ext cx="2938780" cy="6859270"/>
-          </a:xfrm>
-          <a:prstGeom prst="rect">
-            <a:avLst/>
-          </a:prstGeom>
-          <a:solidFill>
-            <a:srgbClr val="38B1BF"/>
-          </a:solidFill>
-          <a:ln>
-            <a:noFill/>
-          </a:ln>
-          <a:effectLst>
-            <a:outerShdw blurRad="50800" dist="38100" dir="2700000" algn="tl" rotWithShape="0">
-              <a:prstClr val="black">
-                <a:alpha val="40000"/>
-              </a:prstClr>
-            </a:outerShdw>
-          </a:effectLst>
-          <a:scene3d>
-            <a:camera prst="orthographicFront"/>
-            <a:lightRig rig="threePt" dir="t"/>
-          </a:scene3d>
-          <a:sp3d/>
-        </p:spPr>
-        <p:style>
-          <a:lnRef idx="1">
-            <a:schemeClr val="accent1"/>
-          </a:lnRef>
-          <a:fillRef idx="0">
-            <a:schemeClr val="accent1"/>
-          </a:fillRef>
-          <a:effectRef idx="0">
-            <a:schemeClr val="accent1"/>
-          </a:effectRef>
-          <a:fontRef idx="minor">
-            <a:schemeClr val="tx1"/>
-          </a:fontRef>
-        </p:style>
-        <p:txBody>
-          <a:bodyPr rot="0" spcFirstLastPara="0" vertOverflow="overflow" horzOverflow="overflow" vert="horz" wrap="square" lIns="91440" tIns="45720" rIns="91440" bIns="45720" numCol="1" spcCol="0" rtlCol="0" fromWordArt="0" anchor="ctr" anchorCtr="0" forceAA="0" compatLnSpc="1">
-            <a:noAutofit/>
-          </a:bodyPr>
-          <a:lstStyle/>
-          <a:p>
-            <a:pPr algn="ctr"/>
-            <a:endParaRPr lang="zh-CN" altLang="en-US"/>
-          </a:p>
-        </p:txBody>
-      </p:sp>
-      <p:sp>
-        <p:nvSpPr>
-          <p:cNvPr id="37" name="TextBox 36"/>
-          <p:cNvSpPr txBox="1"/>
-          <p:nvPr/>
-        </p:nvSpPr>
-        <p:spPr>
-          <a:xfrm>
-            <a:off x="-276651" y="2922512"/>
-            <a:ext cx="2808312" cy="614045"/>
-          </a:xfrm>
-          <a:prstGeom prst="rect">
-            <a:avLst/>
-          </a:prstGeom>
-          <a:noFill/>
-        </p:spPr>
-        <p:txBody>
-          <a:bodyPr wrap="square" lIns="121948" tIns="60973" rIns="121948" bIns="60973">
-            <a:spAutoFit/>
-          </a:bodyPr>
-          <a:lstStyle/>
-          <a:p>
-            <a:pPr algn="r">
-              <a:defRPr/>
-            </a:pPr>
-            <a:r>
-              <a:rPr lang="zh-CN" sz="3200" b="1" dirty="0">
-                <a:solidFill>
-                  <a:schemeClr val="bg1"/>
-                </a:solidFill>
-                <a:latin typeface="微软雅黑" panose="020B0503020204020204" pitchFamily="34" charset="-122"/>
-                <a:ea typeface="微软雅黑" panose="020B0503020204020204" pitchFamily="34" charset="-122"/>
-              </a:rPr>
-              <a:t>分工及考评</a:t>
-            </a:r>
-          </a:p>
-        </p:txBody>
-      </p:sp>
-      <p:graphicFrame>
-        <p:nvGraphicFramePr>
-          <p:cNvPr id="4" name="表格 3"/>
-          <p:cNvGraphicFramePr>
-            <a:graphicFrameLocks noGrp="1"/>
-          </p:cNvGraphicFramePr>
-          <p:nvPr/>
-        </p:nvGraphicFramePr>
-        <p:xfrm>
-          <a:off x="3214886" y="1485578"/>
-          <a:ext cx="8126943" cy="4389120"/>
-        </p:xfrm>
-        <a:graphic>
-          <a:graphicData uri="http://schemas.openxmlformats.org/drawingml/2006/table">
-            <a:tbl>
-              <a:tblPr firstRow="1" bandRow="1">
-                <a:tableStyleId>{5C22544A-7EE6-4342-B048-85BDC9FD1C3A}</a:tableStyleId>
-              </a:tblPr>
-              <a:tblGrid>
-                <a:gridCol w="2708981"/>
-                <a:gridCol w="2708981"/>
-                <a:gridCol w="2708981"/>
-              </a:tblGrid>
-              <a:tr h="370840">
-                <a:tc>
-                  <a:txBody>
-                    <a:bodyPr/>
-                    <a:lstStyle/>
-                    <a:p>
-                      <a:r>
-                        <a:rPr lang="zh-CN" altLang="en-US" dirty="0" smtClean="0"/>
-                        <a:t>组员</a:t>
-                      </a:r>
-                      <a:endParaRPr lang="zh-CN" altLang="en-US" dirty="0"/>
-                    </a:p>
-                  </a:txBody>
-                  <a:tcPr/>
-                </a:tc>
-                <a:tc>
-                  <a:txBody>
-                    <a:bodyPr/>
-                    <a:lstStyle/>
-                    <a:p>
-                      <a:r>
-                        <a:rPr lang="zh-CN" altLang="en-US" dirty="0" smtClean="0"/>
-                        <a:t>工作内容</a:t>
-                      </a:r>
-                      <a:endParaRPr lang="zh-CN" altLang="en-US" dirty="0"/>
-                    </a:p>
-                  </a:txBody>
-                  <a:tcPr/>
-                </a:tc>
-                <a:tc>
-                  <a:txBody>
-                    <a:bodyPr/>
-                    <a:lstStyle/>
-                    <a:p>
-                      <a:r>
-                        <a:rPr lang="zh-CN" altLang="en-US" dirty="0" smtClean="0"/>
-                        <a:t>评价</a:t>
-                      </a:r>
-                      <a:endParaRPr lang="zh-CN" altLang="en-US" dirty="0"/>
-                    </a:p>
-                  </a:txBody>
-                  <a:tcPr/>
-                </a:tc>
-              </a:tr>
-              <a:tr h="370840">
-                <a:tc>
-                  <a:txBody>
-                    <a:bodyPr/>
-                    <a:lstStyle/>
-                    <a:p>
-                      <a:r>
-                        <a:rPr lang="zh-CN" altLang="en-US" dirty="0" smtClean="0"/>
-                        <a:t>黄为波</a:t>
-                      </a:r>
-                      <a:endParaRPr lang="zh-CN" altLang="en-US" dirty="0"/>
-                    </a:p>
-                  </a:txBody>
-                  <a:tcPr/>
-                </a:tc>
-                <a:tc>
-                  <a:txBody>
-                    <a:bodyPr/>
-                    <a:lstStyle/>
-                    <a:p>
-                      <a:r>
-                        <a:rPr lang="en-US" altLang="zh-CN" dirty="0"/>
-                        <a:t>project,wbs,</a:t>
-                      </a:r>
-                      <a:r>
-                        <a:rPr lang="zh-CN" altLang="en-US" dirty="0"/>
-                        <a:t>项目章程</a:t>
-                      </a:r>
-                      <a:r>
-                        <a:rPr lang="en-US" altLang="zh-CN" dirty="0"/>
-                        <a:t>,</a:t>
-                      </a:r>
-                      <a:r>
-                        <a:rPr lang="zh-CN" altLang="en-US" dirty="0"/>
-                        <a:t>需求工程项目计划书起草</a:t>
-                      </a:r>
-                    </a:p>
-                  </a:txBody>
-                  <a:tcPr/>
-                </a:tc>
-                <a:tc>
-                  <a:txBody>
-                    <a:bodyPr/>
-                    <a:lstStyle/>
-                    <a:p>
-                      <a:r>
-                        <a:rPr lang="en-US" altLang="zh-CN" dirty="0" smtClean="0"/>
-                        <a:t>9.6</a:t>
-                      </a:r>
-                      <a:endParaRPr lang="en-US" altLang="zh-CN" dirty="0"/>
-                    </a:p>
-                  </a:txBody>
-                  <a:tcPr/>
-                </a:tc>
-              </a:tr>
-              <a:tr h="370840">
-                <a:tc>
-                  <a:txBody>
-                    <a:bodyPr/>
-                    <a:lstStyle/>
-                    <a:p>
-                      <a:r>
-                        <a:rPr lang="zh-CN" altLang="en-US" dirty="0" smtClean="0"/>
-                        <a:t>江亮儒</a:t>
-                      </a:r>
-                      <a:endParaRPr lang="zh-CN" altLang="en-US" dirty="0"/>
-                    </a:p>
-                  </a:txBody>
-                  <a:tcPr/>
-                </a:tc>
-                <a:tc>
-                  <a:txBody>
-                    <a:bodyPr/>
-                    <a:lstStyle/>
-                    <a:p>
-                      <a:r>
-                        <a:rPr lang="zh-CN" altLang="en-US" dirty="0"/>
-                        <a:t>可行性分析报告，</a:t>
-                      </a:r>
-                      <a:r>
-                        <a:rPr lang="en-US" altLang="zh-CN" dirty="0"/>
-                        <a:t>GIT</a:t>
-                      </a:r>
-                      <a:r>
-                        <a:rPr lang="zh-CN" altLang="en-US" dirty="0"/>
-                        <a:t>管理，支持条件，</a:t>
-                      </a:r>
-                    </a:p>
-                  </a:txBody>
-                  <a:tcPr/>
-                </a:tc>
-                <a:tc>
-                  <a:txBody>
-                    <a:bodyPr/>
-                    <a:lstStyle/>
-                    <a:p>
-                      <a:r>
-                        <a:rPr lang="en-US" altLang="zh-CN" dirty="0" smtClean="0"/>
-                        <a:t>9.7</a:t>
-                      </a:r>
-                      <a:endParaRPr lang="en-US" altLang="zh-CN" dirty="0"/>
-                    </a:p>
-                  </a:txBody>
-                  <a:tcPr/>
-                </a:tc>
-              </a:tr>
-              <a:tr h="370840">
-                <a:tc>
-                  <a:txBody>
-                    <a:bodyPr/>
-                    <a:lstStyle/>
-                    <a:p>
-                      <a:r>
-                        <a:rPr lang="zh-CN" altLang="en-US" dirty="0" smtClean="0"/>
-                        <a:t>陈子卿</a:t>
-                      </a:r>
-                      <a:endParaRPr lang="zh-CN" altLang="en-US" dirty="0"/>
-                    </a:p>
-                  </a:txBody>
-                  <a:tcPr/>
-                </a:tc>
-                <a:tc>
-                  <a:txBody>
-                    <a:bodyPr/>
-                    <a:lstStyle/>
-                    <a:p>
-                      <a:r>
-                        <a:rPr lang="zh-CN" altLang="en-US"/>
-                        <a:t>项目预算，成本管理，风险计划</a:t>
-                      </a:r>
-                    </a:p>
-                  </a:txBody>
-                  <a:tcPr/>
-                </a:tc>
-                <a:tc>
-                  <a:txBody>
-                    <a:bodyPr/>
-                    <a:lstStyle/>
-                    <a:p>
-                      <a:r>
-                        <a:rPr lang="en-US" altLang="zh-CN"/>
-                        <a:t>9.4</a:t>
-                      </a:r>
-                    </a:p>
-                  </a:txBody>
-                  <a:tcPr/>
-                </a:tc>
-              </a:tr>
-              <a:tr h="370840">
-                <a:tc>
-                  <a:txBody>
-                    <a:bodyPr/>
-                    <a:lstStyle/>
-                    <a:p>
-                      <a:r>
-                        <a:rPr lang="zh-CN" altLang="en-US" dirty="0" smtClean="0"/>
-                        <a:t>蔡峰</a:t>
-                      </a:r>
-                      <a:endParaRPr lang="zh-CN" altLang="en-US" dirty="0"/>
-                    </a:p>
-                  </a:txBody>
-                  <a:tcPr/>
-                </a:tc>
-                <a:tc>
-                  <a:txBody>
-                    <a:bodyPr/>
-                    <a:lstStyle/>
-                    <a:p>
-                      <a:r>
-                        <a:rPr lang="en-US" altLang="zh-CN"/>
-                        <a:t>OBS</a:t>
-                      </a:r>
-                      <a:r>
-                        <a:rPr lang="zh-CN" altLang="en-US"/>
-                        <a:t>，人力资源管理，沟通管理</a:t>
-                      </a:r>
-                    </a:p>
-                  </a:txBody>
-                  <a:tcPr/>
-                </a:tc>
-                <a:tc>
-                  <a:txBody>
-                    <a:bodyPr/>
-                    <a:lstStyle/>
-                    <a:p>
-                      <a:r>
-                        <a:rPr lang="en-US" altLang="zh-CN" dirty="0" smtClean="0"/>
-                        <a:t>9.3</a:t>
-                      </a:r>
-                      <a:endParaRPr lang="en-US" altLang="zh-CN" dirty="0"/>
-                    </a:p>
-                  </a:txBody>
-                  <a:tcPr/>
-                </a:tc>
-              </a:tr>
-              <a:tr h="370840">
-                <a:tc>
-                  <a:txBody>
-                    <a:bodyPr/>
-                    <a:lstStyle/>
-                    <a:p>
-                      <a:r>
-                        <a:rPr lang="zh-CN" altLang="en-US" dirty="0" smtClean="0"/>
-                        <a:t>苏雨豪</a:t>
-                      </a:r>
-                      <a:endParaRPr lang="zh-CN" altLang="en-US" dirty="0"/>
-                    </a:p>
-                  </a:txBody>
-                  <a:tcPr/>
-                </a:tc>
-                <a:tc>
-                  <a:txBody>
-                    <a:bodyPr/>
-                    <a:lstStyle/>
-                    <a:p>
-                      <a:r>
-                        <a:rPr lang="zh-CN" altLang="en-US"/>
-                        <a:t>答辩</a:t>
-                      </a:r>
-                      <a:r>
-                        <a:rPr lang="en-US" altLang="zh-CN"/>
-                        <a:t>PPT</a:t>
-                      </a:r>
-                      <a:r>
-                        <a:rPr lang="zh-CN" altLang="en-US"/>
-                        <a:t>的制作，</a:t>
-                      </a:r>
-                      <a:r>
-                        <a:rPr lang="en-US" altLang="zh-CN"/>
-                        <a:t>wbs-io</a:t>
-                      </a:r>
-                      <a:r>
-                        <a:rPr lang="zh-CN" altLang="en-US"/>
-                        <a:t>的制作</a:t>
-                      </a:r>
-                    </a:p>
-                  </a:txBody>
-                  <a:tcPr/>
-                </a:tc>
-                <a:tc>
-                  <a:txBody>
-                    <a:bodyPr/>
-                    <a:lstStyle/>
-                    <a:p>
-                      <a:r>
-                        <a:rPr lang="en-US" altLang="zh-CN" dirty="0"/>
-                        <a:t>9.5</a:t>
-                      </a:r>
-                    </a:p>
-                  </a:txBody>
-                  <a:tcPr/>
-                </a:tc>
-              </a:tr>
-            </a:tbl>
-          </a:graphicData>
-        </a:graphic>
-      </p:graphicFrame>
-    </p:spTree>
-  </p:cSld>
-  <p:clrMapOvr>
-    <a:masterClrMapping/>
-  </p:clrMapOvr>
-  <mc:AlternateContent xmlns:mc="http://schemas.openxmlformats.org/markup-compatibility/2006" xmlns:p14="http://schemas.microsoft.com/office/powerpoint/2010/main">
-    <mc:Choice Requires="p14">
-      <p:transition spd="slow" p14:dur="1200" advClick="0" advTm="0">
-        <p14:prism/>
-      </p:transition>
-    </mc:Choice>
-    <mc:Fallback xmlns="">
-      <p:transition spd="slow" advClick="0" advTm="0">
-        <p:fade/>
-      </p:transition>
-    </mc:Fallback>
-  </mc:AlternateContent>
-  <p:timing>
-    <p:tnLst>
-      <p:par>
-        <p:cTn id="1" dur="indefinite" restart="never" nodeType="tmRoot">
-          <p:childTnLst>
-            <p:seq concurrent="1" nextAc="seek">
-              <p:cTn id="2" dur="indefinite" nodeType="mainSeq">
-                <p:childTnLst>
-                  <p:par>
-                    <p:cTn id="3" fill="hold">
-                      <p:stCondLst>
-                        <p:cond delay="indefinite"/>
-                        <p:cond evt="onBegin" delay="0">
-                          <p:tn val="2"/>
-                        </p:cond>
-                      </p:stCondLst>
-                      <p:childTnLst>
-                        <p:par>
-                          <p:cTn id="4" fill="hold">
-                            <p:stCondLst>
-                              <p:cond delay="0"/>
-                            </p:stCondLst>
-                            <p:childTnLst>
-                              <p:par>
-                                <p:cTn id="5" presetID="2" presetClass="entr" presetSubtype="8" fill="hold" grpId="0" nodeType="afterEffect">
-                                  <p:stCondLst>
-                                    <p:cond delay="0"/>
-                                  </p:stCondLst>
-                                  <p:childTnLst>
-                                    <p:set>
-                                      <p:cBhvr>
-                                        <p:cTn id="6" dur="1" fill="hold">
-                                          <p:stCondLst>
-                                            <p:cond delay="0"/>
-                                          </p:stCondLst>
-                                        </p:cTn>
-                                        <p:tgtEl>
-                                          <p:spTgt spid="36"/>
-                                        </p:tgtEl>
-                                        <p:attrNameLst>
-                                          <p:attrName>style.visibility</p:attrName>
-                                        </p:attrNameLst>
-                                      </p:cBhvr>
-                                      <p:to>
-                                        <p:strVal val="visible"/>
-                                      </p:to>
-                                    </p:set>
-                                    <p:anim calcmode="lin" valueType="num">
-                                      <p:cBhvr additive="base">
-                                        <p:cTn id="7" dur="500" fill="hold"/>
-                                        <p:tgtEl>
-                                          <p:spTgt spid="36"/>
-                                        </p:tgtEl>
-                                        <p:attrNameLst>
-                                          <p:attrName>ppt_x</p:attrName>
-                                        </p:attrNameLst>
-                                      </p:cBhvr>
-                                      <p:tavLst>
-                                        <p:tav tm="0">
-                                          <p:val>
-                                            <p:strVal val="0-#ppt_w/2"/>
-                                          </p:val>
-                                        </p:tav>
-                                        <p:tav tm="100000">
-                                          <p:val>
-                                            <p:strVal val="#ppt_x"/>
-                                          </p:val>
-                                        </p:tav>
-                                      </p:tavLst>
-                                    </p:anim>
-                                    <p:anim calcmode="lin" valueType="num">
-                                      <p:cBhvr additive="base">
-                                        <p:cTn id="8" dur="500" fill="hold"/>
-                                        <p:tgtEl>
-                                          <p:spTgt spid="36"/>
-                                        </p:tgtEl>
-                                        <p:attrNameLst>
-                                          <p:attrName>ppt_y</p:attrName>
-                                        </p:attrNameLst>
-                                      </p:cBhvr>
-                                      <p:tavLst>
-                                        <p:tav tm="0">
-                                          <p:val>
-                                            <p:strVal val="#ppt_y"/>
-                                          </p:val>
-                                        </p:tav>
-                                        <p:tav tm="100000">
-                                          <p:val>
-                                            <p:strVal val="#ppt_y"/>
-                                          </p:val>
-                                        </p:tav>
-                                      </p:tavLst>
-                                    </p:anim>
-                                  </p:childTnLst>
-                                </p:cTn>
-                              </p:par>
-                            </p:childTnLst>
-                          </p:cTn>
-                        </p:par>
-                        <p:par>
-                          <p:cTn id="9" fill="hold">
-                            <p:stCondLst>
-                              <p:cond delay="500"/>
-                            </p:stCondLst>
-                            <p:childTnLst>
-                              <p:par>
-                                <p:cTn id="10" presetID="17" presetClass="entr" presetSubtype="1" fill="hold" grpId="0" nodeType="afterEffect">
-                                  <p:stCondLst>
-                                    <p:cond delay="0"/>
-                                  </p:stCondLst>
-                                  <p:iterate type="lt">
-                                    <p:tmPct val="40000"/>
-                                  </p:iterate>
-                                  <p:childTnLst>
-                                    <p:set>
-                                      <p:cBhvr>
-                                        <p:cTn id="11" dur="1" fill="hold">
-                                          <p:stCondLst>
-                                            <p:cond delay="0"/>
-                                          </p:stCondLst>
-                                        </p:cTn>
-                                        <p:tgtEl>
-                                          <p:spTgt spid="37"/>
-                                        </p:tgtEl>
-                                        <p:attrNameLst>
-                                          <p:attrName>style.visibility</p:attrName>
-                                        </p:attrNameLst>
-                                      </p:cBhvr>
-                                      <p:to>
-                                        <p:strVal val="visible"/>
-                                      </p:to>
-                                    </p:set>
-                                    <p:anim calcmode="lin" valueType="num">
-                                      <p:cBhvr>
-                                        <p:cTn id="12" dur="250" fill="hold"/>
-                                        <p:tgtEl>
-                                          <p:spTgt spid="37"/>
-                                        </p:tgtEl>
-                                        <p:attrNameLst>
-                                          <p:attrName>ppt_x</p:attrName>
-                                        </p:attrNameLst>
-                                      </p:cBhvr>
-                                      <p:tavLst>
-                                        <p:tav tm="0">
-                                          <p:val>
-                                            <p:strVal val="#ppt_x"/>
-                                          </p:val>
-                                        </p:tav>
-                                        <p:tav tm="100000">
-                                          <p:val>
-                                            <p:strVal val="#ppt_x"/>
-                                          </p:val>
-                                        </p:tav>
-                                      </p:tavLst>
-                                    </p:anim>
-                                    <p:anim calcmode="lin" valueType="num">
-                                      <p:cBhvr>
-                                        <p:cTn id="13" dur="250" fill="hold"/>
-                                        <p:tgtEl>
-                                          <p:spTgt spid="37"/>
-                                        </p:tgtEl>
-                                        <p:attrNameLst>
-                                          <p:attrName>ppt_y</p:attrName>
-                                        </p:attrNameLst>
-                                      </p:cBhvr>
-                                      <p:tavLst>
-                                        <p:tav tm="0">
-                                          <p:val>
-                                            <p:strVal val="#ppt_y-#ppt_h/2"/>
-                                          </p:val>
-                                        </p:tav>
-                                        <p:tav tm="100000">
-                                          <p:val>
-                                            <p:strVal val="#ppt_y"/>
-                                          </p:val>
-                                        </p:tav>
-                                      </p:tavLst>
-                                    </p:anim>
-                                    <p:anim calcmode="lin" valueType="num">
-                                      <p:cBhvr>
-                                        <p:cTn id="14" dur="250" fill="hold"/>
-                                        <p:tgtEl>
-                                          <p:spTgt spid="37"/>
-                                        </p:tgtEl>
-                                        <p:attrNameLst>
-                                          <p:attrName>ppt_w</p:attrName>
-                                        </p:attrNameLst>
-                                      </p:cBhvr>
-                                      <p:tavLst>
-                                        <p:tav tm="0">
-                                          <p:val>
-                                            <p:strVal val="#ppt_w"/>
-                                          </p:val>
-                                        </p:tav>
-                                        <p:tav tm="100000">
-                                          <p:val>
-                                            <p:strVal val="#ppt_w"/>
-                                          </p:val>
-                                        </p:tav>
-                                      </p:tavLst>
-                                    </p:anim>
-                                    <p:anim calcmode="lin" valueType="num">
-                                      <p:cBhvr>
-                                        <p:cTn id="15" dur="250" fill="hold"/>
-                                        <p:tgtEl>
-                                          <p:spTgt spid="37"/>
-                                        </p:tgtEl>
-                                        <p:attrNameLst>
-                                          <p:attrName>ppt_h</p:attrName>
-                                        </p:attrNameLst>
-                                      </p:cBhvr>
-                                      <p:tavLst>
-                                        <p:tav tm="0">
-                                          <p:val>
-                                            <p:fltVal val="0"/>
-                                          </p:val>
-                                        </p:tav>
-                                        <p:tav tm="100000">
-                                          <p:val>
-                                            <p:strVal val="#ppt_h"/>
-                                          </p:val>
-                                        </p:tav>
-                                      </p:tavLst>
-                                    </p:anim>
-                                  </p:childTnLst>
-                                </p:cTn>
-                              </p:par>
-                            </p:childTnLst>
-                          </p:cTn>
-                        </p:par>
-                      </p:childTnLst>
-                    </p:cTn>
-                  </p:par>
-                </p:childTnLst>
-              </p:cTn>
-              <p:prevCondLst>
-                <p:cond evt="onPrev" delay="0">
-                  <p:tgtEl>
-                    <p:sldTgt/>
-                  </p:tgtEl>
-                </p:cond>
-              </p:prevCondLst>
-              <p:nextCondLst>
-                <p:cond evt="onNext" delay="0">
-                  <p:tgtEl>
-                    <p:sldTgt/>
-                  </p:tgtEl>
-                </p:cond>
-              </p:nextCondLst>
-            </p:seq>
-          </p:childTnLst>
-        </p:cTn>
-      </p:par>
-    </p:tnLst>
-    <p:bldLst>
-      <p:bldP spid="36" grpId="0" bldLvl="0" animBg="1"/>
-      <p:bldP spid="37" grpId="0"/>
-    </p:bldLst>
-  </p:timing>
-</p:sld>
-</file>
-
-<file path=ppt/slides/slide28.xml><?xml version="1.0" encoding="utf-8"?>
 <p:sld xmlns:a="http://schemas.openxmlformats.org/drawingml/2006/main" xmlns:r="http://schemas.openxmlformats.org/officeDocument/2006/relationships" xmlns:p="http://schemas.openxmlformats.org/presentationml/2006/main">
   <p:cSld>
     <p:spTree>
@@ -21806,6 +21646,16 @@
               </a:rPr>
               <a:t>汇报结束 感谢观看</a:t>
             </a:r>
+            <a:endParaRPr lang="zh-CN" altLang="en-US" sz="3600" b="1" dirty="0">
+              <a:solidFill>
+                <a:schemeClr val="tx1">
+                  <a:lumMod val="75000"/>
+                  <a:lumOff val="25000"/>
+                </a:schemeClr>
+              </a:solidFill>
+              <a:latin typeface="微软雅黑" panose="020B0503020204020204" pitchFamily="34" charset="-122"/>
+              <a:ea typeface="微软雅黑" panose="020B0503020204020204" pitchFamily="34" charset="-122"/>
+            </a:endParaRPr>
           </a:p>
         </p:txBody>
       </p:sp>
@@ -21967,16 +21817,16 @@
             <a:picLocks noChangeAspect="1"/>
           </p:cNvPicPr>
           <p:nvPr>
-            <a:audioFile r:link="rId2"/>
+            <a:audioFile r:link="rId1"/>
             <p:extLst>
               <p:ext uri="{DAA4B4D4-6D71-4841-9C94-3DE7FCFB9230}">
-                <p14:media xmlns:p14="http://schemas.microsoft.com/office/powerpoint/2010/main" r:embed="rId1"/>
+                <p14:media xmlns:p14="http://schemas.microsoft.com/office/powerpoint/2010/main" r:embed="rId2"/>
               </p:ext>
             </p:extLst>
           </p:nvPr>
         </p:nvPicPr>
         <p:blipFill>
-          <a:blip r:embed="rId5"/>
+          <a:blip r:embed="rId3"/>
           <a:stretch>
             <a:fillRect/>
           </a:stretch>
@@ -22024,6 +21874,14 @@
               </a:rPr>
               <a:t>浙江大学城市学院</a:t>
             </a:r>
+            <a:endParaRPr lang="zh-CN" altLang="en-US" kern="300" spc="2000">
+              <a:solidFill>
+                <a:schemeClr val="tx1"/>
+              </a:solidFill>
+              <a:uFillTx/>
+              <a:latin typeface="+中文标题" charset="0"/>
+              <a:ea typeface="+mj-ea"/>
+            </a:endParaRPr>
           </a:p>
         </p:txBody>
       </p:sp>
@@ -22032,13 +21890,13 @@
   <p:clrMapOvr>
     <a:masterClrMapping/>
   </p:clrMapOvr>
-  <mc:AlternateContent xmlns:mc="http://schemas.openxmlformats.org/markup-compatibility/2006" xmlns:p14="http://schemas.microsoft.com/office/powerpoint/2010/main">
-    <mc:Choice Requires="p14">
+  <mc:AlternateContent xmlns:mc="http://schemas.openxmlformats.org/markup-compatibility/2006">
+    <mc:Choice xmlns:p14="http://schemas.microsoft.com/office/powerpoint/2010/main" Requires="p14">
       <p:transition spd="slow" p14:dur="1600" advClick="0" advTm="0">
         <p:blinds dir="vert"/>
       </p:transition>
     </mc:Choice>
-    <mc:Fallback xmlns="">
+    <mc:Fallback>
       <p:transition spd="slow" advClick="0" advTm="0">
         <p:blinds dir="vert"/>
       </p:transition>
@@ -23203,6 +23061,10 @@
               </a:rPr>
               <a:t>软件工程教学辅助软件</a:t>
             </a:r>
+            <a:endParaRPr lang="zh-CN" altLang="en-US" sz="2000" dirty="0">
+              <a:latin typeface="微软雅黑" panose="020B0503020204020204" pitchFamily="34" charset="-122"/>
+              <a:ea typeface="微软雅黑" panose="020B0503020204020204" pitchFamily="34" charset="-122"/>
+            </a:endParaRPr>
           </a:p>
           <a:p>
             <a:pPr algn="just">
@@ -23252,6 +23114,13 @@
               </a:rPr>
               <a:t>项目简介</a:t>
             </a:r>
+            <a:endParaRPr lang="zh-CN" altLang="en-US" sz="3200" b="1" dirty="0">
+              <a:solidFill>
+                <a:schemeClr val="bg1"/>
+              </a:solidFill>
+              <a:latin typeface="微软雅黑" panose="020B0503020204020204" pitchFamily="34" charset="-122"/>
+              <a:ea typeface="微软雅黑" panose="020B0503020204020204" pitchFamily="34" charset="-122"/>
+            </a:endParaRPr>
           </a:p>
         </p:txBody>
       </p:sp>
@@ -23964,6 +23833,13 @@
               </a:rPr>
               <a:t>项目简介</a:t>
             </a:r>
+            <a:endParaRPr lang="zh-CN" altLang="en-US" sz="3200" b="1" dirty="0">
+              <a:solidFill>
+                <a:schemeClr val="bg1"/>
+              </a:solidFill>
+              <a:latin typeface="微软雅黑" panose="020B0503020204020204" pitchFamily="34" charset="-122"/>
+              <a:ea typeface="微软雅黑" panose="020B0503020204020204" pitchFamily="34" charset="-122"/>
+            </a:endParaRPr>
           </a:p>
         </p:txBody>
       </p:sp>
@@ -24157,6 +24033,12 @@
                         </a:rPr>
                         <a:t>杨枨</a:t>
                       </a:r>
+                      <a:endParaRPr lang="zh-CN" sz="1800" kern="100">
+                        <a:effectLst/>
+                        <a:latin typeface="+mn-ea"/>
+                        <a:ea typeface="+mn-ea"/>
+                        <a:cs typeface="Times New Roman" panose="02020603050405020304" pitchFamily="18" charset="0"/>
+                      </a:endParaRPr>
                     </a:p>
                   </a:txBody>
                   <a:tcPr marL="68580" marR="68580" marT="0" marB="0" anchor="ctr"/>
@@ -24180,6 +24062,12 @@
                         </a:rPr>
                         <a:t>13357102333</a:t>
                       </a:r>
+                      <a:endParaRPr lang="en-US" sz="1800" kern="100" dirty="0">
+                        <a:effectLst/>
+                        <a:latin typeface="+mn-ea"/>
+                        <a:ea typeface="+mn-ea"/>
+                        <a:cs typeface="Times New Roman" panose="02020603050405020304" pitchFamily="18" charset="0"/>
+                      </a:endParaRPr>
                     </a:p>
                   </a:txBody>
                   <a:tcPr marL="68580" marR="68580" marT="0" marB="0" anchor="ctr"/>
@@ -24206,6 +24094,15 @@
                         </a:rPr>
                         <a:t>yangc@zucc.edu.cn</a:t>
                       </a:r>
+                      <a:endParaRPr lang="en-US" sz="1800" u="none" strike="noStrike" kern="100" dirty="0">
+                        <a:solidFill>
+                          <a:srgbClr val="0563C1"/>
+                        </a:solidFill>
+                        <a:effectLst/>
+                        <a:latin typeface="+mn-ea"/>
+                        <a:ea typeface="+mn-ea"/>
+                        <a:cs typeface="Times New Roman" panose="02020603050405020304" pitchFamily="18" charset="0"/>
+                      </a:endParaRPr>
                     </a:p>
                   </a:txBody>
                   <a:tcPr marL="68580" marR="68580" marT="0" marB="0" anchor="ctr"/>
@@ -24412,65 +24309,7 @@
               <a:rPr lang="zh-CN" altLang="en-US"/>
               <a:t>项目提出者：</a:t>
             </a:r>
-          </a:p>
-        </p:txBody>
-      </p:sp>
-      <p:sp>
-        <p:nvSpPr>
-          <p:cNvPr id="7" name="文本框 6"/>
-          <p:cNvSpPr txBox="1"/>
-          <p:nvPr/>
-        </p:nvSpPr>
-        <p:spPr>
-          <a:xfrm>
-            <a:off x="2053590" y="3886200"/>
-            <a:ext cx="1496695" cy="414020"/>
-          </a:xfrm>
-          <a:prstGeom prst="rect">
-            <a:avLst/>
-          </a:prstGeom>
-          <a:noFill/>
-        </p:spPr>
-        <p:txBody>
-          <a:bodyPr wrap="square" rtlCol="0">
-            <a:spAutoFit/>
-          </a:bodyPr>
-          <a:lstStyle/>
-          <a:p>
-            <a:r>
-              <a:rPr lang="zh-CN" altLang="en-US"/>
-              <a:t>项目用户：</a:t>
-            </a:r>
-          </a:p>
-        </p:txBody>
-      </p:sp>
-      <p:sp>
-        <p:nvSpPr>
-          <p:cNvPr id="8" name="文本框 7"/>
-          <p:cNvSpPr txBox="1"/>
-          <p:nvPr/>
-        </p:nvSpPr>
-        <p:spPr>
-          <a:xfrm>
-            <a:off x="2053590" y="4587240"/>
-            <a:ext cx="6716395" cy="414020"/>
-          </a:xfrm>
-          <a:prstGeom prst="rect">
-            <a:avLst/>
-          </a:prstGeom>
-          <a:noFill/>
-        </p:spPr>
-        <p:txBody>
-          <a:bodyPr wrap="square" rtlCol="0">
-            <a:spAutoFit/>
-          </a:bodyPr>
-          <a:lstStyle/>
-          <a:p>
-            <a:r>
-              <a:rPr lang="zh-CN" altLang="en-US" b="1" dirty="0" smtClean="0"/>
-              <a:t>软件工程专业的师生。</a:t>
-            </a:r>
-            <a:endParaRPr lang="zh-CN" altLang="en-US" b="1" dirty="0"/>
+            <a:endParaRPr lang="zh-CN" altLang="en-US"/>
           </a:p>
         </p:txBody>
       </p:sp>
@@ -24869,6 +24708,13 @@
               </a:rPr>
               <a:t>项目简介</a:t>
             </a:r>
+            <a:endParaRPr lang="zh-CN" altLang="en-US" sz="3200" b="1" dirty="0">
+              <a:solidFill>
+                <a:schemeClr val="bg1"/>
+              </a:solidFill>
+              <a:latin typeface="微软雅黑" panose="020B0503020204020204" pitchFamily="34" charset="-122"/>
+              <a:ea typeface="微软雅黑" panose="020B0503020204020204" pitchFamily="34" charset="-122"/>
+            </a:endParaRPr>
           </a:p>
         </p:txBody>
       </p:sp>
@@ -24909,6 +24755,18 @@
               </a:rPr>
               <a:t>开发团队：</a:t>
             </a:r>
+            <a:endParaRPr lang="zh-CN" altLang="en-US" sz="2800" b="1">
+              <a:solidFill>
+                <a:schemeClr val="tx1"/>
+              </a:solidFill>
+              <a:effectLst>
+                <a:outerShdw blurRad="38100" dist="19050" dir="2700000" algn="tl" rotWithShape="0">
+                  <a:schemeClr val="dk1">
+                    <a:alpha val="40000"/>
+                  </a:schemeClr>
+                </a:outerShdw>
+              </a:effectLst>
+            </a:endParaRPr>
           </a:p>
         </p:txBody>
       </p:sp>
@@ -25850,164 +25708,26 @@
       </p:sp>
       <p:pic>
         <p:nvPicPr>
-          <p:cNvPr id="5" name="Picture 2"/>
+          <p:cNvPr id="8" name="图片 7"/>
           <p:cNvPicPr>
-            <a:picLocks noChangeAspect="1" noChangeArrowheads="1"/>
+            <a:picLocks noChangeAspect="1"/>
           </p:cNvPicPr>
           <p:nvPr/>
         </p:nvPicPr>
         <p:blipFill>
-          <a:blip r:embed="rId2">
-            <a:extLst>
-              <a:ext uri="{28A0092B-C50C-407E-A947-70E740481C1C}">
-                <a14:useLocalDpi xmlns:a14="http://schemas.microsoft.com/office/drawing/2010/main" val="0"/>
-              </a:ext>
-            </a:extLst>
-          </a:blip>
-          <a:srcRect/>
+          <a:blip r:embed="rId1"/>
           <a:stretch>
             <a:fillRect/>
           </a:stretch>
         </p:blipFill>
-        <p:spPr bwMode="auto">
+        <p:spPr>
           <a:xfrm>
-            <a:off x="29753" y="837506"/>
-            <a:ext cx="5465788" cy="3761008"/>
+            <a:off x="4378325" y="255270"/>
+            <a:ext cx="6946900" cy="6125845"/>
           </a:xfrm>
           <a:prstGeom prst="rect">
             <a:avLst/>
           </a:prstGeom>
-          <a:noFill/>
-          <a:ln>
-            <a:noFill/>
-          </a:ln>
-          <a:extLst>
-            <a:ext uri="{909E8E84-426E-40DD-AFC4-6F175D3DCCD1}">
-              <a14:hiddenFill xmlns:a14="http://schemas.microsoft.com/office/drawing/2010/main">
-                <a:solidFill>
-                  <a:schemeClr val="accent1"/>
-                </a:solidFill>
-              </a14:hiddenFill>
-            </a:ext>
-            <a:ext uri="{91240B29-F687-4F45-9708-019B960494DF}">
-              <a14:hiddenLine xmlns:a14="http://schemas.microsoft.com/office/drawing/2010/main" w="9525">
-                <a:solidFill>
-                  <a:schemeClr val="tx1"/>
-                </a:solidFill>
-                <a:miter lim="800000"/>
-                <a:headEnd/>
-                <a:tailEnd/>
-              </a14:hiddenLine>
-            </a:ext>
-          </a:extLst>
-        </p:spPr>
-      </p:pic>
-      <p:pic>
-        <p:nvPicPr>
-          <p:cNvPr id="7" name="Picture 3"/>
-          <p:cNvPicPr>
-            <a:picLocks noChangeAspect="1" noChangeArrowheads="1"/>
-          </p:cNvPicPr>
-          <p:nvPr/>
-        </p:nvPicPr>
-        <p:blipFill>
-          <a:blip r:embed="rId3">
-            <a:extLst>
-              <a:ext uri="{28A0092B-C50C-407E-A947-70E740481C1C}">
-                <a14:useLocalDpi xmlns:a14="http://schemas.microsoft.com/office/drawing/2010/main" val="0"/>
-              </a:ext>
-            </a:extLst>
-          </a:blip>
-          <a:srcRect/>
-          <a:stretch>
-            <a:fillRect/>
-          </a:stretch>
-        </p:blipFill>
-        <p:spPr bwMode="auto">
-          <a:xfrm>
-            <a:off x="6023198" y="661501"/>
-            <a:ext cx="5995792" cy="4125703"/>
-          </a:xfrm>
-          <a:prstGeom prst="rect">
-            <a:avLst/>
-          </a:prstGeom>
-          <a:noFill/>
-          <a:ln>
-            <a:noFill/>
-          </a:ln>
-          <a:extLst>
-            <a:ext uri="{909E8E84-426E-40DD-AFC4-6F175D3DCCD1}">
-              <a14:hiddenFill xmlns:a14="http://schemas.microsoft.com/office/drawing/2010/main">
-                <a:solidFill>
-                  <a:schemeClr val="accent1"/>
-                </a:solidFill>
-              </a14:hiddenFill>
-            </a:ext>
-            <a:ext uri="{91240B29-F687-4F45-9708-019B960494DF}">
-              <a14:hiddenLine xmlns:a14="http://schemas.microsoft.com/office/drawing/2010/main" w="9525">
-                <a:solidFill>
-                  <a:schemeClr val="tx1"/>
-                </a:solidFill>
-                <a:miter lim="800000"/>
-                <a:headEnd/>
-                <a:tailEnd/>
-              </a14:hiddenLine>
-            </a:ext>
-          </a:extLst>
-        </p:spPr>
-      </p:pic>
-      <p:pic>
-        <p:nvPicPr>
-          <p:cNvPr id="1029" name="Picture 5"/>
-          <p:cNvPicPr>
-            <a:picLocks noChangeAspect="1" noChangeArrowheads="1"/>
-          </p:cNvPicPr>
-          <p:nvPr/>
-        </p:nvPicPr>
-        <p:blipFill>
-          <a:blip r:embed="rId4">
-            <a:extLst>
-              <a:ext uri="{28A0092B-C50C-407E-A947-70E740481C1C}">
-                <a14:useLocalDpi xmlns:a14="http://schemas.microsoft.com/office/drawing/2010/main" val="0"/>
-              </a:ext>
-            </a:extLst>
-          </a:blip>
-          <a:srcRect/>
-          <a:stretch>
-            <a:fillRect/>
-          </a:stretch>
-        </p:blipFill>
-        <p:spPr bwMode="auto">
-          <a:xfrm>
-            <a:off x="2551810" y="4825735"/>
-            <a:ext cx="6942776" cy="1191415"/>
-          </a:xfrm>
-          <a:prstGeom prst="rect">
-            <a:avLst/>
-          </a:prstGeom>
-          <a:noFill/>
-          <a:ln>
-            <a:noFill/>
-          </a:ln>
-          <a:extLst>
-            <a:ext uri="{909E8E84-426E-40DD-AFC4-6F175D3DCCD1}">
-              <a14:hiddenFill xmlns:a14="http://schemas.microsoft.com/office/drawing/2010/main">
-                <a:solidFill>
-                  <a:schemeClr val="accent1"/>
-                </a:solidFill>
-              </a14:hiddenFill>
-            </a:ext>
-            <a:ext uri="{91240B29-F687-4F45-9708-019B960494DF}">
-              <a14:hiddenLine xmlns:a14="http://schemas.microsoft.com/office/drawing/2010/main" w="9525">
-                <a:solidFill>
-                  <a:schemeClr val="tx1"/>
-                </a:solidFill>
-                <a:miter lim="800000"/>
-                <a:headEnd/>
-                <a:tailEnd/>
-              </a14:hiddenLine>
-            </a:ext>
-          </a:extLst>
         </p:spPr>
       </p:pic>
     </p:spTree>
@@ -26137,6 +25857,7 @@
               <a:rPr lang="en-US" sz="2400" dirty="0"/>
               <a:t>2</a:t>
             </a:r>
+            <a:endParaRPr lang="en-US" sz="2400" dirty="0"/>
           </a:p>
         </p:txBody>
       </p:sp>
@@ -26191,7 +25912,7 @@
         <p:spPr>
           <a:xfrm>
             <a:off x="2494806" y="1197546"/>
-            <a:ext cx="6716395" cy="4893647"/>
+            <a:ext cx="6716395" cy="4892675"/>
           </a:xfrm>
           <a:prstGeom prst="rect">
             <a:avLst/>
@@ -26209,6 +25930,7 @@
               <a:rPr lang="zh-CN" altLang="zh-CN" sz="2400" dirty="0"/>
               <a:t>小组成员每人一台开发主机</a:t>
             </a:r>
+            <a:endParaRPr lang="zh-CN" altLang="zh-CN" sz="2400" dirty="0"/>
           </a:p>
           <a:p>
             <a:pPr lvl="0"/>
@@ -26216,6 +25938,7 @@
               <a:rPr lang="zh-CN" altLang="zh-CN" sz="2400" dirty="0"/>
               <a:t>阿里云服务器</a:t>
             </a:r>
+            <a:endParaRPr lang="zh-CN" altLang="zh-CN" sz="2400" dirty="0"/>
           </a:p>
           <a:p>
             <a:pPr lvl="0"/>
@@ -26227,6 +25950,7 @@
               <a:rPr lang="zh-CN" altLang="zh-CN" sz="2400" dirty="0"/>
               <a:t>办公全家桶</a:t>
             </a:r>
+            <a:endParaRPr lang="zh-CN" altLang="zh-CN" sz="2400" dirty="0"/>
           </a:p>
           <a:p>
             <a:pPr lvl="0"/>
@@ -26252,7 +25976,7 @@
             </a:r>
             <a:r>
               <a:rPr lang="en-US" altLang="zh-CN" sz="2400" dirty="0" err="1"/>
-              <a:t>WeStorm</a:t>
+              <a:t>WebStorm</a:t>
             </a:r>
             <a:endParaRPr lang="zh-CN" altLang="zh-CN" sz="2400" dirty="0"/>
           </a:p>
@@ -26330,6 +26054,7 @@
               <a:rPr lang="en-US" altLang="zh-CN" sz="2400" dirty="0" smtClean="0"/>
               <a:t>Bugzilla</a:t>
             </a:r>
+            <a:endParaRPr lang="en-US" altLang="zh-CN" sz="2400" dirty="0" smtClean="0"/>
           </a:p>
           <a:p>
             <a:pPr lvl="0"/>
@@ -26345,6 +26070,7 @@
               <a:rPr lang="en-US" altLang="zh-CN" sz="2400" dirty="0" smtClean="0"/>
               <a:t>RSA</a:t>
             </a:r>
+            <a:endParaRPr lang="en-US" altLang="zh-CN" sz="2400" dirty="0" smtClean="0"/>
           </a:p>
           <a:p>
             <a:pPr lvl="0"/>
@@ -26374,7 +26100,7 @@
             </a:r>
             <a:r>
               <a:rPr lang="en-US" altLang="zh-CN" sz="2400" dirty="0" smtClean="0"/>
-              <a:t>Power Designed`</a:t>
+              <a:t>Power Designed</a:t>
             </a:r>
             <a:endParaRPr lang="zh-CN" altLang="zh-CN" sz="2400" dirty="0"/>
           </a:p>
@@ -26543,6 +26269,13 @@
               </a:rPr>
               <a:t>人力资源管理计划</a:t>
             </a:r>
+            <a:endParaRPr lang="zh-CN" altLang="en-US" sz="2665" dirty="0">
+              <a:solidFill>
+                <a:srgbClr val="183A5D"/>
+              </a:solidFill>
+              <a:latin typeface="微软雅黑" panose="020B0503020204020204" pitchFamily="34" charset="-122"/>
+              <a:ea typeface="微软雅黑" panose="020B0503020204020204" pitchFamily="34" charset="-122"/>
+            </a:endParaRPr>
           </a:p>
         </p:txBody>
       </p:sp>
@@ -27410,6 +27143,7 @@
               <a:rPr lang="zh-CN" altLang="zh-CN" sz="1600" dirty="0"/>
               <a:t>负责项目管理工作，安排项目资源，对项目的规模、进度、工作量、质量、费用、风险、缺陷等进行控制，保证项目按计划运行，实现课程下达的项目目标</a:t>
             </a:r>
+            <a:endParaRPr lang="zh-CN" altLang="zh-CN" sz="1600" dirty="0"/>
           </a:p>
         </p:txBody>
       </p:sp>
@@ -27438,12 +27172,14 @@
               <a:rPr lang="zh-CN" altLang="zh-CN" sz="1400" dirty="0"/>
               <a:t>本职概述：</a:t>
             </a:r>
+            <a:endParaRPr lang="zh-CN" altLang="zh-CN" sz="1400" dirty="0"/>
           </a:p>
           <a:p>
             <a:r>
               <a:rPr lang="zh-CN" altLang="zh-CN" sz="1400" dirty="0"/>
               <a:t>负责会议记录和录音</a:t>
             </a:r>
+            <a:endParaRPr lang="zh-CN" altLang="zh-CN" sz="1400" dirty="0"/>
           </a:p>
         </p:txBody>
       </p:sp>
@@ -27876,6 +27612,9 @@
               </a:rPr>
               <a:t>本职概述：</a:t>
             </a:r>
+            <a:endParaRPr lang="zh-CN" sz="1050" b="0">
+              <a:ea typeface="宋体" panose="02010600030101010101" pitchFamily="2" charset="-122"/>
+            </a:endParaRPr>
           </a:p>
           <a:p>
             <a:pPr indent="0"/>
@@ -28052,6 +27791,13 @@
               </a:rPr>
               <a:t>人力资源管理计划</a:t>
             </a:r>
+            <a:endParaRPr lang="zh-CN" altLang="en-US" sz="2665" dirty="0">
+              <a:solidFill>
+                <a:srgbClr val="183A5D"/>
+              </a:solidFill>
+              <a:latin typeface="微软雅黑" panose="020B0503020204020204" pitchFamily="34" charset="-122"/>
+              <a:ea typeface="微软雅黑" panose="020B0503020204020204" pitchFamily="34" charset="-122"/>
+            </a:endParaRPr>
           </a:p>
         </p:txBody>
       </p:sp>
@@ -28080,12 +27826,14 @@
               <a:rPr lang="zh-CN" altLang="zh-CN" sz="1200" dirty="0"/>
               <a:t>本职概述：</a:t>
             </a:r>
+            <a:endParaRPr lang="zh-CN" altLang="zh-CN" sz="1200" dirty="0"/>
           </a:p>
           <a:p>
             <a:r>
               <a:rPr lang="zh-CN" altLang="zh-CN" sz="1200" dirty="0"/>
               <a:t>负责计划软件配置管理活动，标识配置项，建立基线，进行版本和变更控制，保证相关人员能够方便地通过软件配置管理获得有用的信息</a:t>
             </a:r>
+            <a:endParaRPr lang="zh-CN" altLang="zh-CN" sz="1200" dirty="0"/>
           </a:p>
         </p:txBody>
       </p:sp>
@@ -28549,12 +28297,14 @@
               <a:rPr lang="zh-CN" altLang="zh-CN" sz="1200" dirty="0"/>
               <a:t>本职概述：</a:t>
             </a:r>
+            <a:endParaRPr lang="zh-CN" altLang="zh-CN" sz="1200" dirty="0"/>
           </a:p>
           <a:p>
             <a:r>
               <a:rPr lang="zh-CN" altLang="zh-CN" sz="1200" dirty="0"/>
               <a:t>负责安排用户访谈，主要负责组织小组成员，了解他们的课余时间，安排访谈活动</a:t>
             </a:r>
+            <a:endParaRPr lang="zh-CN" altLang="zh-CN" sz="1200" dirty="0"/>
           </a:p>
         </p:txBody>
       </p:sp>
@@ -29283,11 +29033,9 @@
       </a:bgFillStyleLst>
     </a:fmtScheme>
   </a:themeElements>
-  <a:objectDefaults/>
-  <a:extraClrSchemeLst/>
   <a:extLst>
     <a:ext uri="{05A4C25C-085E-4340-85A3-A5531E510DB2}">
-      <thm15:themeFamily xmlns:thm15="http://schemas.microsoft.com/office/thememl/2012/main" xmlns="" name="Office Theme" id="{62F939B6-93AF-4DB8-9C6B-D6C7DFDC589F}" vid="{4A3C46E8-61CC-4603-A589-7422A47A8E4A}"/>
+      <thm15:themeFamily xmlns:thm15="http://schemas.microsoft.com/office/thememl/2012/main" name="Office Theme" id="{62F939B6-93AF-4DB8-9C6B-D6C7DFDC589F}" vid="{4A3C46E8-61CC-4603-A589-7422A47A8E4A}"/>
     </a:ext>
   </a:extLst>
 </a:theme>
@@ -29573,11 +29321,9 @@
       </a:bgFillStyleLst>
     </a:fmtScheme>
   </a:themeElements>
-  <a:objectDefaults/>
-  <a:extraClrSchemeLst/>
   <a:extLst>
     <a:ext uri="{05A4C25C-085E-4340-85A3-A5531E510DB2}">
-      <thm15:themeFamily xmlns:thm15="http://schemas.microsoft.com/office/thememl/2012/main" xmlns="" name="Office Theme" id="{62F939B6-93AF-4DB8-9C6B-D6C7DFDC589F}" vid="{4A3C46E8-61CC-4603-A589-7422A47A8E4A}"/>
+      <thm15:themeFamily xmlns:thm15="http://schemas.microsoft.com/office/thememl/2012/main" name="Office Theme" id="{62F939B6-93AF-4DB8-9C6B-D6C7DFDC589F}" vid="{4A3C46E8-61CC-4603-A589-7422A47A8E4A}"/>
     </a:ext>
   </a:extLst>
 </a:theme>
@@ -29863,11 +29609,9 @@
       </a:bgFillStyleLst>
     </a:fmtScheme>
   </a:themeElements>
-  <a:objectDefaults/>
-  <a:extraClrSchemeLst/>
   <a:extLst>
     <a:ext uri="{05A4C25C-085E-4340-85A3-A5531E510DB2}">
-      <thm15:themeFamily xmlns:thm15="http://schemas.microsoft.com/office/thememl/2012/main" xmlns="" name="Office Theme" id="{62F939B6-93AF-4DB8-9C6B-D6C7DFDC589F}" vid="{4A3C46E8-61CC-4603-A589-7422A47A8E4A}"/>
+      <thm15:themeFamily xmlns:thm15="http://schemas.microsoft.com/office/thememl/2012/main" name="Office Theme" id="{62F939B6-93AF-4DB8-9C6B-D6C7DFDC589F}" vid="{4A3C46E8-61CC-4603-A589-7422A47A8E4A}"/>
     </a:ext>
   </a:extLst>
 </a:theme>
